--- a/phase_2/phase_2_db_presentation.pptx
+++ b/phase_2/phase_2_db_presentation.pptx
@@ -3477,41 +3477,6 @@
           </a:p>
         </p:txBody>
       </p:sp>
-      <p:pic>
-        <p:nvPicPr>
-          <p:cNvPr id="6" name="Inhaltsplatzhalter 5" descr="Ein Bild, das Text, Screenshot, Quittung, Schrift enthält.&#10;&#10;Automatisch generierte Beschreibung">
-            <a:extLst>
-              <a:ext uri="{FF2B5EF4-FFF2-40B4-BE49-F238E27FC236}">
-                <a16:creationId xmlns:a16="http://schemas.microsoft.com/office/drawing/2014/main" id="{33F72CD2-EA9B-B1DE-33E6-A55C5A30DAE7}"/>
-              </a:ext>
-            </a:extLst>
-          </p:cNvPr>
-          <p:cNvPicPr>
-            <a:picLocks noGrp="1" noChangeAspect="1"/>
-          </p:cNvPicPr>
-          <p:nvPr>
-            <p:ph sz="half" idx="1"/>
-          </p:nvPr>
-        </p:nvPicPr>
-        <p:blipFill>
-          <a:blip r:embed="rId2">
-            <a:extLst>
-              <a:ext uri="{28A0092B-C50C-407E-A947-70E740481C1C}">
-                <a14:useLocalDpi xmlns:a14="http://schemas.microsoft.com/office/drawing/2010/main" val="0"/>
-              </a:ext>
-            </a:extLst>
-          </a:blip>
-          <a:stretch>
-            <a:fillRect/>
-          </a:stretch>
-        </p:blipFill>
-        <p:spPr>
-          <a:xfrm>
-            <a:off x="2855119" y="3184525"/>
-            <a:ext cx="1724025" cy="2009775"/>
-          </a:xfrm>
-        </p:spPr>
-      </p:pic>
       <p:sp>
         <p:nvSpPr>
           <p:cNvPr id="4" name="Inhaltsplatzhalter 3">
@@ -3528,10 +3493,15 @@
             <p:ph sz="half" idx="2"/>
           </p:nvPr>
         </p:nvSpPr>
-        <p:spPr/>
+        <p:spPr>
+          <a:xfrm>
+            <a:off x="6338315" y="2490451"/>
+            <a:ext cx="4270247" cy="3534156"/>
+          </a:xfrm>
+        </p:spPr>
         <p:txBody>
           <a:bodyPr>
-            <a:normAutofit lnSpcReduction="10000"/>
+            <a:normAutofit fontScale="92500" lnSpcReduction="20000"/>
           </a:bodyPr>
           <a:lstStyle/>
           <a:p>
@@ -3564,6 +3534,12 @@
             <a:r>
               <a:rPr lang="en-US" dirty="0"/>
               <a:t>User and author_user ids and timestamps are also saved</a:t>
+            </a:r>
+          </a:p>
+          <a:p>
+            <a:r>
+              <a:rPr lang="en-US" dirty="0"/>
+              <a:t>The test case tests the content and relationship of user reviews and users by returning all data entries of user reviews for a given user.</a:t>
             </a:r>
           </a:p>
         </p:txBody>
@@ -3583,7 +3559,7 @@
           <p:nvPr/>
         </p:nvPicPr>
         <p:blipFill>
-          <a:blip r:embed="rId3">
+          <a:blip r:embed="rId2">
             <a:extLst>
               <a:ext uri="{28A0092B-C50C-407E-A947-70E740481C1C}">
                 <a14:useLocalDpi xmlns:a14="http://schemas.microsoft.com/office/drawing/2010/main" val="0"/>
@@ -3598,6 +3574,113 @@
           <a:xfrm>
             <a:off x="11633200" y="6299200"/>
             <a:ext cx="457200" cy="457200"/>
+          </a:xfrm>
+          <a:prstGeom prst="rect">
+            <a:avLst/>
+          </a:prstGeom>
+        </p:spPr>
+      </p:pic>
+      <p:pic>
+        <p:nvPicPr>
+          <p:cNvPr id="11" name="Inhaltsplatzhalter 10" descr="Ein Bild, das Text, Screenshot, Software enthält.&#10;&#10;Automatisch generierte Beschreibung">
+            <a:extLst>
+              <a:ext uri="{FF2B5EF4-FFF2-40B4-BE49-F238E27FC236}">
+                <a16:creationId xmlns:a16="http://schemas.microsoft.com/office/drawing/2014/main" id="{5576E20E-93EB-363E-B527-9243C177E0E6}"/>
+              </a:ext>
+            </a:extLst>
+          </p:cNvPr>
+          <p:cNvPicPr>
+            <a:picLocks noGrp="1" noChangeAspect="1"/>
+          </p:cNvPicPr>
+          <p:nvPr>
+            <p:ph sz="half" idx="1"/>
+          </p:nvPr>
+        </p:nvPicPr>
+        <p:blipFill>
+          <a:blip r:embed="rId3">
+            <a:extLst>
+              <a:ext uri="{28A0092B-C50C-407E-A947-70E740481C1C}">
+                <a14:useLocalDpi xmlns:a14="http://schemas.microsoft.com/office/drawing/2010/main" val="0"/>
+              </a:ext>
+            </a:extLst>
+          </a:blip>
+          <a:stretch>
+            <a:fillRect/>
+          </a:stretch>
+        </p:blipFill>
+        <p:spPr>
+          <a:xfrm>
+            <a:off x="752627" y="2989262"/>
+            <a:ext cx="5382578" cy="1963738"/>
+          </a:xfrm>
+        </p:spPr>
+      </p:pic>
+      <p:pic>
+        <p:nvPicPr>
+          <p:cNvPr id="13" name="Grafik 12" descr="Ein Bild, das Text, Screenshot, Schrift, Quittung enthält.&#10;&#10;Automatisch generierte Beschreibung">
+            <a:extLst>
+              <a:ext uri="{FF2B5EF4-FFF2-40B4-BE49-F238E27FC236}">
+                <a16:creationId xmlns:a16="http://schemas.microsoft.com/office/drawing/2014/main" id="{773877CB-C571-D1BA-61B7-B4E2D51931BA}"/>
+              </a:ext>
+            </a:extLst>
+          </p:cNvPr>
+          <p:cNvPicPr>
+            <a:picLocks noChangeAspect="1"/>
+          </p:cNvPicPr>
+          <p:nvPr/>
+        </p:nvPicPr>
+        <p:blipFill>
+          <a:blip r:embed="rId4">
+            <a:extLst>
+              <a:ext uri="{28A0092B-C50C-407E-A947-70E740481C1C}">
+                <a14:useLocalDpi xmlns:a14="http://schemas.microsoft.com/office/drawing/2010/main" val="0"/>
+              </a:ext>
+            </a:extLst>
+          </a:blip>
+          <a:stretch>
+            <a:fillRect/>
+          </a:stretch>
+        </p:blipFill>
+        <p:spPr>
+          <a:xfrm>
+            <a:off x="4724293" y="3429000"/>
+            <a:ext cx="1533631" cy="1778001"/>
+          </a:xfrm>
+          <a:prstGeom prst="rect">
+            <a:avLst/>
+          </a:prstGeom>
+        </p:spPr>
+      </p:pic>
+      <p:pic>
+        <p:nvPicPr>
+          <p:cNvPr id="15" name="Grafik 14">
+            <a:extLst>
+              <a:ext uri="{FF2B5EF4-FFF2-40B4-BE49-F238E27FC236}">
+                <a16:creationId xmlns:a16="http://schemas.microsoft.com/office/drawing/2014/main" id="{B6EB1A78-F5C0-58C2-F3B8-29F2DA54591F}"/>
+              </a:ext>
+            </a:extLst>
+          </p:cNvPr>
+          <p:cNvPicPr>
+            <a:picLocks noChangeAspect="1"/>
+          </p:cNvPicPr>
+          <p:nvPr/>
+        </p:nvPicPr>
+        <p:blipFill>
+          <a:blip r:embed="rId5">
+            <a:extLst>
+              <a:ext uri="{28A0092B-C50C-407E-A947-70E740481C1C}">
+                <a14:useLocalDpi xmlns:a14="http://schemas.microsoft.com/office/drawing/2010/main" val="0"/>
+              </a:ext>
+            </a:extLst>
+          </a:blip>
+          <a:stretch>
+            <a:fillRect/>
+          </a:stretch>
+        </p:blipFill>
+        <p:spPr>
+          <a:xfrm>
+            <a:off x="752627" y="5842453"/>
+            <a:ext cx="9855935" cy="638084"/>
           </a:xfrm>
           <a:prstGeom prst="rect">
             <a:avLst/>
@@ -3662,41 +3745,6 @@
           </a:p>
         </p:txBody>
       </p:sp>
-      <p:pic>
-        <p:nvPicPr>
-          <p:cNvPr id="6" name="Inhaltsplatzhalter 5" descr="Ein Bild, das Text, Screenshot, Quittung, Schrift enthält.&#10;&#10;Automatisch generierte Beschreibung">
-            <a:extLst>
-              <a:ext uri="{FF2B5EF4-FFF2-40B4-BE49-F238E27FC236}">
-                <a16:creationId xmlns:a16="http://schemas.microsoft.com/office/drawing/2014/main" id="{317DD520-10FF-9B63-194E-984567D9FA3D}"/>
-              </a:ext>
-            </a:extLst>
-          </p:cNvPr>
-          <p:cNvPicPr>
-            <a:picLocks noGrp="1" noChangeAspect="1"/>
-          </p:cNvPicPr>
-          <p:nvPr>
-            <p:ph sz="half" idx="1"/>
-          </p:nvPr>
-        </p:nvPicPr>
-        <p:blipFill>
-          <a:blip r:embed="rId2">
-            <a:extLst>
-              <a:ext uri="{28A0092B-C50C-407E-A947-70E740481C1C}">
-                <a14:useLocalDpi xmlns:a14="http://schemas.microsoft.com/office/drawing/2010/main" val="0"/>
-              </a:ext>
-            </a:extLst>
-          </a:blip>
-          <a:stretch>
-            <a:fillRect/>
-          </a:stretch>
-        </p:blipFill>
-        <p:spPr>
-          <a:xfrm>
-            <a:off x="2855119" y="3041650"/>
-            <a:ext cx="1724025" cy="2295525"/>
-          </a:xfrm>
-        </p:spPr>
-      </p:pic>
       <p:sp>
         <p:nvSpPr>
           <p:cNvPr id="4" name="Inhaltsplatzhalter 3">
@@ -3715,7 +3763,9 @@
         </p:nvSpPr>
         <p:spPr/>
         <p:txBody>
-          <a:bodyPr/>
+          <a:bodyPr>
+            <a:normAutofit fontScale="92500" lnSpcReduction="20000"/>
+          </a:bodyPr>
           <a:lstStyle/>
           <a:p>
             <a:r>
@@ -3733,6 +3783,12 @@
             <a:r>
               <a:rPr lang="en-US" dirty="0"/>
               <a:t>An address can be used by either users, properties (listings) or banks.</a:t>
+            </a:r>
+          </a:p>
+          <a:p>
+            <a:r>
+              <a:rPr lang="en-US" dirty="0"/>
+              <a:t>This table is tested is a part of many other tables and is therefore already tested more than enough. There is still a simple select all test to check for completeness of content in the test.sql file.</a:t>
             </a:r>
           </a:p>
         </p:txBody>
@@ -3752,7 +3808,7 @@
           <p:nvPr/>
         </p:nvPicPr>
         <p:blipFill>
-          <a:blip r:embed="rId3">
+          <a:blip r:embed="rId2">
             <a:extLst>
               <a:ext uri="{28A0092B-C50C-407E-A947-70E740481C1C}">
                 <a14:useLocalDpi xmlns:a14="http://schemas.microsoft.com/office/drawing/2010/main" val="0"/>
@@ -3773,6 +3829,135 @@
           </a:prstGeom>
         </p:spPr>
       </p:pic>
+      <p:pic>
+        <p:nvPicPr>
+          <p:cNvPr id="11" name="Inhaltsplatzhalter 10" descr="Ein Bild, das Text, Screenshot, Schrift, Zahl enthält.&#10;&#10;Automatisch generierte Beschreibung">
+            <a:extLst>
+              <a:ext uri="{FF2B5EF4-FFF2-40B4-BE49-F238E27FC236}">
+                <a16:creationId xmlns:a16="http://schemas.microsoft.com/office/drawing/2014/main" id="{6C3AEB56-B09A-0EC0-B9F5-398750AF08E1}"/>
+              </a:ext>
+            </a:extLst>
+          </p:cNvPr>
+          <p:cNvPicPr>
+            <a:picLocks noGrp="1" noChangeAspect="1"/>
+          </p:cNvPicPr>
+          <p:nvPr>
+            <p:ph sz="half" idx="1"/>
+          </p:nvPr>
+        </p:nvPicPr>
+        <p:blipFill>
+          <a:blip r:embed="rId3">
+            <a:extLst>
+              <a:ext uri="{28A0092B-C50C-407E-A947-70E740481C1C}">
+                <a14:useLocalDpi xmlns:a14="http://schemas.microsoft.com/office/drawing/2010/main" val="0"/>
+              </a:ext>
+            </a:extLst>
+          </a:blip>
+          <a:stretch>
+            <a:fillRect/>
+          </a:stretch>
+        </p:blipFill>
+        <p:spPr>
+          <a:xfrm>
+            <a:off x="2850356" y="2638044"/>
+            <a:ext cx="1733550" cy="2581275"/>
+          </a:xfrm>
+        </p:spPr>
+      </p:pic>
+      <p:sp>
+        <p:nvSpPr>
+          <p:cNvPr id="8" name="Rechteck 7">
+            <a:extLst>
+              <a:ext uri="{FF2B5EF4-FFF2-40B4-BE49-F238E27FC236}">
+                <a16:creationId xmlns:a16="http://schemas.microsoft.com/office/drawing/2014/main" id="{6AC08763-1958-CBE3-D3E6-EB528FCA8F1F}"/>
+              </a:ext>
+            </a:extLst>
+          </p:cNvPr>
+          <p:cNvSpPr/>
+          <p:nvPr/>
+        </p:nvSpPr>
+        <p:spPr>
+          <a:xfrm>
+            <a:off x="2428081" y="5283133"/>
+            <a:ext cx="2578100" cy="610175"/>
+          </a:xfrm>
+          <a:prstGeom prst="rect">
+            <a:avLst/>
+          </a:prstGeom>
+          <a:solidFill>
+            <a:schemeClr val="bg1"/>
+          </a:solidFill>
+          <a:ln w="19050">
+            <a:solidFill>
+              <a:srgbClr val="404040"/>
+            </a:solidFill>
+          </a:ln>
+        </p:spPr>
+        <p:style>
+          <a:lnRef idx="2">
+            <a:schemeClr val="accent1">
+              <a:shade val="15000"/>
+            </a:schemeClr>
+          </a:lnRef>
+          <a:fillRef idx="1">
+            <a:schemeClr val="accent1"/>
+          </a:fillRef>
+          <a:effectRef idx="0">
+            <a:schemeClr val="accent1"/>
+          </a:effectRef>
+          <a:fontRef idx="minor">
+            <a:schemeClr val="lt1"/>
+          </a:fontRef>
+        </p:style>
+        <p:txBody>
+          <a:bodyPr rtlCol="0" anchor="ctr"/>
+          <a:lstStyle/>
+          <a:p>
+            <a:pPr algn="ctr"/>
+            <a:endParaRPr lang="en-US">
+              <a:solidFill>
+                <a:sysClr val="windowText" lastClr="000000"/>
+              </a:solidFill>
+            </a:endParaRPr>
+          </a:p>
+        </p:txBody>
+      </p:sp>
+      <p:sp>
+        <p:nvSpPr>
+          <p:cNvPr id="9" name="Textfeld 8">
+            <a:extLst>
+              <a:ext uri="{FF2B5EF4-FFF2-40B4-BE49-F238E27FC236}">
+                <a16:creationId xmlns:a16="http://schemas.microsoft.com/office/drawing/2014/main" id="{C7779F64-5D44-2924-2BF1-0B6F078B7B58}"/>
+              </a:ext>
+            </a:extLst>
+          </p:cNvPr>
+          <p:cNvSpPr txBox="1"/>
+          <p:nvPr/>
+        </p:nvSpPr>
+        <p:spPr>
+          <a:xfrm>
+            <a:off x="2428081" y="5308533"/>
+            <a:ext cx="2578100" cy="584775"/>
+          </a:xfrm>
+          <a:prstGeom prst="rect">
+            <a:avLst/>
+          </a:prstGeom>
+          <a:noFill/>
+        </p:spPr>
+        <p:txBody>
+          <a:bodyPr wrap="square" rtlCol="0">
+            <a:spAutoFit/>
+          </a:bodyPr>
+          <a:lstStyle/>
+          <a:p>
+            <a:pPr algn="ctr"/>
+            <a:r>
+              <a:rPr lang="en-US" sz="1600" dirty="0"/>
+              <a:t>Tested via multiple other test cases</a:t>
+            </a:r>
+          </a:p>
+        </p:txBody>
+      </p:sp>
     </p:spTree>
     <p:extLst>
       <p:ext uri="{BB962C8B-B14F-4D97-AF65-F5344CB8AC3E}">
@@ -3831,41 +4016,6 @@
           </a:p>
         </p:txBody>
       </p:sp>
-      <p:pic>
-        <p:nvPicPr>
-          <p:cNvPr id="6" name="Inhaltsplatzhalter 5" descr="Ein Bild, das Text, Quittung, Screenshot, Schrift enthält.&#10;&#10;Automatisch generierte Beschreibung">
-            <a:extLst>
-              <a:ext uri="{FF2B5EF4-FFF2-40B4-BE49-F238E27FC236}">
-                <a16:creationId xmlns:a16="http://schemas.microsoft.com/office/drawing/2014/main" id="{40261B95-DEC7-BCA2-2AF1-1B92A5671A81}"/>
-              </a:ext>
-            </a:extLst>
-          </p:cNvPr>
-          <p:cNvPicPr>
-            <a:picLocks noGrp="1" noChangeAspect="1"/>
-          </p:cNvPicPr>
-          <p:nvPr>
-            <p:ph sz="half" idx="1"/>
-          </p:nvPr>
-        </p:nvPicPr>
-        <p:blipFill>
-          <a:blip r:embed="rId2">
-            <a:extLst>
-              <a:ext uri="{28A0092B-C50C-407E-A947-70E740481C1C}">
-                <a14:useLocalDpi xmlns:a14="http://schemas.microsoft.com/office/drawing/2010/main" val="0"/>
-              </a:ext>
-            </a:extLst>
-          </a:blip>
-          <a:stretch>
-            <a:fillRect/>
-          </a:stretch>
-        </p:blipFill>
-        <p:spPr>
-          <a:xfrm>
-            <a:off x="2855119" y="3470275"/>
-            <a:ext cx="1724025" cy="1438275"/>
-          </a:xfrm>
-        </p:spPr>
-      </p:pic>
       <p:sp>
         <p:nvSpPr>
           <p:cNvPr id="4" name="Inhaltsplatzhalter 3">
@@ -3882,10 +4032,15 @@
             <p:ph sz="half" idx="2"/>
           </p:nvPr>
         </p:nvSpPr>
-        <p:spPr/>
+        <p:spPr>
+          <a:xfrm>
+            <a:off x="6338315" y="2638044"/>
+            <a:ext cx="4270247" cy="3591306"/>
+          </a:xfrm>
+        </p:spPr>
         <p:txBody>
           <a:bodyPr>
-            <a:normAutofit fontScale="92500" lnSpcReduction="10000"/>
+            <a:normAutofit fontScale="85000" lnSpcReduction="20000"/>
           </a:bodyPr>
           <a:lstStyle/>
           <a:p>
@@ -3910,6 +4065,12 @@
             <a:r>
               <a:rPr lang="en-US" dirty="0"/>
               <a:t>The ‘created’ attribute is defaulted to the current timestamp, meaning it shows the time the image was uploaded.</a:t>
+            </a:r>
+          </a:p>
+          <a:p>
+            <a:r>
+              <a:rPr lang="en-US" dirty="0"/>
+              <a:t>Like the ‘Address’ table, the ‘Image’ table is also part of many other tables, meaning that the relationships of this table are already thoroughly tested. There is, again, still a select all test to check for completeness of content.</a:t>
             </a:r>
           </a:p>
         </p:txBody>
@@ -3929,7 +4090,7 @@
           <p:nvPr/>
         </p:nvPicPr>
         <p:blipFill>
-          <a:blip r:embed="rId3">
+          <a:blip r:embed="rId2">
             <a:extLst>
               <a:ext uri="{28A0092B-C50C-407E-A947-70E740481C1C}">
                 <a14:useLocalDpi xmlns:a14="http://schemas.microsoft.com/office/drawing/2010/main" val="0"/>
@@ -3948,6 +4109,135 @@
           <a:prstGeom prst="rect">
             <a:avLst/>
           </a:prstGeom>
+        </p:spPr>
+      </p:pic>
+      <p:sp>
+        <p:nvSpPr>
+          <p:cNvPr id="3" name="Rechteck 2">
+            <a:extLst>
+              <a:ext uri="{FF2B5EF4-FFF2-40B4-BE49-F238E27FC236}">
+                <a16:creationId xmlns:a16="http://schemas.microsoft.com/office/drawing/2014/main" id="{C9CE2BF6-A022-B9E4-8962-66659C5F67E5}"/>
+              </a:ext>
+            </a:extLst>
+          </p:cNvPr>
+          <p:cNvSpPr/>
+          <p:nvPr/>
+        </p:nvSpPr>
+        <p:spPr>
+          <a:xfrm>
+            <a:off x="2428081" y="5283133"/>
+            <a:ext cx="2578100" cy="610175"/>
+          </a:xfrm>
+          <a:prstGeom prst="rect">
+            <a:avLst/>
+          </a:prstGeom>
+          <a:solidFill>
+            <a:schemeClr val="bg1"/>
+          </a:solidFill>
+          <a:ln w="19050">
+            <a:solidFill>
+              <a:srgbClr val="404040"/>
+            </a:solidFill>
+          </a:ln>
+        </p:spPr>
+        <p:style>
+          <a:lnRef idx="2">
+            <a:schemeClr val="accent1">
+              <a:shade val="15000"/>
+            </a:schemeClr>
+          </a:lnRef>
+          <a:fillRef idx="1">
+            <a:schemeClr val="accent1"/>
+          </a:fillRef>
+          <a:effectRef idx="0">
+            <a:schemeClr val="accent1"/>
+          </a:effectRef>
+          <a:fontRef idx="minor">
+            <a:schemeClr val="lt1"/>
+          </a:fontRef>
+        </p:style>
+        <p:txBody>
+          <a:bodyPr rtlCol="0" anchor="ctr"/>
+          <a:lstStyle/>
+          <a:p>
+            <a:pPr algn="ctr"/>
+            <a:endParaRPr lang="en-US">
+              <a:solidFill>
+                <a:sysClr val="windowText" lastClr="000000"/>
+              </a:solidFill>
+            </a:endParaRPr>
+          </a:p>
+        </p:txBody>
+      </p:sp>
+      <p:sp>
+        <p:nvSpPr>
+          <p:cNvPr id="5" name="Textfeld 4">
+            <a:extLst>
+              <a:ext uri="{FF2B5EF4-FFF2-40B4-BE49-F238E27FC236}">
+                <a16:creationId xmlns:a16="http://schemas.microsoft.com/office/drawing/2014/main" id="{58CF1F12-98FD-466F-A63D-6D37F4E98183}"/>
+              </a:ext>
+            </a:extLst>
+          </p:cNvPr>
+          <p:cNvSpPr txBox="1"/>
+          <p:nvPr/>
+        </p:nvSpPr>
+        <p:spPr>
+          <a:xfrm>
+            <a:off x="2428081" y="5308533"/>
+            <a:ext cx="2578100" cy="584775"/>
+          </a:xfrm>
+          <a:prstGeom prst="rect">
+            <a:avLst/>
+          </a:prstGeom>
+          <a:noFill/>
+        </p:spPr>
+        <p:txBody>
+          <a:bodyPr wrap="square" rtlCol="0">
+            <a:spAutoFit/>
+          </a:bodyPr>
+          <a:lstStyle/>
+          <a:p>
+            <a:pPr algn="ctr"/>
+            <a:r>
+              <a:rPr lang="en-US" sz="1600" dirty="0"/>
+              <a:t>Tested via multiple other test cases</a:t>
+            </a:r>
+          </a:p>
+        </p:txBody>
+      </p:sp>
+      <p:pic>
+        <p:nvPicPr>
+          <p:cNvPr id="11" name="Inhaltsplatzhalter 10" descr="Ein Bild, das Text, Quittung, Screenshot, Schrift enthält.&#10;&#10;Automatisch generierte Beschreibung">
+            <a:extLst>
+              <a:ext uri="{FF2B5EF4-FFF2-40B4-BE49-F238E27FC236}">
+                <a16:creationId xmlns:a16="http://schemas.microsoft.com/office/drawing/2014/main" id="{AE22C404-2E2E-FDCC-9117-F689FF01ECB9}"/>
+              </a:ext>
+            </a:extLst>
+          </p:cNvPr>
+          <p:cNvPicPr>
+            <a:picLocks noGrp="1" noChangeAspect="1"/>
+          </p:cNvPicPr>
+          <p:nvPr>
+            <p:ph sz="half" idx="1"/>
+          </p:nvPr>
+        </p:nvPicPr>
+        <p:blipFill>
+          <a:blip r:embed="rId3">
+            <a:extLst>
+              <a:ext uri="{28A0092B-C50C-407E-A947-70E740481C1C}">
+                <a14:useLocalDpi xmlns:a14="http://schemas.microsoft.com/office/drawing/2010/main" val="0"/>
+              </a:ext>
+            </a:extLst>
+          </a:blip>
+          <a:stretch>
+            <a:fillRect/>
+          </a:stretch>
+        </p:blipFill>
+        <p:spPr>
+          <a:xfrm>
+            <a:off x="2850356" y="3470275"/>
+            <a:ext cx="1733550" cy="1438275"/>
+          </a:xfrm>
         </p:spPr>
       </p:pic>
     </p:spTree>
@@ -4008,41 +4298,6 @@
           </a:p>
         </p:txBody>
       </p:sp>
-      <p:pic>
-        <p:nvPicPr>
-          <p:cNvPr id="9" name="Inhaltsplatzhalter 8" descr="Ein Bild, das Text, Screenshot, Quittung, Schrift enthält.&#10;&#10;Automatisch generierte Beschreibung">
-            <a:extLst>
-              <a:ext uri="{FF2B5EF4-FFF2-40B4-BE49-F238E27FC236}">
-                <a16:creationId xmlns:a16="http://schemas.microsoft.com/office/drawing/2014/main" id="{72CB893A-86A1-3C3E-2847-2CA25C7683B9}"/>
-              </a:ext>
-            </a:extLst>
-          </p:cNvPr>
-          <p:cNvPicPr>
-            <a:picLocks noGrp="1" noChangeAspect="1"/>
-          </p:cNvPicPr>
-          <p:nvPr>
-            <p:ph sz="half" idx="1"/>
-          </p:nvPr>
-        </p:nvPicPr>
-        <p:blipFill>
-          <a:blip r:embed="rId2">
-            <a:extLst>
-              <a:ext uri="{28A0092B-C50C-407E-A947-70E740481C1C}">
-                <a14:useLocalDpi xmlns:a14="http://schemas.microsoft.com/office/drawing/2010/main" val="0"/>
-              </a:ext>
-            </a:extLst>
-          </a:blip>
-          <a:stretch>
-            <a:fillRect/>
-          </a:stretch>
-        </p:blipFill>
-        <p:spPr>
-          <a:xfrm>
-            <a:off x="2855119" y="3613150"/>
-            <a:ext cx="1724025" cy="1152525"/>
-          </a:xfrm>
-        </p:spPr>
-      </p:pic>
       <p:sp>
         <p:nvSpPr>
           <p:cNvPr id="4" name="Inhaltsplatzhalter 3">
@@ -4059,9 +4314,16 @@
             <p:ph sz="half" idx="2"/>
           </p:nvPr>
         </p:nvSpPr>
-        <p:spPr/>
-        <p:txBody>
-          <a:bodyPr/>
+        <p:spPr>
+          <a:xfrm>
+            <a:off x="6338315" y="2638044"/>
+            <a:ext cx="4270247" cy="3661156"/>
+          </a:xfrm>
+        </p:spPr>
+        <p:txBody>
+          <a:bodyPr>
+            <a:normAutofit fontScale="92500" lnSpcReduction="10000"/>
+          </a:bodyPr>
           <a:lstStyle/>
           <a:p>
             <a:r>
@@ -4085,6 +4347,12 @@
             <a:r>
               <a:rPr lang="en-US" dirty="0"/>
               <a:t>Currency is not a table that will see frequent changes and is rather used as a reference.</a:t>
+            </a:r>
+          </a:p>
+          <a:p>
+            <a:r>
+              <a:rPr lang="en-US" dirty="0"/>
+              <a:t>This table is very simple and does not require complicated testing, a simple select all test can be found in the test.sql file.</a:t>
             </a:r>
           </a:p>
         </p:txBody>
@@ -4104,7 +4372,7 @@
           <p:nvPr/>
         </p:nvPicPr>
         <p:blipFill>
-          <a:blip r:embed="rId3">
+          <a:blip r:embed="rId2">
             <a:extLst>
               <a:ext uri="{28A0092B-C50C-407E-A947-70E740481C1C}">
                 <a14:useLocalDpi xmlns:a14="http://schemas.microsoft.com/office/drawing/2010/main" val="0"/>
@@ -4123,6 +4391,140 @@
           <a:prstGeom prst="rect">
             <a:avLst/>
           </a:prstGeom>
+        </p:spPr>
+      </p:pic>
+      <p:sp>
+        <p:nvSpPr>
+          <p:cNvPr id="3" name="Rechteck 2">
+            <a:extLst>
+              <a:ext uri="{FF2B5EF4-FFF2-40B4-BE49-F238E27FC236}">
+                <a16:creationId xmlns:a16="http://schemas.microsoft.com/office/drawing/2014/main" id="{ECAFBDAD-B853-FD0A-3524-39E2CACBF339}"/>
+              </a:ext>
+            </a:extLst>
+          </p:cNvPr>
+          <p:cNvSpPr/>
+          <p:nvPr/>
+        </p:nvSpPr>
+        <p:spPr>
+          <a:xfrm>
+            <a:off x="2428081" y="5283133"/>
+            <a:ext cx="2578100" cy="610175"/>
+          </a:xfrm>
+          <a:prstGeom prst="rect">
+            <a:avLst/>
+          </a:prstGeom>
+          <a:solidFill>
+            <a:schemeClr val="bg1"/>
+          </a:solidFill>
+          <a:ln w="19050">
+            <a:solidFill>
+              <a:srgbClr val="404040"/>
+            </a:solidFill>
+          </a:ln>
+        </p:spPr>
+        <p:style>
+          <a:lnRef idx="2">
+            <a:schemeClr val="accent1">
+              <a:shade val="15000"/>
+            </a:schemeClr>
+          </a:lnRef>
+          <a:fillRef idx="1">
+            <a:schemeClr val="accent1"/>
+          </a:fillRef>
+          <a:effectRef idx="0">
+            <a:schemeClr val="accent1"/>
+          </a:effectRef>
+          <a:fontRef idx="minor">
+            <a:schemeClr val="lt1"/>
+          </a:fontRef>
+        </p:style>
+        <p:txBody>
+          <a:bodyPr rtlCol="0" anchor="ctr"/>
+          <a:lstStyle/>
+          <a:p>
+            <a:pPr algn="ctr"/>
+            <a:endParaRPr lang="en-US">
+              <a:solidFill>
+                <a:sysClr val="windowText" lastClr="000000"/>
+              </a:solidFill>
+            </a:endParaRPr>
+          </a:p>
+        </p:txBody>
+      </p:sp>
+      <p:sp>
+        <p:nvSpPr>
+          <p:cNvPr id="5" name="Textfeld 4">
+            <a:extLst>
+              <a:ext uri="{FF2B5EF4-FFF2-40B4-BE49-F238E27FC236}">
+                <a16:creationId xmlns:a16="http://schemas.microsoft.com/office/drawing/2014/main" id="{6784358B-94BE-389E-4235-A280EBAC5414}"/>
+              </a:ext>
+            </a:extLst>
+          </p:cNvPr>
+          <p:cNvSpPr txBox="1"/>
+          <p:nvPr/>
+        </p:nvSpPr>
+        <p:spPr>
+          <a:xfrm>
+            <a:off x="2428081" y="5308533"/>
+            <a:ext cx="2578100" cy="584775"/>
+          </a:xfrm>
+          <a:prstGeom prst="rect">
+            <a:avLst/>
+          </a:prstGeom>
+          <a:noFill/>
+        </p:spPr>
+        <p:txBody>
+          <a:bodyPr wrap="square" rtlCol="0">
+            <a:spAutoFit/>
+          </a:bodyPr>
+          <a:lstStyle/>
+          <a:p>
+            <a:pPr algn="ctr"/>
+            <a:r>
+              <a:rPr lang="en-US" sz="1600" dirty="0"/>
+              <a:t>‘Currency’ is a simple table, see test case in </a:t>
+            </a:r>
+            <a:r>
+              <a:rPr lang="en-US" sz="1600" dirty="0" err="1"/>
+              <a:t>test.sql</a:t>
+            </a:r>
+            <a:endParaRPr lang="en-US" sz="1600" dirty="0"/>
+          </a:p>
+        </p:txBody>
+      </p:sp>
+      <p:pic>
+        <p:nvPicPr>
+          <p:cNvPr id="11" name="Inhaltsplatzhalter 10" descr="Ein Bild, das Text, Screenshot, Quittung, Schrift enthält.&#10;&#10;Automatisch generierte Beschreibung">
+            <a:extLst>
+              <a:ext uri="{FF2B5EF4-FFF2-40B4-BE49-F238E27FC236}">
+                <a16:creationId xmlns:a16="http://schemas.microsoft.com/office/drawing/2014/main" id="{0DA4E263-33CE-C66D-1A08-5B28762EE2B4}"/>
+              </a:ext>
+            </a:extLst>
+          </p:cNvPr>
+          <p:cNvPicPr>
+            <a:picLocks noGrp="1" noChangeAspect="1"/>
+          </p:cNvPicPr>
+          <p:nvPr>
+            <p:ph sz="half" idx="1"/>
+          </p:nvPr>
+        </p:nvPicPr>
+        <p:blipFill>
+          <a:blip r:embed="rId3">
+            <a:extLst>
+              <a:ext uri="{28A0092B-C50C-407E-A947-70E740481C1C}">
+                <a14:useLocalDpi xmlns:a14="http://schemas.microsoft.com/office/drawing/2010/main" val="0"/>
+              </a:ext>
+            </a:extLst>
+          </a:blip>
+          <a:stretch>
+            <a:fillRect/>
+          </a:stretch>
+        </p:blipFill>
+        <p:spPr>
+          <a:xfrm>
+            <a:off x="2850356" y="3613150"/>
+            <a:ext cx="1733550" cy="1152525"/>
+          </a:xfrm>
         </p:spPr>
       </p:pic>
     </p:spTree>
@@ -4183,41 +4585,6 @@
           </a:p>
         </p:txBody>
       </p:sp>
-      <p:pic>
-        <p:nvPicPr>
-          <p:cNvPr id="6" name="Inhaltsplatzhalter 5" descr="Ein Bild, das Text, Screenshot, Quittung, Schrift enthält.&#10;&#10;Automatisch generierte Beschreibung">
-            <a:extLst>
-              <a:ext uri="{FF2B5EF4-FFF2-40B4-BE49-F238E27FC236}">
-                <a16:creationId xmlns:a16="http://schemas.microsoft.com/office/drawing/2014/main" id="{D40EBB51-ABA5-8BD5-FE2E-34EA9DFFA72F}"/>
-              </a:ext>
-            </a:extLst>
-          </p:cNvPr>
-          <p:cNvPicPr>
-            <a:picLocks noGrp="1" noChangeAspect="1"/>
-          </p:cNvPicPr>
-          <p:nvPr>
-            <p:ph sz="half" idx="1"/>
-          </p:nvPr>
-        </p:nvPicPr>
-        <p:blipFill>
-          <a:blip r:embed="rId2">
-            <a:extLst>
-              <a:ext uri="{28A0092B-C50C-407E-A947-70E740481C1C}">
-                <a14:useLocalDpi xmlns:a14="http://schemas.microsoft.com/office/drawing/2010/main" val="0"/>
-              </a:ext>
-            </a:extLst>
-          </a:blip>
-          <a:stretch>
-            <a:fillRect/>
-          </a:stretch>
-        </p:blipFill>
-        <p:spPr>
-          <a:xfrm>
-            <a:off x="2855119" y="3613150"/>
-            <a:ext cx="1724025" cy="1152525"/>
-          </a:xfrm>
-        </p:spPr>
-      </p:pic>
       <p:sp>
         <p:nvSpPr>
           <p:cNvPr id="4" name="Inhaltsplatzhalter 3">
@@ -4237,7 +4604,7 @@
         <p:spPr/>
         <p:txBody>
           <a:bodyPr>
-            <a:normAutofit fontScale="92500" lnSpcReduction="10000"/>
+            <a:normAutofit fontScale="85000" lnSpcReduction="10000"/>
           </a:bodyPr>
           <a:lstStyle/>
           <a:p>
@@ -4262,6 +4629,12 @@
             <a:r>
               <a:rPr lang="en-US" dirty="0"/>
               <a:t>Language is not a table that will see frequent changes and is rather used as a reference.</a:t>
+            </a:r>
+          </a:p>
+          <a:p>
+            <a:r>
+              <a:rPr lang="en-US" dirty="0"/>
+              <a:t>Like the ‘Currency’, this table is also very simple, a test for content should suffice for this table, which can be found in the test.sql file.</a:t>
             </a:r>
           </a:p>
         </p:txBody>
@@ -4281,7 +4654,7 @@
           <p:nvPr/>
         </p:nvPicPr>
         <p:blipFill>
-          <a:blip r:embed="rId3">
+          <a:blip r:embed="rId2">
             <a:extLst>
               <a:ext uri="{28A0092B-C50C-407E-A947-70E740481C1C}">
                 <a14:useLocalDpi xmlns:a14="http://schemas.microsoft.com/office/drawing/2010/main" val="0"/>
@@ -4302,6 +4675,143 @@
           </a:prstGeom>
         </p:spPr>
       </p:pic>
+      <p:pic>
+        <p:nvPicPr>
+          <p:cNvPr id="9" name="Inhaltsplatzhalter 8" descr="Ein Bild, das Text, Screenshot, Quittung, Schrift enthält.&#10;&#10;Automatisch generierte Beschreibung">
+            <a:extLst>
+              <a:ext uri="{FF2B5EF4-FFF2-40B4-BE49-F238E27FC236}">
+                <a16:creationId xmlns:a16="http://schemas.microsoft.com/office/drawing/2014/main" id="{1CABA4CC-1013-29DF-D313-77146BC62E21}"/>
+              </a:ext>
+            </a:extLst>
+          </p:cNvPr>
+          <p:cNvPicPr>
+            <a:picLocks noGrp="1" noChangeAspect="1"/>
+          </p:cNvPicPr>
+          <p:nvPr>
+            <p:ph sz="half" idx="1"/>
+          </p:nvPr>
+        </p:nvPicPr>
+        <p:blipFill>
+          <a:blip r:embed="rId3">
+            <a:extLst>
+              <a:ext uri="{28A0092B-C50C-407E-A947-70E740481C1C}">
+                <a14:useLocalDpi xmlns:a14="http://schemas.microsoft.com/office/drawing/2010/main" val="0"/>
+              </a:ext>
+            </a:extLst>
+          </a:blip>
+          <a:stretch>
+            <a:fillRect/>
+          </a:stretch>
+        </p:blipFill>
+        <p:spPr>
+          <a:xfrm>
+            <a:off x="2850356" y="3613150"/>
+            <a:ext cx="1733550" cy="1152525"/>
+          </a:xfrm>
+        </p:spPr>
+      </p:pic>
+      <p:sp>
+        <p:nvSpPr>
+          <p:cNvPr id="10" name="Rechteck 9">
+            <a:extLst>
+              <a:ext uri="{FF2B5EF4-FFF2-40B4-BE49-F238E27FC236}">
+                <a16:creationId xmlns:a16="http://schemas.microsoft.com/office/drawing/2014/main" id="{B1B7A7F8-9AA5-2CBD-7FC6-842C4F7143E8}"/>
+              </a:ext>
+            </a:extLst>
+          </p:cNvPr>
+          <p:cNvSpPr/>
+          <p:nvPr/>
+        </p:nvSpPr>
+        <p:spPr>
+          <a:xfrm>
+            <a:off x="2428081" y="5283133"/>
+            <a:ext cx="2578100" cy="610175"/>
+          </a:xfrm>
+          <a:prstGeom prst="rect">
+            <a:avLst/>
+          </a:prstGeom>
+          <a:solidFill>
+            <a:schemeClr val="bg1"/>
+          </a:solidFill>
+          <a:ln w="19050">
+            <a:solidFill>
+              <a:srgbClr val="404040"/>
+            </a:solidFill>
+          </a:ln>
+        </p:spPr>
+        <p:style>
+          <a:lnRef idx="2">
+            <a:schemeClr val="accent1">
+              <a:shade val="15000"/>
+            </a:schemeClr>
+          </a:lnRef>
+          <a:fillRef idx="1">
+            <a:schemeClr val="accent1"/>
+          </a:fillRef>
+          <a:effectRef idx="0">
+            <a:schemeClr val="accent1"/>
+          </a:effectRef>
+          <a:fontRef idx="minor">
+            <a:schemeClr val="lt1"/>
+          </a:fontRef>
+        </p:style>
+        <p:txBody>
+          <a:bodyPr rtlCol="0" anchor="ctr"/>
+          <a:lstStyle/>
+          <a:p>
+            <a:pPr algn="ctr"/>
+            <a:endParaRPr lang="en-US">
+              <a:solidFill>
+                <a:sysClr val="windowText" lastClr="000000"/>
+              </a:solidFill>
+            </a:endParaRPr>
+          </a:p>
+        </p:txBody>
+      </p:sp>
+      <p:sp>
+        <p:nvSpPr>
+          <p:cNvPr id="11" name="Textfeld 10">
+            <a:extLst>
+              <a:ext uri="{FF2B5EF4-FFF2-40B4-BE49-F238E27FC236}">
+                <a16:creationId xmlns:a16="http://schemas.microsoft.com/office/drawing/2014/main" id="{CFE7A768-B194-ABC4-0133-4513BD84CE8C}"/>
+              </a:ext>
+            </a:extLst>
+          </p:cNvPr>
+          <p:cNvSpPr txBox="1"/>
+          <p:nvPr/>
+        </p:nvSpPr>
+        <p:spPr>
+          <a:xfrm>
+            <a:off x="2428081" y="5308533"/>
+            <a:ext cx="2578100" cy="584775"/>
+          </a:xfrm>
+          <a:prstGeom prst="rect">
+            <a:avLst/>
+          </a:prstGeom>
+          <a:noFill/>
+        </p:spPr>
+        <p:txBody>
+          <a:bodyPr wrap="square" rtlCol="0">
+            <a:spAutoFit/>
+          </a:bodyPr>
+          <a:lstStyle/>
+          <a:p>
+            <a:pPr algn="ctr"/>
+            <a:r>
+              <a:rPr lang="en-US" sz="1600" dirty="0"/>
+              <a:t>‘</a:t>
+            </a:r>
+            <a:r>
+              <a:rPr lang="en-US" altLang="ja-JP" sz="1600" dirty="0"/>
+              <a:t>Language</a:t>
+            </a:r>
+            <a:r>
+              <a:rPr lang="en-US" sz="1600" dirty="0"/>
+              <a:t>’ is a simple table, see test case in test.sql</a:t>
+            </a:r>
+          </a:p>
+        </p:txBody>
+      </p:sp>
     </p:spTree>
     <p:extLst>
       <p:ext uri="{BB962C8B-B14F-4D97-AF65-F5344CB8AC3E}">
@@ -4360,41 +4870,6 @@
           </a:p>
         </p:txBody>
       </p:sp>
-      <p:pic>
-        <p:nvPicPr>
-          <p:cNvPr id="6" name="Inhaltsplatzhalter 5" descr="Ein Bild, das Text, Quittung, Screenshot, Schrift enthält.&#10;&#10;Automatisch generierte Beschreibung">
-            <a:extLst>
-              <a:ext uri="{FF2B5EF4-FFF2-40B4-BE49-F238E27FC236}">
-                <a16:creationId xmlns:a16="http://schemas.microsoft.com/office/drawing/2014/main" id="{BA196DE5-CA99-31AD-43F5-E8BFBAC15AD8}"/>
-              </a:ext>
-            </a:extLst>
-          </p:cNvPr>
-          <p:cNvPicPr>
-            <a:picLocks noGrp="1" noChangeAspect="1"/>
-          </p:cNvPicPr>
-          <p:nvPr>
-            <p:ph sz="half" idx="1"/>
-          </p:nvPr>
-        </p:nvPicPr>
-        <p:blipFill>
-          <a:blip r:embed="rId2">
-            <a:extLst>
-              <a:ext uri="{28A0092B-C50C-407E-A947-70E740481C1C}">
-                <a14:useLocalDpi xmlns:a14="http://schemas.microsoft.com/office/drawing/2010/main" val="0"/>
-              </a:ext>
-            </a:extLst>
-          </a:blip>
-          <a:stretch>
-            <a:fillRect/>
-          </a:stretch>
-        </p:blipFill>
-        <p:spPr>
-          <a:xfrm>
-            <a:off x="2855119" y="3327400"/>
-            <a:ext cx="1724025" cy="1724025"/>
-          </a:xfrm>
-        </p:spPr>
-      </p:pic>
       <p:sp>
         <p:nvSpPr>
           <p:cNvPr id="4" name="Inhaltsplatzhalter 3">
@@ -4411,9 +4886,16 @@
             <p:ph sz="half" idx="2"/>
           </p:nvPr>
         </p:nvSpPr>
-        <p:spPr/>
-        <p:txBody>
-          <a:bodyPr/>
+        <p:spPr>
+          <a:xfrm>
+            <a:off x="6284133" y="2511552"/>
+            <a:ext cx="4270247" cy="3381756"/>
+          </a:xfrm>
+        </p:spPr>
+        <p:txBody>
+          <a:bodyPr>
+            <a:normAutofit fontScale="92500" lnSpcReduction="10000"/>
+          </a:bodyPr>
           <a:lstStyle/>
           <a:p>
             <a:r>
@@ -4431,6 +4913,12 @@
             <a:r>
               <a:rPr lang="en-US" dirty="0"/>
               <a:t>Other than the ‘created’ and ‘last_modified’ timestamps, the chats table also holds both chat participants.</a:t>
+            </a:r>
+          </a:p>
+          <a:p>
+            <a:r>
+              <a:rPr lang="en-US" dirty="0"/>
+              <a:t>The test case for this table works in combination with the message table (next slide). The first test case checks the general content of the chat table.</a:t>
             </a:r>
           </a:p>
         </p:txBody>
@@ -4450,7 +4938,7 @@
           <p:nvPr/>
         </p:nvPicPr>
         <p:blipFill>
-          <a:blip r:embed="rId3">
+          <a:blip r:embed="rId2">
             <a:extLst>
               <a:ext uri="{28A0092B-C50C-407E-A947-70E740481C1C}">
                 <a14:useLocalDpi xmlns:a14="http://schemas.microsoft.com/office/drawing/2010/main" val="0"/>
@@ -4465,6 +4953,113 @@
           <a:xfrm>
             <a:off x="11633200" y="6299200"/>
             <a:ext cx="457200" cy="457200"/>
+          </a:xfrm>
+          <a:prstGeom prst="rect">
+            <a:avLst/>
+          </a:prstGeom>
+        </p:spPr>
+      </p:pic>
+      <p:pic>
+        <p:nvPicPr>
+          <p:cNvPr id="17" name="Inhaltsplatzhalter 16" descr="Ein Bild, das Text, Screenshot, Software, Multimedia-Software enthält.&#10;&#10;Automatisch generierte Beschreibung">
+            <a:extLst>
+              <a:ext uri="{FF2B5EF4-FFF2-40B4-BE49-F238E27FC236}">
+                <a16:creationId xmlns:a16="http://schemas.microsoft.com/office/drawing/2014/main" id="{E31779C2-DEDC-B50C-4B79-4BF9F2F235D1}"/>
+              </a:ext>
+            </a:extLst>
+          </p:cNvPr>
+          <p:cNvPicPr>
+            <a:picLocks noGrp="1" noChangeAspect="1"/>
+          </p:cNvPicPr>
+          <p:nvPr>
+            <p:ph sz="half" idx="1"/>
+          </p:nvPr>
+        </p:nvPicPr>
+        <p:blipFill>
+          <a:blip r:embed="rId3">
+            <a:extLst>
+              <a:ext uri="{28A0092B-C50C-407E-A947-70E740481C1C}">
+                <a14:useLocalDpi xmlns:a14="http://schemas.microsoft.com/office/drawing/2010/main" val="0"/>
+              </a:ext>
+            </a:extLst>
+          </a:blip>
+          <a:stretch>
+            <a:fillRect/>
+          </a:stretch>
+        </p:blipFill>
+        <p:spPr>
+          <a:xfrm>
+            <a:off x="1104900" y="2356662"/>
+            <a:ext cx="4476750" cy="3335504"/>
+          </a:xfrm>
+        </p:spPr>
+      </p:pic>
+      <p:pic>
+        <p:nvPicPr>
+          <p:cNvPr id="13" name="Grafik 12" descr="Ein Bild, das Text, Screenshot, Quittung, Schrift enthält.&#10;&#10;Automatisch generierte Beschreibung">
+            <a:extLst>
+              <a:ext uri="{FF2B5EF4-FFF2-40B4-BE49-F238E27FC236}">
+                <a16:creationId xmlns:a16="http://schemas.microsoft.com/office/drawing/2014/main" id="{7CC42FE0-63A7-7F83-D254-A4B5BFE7990A}"/>
+              </a:ext>
+            </a:extLst>
+          </p:cNvPr>
+          <p:cNvPicPr>
+            <a:picLocks noChangeAspect="1"/>
+          </p:cNvPicPr>
+          <p:nvPr/>
+        </p:nvPicPr>
+        <p:blipFill>
+          <a:blip r:embed="rId4">
+            <a:extLst>
+              <a:ext uri="{28A0092B-C50C-407E-A947-70E740481C1C}">
+                <a14:useLocalDpi xmlns:a14="http://schemas.microsoft.com/office/drawing/2010/main" val="0"/>
+              </a:ext>
+            </a:extLst>
+          </a:blip>
+          <a:stretch>
+            <a:fillRect/>
+          </a:stretch>
+        </p:blipFill>
+        <p:spPr>
+          <a:xfrm>
+            <a:off x="4362449" y="3516312"/>
+            <a:ext cx="1733550" cy="1724025"/>
+          </a:xfrm>
+          <a:prstGeom prst="rect">
+            <a:avLst/>
+          </a:prstGeom>
+        </p:spPr>
+      </p:pic>
+      <p:pic>
+        <p:nvPicPr>
+          <p:cNvPr id="19" name="Grafik 18">
+            <a:extLst>
+              <a:ext uri="{FF2B5EF4-FFF2-40B4-BE49-F238E27FC236}">
+                <a16:creationId xmlns:a16="http://schemas.microsoft.com/office/drawing/2014/main" id="{335058CC-9361-3716-BE31-6904F6111CA9}"/>
+              </a:ext>
+            </a:extLst>
+          </p:cNvPr>
+          <p:cNvPicPr>
+            <a:picLocks noChangeAspect="1"/>
+          </p:cNvPicPr>
+          <p:nvPr/>
+        </p:nvPicPr>
+        <p:blipFill>
+          <a:blip r:embed="rId5">
+            <a:extLst>
+              <a:ext uri="{28A0092B-C50C-407E-A947-70E740481C1C}">
+                <a14:useLocalDpi xmlns:a14="http://schemas.microsoft.com/office/drawing/2010/main" val="0"/>
+              </a:ext>
+            </a:extLst>
+          </a:blip>
+          <a:stretch>
+            <a:fillRect/>
+          </a:stretch>
+        </p:blipFill>
+        <p:spPr>
+          <a:xfrm>
+            <a:off x="1104901" y="5869710"/>
+            <a:ext cx="9449480" cy="733527"/>
           </a:xfrm>
           <a:prstGeom prst="rect">
             <a:avLst/>
@@ -4501,49 +5096,19 @@
           <a:chExt cx="0" cy="0"/>
         </a:xfrm>
       </p:grpSpPr>
-      <p:sp>
-        <p:nvSpPr>
-          <p:cNvPr id="2" name="Titel 1">
-            <a:extLst>
-              <a:ext uri="{FF2B5EF4-FFF2-40B4-BE49-F238E27FC236}">
-                <a16:creationId xmlns:a16="http://schemas.microsoft.com/office/drawing/2014/main" id="{4CC63477-8154-0AB8-1A45-18A8C93FC856}"/>
-              </a:ext>
-            </a:extLst>
-          </p:cNvPr>
-          <p:cNvSpPr>
-            <a:spLocks noGrp="1"/>
-          </p:cNvSpPr>
-          <p:nvPr>
-            <p:ph type="title"/>
-          </p:nvPr>
-        </p:nvSpPr>
-        <p:spPr/>
-        <p:txBody>
-          <a:bodyPr/>
-          <a:lstStyle/>
-          <a:p>
-            <a:r>
-              <a:rPr lang="en-US" dirty="0"/>
-              <a:t>Table - Message</a:t>
-            </a:r>
-          </a:p>
-        </p:txBody>
-      </p:sp>
       <p:pic>
         <p:nvPicPr>
-          <p:cNvPr id="6" name="Inhaltsplatzhalter 5" descr="Ein Bild, das Text, Quittung, Screenshot, Schrift enthält.&#10;&#10;Automatisch generierte Beschreibung">
-            <a:extLst>
-              <a:ext uri="{FF2B5EF4-FFF2-40B4-BE49-F238E27FC236}">
-                <a16:creationId xmlns:a16="http://schemas.microsoft.com/office/drawing/2014/main" id="{F662A10D-6E9E-783A-DE9F-8490DA7A17D0}"/>
+          <p:cNvPr id="16" name="Inhaltsplatzhalter 16" descr="Ein Bild, das Text, Screenshot, Software, Multimedia-Software enthält.&#10;&#10;Automatisch generierte Beschreibung">
+            <a:extLst>
+              <a:ext uri="{FF2B5EF4-FFF2-40B4-BE49-F238E27FC236}">
+                <a16:creationId xmlns:a16="http://schemas.microsoft.com/office/drawing/2014/main" id="{0F58DAE8-591A-FC15-C972-5260FF5EFC59}"/>
               </a:ext>
             </a:extLst>
           </p:cNvPr>
           <p:cNvPicPr>
-            <a:picLocks noGrp="1" noChangeAspect="1"/>
+            <a:picLocks noChangeAspect="1"/>
           </p:cNvPicPr>
-          <p:nvPr>
-            <p:ph sz="half" idx="1"/>
-          </p:nvPr>
+          <p:nvPr/>
         </p:nvPicPr>
         <p:blipFill>
           <a:blip r:embed="rId2">
@@ -4559,13 +5124,44 @@
         </p:blipFill>
         <p:spPr>
           <a:xfrm>
-            <a:off x="2855119" y="3327400"/>
-            <a:ext cx="1724025" cy="1724025"/>
-          </a:xfrm>
+            <a:off x="1108993" y="2294668"/>
+            <a:ext cx="4744692" cy="3535140"/>
+          </a:xfrm>
+          <a:prstGeom prst="rect">
+            <a:avLst/>
+          </a:prstGeom>
         </p:spPr>
       </p:pic>
       <p:sp>
         <p:nvSpPr>
+          <p:cNvPr id="2" name="Titel 1">
+            <a:extLst>
+              <a:ext uri="{FF2B5EF4-FFF2-40B4-BE49-F238E27FC236}">
+                <a16:creationId xmlns:a16="http://schemas.microsoft.com/office/drawing/2014/main" id="{4CC63477-8154-0AB8-1A45-18A8C93FC856}"/>
+              </a:ext>
+            </a:extLst>
+          </p:cNvPr>
+          <p:cNvSpPr>
+            <a:spLocks noGrp="1"/>
+          </p:cNvSpPr>
+          <p:nvPr>
+            <p:ph type="title"/>
+          </p:nvPr>
+        </p:nvSpPr>
+        <p:spPr/>
+        <p:txBody>
+          <a:bodyPr/>
+          <a:lstStyle/>
+          <a:p>
+            <a:r>
+              <a:rPr lang="en-US" dirty="0"/>
+              <a:t>Table - Message</a:t>
+            </a:r>
+          </a:p>
+        </p:txBody>
+      </p:sp>
+      <p:sp>
+        <p:nvSpPr>
           <p:cNvPr id="4" name="Inhaltsplatzhalter 3">
             <a:extLst>
               <a:ext uri="{FF2B5EF4-FFF2-40B4-BE49-F238E27FC236}">
@@ -4580,9 +5176,16 @@
             <p:ph sz="half" idx="2"/>
           </p:nvPr>
         </p:nvSpPr>
-        <p:spPr/>
-        <p:txBody>
-          <a:bodyPr/>
+        <p:spPr>
+          <a:xfrm>
+            <a:off x="6338317" y="2511552"/>
+            <a:ext cx="4270247" cy="3318256"/>
+          </a:xfrm>
+        </p:spPr>
+        <p:txBody>
+          <a:bodyPr>
+            <a:normAutofit fontScale="92500" lnSpcReduction="20000"/>
+          </a:bodyPr>
           <a:lstStyle/>
           <a:p>
             <a:r>
@@ -4600,6 +5203,12 @@
             <a:r>
               <a:rPr lang="en-US" dirty="0"/>
               <a:t>The created timestamp is essentially the ‘sent’ timestamp of the message.</a:t>
+            </a:r>
+          </a:p>
+          <a:p>
+            <a:r>
+              <a:rPr lang="en-US" dirty="0"/>
+              <a:t>The second test case in the screenshot test the relationship of ‘Chat’ and ‘Message’ tables by returning all data entries of messages for a given</a:t>
             </a:r>
           </a:p>
         </p:txBody>
@@ -4634,6 +5243,77 @@
           <a:xfrm>
             <a:off x="11633200" y="6299200"/>
             <a:ext cx="457200" cy="457200"/>
+          </a:xfrm>
+          <a:prstGeom prst="rect">
+            <a:avLst/>
+          </a:prstGeom>
+        </p:spPr>
+      </p:pic>
+      <p:pic>
+        <p:nvPicPr>
+          <p:cNvPr id="15" name="Inhaltsplatzhalter 14" descr="Ein Bild, das Text, Screenshot, Quittung, Schrift enthält.&#10;&#10;Automatisch generierte Beschreibung">
+            <a:extLst>
+              <a:ext uri="{FF2B5EF4-FFF2-40B4-BE49-F238E27FC236}">
+                <a16:creationId xmlns:a16="http://schemas.microsoft.com/office/drawing/2014/main" id="{DCFA7393-EE2D-65D0-E31A-1D74D209148A}"/>
+              </a:ext>
+            </a:extLst>
+          </p:cNvPr>
+          <p:cNvPicPr>
+            <a:picLocks noGrp="1" noChangeAspect="1"/>
+          </p:cNvPicPr>
+          <p:nvPr>
+            <p:ph sz="half" idx="1"/>
+          </p:nvPr>
+        </p:nvPicPr>
+        <p:blipFill>
+          <a:blip r:embed="rId4">
+            <a:extLst>
+              <a:ext uri="{28A0092B-C50C-407E-A947-70E740481C1C}">
+                <a14:useLocalDpi xmlns:a14="http://schemas.microsoft.com/office/drawing/2010/main" val="0"/>
+              </a:ext>
+            </a:extLst>
+          </a:blip>
+          <a:stretch>
+            <a:fillRect/>
+          </a:stretch>
+        </p:blipFill>
+        <p:spPr>
+          <a:xfrm>
+            <a:off x="4362450" y="3373437"/>
+            <a:ext cx="1733550" cy="2009775"/>
+          </a:xfrm>
+        </p:spPr>
+      </p:pic>
+      <p:pic>
+        <p:nvPicPr>
+          <p:cNvPr id="18" name="Grafik 17" descr="Ein Bild, das Text, Screenshot, Schrift, Reihe enthält.&#10;&#10;Automatisch generierte Beschreibung">
+            <a:extLst>
+              <a:ext uri="{FF2B5EF4-FFF2-40B4-BE49-F238E27FC236}">
+                <a16:creationId xmlns:a16="http://schemas.microsoft.com/office/drawing/2014/main" id="{9331A313-D8A4-889A-0AA9-6AE67509673A}"/>
+              </a:ext>
+            </a:extLst>
+          </p:cNvPr>
+          <p:cNvPicPr>
+            <a:picLocks noChangeAspect="1"/>
+          </p:cNvPicPr>
+          <p:nvPr/>
+        </p:nvPicPr>
+        <p:blipFill>
+          <a:blip r:embed="rId5">
+            <a:extLst>
+              <a:ext uri="{28A0092B-C50C-407E-A947-70E740481C1C}">
+                <a14:useLocalDpi xmlns:a14="http://schemas.microsoft.com/office/drawing/2010/main" val="0"/>
+              </a:ext>
+            </a:extLst>
+          </a:blip>
+          <a:stretch>
+            <a:fillRect/>
+          </a:stretch>
+        </p:blipFill>
+        <p:spPr>
+          <a:xfrm>
+            <a:off x="1108993" y="5893308"/>
+            <a:ext cx="4744692" cy="739913"/>
           </a:xfrm>
           <a:prstGeom prst="rect">
             <a:avLst/>
@@ -4698,41 +5378,6 @@
           </a:p>
         </p:txBody>
       </p:sp>
-      <p:pic>
-        <p:nvPicPr>
-          <p:cNvPr id="6" name="Inhaltsplatzhalter 5" descr="Ein Bild, das Text, Screenshot, Schrift, Quittung enthält.&#10;&#10;Automatisch generierte Beschreibung">
-            <a:extLst>
-              <a:ext uri="{FF2B5EF4-FFF2-40B4-BE49-F238E27FC236}">
-                <a16:creationId xmlns:a16="http://schemas.microsoft.com/office/drawing/2014/main" id="{A7D2F5F9-1B5F-DA24-1337-69467405A10F}"/>
-              </a:ext>
-            </a:extLst>
-          </p:cNvPr>
-          <p:cNvPicPr>
-            <a:picLocks noGrp="1" noChangeAspect="1"/>
-          </p:cNvPicPr>
-          <p:nvPr>
-            <p:ph sz="half" idx="1"/>
-          </p:nvPr>
-        </p:nvPicPr>
-        <p:blipFill>
-          <a:blip r:embed="rId2">
-            <a:extLst>
-              <a:ext uri="{28A0092B-C50C-407E-A947-70E740481C1C}">
-                <a14:useLocalDpi xmlns:a14="http://schemas.microsoft.com/office/drawing/2010/main" val="0"/>
-              </a:ext>
-            </a:extLst>
-          </a:blip>
-          <a:stretch>
-            <a:fillRect/>
-          </a:stretch>
-        </p:blipFill>
-        <p:spPr>
-          <a:xfrm>
-            <a:off x="2855119" y="2898775"/>
-            <a:ext cx="1724025" cy="2581275"/>
-          </a:xfrm>
-        </p:spPr>
-      </p:pic>
       <p:sp>
         <p:nvSpPr>
           <p:cNvPr id="4" name="Inhaltsplatzhalter 3">
@@ -4749,9 +5394,16 @@
             <p:ph sz="half" idx="2"/>
           </p:nvPr>
         </p:nvSpPr>
-        <p:spPr/>
-        <p:txBody>
-          <a:bodyPr/>
+        <p:spPr>
+          <a:xfrm>
+            <a:off x="6338315" y="2638044"/>
+            <a:ext cx="4270247" cy="3565906"/>
+          </a:xfrm>
+        </p:spPr>
+        <p:txBody>
+          <a:bodyPr>
+            <a:normAutofit fontScale="92500" lnSpcReduction="10000"/>
+          </a:bodyPr>
           <a:lstStyle/>
           <a:p>
             <a:r>
@@ -4769,6 +5421,12 @@
             <a:r>
               <a:rPr lang="en-US" dirty="0"/>
               <a:t>The ‘owning_user_id’ refers to the user that owns it.</a:t>
+            </a:r>
+          </a:p>
+          <a:p>
+            <a:r>
+              <a:rPr lang="en-US" dirty="0"/>
+              <a:t>This table is covered in the Guest user test cases, another simple select all statement is provided in the test.sql file to check for completeness of content.</a:t>
             </a:r>
           </a:p>
         </p:txBody>
@@ -4788,7 +5446,7 @@
           <p:nvPr/>
         </p:nvPicPr>
         <p:blipFill>
-          <a:blip r:embed="rId3">
+          <a:blip r:embed="rId2">
             <a:extLst>
               <a:ext uri="{28A0092B-C50C-407E-A947-70E740481C1C}">
                 <a14:useLocalDpi xmlns:a14="http://schemas.microsoft.com/office/drawing/2010/main" val="0"/>
@@ -4809,6 +5467,143 @@
           </a:prstGeom>
         </p:spPr>
       </p:pic>
+      <p:pic>
+        <p:nvPicPr>
+          <p:cNvPr id="9" name="Inhaltsplatzhalter 8" descr="Ein Bild, das Text, Screenshot, Schrift, Zahl enthält.&#10;&#10;Automatisch generierte Beschreibung">
+            <a:extLst>
+              <a:ext uri="{FF2B5EF4-FFF2-40B4-BE49-F238E27FC236}">
+                <a16:creationId xmlns:a16="http://schemas.microsoft.com/office/drawing/2014/main" id="{9A019792-7DCC-6FCD-6DD7-F77CE1D19EDD}"/>
+              </a:ext>
+            </a:extLst>
+          </p:cNvPr>
+          <p:cNvPicPr>
+            <a:picLocks noGrp="1" noChangeAspect="1"/>
+          </p:cNvPicPr>
+          <p:nvPr>
+            <p:ph sz="half" idx="1"/>
+          </p:nvPr>
+        </p:nvPicPr>
+        <p:blipFill>
+          <a:blip r:embed="rId3">
+            <a:extLst>
+              <a:ext uri="{28A0092B-C50C-407E-A947-70E740481C1C}">
+                <a14:useLocalDpi xmlns:a14="http://schemas.microsoft.com/office/drawing/2010/main" val="0"/>
+              </a:ext>
+            </a:extLst>
+          </a:blip>
+          <a:stretch>
+            <a:fillRect/>
+          </a:stretch>
+        </p:blipFill>
+        <p:spPr>
+          <a:xfrm>
+            <a:off x="2850356" y="2898775"/>
+            <a:ext cx="1733550" cy="2581275"/>
+          </a:xfrm>
+        </p:spPr>
+      </p:pic>
+      <p:sp>
+        <p:nvSpPr>
+          <p:cNvPr id="10" name="Rechteck 9">
+            <a:extLst>
+              <a:ext uri="{FF2B5EF4-FFF2-40B4-BE49-F238E27FC236}">
+                <a16:creationId xmlns:a16="http://schemas.microsoft.com/office/drawing/2014/main" id="{EB9D4C04-40F6-EC2A-E7C7-FCE7F25D6797}"/>
+              </a:ext>
+            </a:extLst>
+          </p:cNvPr>
+          <p:cNvSpPr/>
+          <p:nvPr/>
+        </p:nvSpPr>
+        <p:spPr>
+          <a:xfrm>
+            <a:off x="2497931" y="5689025"/>
+            <a:ext cx="2578100" cy="610175"/>
+          </a:xfrm>
+          <a:prstGeom prst="rect">
+            <a:avLst/>
+          </a:prstGeom>
+          <a:solidFill>
+            <a:schemeClr val="bg1"/>
+          </a:solidFill>
+          <a:ln w="19050">
+            <a:solidFill>
+              <a:srgbClr val="404040"/>
+            </a:solidFill>
+          </a:ln>
+        </p:spPr>
+        <p:style>
+          <a:lnRef idx="2">
+            <a:schemeClr val="accent1">
+              <a:shade val="15000"/>
+            </a:schemeClr>
+          </a:lnRef>
+          <a:fillRef idx="1">
+            <a:schemeClr val="accent1"/>
+          </a:fillRef>
+          <a:effectRef idx="0">
+            <a:schemeClr val="accent1"/>
+          </a:effectRef>
+          <a:fontRef idx="minor">
+            <a:schemeClr val="lt1"/>
+          </a:fontRef>
+        </p:style>
+        <p:txBody>
+          <a:bodyPr rtlCol="0" anchor="ctr"/>
+          <a:lstStyle/>
+          <a:p>
+            <a:pPr algn="ctr"/>
+            <a:endParaRPr lang="en-US">
+              <a:solidFill>
+                <a:sysClr val="windowText" lastClr="000000"/>
+              </a:solidFill>
+            </a:endParaRPr>
+          </a:p>
+        </p:txBody>
+      </p:sp>
+      <p:sp>
+        <p:nvSpPr>
+          <p:cNvPr id="11" name="Textfeld 10">
+            <a:extLst>
+              <a:ext uri="{FF2B5EF4-FFF2-40B4-BE49-F238E27FC236}">
+                <a16:creationId xmlns:a16="http://schemas.microsoft.com/office/drawing/2014/main" id="{98D0C36F-A29C-8A90-67E6-A857A80EEEBB}"/>
+              </a:ext>
+            </a:extLst>
+          </p:cNvPr>
+          <p:cNvSpPr txBox="1"/>
+          <p:nvPr/>
+        </p:nvSpPr>
+        <p:spPr>
+          <a:xfrm>
+            <a:off x="2497931" y="5714425"/>
+            <a:ext cx="2578100" cy="584775"/>
+          </a:xfrm>
+          <a:prstGeom prst="rect">
+            <a:avLst/>
+          </a:prstGeom>
+          <a:noFill/>
+        </p:spPr>
+        <p:txBody>
+          <a:bodyPr wrap="square" rtlCol="0">
+            <a:spAutoFit/>
+          </a:bodyPr>
+          <a:lstStyle/>
+          <a:p>
+            <a:pPr algn="ctr"/>
+            <a:r>
+              <a:rPr lang="en-US" sz="1600" dirty="0"/>
+              <a:t>‘</a:t>
+            </a:r>
+            <a:r>
+              <a:rPr lang="en-US" altLang="ja-JP" sz="1600" dirty="0"/>
+              <a:t>Language</a:t>
+            </a:r>
+            <a:r>
+              <a:rPr lang="en-US" sz="1600" dirty="0"/>
+              <a:t>’ is a simple table, see test case in test.sql</a:t>
+            </a:r>
+          </a:p>
+        </p:txBody>
+      </p:sp>
     </p:spTree>
     <p:extLst>
       <p:ext uri="{BB962C8B-B14F-4D97-AF65-F5344CB8AC3E}">
@@ -4869,19 +5664,17 @@
       </p:sp>
       <p:pic>
         <p:nvPicPr>
-          <p:cNvPr id="6" name="Inhaltsplatzhalter 5" descr="Ein Bild, das Text, Quittung, Screenshot, Schrift enthält.&#10;&#10;Automatisch generierte Beschreibung">
-            <a:extLst>
-              <a:ext uri="{FF2B5EF4-FFF2-40B4-BE49-F238E27FC236}">
-                <a16:creationId xmlns:a16="http://schemas.microsoft.com/office/drawing/2014/main" id="{7D900F81-8280-E830-31F5-A06081787BF5}"/>
+          <p:cNvPr id="19" name="Grafik 18" descr="Ein Bild, das Text, Screenshot, Software enthält.&#10;&#10;Automatisch generierte Beschreibung">
+            <a:extLst>
+              <a:ext uri="{FF2B5EF4-FFF2-40B4-BE49-F238E27FC236}">
+                <a16:creationId xmlns:a16="http://schemas.microsoft.com/office/drawing/2014/main" id="{D4DB5899-55E5-4345-0A0C-A34185ECAC3D}"/>
               </a:ext>
             </a:extLst>
           </p:cNvPr>
           <p:cNvPicPr>
-            <a:picLocks noGrp="1" noChangeAspect="1"/>
+            <a:picLocks noChangeAspect="1"/>
           </p:cNvPicPr>
-          <p:nvPr>
-            <p:ph sz="half" idx="1"/>
-          </p:nvPr>
+          <p:nvPr/>
         </p:nvPicPr>
         <p:blipFill>
           <a:blip r:embed="rId2">
@@ -4897,9 +5690,12 @@
         </p:blipFill>
         <p:spPr>
           <a:xfrm>
-            <a:off x="2855119" y="3470275"/>
-            <a:ext cx="1724025" cy="1438275"/>
-          </a:xfrm>
+            <a:off x="427038" y="2328101"/>
+            <a:ext cx="5270093" cy="4085399"/>
+          </a:xfrm>
+          <a:prstGeom prst="rect">
+            <a:avLst/>
+          </a:prstGeom>
         </p:spPr>
       </p:pic>
       <p:sp>
@@ -4921,7 +5717,7 @@
         <p:spPr/>
         <p:txBody>
           <a:bodyPr>
-            <a:normAutofit lnSpcReduction="10000"/>
+            <a:normAutofit fontScale="77500" lnSpcReduction="20000"/>
           </a:bodyPr>
           <a:lstStyle/>
           <a:p>
@@ -4939,13 +5735,27 @@
           <a:p>
             <a:r>
               <a:rPr lang="en-US" dirty="0"/>
-              <a:t>A user can have multiple Wishlists, hence the need for a name.</a:t>
+              <a:t>A user can have multiple </a:t>
+            </a:r>
+            <a:r>
+              <a:rPr lang="en-US" dirty="0" err="1"/>
+              <a:t>wishlists</a:t>
+            </a:r>
+            <a:r>
+              <a:rPr lang="en-US" dirty="0"/>
+              <a:t>, hence the need for a name.</a:t>
             </a:r>
           </a:p>
           <a:p>
             <a:r>
               <a:rPr lang="en-US" dirty="0"/>
               <a:t>The ‘wishlist_id’ is used in the next table to normalize the M:N relation.</a:t>
+            </a:r>
+          </a:p>
+          <a:p>
+            <a:r>
+              <a:rPr lang="en-US" dirty="0"/>
+              <a:t>The table works in close relation to the ‘wishlist_propertylisting’ table (next slide). This first test case checks for general data of the chat table and other related tables in conjunction. The second test checks the relation of a chat and its messages.</a:t>
             </a:r>
           </a:p>
         </p:txBody>
@@ -4980,6 +5790,78 @@
           <a:xfrm>
             <a:off x="11633200" y="6299200"/>
             <a:ext cx="457200" cy="457200"/>
+          </a:xfrm>
+          <a:prstGeom prst="rect">
+            <a:avLst/>
+          </a:prstGeom>
+        </p:spPr>
+      </p:pic>
+      <p:pic>
+        <p:nvPicPr>
+          <p:cNvPr id="11" name="Grafik 10" descr="Ein Bild, das Text, Quittung, Screenshot, Schrift enthält.&#10;&#10;Automatisch generierte Beschreibung">
+            <a:extLst>
+              <a:ext uri="{FF2B5EF4-FFF2-40B4-BE49-F238E27FC236}">
+                <a16:creationId xmlns:a16="http://schemas.microsoft.com/office/drawing/2014/main" id="{5EEFCFCE-09C5-E0AA-76D8-E86549ACEF5E}"/>
+              </a:ext>
+            </a:extLst>
+          </p:cNvPr>
+          <p:cNvPicPr>
+            <a:picLocks noChangeAspect="1"/>
+          </p:cNvPicPr>
+          <p:nvPr/>
+        </p:nvPicPr>
+        <p:blipFill>
+          <a:blip r:embed="rId4">
+            <a:extLst>
+              <a:ext uri="{28A0092B-C50C-407E-A947-70E740481C1C}">
+                <a14:useLocalDpi xmlns:a14="http://schemas.microsoft.com/office/drawing/2010/main" val="0"/>
+              </a:ext>
+            </a:extLst>
+          </a:blip>
+          <a:stretch>
+            <a:fillRect/>
+          </a:stretch>
+        </p:blipFill>
+        <p:spPr>
+          <a:xfrm>
+            <a:off x="4651025" y="2750760"/>
+            <a:ext cx="1733550" cy="1438275"/>
+          </a:xfrm>
+          <a:prstGeom prst="rect">
+            <a:avLst/>
+          </a:prstGeom>
+        </p:spPr>
+      </p:pic>
+      <p:pic>
+        <p:nvPicPr>
+          <p:cNvPr id="21" name="Grafik 20" descr="Ein Bild, das Text, Screenshot, Schrift, Zahl enthält.&#10;&#10;Automatisch generierte Beschreibung">
+            <a:extLst>
+              <a:ext uri="{FF2B5EF4-FFF2-40B4-BE49-F238E27FC236}">
+                <a16:creationId xmlns:a16="http://schemas.microsoft.com/office/drawing/2014/main" id="{D1F30D4E-2893-1262-4A48-694B11C8C4CF}"/>
+              </a:ext>
+            </a:extLst>
+          </p:cNvPr>
+          <p:cNvPicPr>
+            <a:picLocks noChangeAspect="1"/>
+          </p:cNvPicPr>
+          <p:nvPr/>
+        </p:nvPicPr>
+        <p:blipFill>
+          <a:blip r:embed="rId5">
+            <a:extLst>
+              <a:ext uri="{28A0092B-C50C-407E-A947-70E740481C1C}">
+                <a14:useLocalDpi xmlns:a14="http://schemas.microsoft.com/office/drawing/2010/main" val="0"/>
+              </a:ext>
+            </a:extLst>
+          </a:blip>
+          <a:stretch>
+            <a:fillRect/>
+          </a:stretch>
+        </p:blipFill>
+        <p:spPr>
+          <a:xfrm>
+            <a:off x="5802886" y="5740026"/>
+            <a:ext cx="5093820" cy="891068"/>
           </a:xfrm>
           <a:prstGeom prst="rect">
             <a:avLst/>
@@ -5016,49 +5898,19 @@
           <a:chExt cx="0" cy="0"/>
         </a:xfrm>
       </p:grpSpPr>
-      <p:sp>
-        <p:nvSpPr>
-          <p:cNvPr id="2" name="Titel 1">
-            <a:extLst>
-              <a:ext uri="{FF2B5EF4-FFF2-40B4-BE49-F238E27FC236}">
-                <a16:creationId xmlns:a16="http://schemas.microsoft.com/office/drawing/2014/main" id="{A0F25EF5-F273-2C46-EE92-9D79CDFD3C6C}"/>
-              </a:ext>
-            </a:extLst>
-          </p:cNvPr>
-          <p:cNvSpPr>
-            <a:spLocks noGrp="1"/>
-          </p:cNvSpPr>
-          <p:nvPr>
-            <p:ph type="title"/>
-          </p:nvPr>
-        </p:nvSpPr>
-        <p:spPr/>
-        <p:txBody>
-          <a:bodyPr/>
-          <a:lstStyle/>
-          <a:p>
-            <a:r>
-              <a:rPr lang="en-US" dirty="0"/>
-              <a:t>Table – Wishlist_PropertyListing</a:t>
-            </a:r>
-          </a:p>
-        </p:txBody>
-      </p:sp>
       <p:pic>
         <p:nvPicPr>
-          <p:cNvPr id="6" name="Inhaltsplatzhalter 5" descr="Ein Bild, das Text, Schrift, Screenshot, Quittung enthält.&#10;&#10;Automatisch generierte Beschreibung">
-            <a:extLst>
-              <a:ext uri="{FF2B5EF4-FFF2-40B4-BE49-F238E27FC236}">
-                <a16:creationId xmlns:a16="http://schemas.microsoft.com/office/drawing/2014/main" id="{F52374AF-EB19-DB2F-6264-BF01715F6521}"/>
+          <p:cNvPr id="14" name="Grafik 13" descr="Ein Bild, das Text, Screenshot, Software enthält.&#10;&#10;Automatisch generierte Beschreibung">
+            <a:extLst>
+              <a:ext uri="{FF2B5EF4-FFF2-40B4-BE49-F238E27FC236}">
+                <a16:creationId xmlns:a16="http://schemas.microsoft.com/office/drawing/2014/main" id="{4388A9A4-ED0A-CC23-6F6F-50A1DFAFA8B5}"/>
               </a:ext>
             </a:extLst>
           </p:cNvPr>
           <p:cNvPicPr>
-            <a:picLocks noGrp="1" noChangeAspect="1"/>
+            <a:picLocks noChangeAspect="1"/>
           </p:cNvPicPr>
-          <p:nvPr>
-            <p:ph sz="half" idx="1"/>
-          </p:nvPr>
+          <p:nvPr/>
         </p:nvPicPr>
         <p:blipFill>
           <a:blip r:embed="rId2">
@@ -5074,13 +5926,44 @@
         </p:blipFill>
         <p:spPr>
           <a:xfrm>
-            <a:off x="2759869" y="3613150"/>
-            <a:ext cx="1914525" cy="1152525"/>
-          </a:xfrm>
+            <a:off x="1174750" y="2328101"/>
+            <a:ext cx="4522381" cy="3505769"/>
+          </a:xfrm>
+          <a:prstGeom prst="rect">
+            <a:avLst/>
+          </a:prstGeom>
         </p:spPr>
       </p:pic>
       <p:sp>
         <p:nvSpPr>
+          <p:cNvPr id="2" name="Titel 1">
+            <a:extLst>
+              <a:ext uri="{FF2B5EF4-FFF2-40B4-BE49-F238E27FC236}">
+                <a16:creationId xmlns:a16="http://schemas.microsoft.com/office/drawing/2014/main" id="{A0F25EF5-F273-2C46-EE92-9D79CDFD3C6C}"/>
+              </a:ext>
+            </a:extLst>
+          </p:cNvPr>
+          <p:cNvSpPr>
+            <a:spLocks noGrp="1"/>
+          </p:cNvSpPr>
+          <p:nvPr>
+            <p:ph type="title"/>
+          </p:nvPr>
+        </p:nvSpPr>
+        <p:spPr/>
+        <p:txBody>
+          <a:bodyPr/>
+          <a:lstStyle/>
+          <a:p>
+            <a:r>
+              <a:rPr lang="en-US" dirty="0"/>
+              <a:t>Table – Wishlist_PropertyListing</a:t>
+            </a:r>
+          </a:p>
+        </p:txBody>
+      </p:sp>
+      <p:sp>
+        <p:nvSpPr>
           <p:cNvPr id="4" name="Inhaltsplatzhalter 3">
             <a:extLst>
               <a:ext uri="{FF2B5EF4-FFF2-40B4-BE49-F238E27FC236}">
@@ -5095,9 +5978,16 @@
             <p:ph sz="half" idx="2"/>
           </p:nvPr>
         </p:nvSpPr>
-        <p:spPr/>
-        <p:txBody>
-          <a:bodyPr/>
+        <p:spPr>
+          <a:xfrm>
+            <a:off x="6338315" y="2638044"/>
+            <a:ext cx="4270247" cy="3184906"/>
+          </a:xfrm>
+        </p:spPr>
+        <p:txBody>
+          <a:bodyPr>
+            <a:normAutofit fontScale="92500" lnSpcReduction="20000"/>
+          </a:bodyPr>
           <a:lstStyle/>
           <a:p>
             <a:r>
@@ -5115,6 +6005,12 @@
             <a:r>
               <a:rPr lang="en-US" dirty="0"/>
               <a:t>The propertylisting table will be introduced in the following slides.</a:t>
+            </a:r>
+          </a:p>
+          <a:p>
+            <a:r>
+              <a:rPr lang="en-US" dirty="0"/>
+              <a:t>As explained in the previous slide, this table stands in close relation to the wishlist table. The second test case demonstrates the relationship of a wishlist with the propertylisting table via the link of this table very well.</a:t>
             </a:r>
           </a:p>
         </p:txBody>
@@ -5149,6 +6045,78 @@
           <a:xfrm>
             <a:off x="11633200" y="6299200"/>
             <a:ext cx="457200" cy="457200"/>
+          </a:xfrm>
+          <a:prstGeom prst="rect">
+            <a:avLst/>
+          </a:prstGeom>
+        </p:spPr>
+      </p:pic>
+      <p:pic>
+        <p:nvPicPr>
+          <p:cNvPr id="11" name="Grafik 10" descr="Ein Bild, das Text, Schrift, Screenshot, Quittung enthält.&#10;&#10;Automatisch generierte Beschreibung">
+            <a:extLst>
+              <a:ext uri="{FF2B5EF4-FFF2-40B4-BE49-F238E27FC236}">
+                <a16:creationId xmlns:a16="http://schemas.microsoft.com/office/drawing/2014/main" id="{4A23B7E3-BAF9-8220-24CD-8387E4FFD85E}"/>
+              </a:ext>
+            </a:extLst>
+          </p:cNvPr>
+          <p:cNvPicPr>
+            <a:picLocks noChangeAspect="1"/>
+          </p:cNvPicPr>
+          <p:nvPr/>
+        </p:nvPicPr>
+        <p:blipFill>
+          <a:blip r:embed="rId4">
+            <a:extLst>
+              <a:ext uri="{28A0092B-C50C-407E-A947-70E740481C1C}">
+                <a14:useLocalDpi xmlns:a14="http://schemas.microsoft.com/office/drawing/2010/main" val="0"/>
+              </a:ext>
+            </a:extLst>
+          </a:blip>
+          <a:stretch>
+            <a:fillRect/>
+          </a:stretch>
+        </p:blipFill>
+        <p:spPr>
+          <a:xfrm>
+            <a:off x="4496421" y="2700337"/>
+            <a:ext cx="1841894" cy="1103313"/>
+          </a:xfrm>
+          <a:prstGeom prst="rect">
+            <a:avLst/>
+          </a:prstGeom>
+        </p:spPr>
+      </p:pic>
+      <p:pic>
+        <p:nvPicPr>
+          <p:cNvPr id="16" name="Grafik 15">
+            <a:extLst>
+              <a:ext uri="{FF2B5EF4-FFF2-40B4-BE49-F238E27FC236}">
+                <a16:creationId xmlns:a16="http://schemas.microsoft.com/office/drawing/2014/main" id="{978BC9D5-EEB4-9211-BD46-CAC9068FE4C0}"/>
+              </a:ext>
+            </a:extLst>
+          </p:cNvPr>
+          <p:cNvPicPr>
+            <a:picLocks noChangeAspect="1"/>
+          </p:cNvPicPr>
+          <p:nvPr/>
+        </p:nvPicPr>
+        <p:blipFill>
+          <a:blip r:embed="rId5">
+            <a:extLst>
+              <a:ext uri="{28A0092B-C50C-407E-A947-70E740481C1C}">
+                <a14:useLocalDpi xmlns:a14="http://schemas.microsoft.com/office/drawing/2010/main" val="0"/>
+              </a:ext>
+            </a:extLst>
+          </a:blip>
+          <a:stretch>
+            <a:fillRect/>
+          </a:stretch>
+        </p:blipFill>
+        <p:spPr>
+          <a:xfrm>
+            <a:off x="1174750" y="5885243"/>
+            <a:ext cx="9433812" cy="721146"/>
           </a:xfrm>
           <a:prstGeom prst="rect">
             <a:avLst/>
@@ -5240,7 +6208,7 @@
             </a:pPr>
             <a:r>
               <a:rPr lang="en-US" dirty="0"/>
-              <a:t>Introduction and Structure of Presentation</a:t>
+              <a:t>Introduction and Presentation Structure</a:t>
             </a:r>
           </a:p>
           <a:p>
@@ -5250,7 +6218,7 @@
             </a:pPr>
             <a:r>
               <a:rPr lang="en-US" dirty="0"/>
-              <a:t>General Database Structure</a:t>
+              <a:t>Changes compared to Phase 1</a:t>
             </a:r>
           </a:p>
           <a:p>
@@ -5260,7 +6228,7 @@
             </a:pPr>
             <a:r>
               <a:rPr lang="en-US" dirty="0"/>
-              <a:t>Individual Table Examinations</a:t>
+              <a:t>General Database Structure</a:t>
             </a:r>
           </a:p>
           <a:p>
@@ -5268,7 +6236,20 @@
               <a:buFont typeface="+mj-lt"/>
               <a:buAutoNum type="arabicPeriod"/>
             </a:pPr>
-            <a:endParaRPr lang="en-US" dirty="0"/>
+            <a:r>
+              <a:rPr lang="en-US" dirty="0"/>
+              <a:t>Examining Individual Table</a:t>
+            </a:r>
+          </a:p>
+          <a:p>
+            <a:pPr marL="457200" indent="-457200">
+              <a:buFont typeface="+mj-lt"/>
+              <a:buAutoNum type="arabicPeriod"/>
+            </a:pPr>
+            <a:r>
+              <a:rPr lang="en-US" dirty="0"/>
+              <a:t>Conclusion &amp; Closing Thoughts</a:t>
+            </a:r>
           </a:p>
           <a:p>
             <a:pPr marL="857250" lvl="1" indent="-457200">
@@ -5380,41 +6361,6 @@
           </a:p>
         </p:txBody>
       </p:sp>
-      <p:pic>
-        <p:nvPicPr>
-          <p:cNvPr id="6" name="Inhaltsplatzhalter 5" descr="Ein Bild, das Text, Screenshot, Schrift, Zahl enthält.&#10;&#10;Automatisch generierte Beschreibung">
-            <a:extLst>
-              <a:ext uri="{FF2B5EF4-FFF2-40B4-BE49-F238E27FC236}">
-                <a16:creationId xmlns:a16="http://schemas.microsoft.com/office/drawing/2014/main" id="{75BA3FCB-75A3-13E5-8492-EB52495AFB02}"/>
-              </a:ext>
-            </a:extLst>
-          </p:cNvPr>
-          <p:cNvPicPr>
-            <a:picLocks noGrp="1" noChangeAspect="1"/>
-          </p:cNvPicPr>
-          <p:nvPr>
-            <p:ph sz="half" idx="1"/>
-          </p:nvPr>
-        </p:nvPicPr>
-        <p:blipFill>
-          <a:blip r:embed="rId2">
-            <a:extLst>
-              <a:ext uri="{28A0092B-C50C-407E-A947-70E740481C1C}">
-                <a14:useLocalDpi xmlns:a14="http://schemas.microsoft.com/office/drawing/2010/main" val="0"/>
-              </a:ext>
-            </a:extLst>
-          </a:blip>
-          <a:stretch>
-            <a:fillRect/>
-          </a:stretch>
-        </p:blipFill>
-        <p:spPr>
-          <a:xfrm>
-            <a:off x="3094673" y="2638425"/>
-            <a:ext cx="1244916" cy="3101975"/>
-          </a:xfrm>
-        </p:spPr>
-      </p:pic>
       <p:sp>
         <p:nvSpPr>
           <p:cNvPr id="4" name="Inhaltsplatzhalter 3">
@@ -5431,9 +6377,16 @@
             <p:ph sz="half" idx="2"/>
           </p:nvPr>
         </p:nvSpPr>
-        <p:spPr/>
-        <p:txBody>
-          <a:bodyPr/>
+        <p:spPr>
+          <a:xfrm>
+            <a:off x="6338888" y="2440704"/>
+            <a:ext cx="4270247" cy="4024504"/>
+          </a:xfrm>
+        </p:spPr>
+        <p:txBody>
+          <a:bodyPr>
+            <a:normAutofit fontScale="85000" lnSpcReduction="10000"/>
+          </a:bodyPr>
           <a:lstStyle/>
           <a:p>
             <a:r>
@@ -5451,6 +6404,12 @@
             <a:r>
               <a:rPr lang="en-US" dirty="0"/>
               <a:t>These relations rely on the ‘propertylisting_id’ and are introduced in the following slides.</a:t>
+            </a:r>
+          </a:p>
+          <a:p>
+            <a:r>
+              <a:rPr lang="en-US" dirty="0"/>
+              <a:t>Although many of the relations of this table have already been tested, this table of great importance to the overall system. It is therefore reasonable to create a test case that generally tests all relationships of this table. Said test case can be seen here, it focuses on returning relevant from all tables that have a relationship with the propertylisting table. (Either via property or host id)</a:t>
             </a:r>
           </a:p>
         </p:txBody>
@@ -5470,7 +6429,7 @@
           <p:nvPr/>
         </p:nvPicPr>
         <p:blipFill>
-          <a:blip r:embed="rId3">
+          <a:blip r:embed="rId2">
             <a:extLst>
               <a:ext uri="{28A0092B-C50C-407E-A947-70E740481C1C}">
                 <a14:useLocalDpi xmlns:a14="http://schemas.microsoft.com/office/drawing/2010/main" val="0"/>
@@ -5485,6 +6444,113 @@
           <a:xfrm>
             <a:off x="11633200" y="6299200"/>
             <a:ext cx="457200" cy="457200"/>
+          </a:xfrm>
+          <a:prstGeom prst="rect">
+            <a:avLst/>
+          </a:prstGeom>
+        </p:spPr>
+      </p:pic>
+      <p:pic>
+        <p:nvPicPr>
+          <p:cNvPr id="20" name="Inhaltsplatzhalter 19" descr="Ein Bild, das Text, Screenshot, Software, Multimedia-Software enthält.&#10;&#10;Automatisch generierte Beschreibung">
+            <a:extLst>
+              <a:ext uri="{FF2B5EF4-FFF2-40B4-BE49-F238E27FC236}">
+                <a16:creationId xmlns:a16="http://schemas.microsoft.com/office/drawing/2014/main" id="{2716A5CB-430C-15CA-760E-E64295F2DF47}"/>
+              </a:ext>
+            </a:extLst>
+          </p:cNvPr>
+          <p:cNvPicPr>
+            <a:picLocks noGrp="1" noChangeAspect="1"/>
+          </p:cNvPicPr>
+          <p:nvPr>
+            <p:ph sz="half" idx="1"/>
+          </p:nvPr>
+        </p:nvPicPr>
+        <p:blipFill>
+          <a:blip r:embed="rId3">
+            <a:extLst>
+              <a:ext uri="{28A0092B-C50C-407E-A947-70E740481C1C}">
+                <a14:useLocalDpi xmlns:a14="http://schemas.microsoft.com/office/drawing/2010/main" val="0"/>
+              </a:ext>
+            </a:extLst>
+          </a:blip>
+          <a:stretch>
+            <a:fillRect/>
+          </a:stretch>
+        </p:blipFill>
+        <p:spPr>
+          <a:xfrm>
+            <a:off x="1621202" y="2638425"/>
+            <a:ext cx="4191858" cy="3101975"/>
+          </a:xfrm>
+        </p:spPr>
+      </p:pic>
+      <p:pic>
+        <p:nvPicPr>
+          <p:cNvPr id="11" name="Grafik 10" descr="Ein Bild, das Text, Screenshot, Zahl, Schrift enthält.&#10;&#10;Automatisch generierte Beschreibung">
+            <a:extLst>
+              <a:ext uri="{FF2B5EF4-FFF2-40B4-BE49-F238E27FC236}">
+                <a16:creationId xmlns:a16="http://schemas.microsoft.com/office/drawing/2014/main" id="{816AC3BA-D019-A7AE-090A-EC2F07898D55}"/>
+              </a:ext>
+            </a:extLst>
+          </p:cNvPr>
+          <p:cNvPicPr>
+            <a:picLocks noChangeAspect="1"/>
+          </p:cNvPicPr>
+          <p:nvPr/>
+        </p:nvPicPr>
+        <p:blipFill>
+          <a:blip r:embed="rId4">
+            <a:extLst>
+              <a:ext uri="{28A0092B-C50C-407E-A947-70E740481C1C}">
+                <a14:useLocalDpi xmlns:a14="http://schemas.microsoft.com/office/drawing/2010/main" val="0"/>
+              </a:ext>
+            </a:extLst>
+          </a:blip>
+          <a:stretch>
+            <a:fillRect/>
+          </a:stretch>
+        </p:blipFill>
+        <p:spPr>
+          <a:xfrm>
+            <a:off x="4915915" y="3050414"/>
+            <a:ext cx="1249211" cy="3308350"/>
+          </a:xfrm>
+          <a:prstGeom prst="rect">
+            <a:avLst/>
+          </a:prstGeom>
+        </p:spPr>
+      </p:pic>
+      <p:pic>
+        <p:nvPicPr>
+          <p:cNvPr id="22" name="Grafik 21">
+            <a:extLst>
+              <a:ext uri="{FF2B5EF4-FFF2-40B4-BE49-F238E27FC236}">
+                <a16:creationId xmlns:a16="http://schemas.microsoft.com/office/drawing/2014/main" id="{8427C8DD-220F-2932-C5D7-9653F6A8A613}"/>
+              </a:ext>
+            </a:extLst>
+          </p:cNvPr>
+          <p:cNvPicPr>
+            <a:picLocks noChangeAspect="1"/>
+          </p:cNvPicPr>
+          <p:nvPr/>
+        </p:nvPicPr>
+        <p:blipFill>
+          <a:blip r:embed="rId5">
+            <a:extLst>
+              <a:ext uri="{28A0092B-C50C-407E-A947-70E740481C1C}">
+                <a14:useLocalDpi xmlns:a14="http://schemas.microsoft.com/office/drawing/2010/main" val="0"/>
+              </a:ext>
+            </a:extLst>
+          </a:blip>
+          <a:stretch>
+            <a:fillRect/>
+          </a:stretch>
+        </p:blipFill>
+        <p:spPr>
+          <a:xfrm>
+            <a:off x="352441" y="5779273"/>
+            <a:ext cx="4518009" cy="892279"/>
           </a:xfrm>
           <a:prstGeom prst="rect">
             <a:avLst/>
@@ -5549,41 +6615,6 @@
           </a:p>
         </p:txBody>
       </p:sp>
-      <p:pic>
-        <p:nvPicPr>
-          <p:cNvPr id="6" name="Inhaltsplatzhalter 5" descr="Ein Bild, das Text, Screenshot, Schrift, Zahl enthält.&#10;&#10;Automatisch generierte Beschreibung">
-            <a:extLst>
-              <a:ext uri="{FF2B5EF4-FFF2-40B4-BE49-F238E27FC236}">
-                <a16:creationId xmlns:a16="http://schemas.microsoft.com/office/drawing/2014/main" id="{38CF2E26-2A16-775E-AD0E-1BCE92551688}"/>
-              </a:ext>
-            </a:extLst>
-          </p:cNvPr>
-          <p:cNvPicPr>
-            <a:picLocks noGrp="1" noChangeAspect="1"/>
-          </p:cNvPicPr>
-          <p:nvPr>
-            <p:ph sz="half" idx="1"/>
-          </p:nvPr>
-        </p:nvPicPr>
-        <p:blipFill>
-          <a:blip r:embed="rId2">
-            <a:extLst>
-              <a:ext uri="{28A0092B-C50C-407E-A947-70E740481C1C}">
-                <a14:useLocalDpi xmlns:a14="http://schemas.microsoft.com/office/drawing/2010/main" val="0"/>
-              </a:ext>
-            </a:extLst>
-          </a:blip>
-          <a:stretch>
-            <a:fillRect/>
-          </a:stretch>
-        </p:blipFill>
-        <p:spPr>
-          <a:xfrm>
-            <a:off x="2999155" y="2638425"/>
-            <a:ext cx="1435952" cy="3101975"/>
-          </a:xfrm>
-        </p:spPr>
-      </p:pic>
       <p:sp>
         <p:nvSpPr>
           <p:cNvPr id="4" name="Inhaltsplatzhalter 3">
@@ -5600,9 +6631,16 @@
             <p:ph sz="half" idx="2"/>
           </p:nvPr>
         </p:nvSpPr>
-        <p:spPr/>
-        <p:txBody>
-          <a:bodyPr/>
+        <p:spPr>
+          <a:xfrm>
+            <a:off x="6338315" y="2638043"/>
+            <a:ext cx="4270247" cy="3391165"/>
+          </a:xfrm>
+        </p:spPr>
+        <p:txBody>
+          <a:bodyPr>
+            <a:normAutofit fontScale="92500" lnSpcReduction="10000"/>
+          </a:bodyPr>
           <a:lstStyle/>
           <a:p>
             <a:r>
@@ -5620,6 +6658,12 @@
             <a:r>
               <a:rPr lang="en-US" dirty="0"/>
               <a:t>Users can also add comments and images to the review.</a:t>
+            </a:r>
+          </a:p>
+          <a:p>
+            <a:r>
+              <a:rPr lang="en-US" dirty="0"/>
+              <a:t>The test case simple checks the relationship between propertylistings and reviews, as well as the review content.</a:t>
             </a:r>
           </a:p>
         </p:txBody>
@@ -5639,7 +6683,7 @@
           <p:nvPr/>
         </p:nvPicPr>
         <p:blipFill>
-          <a:blip r:embed="rId3">
+          <a:blip r:embed="rId2">
             <a:extLst>
               <a:ext uri="{28A0092B-C50C-407E-A947-70E740481C1C}">
                 <a14:useLocalDpi xmlns:a14="http://schemas.microsoft.com/office/drawing/2010/main" val="0"/>
@@ -5654,6 +6698,113 @@
           <a:xfrm>
             <a:off x="11633200" y="6299200"/>
             <a:ext cx="457200" cy="457200"/>
+          </a:xfrm>
+          <a:prstGeom prst="rect">
+            <a:avLst/>
+          </a:prstGeom>
+        </p:spPr>
+      </p:pic>
+      <p:pic>
+        <p:nvPicPr>
+          <p:cNvPr id="11" name="Inhaltsplatzhalter 10" descr="Ein Bild, das Text, Screenshot, Software enthält.&#10;&#10;Automatisch generierte Beschreibung">
+            <a:extLst>
+              <a:ext uri="{FF2B5EF4-FFF2-40B4-BE49-F238E27FC236}">
+                <a16:creationId xmlns:a16="http://schemas.microsoft.com/office/drawing/2014/main" id="{5ECA4C77-A0BE-B411-80B6-AB048F94F0D3}"/>
+              </a:ext>
+            </a:extLst>
+          </p:cNvPr>
+          <p:cNvPicPr>
+            <a:picLocks noGrp="1" noChangeAspect="1"/>
+          </p:cNvPicPr>
+          <p:nvPr>
+            <p:ph sz="half" idx="1"/>
+          </p:nvPr>
+        </p:nvPicPr>
+        <p:blipFill>
+          <a:blip r:embed="rId3">
+            <a:extLst>
+              <a:ext uri="{28A0092B-C50C-407E-A947-70E740481C1C}">
+                <a14:useLocalDpi xmlns:a14="http://schemas.microsoft.com/office/drawing/2010/main" val="0"/>
+              </a:ext>
+            </a:extLst>
+          </a:blip>
+          <a:stretch>
+            <a:fillRect/>
+          </a:stretch>
+        </p:blipFill>
+        <p:spPr>
+          <a:xfrm>
+            <a:off x="120650" y="2638044"/>
+            <a:ext cx="4932364" cy="1573909"/>
+          </a:xfrm>
+        </p:spPr>
+      </p:pic>
+      <p:pic>
+        <p:nvPicPr>
+          <p:cNvPr id="13" name="Grafik 12" descr="Ein Bild, das Text, Screenshot, Schrift, Zahl enthält.&#10;&#10;Automatisch generierte Beschreibung">
+            <a:extLst>
+              <a:ext uri="{FF2B5EF4-FFF2-40B4-BE49-F238E27FC236}">
+                <a16:creationId xmlns:a16="http://schemas.microsoft.com/office/drawing/2014/main" id="{5AD69A3A-5416-AAB6-C406-98192A02DD0C}"/>
+              </a:ext>
+            </a:extLst>
+          </p:cNvPr>
+          <p:cNvPicPr>
+            <a:picLocks noChangeAspect="1"/>
+          </p:cNvPicPr>
+          <p:nvPr/>
+        </p:nvPicPr>
+        <p:blipFill>
+          <a:blip r:embed="rId4">
+            <a:extLst>
+              <a:ext uri="{28A0092B-C50C-407E-A947-70E740481C1C}">
+                <a14:useLocalDpi xmlns:a14="http://schemas.microsoft.com/office/drawing/2010/main" val="0"/>
+              </a:ext>
+            </a:extLst>
+          </a:blip>
+          <a:stretch>
+            <a:fillRect/>
+          </a:stretch>
+        </p:blipFill>
+        <p:spPr>
+          <a:xfrm>
+            <a:off x="4984176" y="2791554"/>
+            <a:ext cx="1233489" cy="2656746"/>
+          </a:xfrm>
+          <a:prstGeom prst="rect">
+            <a:avLst/>
+          </a:prstGeom>
+        </p:spPr>
+      </p:pic>
+      <p:pic>
+        <p:nvPicPr>
+          <p:cNvPr id="17" name="Grafik 16">
+            <a:extLst>
+              <a:ext uri="{FF2B5EF4-FFF2-40B4-BE49-F238E27FC236}">
+                <a16:creationId xmlns:a16="http://schemas.microsoft.com/office/drawing/2014/main" id="{AC1B6790-9E80-3AE3-79EE-22B71AAB3113}"/>
+              </a:ext>
+            </a:extLst>
+          </p:cNvPr>
+          <p:cNvPicPr>
+            <a:picLocks noChangeAspect="1"/>
+          </p:cNvPicPr>
+          <p:nvPr/>
+        </p:nvPicPr>
+        <p:blipFill>
+          <a:blip r:embed="rId5">
+            <a:extLst>
+              <a:ext uri="{28A0092B-C50C-407E-A947-70E740481C1C}">
+                <a14:useLocalDpi xmlns:a14="http://schemas.microsoft.com/office/drawing/2010/main" val="0"/>
+              </a:ext>
+            </a:extLst>
+          </a:blip>
+          <a:stretch>
+            <a:fillRect/>
+          </a:stretch>
+        </p:blipFill>
+        <p:spPr>
+          <a:xfrm>
+            <a:off x="101600" y="6029209"/>
+            <a:ext cx="10775950" cy="493245"/>
           </a:xfrm>
           <a:prstGeom prst="rect">
             <a:avLst/>
@@ -5748,7 +6899,7 @@
         </p:blipFill>
         <p:spPr>
           <a:xfrm>
-            <a:off x="2880519" y="2955925"/>
+            <a:off x="2568464" y="2396744"/>
             <a:ext cx="1724025" cy="1152525"/>
           </a:xfrm>
         </p:spPr>
@@ -5769,22 +6920,27 @@
             <p:ph sz="half" idx="2"/>
           </p:nvPr>
         </p:nvSpPr>
-        <p:spPr/>
+        <p:spPr>
+          <a:xfrm>
+            <a:off x="6338315" y="2638044"/>
+            <a:ext cx="4270247" cy="3502406"/>
+          </a:xfrm>
+        </p:spPr>
         <p:txBody>
           <a:bodyPr>
-            <a:normAutofit fontScale="85000" lnSpcReduction="10000"/>
+            <a:normAutofit fontScale="85000" lnSpcReduction="20000"/>
           </a:bodyPr>
           <a:lstStyle/>
           <a:p>
             <a:r>
               <a:rPr lang="en-US" dirty="0"/>
-              <a:t>Each table is used to normalize a relation between the PropertyListing and their respective table.</a:t>
-            </a:r>
-          </a:p>
-          <a:p>
-            <a:r>
-              <a:rPr lang="en-US" dirty="0"/>
-              <a:t>The naming convention of these tables is meant to represent link between ‘PropertyListing’ and ‘Amenity’, ‘Category’ or ‘HouseRule’ table.</a:t>
+              <a:t>Each table is used to normalize a relation between the PropertyListing and their respective table. I see these tables as one equivalence class.</a:t>
+            </a:r>
+          </a:p>
+          <a:p>
+            <a:r>
+              <a:rPr lang="en-US" dirty="0"/>
+              <a:t>The naming convention of these tables is meant to represent the link between ‘PropertyListing’ and ‘Amenity’, ‘Category’ or ‘HouseRule’ table.</a:t>
             </a:r>
           </a:p>
           <a:p>
@@ -5813,6 +6969,16 @@
               <a:t>(I am considering removing these for the finalization phase and would appreciate feedback regarding this)</a:t>
             </a:r>
           </a:p>
+          <a:p>
+            <a:r>
+              <a:rPr lang="en-US" dirty="0">
+                <a:solidFill>
+                  <a:schemeClr val="tx1"/>
+                </a:solidFill>
+              </a:rPr>
+              <a:t>The test case checks the link of the propertylisting to the respective table via the link of these tables by returning data of each data entry.</a:t>
+            </a:r>
+          </a:p>
         </p:txBody>
       </p:sp>
       <p:pic>
@@ -5843,7 +7009,7 @@
         </p:blipFill>
         <p:spPr>
           <a:xfrm>
-            <a:off x="3799681" y="4216400"/>
+            <a:off x="4371975" y="2396744"/>
             <a:ext cx="1724025" cy="1152525"/>
           </a:xfrm>
           <a:prstGeom prst="rect">
@@ -5879,7 +7045,7 @@
         </p:blipFill>
         <p:spPr>
           <a:xfrm>
-            <a:off x="1959767" y="4216400"/>
+            <a:off x="764953" y="2396744"/>
             <a:ext cx="1724025" cy="1152525"/>
           </a:xfrm>
           <a:prstGeom prst="rect">
@@ -5917,6 +7083,121 @@
           <a:xfrm>
             <a:off x="11633200" y="6299200"/>
             <a:ext cx="457200" cy="457200"/>
+          </a:xfrm>
+          <a:prstGeom prst="rect">
+            <a:avLst/>
+          </a:prstGeom>
+        </p:spPr>
+      </p:pic>
+      <p:pic>
+        <p:nvPicPr>
+          <p:cNvPr id="11" name="Grafik 10" descr="Ein Bild, das Text, Screenshot, Schrift enthält.&#10;&#10;Automatisch generierte Beschreibung">
+            <a:extLst>
+              <a:ext uri="{FF2B5EF4-FFF2-40B4-BE49-F238E27FC236}">
+                <a16:creationId xmlns:a16="http://schemas.microsoft.com/office/drawing/2014/main" id="{D7AABD4F-BADB-0519-75A0-013C9DB8E82E}"/>
+              </a:ext>
+            </a:extLst>
+          </p:cNvPr>
+          <p:cNvPicPr>
+            <a:picLocks noChangeAspect="1"/>
+          </p:cNvPicPr>
+          <p:nvPr/>
+        </p:nvPicPr>
+        <p:blipFill>
+          <a:blip r:embed="rId6">
+            <a:extLst>
+              <a:ext uri="{28A0092B-C50C-407E-A947-70E740481C1C}">
+                <a14:useLocalDpi xmlns:a14="http://schemas.microsoft.com/office/drawing/2010/main" val="0"/>
+              </a:ext>
+            </a:extLst>
+          </a:blip>
+          <a:stretch>
+            <a:fillRect/>
+          </a:stretch>
+        </p:blipFill>
+        <p:spPr>
+          <a:xfrm>
+            <a:off x="764952" y="3625954"/>
+            <a:ext cx="5331047" cy="2190668"/>
+          </a:xfrm>
+          <a:prstGeom prst="rect">
+            <a:avLst/>
+          </a:prstGeom>
+        </p:spPr>
+      </p:pic>
+      <p:sp>
+        <p:nvSpPr>
+          <p:cNvPr id="12" name="Textfeld 11">
+            <a:extLst>
+              <a:ext uri="{FF2B5EF4-FFF2-40B4-BE49-F238E27FC236}">
+                <a16:creationId xmlns:a16="http://schemas.microsoft.com/office/drawing/2014/main" id="{0A6F23B3-E557-D1C5-0818-4F5ABF05757C}"/>
+              </a:ext>
+            </a:extLst>
+          </p:cNvPr>
+          <p:cNvSpPr txBox="1"/>
+          <p:nvPr/>
+        </p:nvSpPr>
+        <p:spPr>
+          <a:xfrm>
+            <a:off x="7404100" y="2153412"/>
+            <a:ext cx="2556764" cy="276999"/>
+          </a:xfrm>
+          <a:prstGeom prst="rect">
+            <a:avLst/>
+          </a:prstGeom>
+          <a:noFill/>
+        </p:spPr>
+        <p:txBody>
+          <a:bodyPr wrap="square" rtlCol="0">
+            <a:spAutoFit/>
+          </a:bodyPr>
+          <a:lstStyle/>
+          <a:p>
+            <a:pPr algn="r"/>
+            <a:r>
+              <a:rPr lang="en-US" sz="1200" dirty="0">
+                <a:solidFill>
+                  <a:schemeClr val="tx1">
+                    <a:lumMod val="50000"/>
+                    <a:lumOff val="50000"/>
+                  </a:schemeClr>
+                </a:solidFill>
+              </a:rPr>
+              <a:t>*X = Category/Amenity/HouseRule</a:t>
+            </a:r>
+          </a:p>
+        </p:txBody>
+      </p:sp>
+      <p:pic>
+        <p:nvPicPr>
+          <p:cNvPr id="14" name="Grafik 13" descr="Ein Bild, das Text, Screenshot, Schrift enthält.&#10;&#10;Automatisch generierte Beschreibung">
+            <a:extLst>
+              <a:ext uri="{FF2B5EF4-FFF2-40B4-BE49-F238E27FC236}">
+                <a16:creationId xmlns:a16="http://schemas.microsoft.com/office/drawing/2014/main" id="{7F4B8A3B-8557-65E0-EABB-FA444C929B59}"/>
+              </a:ext>
+            </a:extLst>
+          </p:cNvPr>
+          <p:cNvPicPr>
+            <a:picLocks noChangeAspect="1"/>
+          </p:cNvPicPr>
+          <p:nvPr/>
+        </p:nvPicPr>
+        <p:blipFill>
+          <a:blip r:embed="rId7">
+            <a:extLst>
+              <a:ext uri="{28A0092B-C50C-407E-A947-70E740481C1C}">
+                <a14:useLocalDpi xmlns:a14="http://schemas.microsoft.com/office/drawing/2010/main" val="0"/>
+              </a:ext>
+            </a:extLst>
+          </a:blip>
+          <a:stretch>
+            <a:fillRect/>
+          </a:stretch>
+        </p:blipFill>
+        <p:spPr>
+          <a:xfrm>
+            <a:off x="764951" y="5893307"/>
+            <a:ext cx="5331047" cy="863093"/>
           </a:xfrm>
           <a:prstGeom prst="rect">
             <a:avLst/>
@@ -6015,7 +7296,7 @@
         </p:blipFill>
         <p:spPr>
           <a:xfrm>
-            <a:off x="2855119" y="3327400"/>
+            <a:off x="2855119" y="2566987"/>
             <a:ext cx="1724025" cy="1724025"/>
           </a:xfrm>
         </p:spPr>
@@ -6038,7 +7319,9 @@
         </p:nvSpPr>
         <p:spPr/>
         <p:txBody>
-          <a:bodyPr/>
+          <a:bodyPr>
+            <a:normAutofit fontScale="92500" lnSpcReduction="20000"/>
+          </a:bodyPr>
           <a:lstStyle/>
           <a:p>
             <a:r>
@@ -6049,7 +7332,19 @@
           <a:p>
             <a:r>
               <a:rPr lang="en-US" dirty="0"/>
+              <a:t>Like the tables in the last slide, I also consider these tables one equivalence class.</a:t>
+            </a:r>
+          </a:p>
+          <a:p>
+            <a:r>
+              <a:rPr lang="en-US" dirty="0"/>
               <a:t>These table hold unexpectedly little information because they are only represented by their name and an icon in the application.</a:t>
+            </a:r>
+          </a:p>
+          <a:p>
+            <a:r>
+              <a:rPr lang="en-US" dirty="0"/>
+              <a:t>Relevant for test cases are the relationships of these tables, these are already tested other test cases, resulting in these simple queries, which check for content.</a:t>
             </a:r>
           </a:p>
         </p:txBody>
@@ -6082,7 +7377,7 @@
         </p:blipFill>
         <p:spPr>
           <a:xfrm>
-            <a:off x="4614290" y="3327022"/>
+            <a:off x="4614290" y="2566609"/>
             <a:ext cx="1724025" cy="1724025"/>
           </a:xfrm>
           <a:prstGeom prst="rect">
@@ -6118,7 +7413,7 @@
         </p:blipFill>
         <p:spPr>
           <a:xfrm>
-            <a:off x="1095948" y="3327022"/>
+            <a:off x="1095948" y="2566609"/>
             <a:ext cx="1724025" cy="1724025"/>
           </a:xfrm>
           <a:prstGeom prst="rect">
@@ -6162,6 +7457,136 @@
           </a:prstGeom>
         </p:spPr>
       </p:pic>
+      <p:pic>
+        <p:nvPicPr>
+          <p:cNvPr id="5" name="Grafik 4" descr="Ein Bild, das Text, Screenshot, Schrift, Zahl enthält.&#10;&#10;Automatisch generierte Beschreibung">
+            <a:extLst>
+              <a:ext uri="{FF2B5EF4-FFF2-40B4-BE49-F238E27FC236}">
+                <a16:creationId xmlns:a16="http://schemas.microsoft.com/office/drawing/2014/main" id="{C34B7707-3C59-12E8-1182-49FAC6F90C4B}"/>
+              </a:ext>
+            </a:extLst>
+          </p:cNvPr>
+          <p:cNvPicPr>
+            <a:picLocks noChangeAspect="1"/>
+          </p:cNvPicPr>
+          <p:nvPr/>
+        </p:nvPicPr>
+        <p:blipFill>
+          <a:blip r:embed="rId6">
+            <a:extLst>
+              <a:ext uri="{28A0092B-C50C-407E-A947-70E740481C1C}">
+                <a14:useLocalDpi xmlns:a14="http://schemas.microsoft.com/office/drawing/2010/main" val="0"/>
+              </a:ext>
+            </a:extLst>
+          </a:blip>
+          <a:stretch>
+            <a:fillRect/>
+          </a:stretch>
+        </p:blipFill>
+        <p:spPr>
+          <a:xfrm>
+            <a:off x="1095948" y="4416727"/>
+            <a:ext cx="2734057" cy="1476581"/>
+          </a:xfrm>
+          <a:prstGeom prst="rect">
+            <a:avLst/>
+          </a:prstGeom>
+        </p:spPr>
+      </p:pic>
+      <p:sp>
+        <p:nvSpPr>
+          <p:cNvPr id="10" name="Rechteck 9">
+            <a:extLst>
+              <a:ext uri="{FF2B5EF4-FFF2-40B4-BE49-F238E27FC236}">
+                <a16:creationId xmlns:a16="http://schemas.microsoft.com/office/drawing/2014/main" id="{2CF20BD5-74D3-5F5C-D486-7F1412BCB992}"/>
+              </a:ext>
+            </a:extLst>
+          </p:cNvPr>
+          <p:cNvSpPr/>
+          <p:nvPr/>
+        </p:nvSpPr>
+        <p:spPr>
+          <a:xfrm>
+            <a:off x="3760215" y="5283133"/>
+            <a:ext cx="2578100" cy="610175"/>
+          </a:xfrm>
+          <a:prstGeom prst="rect">
+            <a:avLst/>
+          </a:prstGeom>
+          <a:solidFill>
+            <a:schemeClr val="bg1"/>
+          </a:solidFill>
+          <a:ln w="19050">
+            <a:solidFill>
+              <a:srgbClr val="404040"/>
+            </a:solidFill>
+          </a:ln>
+        </p:spPr>
+        <p:style>
+          <a:lnRef idx="2">
+            <a:schemeClr val="accent1">
+              <a:shade val="15000"/>
+            </a:schemeClr>
+          </a:lnRef>
+          <a:fillRef idx="1">
+            <a:schemeClr val="accent1"/>
+          </a:fillRef>
+          <a:effectRef idx="0">
+            <a:schemeClr val="accent1"/>
+          </a:effectRef>
+          <a:fontRef idx="minor">
+            <a:schemeClr val="lt1"/>
+          </a:fontRef>
+        </p:style>
+        <p:txBody>
+          <a:bodyPr rtlCol="0" anchor="ctr"/>
+          <a:lstStyle/>
+          <a:p>
+            <a:pPr algn="ctr"/>
+            <a:endParaRPr lang="en-US">
+              <a:solidFill>
+                <a:sysClr val="windowText" lastClr="000000"/>
+              </a:solidFill>
+            </a:endParaRPr>
+          </a:p>
+        </p:txBody>
+      </p:sp>
+      <p:sp>
+        <p:nvSpPr>
+          <p:cNvPr id="11" name="Textfeld 10">
+            <a:extLst>
+              <a:ext uri="{FF2B5EF4-FFF2-40B4-BE49-F238E27FC236}">
+                <a16:creationId xmlns:a16="http://schemas.microsoft.com/office/drawing/2014/main" id="{71CC41AF-DD77-218B-5C6B-65B5C4CCC064}"/>
+              </a:ext>
+            </a:extLst>
+          </p:cNvPr>
+          <p:cNvSpPr txBox="1"/>
+          <p:nvPr/>
+        </p:nvSpPr>
+        <p:spPr>
+          <a:xfrm>
+            <a:off x="3760215" y="5308533"/>
+            <a:ext cx="2578100" cy="584775"/>
+          </a:xfrm>
+          <a:prstGeom prst="rect">
+            <a:avLst/>
+          </a:prstGeom>
+          <a:noFill/>
+        </p:spPr>
+        <p:txBody>
+          <a:bodyPr wrap="square" rtlCol="0">
+            <a:spAutoFit/>
+          </a:bodyPr>
+          <a:lstStyle/>
+          <a:p>
+            <a:pPr algn="ctr"/>
+            <a:r>
+              <a:rPr lang="en-US" sz="1600" dirty="0"/>
+              <a:t>Simple tables,  which are tested in previous test case.</a:t>
+            </a:r>
+          </a:p>
+        </p:txBody>
+      </p:sp>
     </p:spTree>
     <p:extLst>
       <p:ext uri="{BB962C8B-B14F-4D97-AF65-F5344CB8AC3E}">
@@ -6220,41 +7645,6 @@
           </a:p>
         </p:txBody>
       </p:sp>
-      <p:pic>
-        <p:nvPicPr>
-          <p:cNvPr id="6" name="Inhaltsplatzhalter 5" descr="Ein Bild, das Text, Screenshot, Quittung, Schrift enthält.&#10;&#10;Automatisch generierte Beschreibung">
-            <a:extLst>
-              <a:ext uri="{FF2B5EF4-FFF2-40B4-BE49-F238E27FC236}">
-                <a16:creationId xmlns:a16="http://schemas.microsoft.com/office/drawing/2014/main" id="{A782A569-BCE5-C049-A229-479A081BF712}"/>
-              </a:ext>
-            </a:extLst>
-          </p:cNvPr>
-          <p:cNvPicPr>
-            <a:picLocks noGrp="1" noChangeAspect="1"/>
-          </p:cNvPicPr>
-          <p:nvPr>
-            <p:ph sz="half" idx="1"/>
-          </p:nvPr>
-        </p:nvPicPr>
-        <p:blipFill>
-          <a:blip r:embed="rId2">
-            <a:extLst>
-              <a:ext uri="{28A0092B-C50C-407E-A947-70E740481C1C}">
-                <a14:useLocalDpi xmlns:a14="http://schemas.microsoft.com/office/drawing/2010/main" val="0"/>
-              </a:ext>
-            </a:extLst>
-          </a:blip>
-          <a:stretch>
-            <a:fillRect/>
-          </a:stretch>
-        </p:blipFill>
-        <p:spPr>
-          <a:xfrm>
-            <a:off x="2855119" y="3327400"/>
-            <a:ext cx="1724025" cy="1724025"/>
-          </a:xfrm>
-        </p:spPr>
-      </p:pic>
       <p:sp>
         <p:nvSpPr>
           <p:cNvPr id="4" name="Inhaltsplatzhalter 3">
@@ -6271,9 +7661,16 @@
             <p:ph sz="half" idx="2"/>
           </p:nvPr>
         </p:nvSpPr>
-        <p:spPr/>
-        <p:txBody>
-          <a:bodyPr/>
+        <p:spPr>
+          <a:xfrm>
+            <a:off x="6338315" y="2638044"/>
+            <a:ext cx="4270247" cy="3305556"/>
+          </a:xfrm>
+        </p:spPr>
+        <p:txBody>
+          <a:bodyPr>
+            <a:normAutofit fontScale="92500" lnSpcReduction="20000"/>
+          </a:bodyPr>
           <a:lstStyle/>
           <a:p>
             <a:r>
@@ -6291,6 +7688,12 @@
             <a:r>
               <a:rPr lang="en-US" dirty="0"/>
               <a:t>These types are not frequently changed, and if they are, then they are changed by an admin.</a:t>
+            </a:r>
+          </a:p>
+          <a:p>
+            <a:r>
+              <a:rPr lang="en-US" dirty="0"/>
+              <a:t>The relevant relationship of this table is already table is already tested in the propertylisting test case, the content itself is once again tested via a simple select all statement in the test.sql file.</a:t>
             </a:r>
           </a:p>
         </p:txBody>
@@ -6310,7 +7713,7 @@
           <p:nvPr/>
         </p:nvPicPr>
         <p:blipFill>
-          <a:blip r:embed="rId3">
+          <a:blip r:embed="rId2">
             <a:extLst>
               <a:ext uri="{28A0092B-C50C-407E-A947-70E740481C1C}">
                 <a14:useLocalDpi xmlns:a14="http://schemas.microsoft.com/office/drawing/2010/main" val="0"/>
@@ -6331,6 +7734,143 @@
           </a:prstGeom>
         </p:spPr>
       </p:pic>
+      <p:pic>
+        <p:nvPicPr>
+          <p:cNvPr id="13" name="Inhaltsplatzhalter 12" descr="Ein Bild, das Text, Screenshot, Schrift, Quittung enthält.&#10;&#10;Automatisch generierte Beschreibung">
+            <a:extLst>
+              <a:ext uri="{FF2B5EF4-FFF2-40B4-BE49-F238E27FC236}">
+                <a16:creationId xmlns:a16="http://schemas.microsoft.com/office/drawing/2014/main" id="{EB3BF591-A7B5-8E7D-F335-E8B4351AE062}"/>
+              </a:ext>
+            </a:extLst>
+          </p:cNvPr>
+          <p:cNvPicPr>
+            <a:picLocks noGrp="1" noChangeAspect="1"/>
+          </p:cNvPicPr>
+          <p:nvPr>
+            <p:ph sz="half" idx="1"/>
+          </p:nvPr>
+        </p:nvPicPr>
+        <p:blipFill>
+          <a:blip r:embed="rId3">
+            <a:extLst>
+              <a:ext uri="{28A0092B-C50C-407E-A947-70E740481C1C}">
+                <a14:useLocalDpi xmlns:a14="http://schemas.microsoft.com/office/drawing/2010/main" val="0"/>
+              </a:ext>
+            </a:extLst>
+          </a:blip>
+          <a:stretch>
+            <a:fillRect/>
+          </a:stretch>
+        </p:blipFill>
+        <p:spPr>
+          <a:xfrm>
+            <a:off x="2850356" y="3322637"/>
+            <a:ext cx="1733550" cy="1733550"/>
+          </a:xfrm>
+        </p:spPr>
+      </p:pic>
+      <p:sp>
+        <p:nvSpPr>
+          <p:cNvPr id="14" name="Rechteck 13">
+            <a:extLst>
+              <a:ext uri="{FF2B5EF4-FFF2-40B4-BE49-F238E27FC236}">
+                <a16:creationId xmlns:a16="http://schemas.microsoft.com/office/drawing/2014/main" id="{DFE61FCB-A974-3DFF-FF92-E531E87B646B}"/>
+              </a:ext>
+            </a:extLst>
+          </p:cNvPr>
+          <p:cNvSpPr/>
+          <p:nvPr/>
+        </p:nvSpPr>
+        <p:spPr>
+          <a:xfrm>
+            <a:off x="2377281" y="5333425"/>
+            <a:ext cx="2578100" cy="610175"/>
+          </a:xfrm>
+          <a:prstGeom prst="rect">
+            <a:avLst/>
+          </a:prstGeom>
+          <a:solidFill>
+            <a:schemeClr val="bg1"/>
+          </a:solidFill>
+          <a:ln w="19050">
+            <a:solidFill>
+              <a:srgbClr val="404040"/>
+            </a:solidFill>
+          </a:ln>
+        </p:spPr>
+        <p:style>
+          <a:lnRef idx="2">
+            <a:schemeClr val="accent1">
+              <a:shade val="15000"/>
+            </a:schemeClr>
+          </a:lnRef>
+          <a:fillRef idx="1">
+            <a:schemeClr val="accent1"/>
+          </a:fillRef>
+          <a:effectRef idx="0">
+            <a:schemeClr val="accent1"/>
+          </a:effectRef>
+          <a:fontRef idx="minor">
+            <a:schemeClr val="lt1"/>
+          </a:fontRef>
+        </p:style>
+        <p:txBody>
+          <a:bodyPr rtlCol="0" anchor="ctr"/>
+          <a:lstStyle/>
+          <a:p>
+            <a:pPr algn="ctr"/>
+            <a:endParaRPr lang="en-US">
+              <a:solidFill>
+                <a:sysClr val="windowText" lastClr="000000"/>
+              </a:solidFill>
+            </a:endParaRPr>
+          </a:p>
+        </p:txBody>
+      </p:sp>
+      <p:sp>
+        <p:nvSpPr>
+          <p:cNvPr id="15" name="Textfeld 14">
+            <a:extLst>
+              <a:ext uri="{FF2B5EF4-FFF2-40B4-BE49-F238E27FC236}">
+                <a16:creationId xmlns:a16="http://schemas.microsoft.com/office/drawing/2014/main" id="{6D335EA4-CBD6-6D7E-0D4B-86F8A3227B5F}"/>
+              </a:ext>
+            </a:extLst>
+          </p:cNvPr>
+          <p:cNvSpPr txBox="1"/>
+          <p:nvPr/>
+        </p:nvSpPr>
+        <p:spPr>
+          <a:xfrm>
+            <a:off x="2377281" y="5358825"/>
+            <a:ext cx="2578100" cy="584775"/>
+          </a:xfrm>
+          <a:prstGeom prst="rect">
+            <a:avLst/>
+          </a:prstGeom>
+          <a:noFill/>
+        </p:spPr>
+        <p:txBody>
+          <a:bodyPr wrap="square" rtlCol="0">
+            <a:spAutoFit/>
+          </a:bodyPr>
+          <a:lstStyle/>
+          <a:p>
+            <a:pPr algn="ctr"/>
+            <a:r>
+              <a:rPr lang="en-US" sz="1600" dirty="0"/>
+              <a:t>‘</a:t>
+            </a:r>
+            <a:r>
+              <a:rPr lang="en-US" altLang="ja-JP" sz="1600" dirty="0"/>
+              <a:t>PropertyType</a:t>
+            </a:r>
+            <a:r>
+              <a:rPr lang="en-US" sz="1600" dirty="0"/>
+              <a:t>’ is a simple table, see test case in test.sql</a:t>
+            </a:r>
+          </a:p>
+        </p:txBody>
+      </p:sp>
     </p:spTree>
     <p:extLst>
       <p:ext uri="{BB962C8B-B14F-4D97-AF65-F5344CB8AC3E}">
@@ -6389,41 +7929,6 @@
           </a:p>
         </p:txBody>
       </p:sp>
-      <p:pic>
-        <p:nvPicPr>
-          <p:cNvPr id="6" name="Inhaltsplatzhalter 5" descr="Ein Bild, das Text, Screenshot, Zahl, Schrift enthält.&#10;&#10;Automatisch generierte Beschreibung">
-            <a:extLst>
-              <a:ext uri="{FF2B5EF4-FFF2-40B4-BE49-F238E27FC236}">
-                <a16:creationId xmlns:a16="http://schemas.microsoft.com/office/drawing/2014/main" id="{4AE50E0B-519B-8B43-6F14-C0E1EA5A12FC}"/>
-              </a:ext>
-            </a:extLst>
-          </p:cNvPr>
-          <p:cNvPicPr>
-            <a:picLocks noGrp="1" noChangeAspect="1"/>
-          </p:cNvPicPr>
-          <p:nvPr>
-            <p:ph sz="half" idx="1"/>
-          </p:nvPr>
-        </p:nvPicPr>
-        <p:blipFill>
-          <a:blip r:embed="rId2">
-            <a:extLst>
-              <a:ext uri="{28A0092B-C50C-407E-A947-70E740481C1C}">
-                <a14:useLocalDpi xmlns:a14="http://schemas.microsoft.com/office/drawing/2010/main" val="0"/>
-              </a:ext>
-            </a:extLst>
-          </a:blip>
-          <a:stretch>
-            <a:fillRect/>
-          </a:stretch>
-        </p:blipFill>
-        <p:spPr>
-          <a:xfrm>
-            <a:off x="3133496" y="2638425"/>
-            <a:ext cx="1167271" cy="3101975"/>
-          </a:xfrm>
-        </p:spPr>
-      </p:pic>
       <p:sp>
         <p:nvSpPr>
           <p:cNvPr id="4" name="Inhaltsplatzhalter 3">
@@ -6440,10 +7945,15 @@
             <p:ph sz="half" idx="2"/>
           </p:nvPr>
         </p:nvSpPr>
-        <p:spPr/>
+        <p:spPr>
+          <a:xfrm>
+            <a:off x="6338315" y="2638044"/>
+            <a:ext cx="4270247" cy="3591306"/>
+          </a:xfrm>
+        </p:spPr>
         <p:txBody>
           <a:bodyPr>
-            <a:normAutofit/>
+            <a:normAutofit fontScale="92500" lnSpcReduction="20000"/>
           </a:bodyPr>
           <a:lstStyle/>
           <a:p>
@@ -6468,6 +7978,20 @@
             <a:r>
               <a:rPr lang="en-US" dirty="0"/>
               <a:t>The optional ‘cancelled’ Boolean and the relevant ‘refund_amount’ is only used in case the booking is cancelled.</a:t>
+            </a:r>
+          </a:p>
+          <a:p>
+            <a:r>
+              <a:rPr lang="en-US" dirty="0"/>
+              <a:t>The test cases displays that the relationships work </a:t>
+            </a:r>
+            <a:r>
+              <a:rPr lang="en-US" altLang="ja-JP" dirty="0"/>
+              <a:t>as intended,</a:t>
+            </a:r>
+            <a:r>
+              <a:rPr lang="en-US" dirty="0"/>
+              <a:t> and the related data is properly drawn into one coherent data entry.</a:t>
             </a:r>
           </a:p>
           <a:p>
@@ -6490,7 +8014,7 @@
           <p:nvPr/>
         </p:nvPicPr>
         <p:blipFill>
-          <a:blip r:embed="rId3">
+          <a:blip r:embed="rId2">
             <a:extLst>
               <a:ext uri="{28A0092B-C50C-407E-A947-70E740481C1C}">
                 <a14:useLocalDpi xmlns:a14="http://schemas.microsoft.com/office/drawing/2010/main" val="0"/>
@@ -6505,6 +8029,113 @@
           <a:xfrm>
             <a:off x="11633200" y="6299200"/>
             <a:ext cx="457200" cy="457200"/>
+          </a:xfrm>
+          <a:prstGeom prst="rect">
+            <a:avLst/>
+          </a:prstGeom>
+        </p:spPr>
+      </p:pic>
+      <p:pic>
+        <p:nvPicPr>
+          <p:cNvPr id="9" name="Inhaltsplatzhalter 8" descr="Ein Bild, das Text, Screenshot, Software, Multimedia-Software enthält.&#10;&#10;Automatisch generierte Beschreibung">
+            <a:extLst>
+              <a:ext uri="{FF2B5EF4-FFF2-40B4-BE49-F238E27FC236}">
+                <a16:creationId xmlns:a16="http://schemas.microsoft.com/office/drawing/2014/main" id="{8794FD95-C70C-7222-92FB-82913905A613}"/>
+              </a:ext>
+            </a:extLst>
+          </p:cNvPr>
+          <p:cNvPicPr>
+            <a:picLocks noGrp="1" noChangeAspect="1"/>
+          </p:cNvPicPr>
+          <p:nvPr>
+            <p:ph sz="half" idx="1"/>
+          </p:nvPr>
+        </p:nvPicPr>
+        <p:blipFill>
+          <a:blip r:embed="rId3">
+            <a:extLst>
+              <a:ext uri="{28A0092B-C50C-407E-A947-70E740481C1C}">
+                <a14:useLocalDpi xmlns:a14="http://schemas.microsoft.com/office/drawing/2010/main" val="0"/>
+              </a:ext>
+            </a:extLst>
+          </a:blip>
+          <a:stretch>
+            <a:fillRect/>
+          </a:stretch>
+        </p:blipFill>
+        <p:spPr>
+          <a:xfrm>
+            <a:off x="252283" y="2638044"/>
+            <a:ext cx="4913314" cy="2502093"/>
+          </a:xfrm>
+        </p:spPr>
+      </p:pic>
+      <p:pic>
+        <p:nvPicPr>
+          <p:cNvPr id="11" name="Grafik 10" descr="Ein Bild, das Text, Screenshot, Zahl, Schrift enthält.&#10;&#10;Automatisch generierte Beschreibung">
+            <a:extLst>
+              <a:ext uri="{FF2B5EF4-FFF2-40B4-BE49-F238E27FC236}">
+                <a16:creationId xmlns:a16="http://schemas.microsoft.com/office/drawing/2014/main" id="{3B081226-A85F-3664-9DAE-D7D4CECF121C}"/>
+              </a:ext>
+            </a:extLst>
+          </p:cNvPr>
+          <p:cNvPicPr>
+            <a:picLocks noChangeAspect="1"/>
+          </p:cNvPicPr>
+          <p:nvPr/>
+        </p:nvPicPr>
+        <p:blipFill>
+          <a:blip r:embed="rId4">
+            <a:extLst>
+              <a:ext uri="{28A0092B-C50C-407E-A947-70E740481C1C}">
+                <a14:useLocalDpi xmlns:a14="http://schemas.microsoft.com/office/drawing/2010/main" val="0"/>
+              </a:ext>
+            </a:extLst>
+          </a:blip>
+          <a:stretch>
+            <a:fillRect/>
+          </a:stretch>
+        </p:blipFill>
+        <p:spPr>
+          <a:xfrm>
+            <a:off x="4829462" y="2888488"/>
+            <a:ext cx="1508853" cy="3747262"/>
+          </a:xfrm>
+          <a:prstGeom prst="rect">
+            <a:avLst/>
+          </a:prstGeom>
+        </p:spPr>
+      </p:pic>
+      <p:pic>
+        <p:nvPicPr>
+          <p:cNvPr id="17" name="Grafik 16">
+            <a:extLst>
+              <a:ext uri="{FF2B5EF4-FFF2-40B4-BE49-F238E27FC236}">
+                <a16:creationId xmlns:a16="http://schemas.microsoft.com/office/drawing/2014/main" id="{AD215FA4-EDF6-4C25-B5CA-BDB4CA6E30DC}"/>
+              </a:ext>
+            </a:extLst>
+          </p:cNvPr>
+          <p:cNvPicPr>
+            <a:picLocks noChangeAspect="1"/>
+          </p:cNvPicPr>
+          <p:nvPr/>
+        </p:nvPicPr>
+        <p:blipFill>
+          <a:blip r:embed="rId5">
+            <a:extLst>
+              <a:ext uri="{28A0092B-C50C-407E-A947-70E740481C1C}">
+                <a14:useLocalDpi xmlns:a14="http://schemas.microsoft.com/office/drawing/2010/main" val="0"/>
+              </a:ext>
+            </a:extLst>
+          </a:blip>
+          <a:stretch>
+            <a:fillRect/>
+          </a:stretch>
+        </p:blipFill>
+        <p:spPr>
+          <a:xfrm>
+            <a:off x="252283" y="5296733"/>
+            <a:ext cx="4516567" cy="596575"/>
           </a:xfrm>
           <a:prstGeom prst="rect">
             <a:avLst/>
@@ -6569,41 +8200,6 @@
           </a:p>
         </p:txBody>
       </p:sp>
-      <p:pic>
-        <p:nvPicPr>
-          <p:cNvPr id="6" name="Inhaltsplatzhalter 5" descr="Ein Bild, das Text, Screenshot, Schrift, Quittung enthält.&#10;&#10;Automatisch generierte Beschreibung">
-            <a:extLst>
-              <a:ext uri="{FF2B5EF4-FFF2-40B4-BE49-F238E27FC236}">
-                <a16:creationId xmlns:a16="http://schemas.microsoft.com/office/drawing/2014/main" id="{D5450C34-AA6D-5705-702C-BD1926056D9D}"/>
-              </a:ext>
-            </a:extLst>
-          </p:cNvPr>
-          <p:cNvPicPr>
-            <a:picLocks noGrp="1" noChangeAspect="1"/>
-          </p:cNvPicPr>
-          <p:nvPr>
-            <p:ph sz="half" idx="1"/>
-          </p:nvPr>
-        </p:nvPicPr>
-        <p:blipFill>
-          <a:blip r:embed="rId2">
-            <a:extLst>
-              <a:ext uri="{28A0092B-C50C-407E-A947-70E740481C1C}">
-                <a14:useLocalDpi xmlns:a14="http://schemas.microsoft.com/office/drawing/2010/main" val="0"/>
-              </a:ext>
-            </a:extLst>
-          </a:blip>
-          <a:stretch>
-            <a:fillRect/>
-          </a:stretch>
-        </p:blipFill>
-        <p:spPr>
-          <a:xfrm>
-            <a:off x="2855119" y="3327400"/>
-            <a:ext cx="1724025" cy="1724025"/>
-          </a:xfrm>
-        </p:spPr>
-      </p:pic>
       <p:sp>
         <p:nvSpPr>
           <p:cNvPr id="4" name="Inhaltsplatzhalter 3">
@@ -6620,9 +8216,16 @@
             <p:ph sz="half" idx="2"/>
           </p:nvPr>
         </p:nvSpPr>
-        <p:spPr/>
-        <p:txBody>
-          <a:bodyPr/>
+        <p:spPr>
+          <a:xfrm>
+            <a:off x="6338315" y="2638044"/>
+            <a:ext cx="4270247" cy="3255264"/>
+          </a:xfrm>
+        </p:spPr>
+        <p:txBody>
+          <a:bodyPr>
+            <a:normAutofit lnSpcReduction="10000"/>
+          </a:bodyPr>
           <a:lstStyle/>
           <a:p>
             <a:r>
@@ -6640,6 +8243,12 @@
             <a:r>
               <a:rPr lang="en-US" dirty="0"/>
               <a:t>The rest of the information given in this table is example data relevant to Banks.</a:t>
+            </a:r>
+          </a:p>
+          <a:p>
+            <a:r>
+              <a:rPr lang="en-US" dirty="0"/>
+              <a:t>This tables relationships are tested via other test cases, the content itself is tested once again via a select all query at the end of the test.sql file.</a:t>
             </a:r>
           </a:p>
         </p:txBody>
@@ -6659,7 +8268,7 @@
           <p:nvPr/>
         </p:nvPicPr>
         <p:blipFill>
-          <a:blip r:embed="rId3">
+          <a:blip r:embed="rId2">
             <a:extLst>
               <a:ext uri="{28A0092B-C50C-407E-A947-70E740481C1C}">
                 <a14:useLocalDpi xmlns:a14="http://schemas.microsoft.com/office/drawing/2010/main" val="0"/>
@@ -6680,6 +8289,135 @@
           </a:prstGeom>
         </p:spPr>
       </p:pic>
+      <p:pic>
+        <p:nvPicPr>
+          <p:cNvPr id="11" name="Inhaltsplatzhalter 10" descr="Ein Bild, das Text, Screenshot, Schrift, Quittung enthält.&#10;&#10;Automatisch generierte Beschreibung">
+            <a:extLst>
+              <a:ext uri="{FF2B5EF4-FFF2-40B4-BE49-F238E27FC236}">
+                <a16:creationId xmlns:a16="http://schemas.microsoft.com/office/drawing/2014/main" id="{FE029004-F558-0A50-CD7F-93D155A12DED}"/>
+              </a:ext>
+            </a:extLst>
+          </p:cNvPr>
+          <p:cNvPicPr>
+            <a:picLocks noGrp="1" noChangeAspect="1"/>
+          </p:cNvPicPr>
+          <p:nvPr>
+            <p:ph sz="half" idx="1"/>
+          </p:nvPr>
+        </p:nvPicPr>
+        <p:blipFill>
+          <a:blip r:embed="rId3">
+            <a:extLst>
+              <a:ext uri="{28A0092B-C50C-407E-A947-70E740481C1C}">
+                <a14:useLocalDpi xmlns:a14="http://schemas.microsoft.com/office/drawing/2010/main" val="0"/>
+              </a:ext>
+            </a:extLst>
+          </a:blip>
+          <a:stretch>
+            <a:fillRect/>
+          </a:stretch>
+        </p:blipFill>
+        <p:spPr>
+          <a:xfrm>
+            <a:off x="2850356" y="3327400"/>
+            <a:ext cx="1733550" cy="1724025"/>
+          </a:xfrm>
+        </p:spPr>
+      </p:pic>
+      <p:sp>
+        <p:nvSpPr>
+          <p:cNvPr id="8" name="Rechteck 7">
+            <a:extLst>
+              <a:ext uri="{FF2B5EF4-FFF2-40B4-BE49-F238E27FC236}">
+                <a16:creationId xmlns:a16="http://schemas.microsoft.com/office/drawing/2014/main" id="{8DB64BE8-7BAA-F9E0-1525-82AE416905E5}"/>
+              </a:ext>
+            </a:extLst>
+          </p:cNvPr>
+          <p:cNvSpPr/>
+          <p:nvPr/>
+        </p:nvSpPr>
+        <p:spPr>
+          <a:xfrm>
+            <a:off x="2428081" y="5283133"/>
+            <a:ext cx="2578100" cy="610175"/>
+          </a:xfrm>
+          <a:prstGeom prst="rect">
+            <a:avLst/>
+          </a:prstGeom>
+          <a:solidFill>
+            <a:schemeClr val="bg1"/>
+          </a:solidFill>
+          <a:ln w="19050">
+            <a:solidFill>
+              <a:srgbClr val="404040"/>
+            </a:solidFill>
+          </a:ln>
+        </p:spPr>
+        <p:style>
+          <a:lnRef idx="2">
+            <a:schemeClr val="accent1">
+              <a:shade val="15000"/>
+            </a:schemeClr>
+          </a:lnRef>
+          <a:fillRef idx="1">
+            <a:schemeClr val="accent1"/>
+          </a:fillRef>
+          <a:effectRef idx="0">
+            <a:schemeClr val="accent1"/>
+          </a:effectRef>
+          <a:fontRef idx="minor">
+            <a:schemeClr val="lt1"/>
+          </a:fontRef>
+        </p:style>
+        <p:txBody>
+          <a:bodyPr rtlCol="0" anchor="ctr"/>
+          <a:lstStyle/>
+          <a:p>
+            <a:pPr algn="ctr"/>
+            <a:endParaRPr lang="en-US">
+              <a:solidFill>
+                <a:sysClr val="windowText" lastClr="000000"/>
+              </a:solidFill>
+            </a:endParaRPr>
+          </a:p>
+        </p:txBody>
+      </p:sp>
+      <p:sp>
+        <p:nvSpPr>
+          <p:cNvPr id="9" name="Textfeld 8">
+            <a:extLst>
+              <a:ext uri="{FF2B5EF4-FFF2-40B4-BE49-F238E27FC236}">
+                <a16:creationId xmlns:a16="http://schemas.microsoft.com/office/drawing/2014/main" id="{C505DE39-8E4A-91AF-96FD-6B2AC6D1D9A1}"/>
+              </a:ext>
+            </a:extLst>
+          </p:cNvPr>
+          <p:cNvSpPr txBox="1"/>
+          <p:nvPr/>
+        </p:nvSpPr>
+        <p:spPr>
+          <a:xfrm>
+            <a:off x="2428081" y="5308533"/>
+            <a:ext cx="2578100" cy="584775"/>
+          </a:xfrm>
+          <a:prstGeom prst="rect">
+            <a:avLst/>
+          </a:prstGeom>
+          <a:noFill/>
+        </p:spPr>
+        <p:txBody>
+          <a:bodyPr wrap="square" rtlCol="0">
+            <a:spAutoFit/>
+          </a:bodyPr>
+          <a:lstStyle/>
+          <a:p>
+            <a:pPr algn="ctr"/>
+            <a:r>
+              <a:rPr lang="en-US" sz="1600" dirty="0"/>
+              <a:t>Tested via multiple other test cases</a:t>
+            </a:r>
+          </a:p>
+        </p:txBody>
+      </p:sp>
     </p:spTree>
     <p:extLst>
       <p:ext uri="{BB962C8B-B14F-4D97-AF65-F5344CB8AC3E}">
@@ -6738,41 +8476,6 @@
           </a:p>
         </p:txBody>
       </p:sp>
-      <p:pic>
-        <p:nvPicPr>
-          <p:cNvPr id="6" name="Inhaltsplatzhalter 5" descr="Ein Bild, das Text, Screenshot, Schrift, Quittung enthält.&#10;&#10;Automatisch generierte Beschreibung">
-            <a:extLst>
-              <a:ext uri="{FF2B5EF4-FFF2-40B4-BE49-F238E27FC236}">
-                <a16:creationId xmlns:a16="http://schemas.microsoft.com/office/drawing/2014/main" id="{BDB9D102-DA20-7749-B41C-5CB8A304FC0C}"/>
-              </a:ext>
-            </a:extLst>
-          </p:cNvPr>
-          <p:cNvPicPr>
-            <a:picLocks noGrp="1" noChangeAspect="1"/>
-          </p:cNvPicPr>
-          <p:nvPr>
-            <p:ph sz="half" idx="1"/>
-          </p:nvPr>
-        </p:nvPicPr>
-        <p:blipFill>
-          <a:blip r:embed="rId2">
-            <a:extLst>
-              <a:ext uri="{28A0092B-C50C-407E-A947-70E740481C1C}">
-                <a14:useLocalDpi xmlns:a14="http://schemas.microsoft.com/office/drawing/2010/main" val="0"/>
-              </a:ext>
-            </a:extLst>
-          </a:blip>
-          <a:stretch>
-            <a:fillRect/>
-          </a:stretch>
-        </p:blipFill>
-        <p:spPr>
-          <a:xfrm>
-            <a:off x="2807494" y="3184525"/>
-            <a:ext cx="1819275" cy="2009775"/>
-          </a:xfrm>
-        </p:spPr>
-      </p:pic>
       <p:sp>
         <p:nvSpPr>
           <p:cNvPr id="4" name="Inhaltsplatzhalter 3">
@@ -6791,7 +8494,9 @@
         </p:nvSpPr>
         <p:spPr/>
         <p:txBody>
-          <a:bodyPr/>
+          <a:bodyPr>
+            <a:normAutofit fontScale="92500" lnSpcReduction="10000"/>
+          </a:bodyPr>
           <a:lstStyle/>
           <a:p>
             <a:r>
@@ -6812,7 +8517,10 @@
             </a:r>
           </a:p>
           <a:p>
-            <a:endParaRPr lang="en-US" dirty="0"/>
+            <a:r>
+              <a:rPr lang="en-US" dirty="0"/>
+              <a:t>Counterpart to the previous table, both are also tested in the test cases of the ‘Transaction’ table in the following slide.</a:t>
+            </a:r>
           </a:p>
         </p:txBody>
       </p:sp>
@@ -6831,7 +8539,7 @@
           <p:nvPr/>
         </p:nvPicPr>
         <p:blipFill>
-          <a:blip r:embed="rId3">
+          <a:blip r:embed="rId2">
             <a:extLst>
               <a:ext uri="{28A0092B-C50C-407E-A947-70E740481C1C}">
                 <a14:useLocalDpi xmlns:a14="http://schemas.microsoft.com/office/drawing/2010/main" val="0"/>
@@ -6852,6 +8560,135 @@
           </a:prstGeom>
         </p:spPr>
       </p:pic>
+      <p:pic>
+        <p:nvPicPr>
+          <p:cNvPr id="11" name="Inhaltsplatzhalter 10" descr="Ein Bild, das Text, Screenshot, Schrift enthält.&#10;&#10;Automatisch generierte Beschreibung">
+            <a:extLst>
+              <a:ext uri="{FF2B5EF4-FFF2-40B4-BE49-F238E27FC236}">
+                <a16:creationId xmlns:a16="http://schemas.microsoft.com/office/drawing/2014/main" id="{AF742EBA-825C-288D-A75E-46B4CB441F24}"/>
+              </a:ext>
+            </a:extLst>
+          </p:cNvPr>
+          <p:cNvPicPr>
+            <a:picLocks noGrp="1" noChangeAspect="1"/>
+          </p:cNvPicPr>
+          <p:nvPr>
+            <p:ph sz="half" idx="1"/>
+          </p:nvPr>
+        </p:nvPicPr>
+        <p:blipFill>
+          <a:blip r:embed="rId3">
+            <a:extLst>
+              <a:ext uri="{28A0092B-C50C-407E-A947-70E740481C1C}">
+                <a14:useLocalDpi xmlns:a14="http://schemas.microsoft.com/office/drawing/2010/main" val="0"/>
+              </a:ext>
+            </a:extLst>
+          </a:blip>
+          <a:stretch>
+            <a:fillRect/>
+          </a:stretch>
+        </p:blipFill>
+        <p:spPr>
+          <a:xfrm>
+            <a:off x="2802731" y="3184525"/>
+            <a:ext cx="1828800" cy="2009775"/>
+          </a:xfrm>
+        </p:spPr>
+      </p:pic>
+      <p:sp>
+        <p:nvSpPr>
+          <p:cNvPr id="8" name="Rechteck 7">
+            <a:extLst>
+              <a:ext uri="{FF2B5EF4-FFF2-40B4-BE49-F238E27FC236}">
+                <a16:creationId xmlns:a16="http://schemas.microsoft.com/office/drawing/2014/main" id="{F35F7718-A496-20FA-0A38-60FA43721F2C}"/>
+              </a:ext>
+            </a:extLst>
+          </p:cNvPr>
+          <p:cNvSpPr/>
+          <p:nvPr/>
+        </p:nvSpPr>
+        <p:spPr>
+          <a:xfrm>
+            <a:off x="2428081" y="5283133"/>
+            <a:ext cx="2578100" cy="610175"/>
+          </a:xfrm>
+          <a:prstGeom prst="rect">
+            <a:avLst/>
+          </a:prstGeom>
+          <a:solidFill>
+            <a:schemeClr val="bg1"/>
+          </a:solidFill>
+          <a:ln w="19050">
+            <a:solidFill>
+              <a:srgbClr val="404040"/>
+            </a:solidFill>
+          </a:ln>
+        </p:spPr>
+        <p:style>
+          <a:lnRef idx="2">
+            <a:schemeClr val="accent1">
+              <a:shade val="15000"/>
+            </a:schemeClr>
+          </a:lnRef>
+          <a:fillRef idx="1">
+            <a:schemeClr val="accent1"/>
+          </a:fillRef>
+          <a:effectRef idx="0">
+            <a:schemeClr val="accent1"/>
+          </a:effectRef>
+          <a:fontRef idx="minor">
+            <a:schemeClr val="lt1"/>
+          </a:fontRef>
+        </p:style>
+        <p:txBody>
+          <a:bodyPr rtlCol="0" anchor="ctr"/>
+          <a:lstStyle/>
+          <a:p>
+            <a:pPr algn="ctr"/>
+            <a:endParaRPr lang="en-US">
+              <a:solidFill>
+                <a:sysClr val="windowText" lastClr="000000"/>
+              </a:solidFill>
+            </a:endParaRPr>
+          </a:p>
+        </p:txBody>
+      </p:sp>
+      <p:sp>
+        <p:nvSpPr>
+          <p:cNvPr id="9" name="Textfeld 8">
+            <a:extLst>
+              <a:ext uri="{FF2B5EF4-FFF2-40B4-BE49-F238E27FC236}">
+                <a16:creationId xmlns:a16="http://schemas.microsoft.com/office/drawing/2014/main" id="{B0AABF4F-B152-9315-3369-7A900E249239}"/>
+              </a:ext>
+            </a:extLst>
+          </p:cNvPr>
+          <p:cNvSpPr txBox="1"/>
+          <p:nvPr/>
+        </p:nvSpPr>
+        <p:spPr>
+          <a:xfrm>
+            <a:off x="2428081" y="5308533"/>
+            <a:ext cx="2578100" cy="584775"/>
+          </a:xfrm>
+          <a:prstGeom prst="rect">
+            <a:avLst/>
+          </a:prstGeom>
+          <a:noFill/>
+        </p:spPr>
+        <p:txBody>
+          <a:bodyPr wrap="square" rtlCol="0">
+            <a:spAutoFit/>
+          </a:bodyPr>
+          <a:lstStyle/>
+          <a:p>
+            <a:pPr algn="ctr"/>
+            <a:r>
+              <a:rPr lang="en-US" sz="1600" dirty="0"/>
+              <a:t>Tested via multiple other test cases</a:t>
+            </a:r>
+          </a:p>
+        </p:txBody>
+      </p:sp>
     </p:spTree>
     <p:extLst>
       <p:ext uri="{BB962C8B-B14F-4D97-AF65-F5344CB8AC3E}">
@@ -6942,43 +8779,14 @@
               <a:t>The table references ‘BankInformation’ and ‘CreditCardInformation’, as well as the booking it was made for.</a:t>
             </a:r>
           </a:p>
-        </p:txBody>
-      </p:sp>
-      <p:pic>
-        <p:nvPicPr>
-          <p:cNvPr id="10" name="Inhaltsplatzhalter 9" descr="Ein Bild, das Text, Screenshot, Quittung, Schrift enthält.&#10;&#10;Automatisch generierte Beschreibung">
-            <a:extLst>
-              <a:ext uri="{FF2B5EF4-FFF2-40B4-BE49-F238E27FC236}">
-                <a16:creationId xmlns:a16="http://schemas.microsoft.com/office/drawing/2014/main" id="{40397811-DA83-2A75-0EC9-39A04C47ECD4}"/>
-              </a:ext>
-            </a:extLst>
-          </p:cNvPr>
-          <p:cNvPicPr>
-            <a:picLocks noGrp="1" noChangeAspect="1"/>
-          </p:cNvPicPr>
-          <p:nvPr>
-            <p:ph sz="half" idx="1"/>
-          </p:nvPr>
-        </p:nvPicPr>
-        <p:blipFill>
-          <a:blip r:embed="rId2">
-            <a:extLst>
-              <a:ext uri="{28A0092B-C50C-407E-A947-70E740481C1C}">
-                <a14:useLocalDpi xmlns:a14="http://schemas.microsoft.com/office/drawing/2010/main" val="0"/>
-              </a:ext>
-            </a:extLst>
-          </a:blip>
-          <a:stretch>
-            <a:fillRect/>
-          </a:stretch>
-        </p:blipFill>
-        <p:spPr>
-          <a:xfrm>
-            <a:off x="2855119" y="3179762"/>
-            <a:ext cx="1724025" cy="2019300"/>
-          </a:xfrm>
-        </p:spPr>
-      </p:pic>
+          <a:p>
+            <a:r>
+              <a:rPr lang="en-US" dirty="0"/>
+              <a:t>The test case can be used to check if the relationships of the transaction table and the respective payment information and ‘booking_id’ are plausible.</a:t>
+            </a:r>
+          </a:p>
+        </p:txBody>
+      </p:sp>
       <p:pic>
         <p:nvPicPr>
           <p:cNvPr id="11" name="Grafik 10">
@@ -6994,7 +8802,7 @@
           <p:nvPr/>
         </p:nvPicPr>
         <p:blipFill>
-          <a:blip r:embed="rId3">
+          <a:blip r:embed="rId2">
             <a:extLst>
               <a:ext uri="{28A0092B-C50C-407E-A947-70E740481C1C}">
                 <a14:useLocalDpi xmlns:a14="http://schemas.microsoft.com/office/drawing/2010/main" val="0"/>
@@ -7009,6 +8817,113 @@
           <a:xfrm>
             <a:off x="11633200" y="6299200"/>
             <a:ext cx="457200" cy="457200"/>
+          </a:xfrm>
+          <a:prstGeom prst="rect">
+            <a:avLst/>
+          </a:prstGeom>
+        </p:spPr>
+      </p:pic>
+      <p:pic>
+        <p:nvPicPr>
+          <p:cNvPr id="7" name="Inhaltsplatzhalter 6" descr="Ein Bild, das Text, Screenshot, Software, Schrift enthält.&#10;&#10;Automatisch generierte Beschreibung">
+            <a:extLst>
+              <a:ext uri="{FF2B5EF4-FFF2-40B4-BE49-F238E27FC236}">
+                <a16:creationId xmlns:a16="http://schemas.microsoft.com/office/drawing/2014/main" id="{9FA212C6-D246-5549-5A0C-82412419E58B}"/>
+              </a:ext>
+            </a:extLst>
+          </p:cNvPr>
+          <p:cNvPicPr>
+            <a:picLocks noGrp="1" noChangeAspect="1"/>
+          </p:cNvPicPr>
+          <p:nvPr>
+            <p:ph sz="half" idx="1"/>
+          </p:nvPr>
+        </p:nvPicPr>
+        <p:blipFill>
+          <a:blip r:embed="rId3">
+            <a:extLst>
+              <a:ext uri="{28A0092B-C50C-407E-A947-70E740481C1C}">
+                <a14:useLocalDpi xmlns:a14="http://schemas.microsoft.com/office/drawing/2010/main" val="0"/>
+              </a:ext>
+            </a:extLst>
+          </a:blip>
+          <a:stretch>
+            <a:fillRect/>
+          </a:stretch>
+        </p:blipFill>
+        <p:spPr>
+          <a:xfrm>
+            <a:off x="525016" y="2474309"/>
+            <a:ext cx="4832539" cy="2312914"/>
+          </a:xfrm>
+        </p:spPr>
+      </p:pic>
+      <p:pic>
+        <p:nvPicPr>
+          <p:cNvPr id="9" name="Grafik 8" descr="Ein Bild, das Text, Screenshot, Schrift, Zahl enthält.&#10;&#10;Automatisch generierte Beschreibung">
+            <a:extLst>
+              <a:ext uri="{FF2B5EF4-FFF2-40B4-BE49-F238E27FC236}">
+                <a16:creationId xmlns:a16="http://schemas.microsoft.com/office/drawing/2014/main" id="{E9090D60-EB46-58A5-4656-37BEFF7EC95C}"/>
+              </a:ext>
+            </a:extLst>
+          </p:cNvPr>
+          <p:cNvPicPr>
+            <a:picLocks noChangeAspect="1"/>
+          </p:cNvPicPr>
+          <p:nvPr/>
+        </p:nvPicPr>
+        <p:blipFill>
+          <a:blip r:embed="rId4">
+            <a:extLst>
+              <a:ext uri="{28A0092B-C50C-407E-A947-70E740481C1C}">
+                <a14:useLocalDpi xmlns:a14="http://schemas.microsoft.com/office/drawing/2010/main" val="0"/>
+              </a:ext>
+            </a:extLst>
+          </a:blip>
+          <a:stretch>
+            <a:fillRect/>
+          </a:stretch>
+        </p:blipFill>
+        <p:spPr>
+          <a:xfrm>
+            <a:off x="4776652" y="3155202"/>
+            <a:ext cx="1561662" cy="1810498"/>
+          </a:xfrm>
+          <a:prstGeom prst="rect">
+            <a:avLst/>
+          </a:prstGeom>
+        </p:spPr>
+      </p:pic>
+      <p:pic>
+        <p:nvPicPr>
+          <p:cNvPr id="13" name="Grafik 12">
+            <a:extLst>
+              <a:ext uri="{FF2B5EF4-FFF2-40B4-BE49-F238E27FC236}">
+                <a16:creationId xmlns:a16="http://schemas.microsoft.com/office/drawing/2014/main" id="{71C43FAA-4C2D-AA82-5B13-9DA1CA0465F7}"/>
+              </a:ext>
+            </a:extLst>
+          </p:cNvPr>
+          <p:cNvPicPr>
+            <a:picLocks noChangeAspect="1"/>
+          </p:cNvPicPr>
+          <p:nvPr/>
+        </p:nvPicPr>
+        <p:blipFill>
+          <a:blip r:embed="rId5">
+            <a:extLst>
+              <a:ext uri="{28A0092B-C50C-407E-A947-70E740481C1C}">
+                <a14:useLocalDpi xmlns:a14="http://schemas.microsoft.com/office/drawing/2010/main" val="0"/>
+              </a:ext>
+            </a:extLst>
+          </a:blip>
+          <a:stretch>
+            <a:fillRect/>
+          </a:stretch>
+        </p:blipFill>
+        <p:spPr>
+          <a:xfrm>
+            <a:off x="525016" y="5789013"/>
+            <a:ext cx="10083546" cy="601508"/>
           </a:xfrm>
           <a:prstGeom prst="rect">
             <a:avLst/>
@@ -7073,41 +8988,6 @@
           </a:p>
         </p:txBody>
       </p:sp>
-      <p:pic>
-        <p:nvPicPr>
-          <p:cNvPr id="6" name="Inhaltsplatzhalter 5" descr="Ein Bild, das Text, Screenshot, Schrift, Quittung enthält.&#10;&#10;Automatisch generierte Beschreibung">
-            <a:extLst>
-              <a:ext uri="{FF2B5EF4-FFF2-40B4-BE49-F238E27FC236}">
-                <a16:creationId xmlns:a16="http://schemas.microsoft.com/office/drawing/2014/main" id="{1E934BC1-25D8-C963-5CCA-632153D08528}"/>
-              </a:ext>
-            </a:extLst>
-          </p:cNvPr>
-          <p:cNvPicPr>
-            <a:picLocks noGrp="1" noChangeAspect="1"/>
-          </p:cNvPicPr>
-          <p:nvPr>
-            <p:ph sz="half" idx="1"/>
-          </p:nvPr>
-        </p:nvPicPr>
-        <p:blipFill>
-          <a:blip r:embed="rId2">
-            <a:extLst>
-              <a:ext uri="{28A0092B-C50C-407E-A947-70E740481C1C}">
-                <a14:useLocalDpi xmlns:a14="http://schemas.microsoft.com/office/drawing/2010/main" val="0"/>
-              </a:ext>
-            </a:extLst>
-          </a:blip>
-          <a:stretch>
-            <a:fillRect/>
-          </a:stretch>
-        </p:blipFill>
-        <p:spPr>
-          <a:xfrm>
-            <a:off x="2855119" y="3327400"/>
-            <a:ext cx="1724025" cy="1724025"/>
-          </a:xfrm>
-        </p:spPr>
-      </p:pic>
       <p:sp>
         <p:nvSpPr>
           <p:cNvPr id="4" name="Inhaltsplatzhalter 3">
@@ -7126,7 +9006,9 @@
         </p:nvSpPr>
         <p:spPr/>
         <p:txBody>
-          <a:bodyPr/>
+          <a:bodyPr>
+            <a:normAutofit fontScale="92500" lnSpcReduction="20000"/>
+          </a:bodyPr>
           <a:lstStyle/>
           <a:p>
             <a:r>
@@ -7144,6 +9026,12 @@
             <a:r>
               <a:rPr lang="en-US" dirty="0"/>
               <a:t>The ‘currency_id’ attribute can then be used to convert it, if necessary</a:t>
+            </a:r>
+          </a:p>
+          <a:p>
+            <a:r>
+              <a:rPr lang="en-US" dirty="0"/>
+              <a:t>The GiftCard table is a very simple, which is not as important as other tables to the functionality of the system and therefore does not warrant a complicated test case, content is checked again at the end of the test.sql file.</a:t>
             </a:r>
           </a:p>
         </p:txBody>
@@ -7163,7 +9051,7 @@
           <p:nvPr/>
         </p:nvPicPr>
         <p:blipFill>
-          <a:blip r:embed="rId3">
+          <a:blip r:embed="rId2">
             <a:extLst>
               <a:ext uri="{28A0092B-C50C-407E-A947-70E740481C1C}">
                 <a14:useLocalDpi xmlns:a14="http://schemas.microsoft.com/office/drawing/2010/main" val="0"/>
@@ -7184,6 +9072,143 @@
           </a:prstGeom>
         </p:spPr>
       </p:pic>
+      <p:pic>
+        <p:nvPicPr>
+          <p:cNvPr id="9" name="Inhaltsplatzhalter 8" descr="Ein Bild, das Text, Screenshot, Schrift, Quittung enthält.&#10;&#10;Automatisch generierte Beschreibung">
+            <a:extLst>
+              <a:ext uri="{FF2B5EF4-FFF2-40B4-BE49-F238E27FC236}">
+                <a16:creationId xmlns:a16="http://schemas.microsoft.com/office/drawing/2014/main" id="{4D619FDB-5D26-CCBF-C17D-8A07278B14B1}"/>
+              </a:ext>
+            </a:extLst>
+          </p:cNvPr>
+          <p:cNvPicPr>
+            <a:picLocks noGrp="1" noChangeAspect="1"/>
+          </p:cNvPicPr>
+          <p:nvPr>
+            <p:ph sz="half" idx="1"/>
+          </p:nvPr>
+        </p:nvPicPr>
+        <p:blipFill>
+          <a:blip r:embed="rId3">
+            <a:extLst>
+              <a:ext uri="{28A0092B-C50C-407E-A947-70E740481C1C}">
+                <a14:useLocalDpi xmlns:a14="http://schemas.microsoft.com/office/drawing/2010/main" val="0"/>
+              </a:ext>
+            </a:extLst>
+          </a:blip>
+          <a:stretch>
+            <a:fillRect/>
+          </a:stretch>
+        </p:blipFill>
+        <p:spPr>
+          <a:xfrm>
+            <a:off x="2850356" y="3327400"/>
+            <a:ext cx="1733550" cy="1724025"/>
+          </a:xfrm>
+        </p:spPr>
+      </p:pic>
+      <p:sp>
+        <p:nvSpPr>
+          <p:cNvPr id="10" name="Rechteck 9">
+            <a:extLst>
+              <a:ext uri="{FF2B5EF4-FFF2-40B4-BE49-F238E27FC236}">
+                <a16:creationId xmlns:a16="http://schemas.microsoft.com/office/drawing/2014/main" id="{C863E2DF-7FBF-1AD8-FFD4-870BE2F5F135}"/>
+              </a:ext>
+            </a:extLst>
+          </p:cNvPr>
+          <p:cNvSpPr/>
+          <p:nvPr/>
+        </p:nvSpPr>
+        <p:spPr>
+          <a:xfrm>
+            <a:off x="2485231" y="5390488"/>
+            <a:ext cx="2578100" cy="610175"/>
+          </a:xfrm>
+          <a:prstGeom prst="rect">
+            <a:avLst/>
+          </a:prstGeom>
+          <a:solidFill>
+            <a:schemeClr val="bg1"/>
+          </a:solidFill>
+          <a:ln w="19050">
+            <a:solidFill>
+              <a:srgbClr val="404040"/>
+            </a:solidFill>
+          </a:ln>
+        </p:spPr>
+        <p:style>
+          <a:lnRef idx="2">
+            <a:schemeClr val="accent1">
+              <a:shade val="15000"/>
+            </a:schemeClr>
+          </a:lnRef>
+          <a:fillRef idx="1">
+            <a:schemeClr val="accent1"/>
+          </a:fillRef>
+          <a:effectRef idx="0">
+            <a:schemeClr val="accent1"/>
+          </a:effectRef>
+          <a:fontRef idx="minor">
+            <a:schemeClr val="lt1"/>
+          </a:fontRef>
+        </p:style>
+        <p:txBody>
+          <a:bodyPr rtlCol="0" anchor="ctr"/>
+          <a:lstStyle/>
+          <a:p>
+            <a:pPr algn="ctr"/>
+            <a:endParaRPr lang="en-US">
+              <a:solidFill>
+                <a:sysClr val="windowText" lastClr="000000"/>
+              </a:solidFill>
+            </a:endParaRPr>
+          </a:p>
+        </p:txBody>
+      </p:sp>
+      <p:sp>
+        <p:nvSpPr>
+          <p:cNvPr id="11" name="Textfeld 10">
+            <a:extLst>
+              <a:ext uri="{FF2B5EF4-FFF2-40B4-BE49-F238E27FC236}">
+                <a16:creationId xmlns:a16="http://schemas.microsoft.com/office/drawing/2014/main" id="{90F34D5E-F526-2168-5F11-BE82A787854E}"/>
+              </a:ext>
+            </a:extLst>
+          </p:cNvPr>
+          <p:cNvSpPr txBox="1"/>
+          <p:nvPr/>
+        </p:nvSpPr>
+        <p:spPr>
+          <a:xfrm>
+            <a:off x="2485231" y="5415888"/>
+            <a:ext cx="2578100" cy="584775"/>
+          </a:xfrm>
+          <a:prstGeom prst="rect">
+            <a:avLst/>
+          </a:prstGeom>
+          <a:noFill/>
+        </p:spPr>
+        <p:txBody>
+          <a:bodyPr wrap="square" rtlCol="0">
+            <a:spAutoFit/>
+          </a:bodyPr>
+          <a:lstStyle/>
+          <a:p>
+            <a:pPr algn="ctr"/>
+            <a:r>
+              <a:rPr lang="en-US" sz="1600" dirty="0"/>
+              <a:t>‘</a:t>
+            </a:r>
+            <a:r>
+              <a:rPr lang="en-US" altLang="ja-JP" sz="1600" dirty="0"/>
+              <a:t>GiftCard</a:t>
+            </a:r>
+            <a:r>
+              <a:rPr lang="en-US" sz="1600" dirty="0"/>
+              <a:t>’ is a simple table, see test case in test.sql</a:t>
+            </a:r>
+          </a:p>
+        </p:txBody>
+      </p:sp>
     </p:spTree>
     <p:extLst>
       <p:ext uri="{BB962C8B-B14F-4D97-AF65-F5344CB8AC3E}">
@@ -7286,13 +9311,10 @@
             <a:pPr marL="0" indent="0">
               <a:buNone/>
             </a:pPr>
-            <a:endParaRPr lang="en-US" dirty="0"/>
-          </a:p>
-          <a:p>
-            <a:pPr marL="0" indent="0">
-              <a:buNone/>
-            </a:pPr>
-            <a:endParaRPr lang="en-US" dirty="0"/>
+            <a:r>
+              <a:rPr lang="en-US" dirty="0"/>
+              <a:t>- I encourage the reader to run the test commands in their own environment for better readability.</a:t>
+            </a:r>
           </a:p>
           <a:p>
             <a:pPr marL="0" indent="0">
@@ -7427,9 +9449,10 @@
           <a:bodyPr/>
           <a:lstStyle/>
           <a:p>
-            <a:r>
-              <a:rPr lang="en-US" dirty="0"/>
-              <a:t>Additional information is given is the Pebble Pad submission as well as in code via comments.</a:t>
+            <a:pPr algn="ctr"/>
+            <a:r>
+              <a:rPr lang="en-US" dirty="0"/>
+              <a:t>Additional information is given in the Pebble Pad submission as well as in code via comments.</a:t>
             </a:r>
           </a:p>
         </p:txBody>
@@ -7820,7 +9843,7 @@
         <p:spPr/>
         <p:txBody>
           <a:bodyPr>
-            <a:normAutofit fontScale="92500" lnSpcReduction="10000"/>
+            <a:normAutofit fontScale="92500" lnSpcReduction="20000"/>
           </a:bodyPr>
           <a:lstStyle/>
           <a:p>
@@ -7845,15 +9868,7 @@
             <a:pPr lvl="1"/>
             <a:r>
               <a:rPr lang="en-US" dirty="0"/>
-              <a:t>Addresses now have an ‘</a:t>
-            </a:r>
-            <a:r>
-              <a:rPr lang="en-US" dirty="0" err="1"/>
-              <a:t>address_type</a:t>
-            </a:r>
-            <a:r>
-              <a:rPr lang="en-US" dirty="0"/>
-              <a:t>’ attribute</a:t>
+              <a:t>Addresses now have an ‘address_type’ attribute</a:t>
             </a:r>
           </a:p>
           <a:p>
@@ -7867,15 +9882,14 @@
             <a:pPr lvl="1"/>
             <a:r>
               <a:rPr lang="en-US" dirty="0"/>
-              <a:t>Bookings no longer have the ‘</a:t>
-            </a:r>
-            <a:r>
-              <a:rPr lang="en-US" dirty="0" err="1"/>
-              <a:t>transaction_id</a:t>
-            </a:r>
-            <a:r>
-              <a:rPr lang="en-US" dirty="0"/>
-              <a:t>’ attribute</a:t>
+              <a:t>Bookings no longer have the ‘transaction_id’ attribute</a:t>
+            </a:r>
+          </a:p>
+          <a:p>
+            <a:pPr lvl="1"/>
+            <a:r>
+              <a:rPr lang="en-US" dirty="0"/>
+              <a:t>PropertyListing now has the ‘owning_host_id’ attribute</a:t>
             </a:r>
           </a:p>
           <a:p>
@@ -8045,10 +10059,10 @@
       </p:sp>
       <p:pic>
         <p:nvPicPr>
-          <p:cNvPr id="25" name="Grafik 24" descr="Ein Bild, das Text, Diagramm, Plan, parallel enthält.&#10;&#10;Automatisch generierte Beschreibung">
-            <a:extLst>
-              <a:ext uri="{FF2B5EF4-FFF2-40B4-BE49-F238E27FC236}">
-                <a16:creationId xmlns:a16="http://schemas.microsoft.com/office/drawing/2014/main" id="{B6E0BD8B-3E36-7DC5-1CDA-97EA0A93C35F}"/>
+          <p:cNvPr id="5" name="Grafik 4" descr="Ein Bild, das Text, Diagramm, Plan, parallel enthält.&#10;&#10;Automatisch generierte Beschreibung">
+            <a:extLst>
+              <a:ext uri="{FF2B5EF4-FFF2-40B4-BE49-F238E27FC236}">
+                <a16:creationId xmlns:a16="http://schemas.microsoft.com/office/drawing/2014/main" id="{57A29CD3-E67D-9748-063C-AD5D49AE4BFF}"/>
               </a:ext>
             </a:extLst>
           </p:cNvPr>
@@ -8071,7 +10085,7 @@
         </p:blipFill>
         <p:spPr>
           <a:xfrm>
-            <a:off x="5537200" y="711200"/>
+            <a:off x="6096000" y="0"/>
             <a:ext cx="6096000" cy="6858000"/>
           </a:xfrm>
           <a:prstGeom prst="rect">
@@ -8191,12 +10205,14 @@
         </p:nvSpPr>
         <p:spPr/>
         <p:txBody>
-          <a:bodyPr/>
-          <a:lstStyle/>
-          <a:p>
-            <a:r>
-              <a:rPr lang="en-US" dirty="0"/>
-              <a:t>The User is the base class for all users and holds attributes any user will have</a:t>
+          <a:bodyPr>
+            <a:normAutofit lnSpcReduction="10000"/>
+          </a:bodyPr>
+          <a:lstStyle/>
+          <a:p>
+            <a:r>
+              <a:rPr lang="en-US" dirty="0"/>
+              <a:t>The User is the base/super class for all users and holds attributes any user will have</a:t>
             </a:r>
           </a:p>
           <a:p>
@@ -8211,43 +10227,14 @@
               <a:t>The ‘governmentid_image_id’ is a foreign key that references the image table.</a:t>
             </a:r>
           </a:p>
-        </p:txBody>
-      </p:sp>
-      <p:pic>
-        <p:nvPicPr>
-          <p:cNvPr id="10" name="Inhaltsplatzhalter 9" descr="Ein Bild, das Text, Quittung, Screenshot, Schrift enthält.&#10;&#10;Automatisch generierte Beschreibung">
-            <a:extLst>
-              <a:ext uri="{FF2B5EF4-FFF2-40B4-BE49-F238E27FC236}">
-                <a16:creationId xmlns:a16="http://schemas.microsoft.com/office/drawing/2014/main" id="{2432A590-5738-51DE-7218-94BD08D6190A}"/>
-              </a:ext>
-            </a:extLst>
-          </p:cNvPr>
-          <p:cNvPicPr>
-            <a:picLocks noGrp="1" noChangeAspect="1"/>
-          </p:cNvPicPr>
-          <p:nvPr>
-            <p:ph sz="half" idx="1"/>
-          </p:nvPr>
-        </p:nvPicPr>
-        <p:blipFill>
-          <a:blip r:embed="rId2">
-            <a:extLst>
-              <a:ext uri="{28A0092B-C50C-407E-A947-70E740481C1C}">
-                <a14:useLocalDpi xmlns:a14="http://schemas.microsoft.com/office/drawing/2010/main" val="0"/>
-              </a:ext>
-            </a:extLst>
-          </a:blip>
-          <a:stretch>
-            <a:fillRect/>
-          </a:stretch>
-        </p:blipFill>
-        <p:spPr>
-          <a:xfrm>
-            <a:off x="2855119" y="3327400"/>
-            <a:ext cx="1724025" cy="1724025"/>
-          </a:xfrm>
-        </p:spPr>
-      </p:pic>
+          <a:p>
+            <a:r>
+              <a:rPr lang="en-US" dirty="0"/>
+              <a:t>This table is tested via the host and guest tables which can be seen in the following two slides</a:t>
+            </a:r>
+          </a:p>
+        </p:txBody>
+      </p:sp>
       <p:pic>
         <p:nvPicPr>
           <p:cNvPr id="11" name="Grafik 10">
@@ -8263,7 +10250,7 @@
           <p:nvPr/>
         </p:nvPicPr>
         <p:blipFill>
-          <a:blip r:embed="rId3">
+          <a:blip r:embed="rId2">
             <a:extLst>
               <a:ext uri="{28A0092B-C50C-407E-A947-70E740481C1C}">
                 <a14:useLocalDpi xmlns:a14="http://schemas.microsoft.com/office/drawing/2010/main" val="0"/>
@@ -8284,6 +10271,135 @@
           </a:prstGeom>
         </p:spPr>
       </p:pic>
+      <p:pic>
+        <p:nvPicPr>
+          <p:cNvPr id="7" name="Inhaltsplatzhalter 6" descr="Ein Bild, das Text, Screenshot, Quittung, Schrift enthält.&#10;&#10;Automatisch generierte Beschreibung">
+            <a:extLst>
+              <a:ext uri="{FF2B5EF4-FFF2-40B4-BE49-F238E27FC236}">
+                <a16:creationId xmlns:a16="http://schemas.microsoft.com/office/drawing/2014/main" id="{C1DF98B6-FB2E-5676-FF93-A8588944E7B4}"/>
+              </a:ext>
+            </a:extLst>
+          </p:cNvPr>
+          <p:cNvPicPr>
+            <a:picLocks noGrp="1" noChangeAspect="1"/>
+          </p:cNvPicPr>
+          <p:nvPr>
+            <p:ph sz="half" idx="1"/>
+          </p:nvPr>
+        </p:nvPicPr>
+        <p:blipFill>
+          <a:blip r:embed="rId3">
+            <a:extLst>
+              <a:ext uri="{28A0092B-C50C-407E-A947-70E740481C1C}">
+                <a14:useLocalDpi xmlns:a14="http://schemas.microsoft.com/office/drawing/2010/main" val="0"/>
+              </a:ext>
+            </a:extLst>
+          </a:blip>
+          <a:stretch>
+            <a:fillRect/>
+          </a:stretch>
+        </p:blipFill>
+        <p:spPr>
+          <a:xfrm>
+            <a:off x="2850356" y="3327400"/>
+            <a:ext cx="1733550" cy="1724025"/>
+          </a:xfrm>
+        </p:spPr>
+      </p:pic>
+      <p:sp>
+        <p:nvSpPr>
+          <p:cNvPr id="8" name="Rechteck 7">
+            <a:extLst>
+              <a:ext uri="{FF2B5EF4-FFF2-40B4-BE49-F238E27FC236}">
+                <a16:creationId xmlns:a16="http://schemas.microsoft.com/office/drawing/2014/main" id="{BC3B91E8-280F-8097-3629-82CA047EAEFC}"/>
+              </a:ext>
+            </a:extLst>
+          </p:cNvPr>
+          <p:cNvSpPr/>
+          <p:nvPr/>
+        </p:nvSpPr>
+        <p:spPr>
+          <a:xfrm>
+            <a:off x="2428081" y="5283133"/>
+            <a:ext cx="2578100" cy="610175"/>
+          </a:xfrm>
+          <a:prstGeom prst="rect">
+            <a:avLst/>
+          </a:prstGeom>
+          <a:solidFill>
+            <a:schemeClr val="bg1"/>
+          </a:solidFill>
+          <a:ln w="19050">
+            <a:solidFill>
+              <a:srgbClr val="404040"/>
+            </a:solidFill>
+          </a:ln>
+        </p:spPr>
+        <p:style>
+          <a:lnRef idx="2">
+            <a:schemeClr val="accent1">
+              <a:shade val="15000"/>
+            </a:schemeClr>
+          </a:lnRef>
+          <a:fillRef idx="1">
+            <a:schemeClr val="accent1"/>
+          </a:fillRef>
+          <a:effectRef idx="0">
+            <a:schemeClr val="accent1"/>
+          </a:effectRef>
+          <a:fontRef idx="minor">
+            <a:schemeClr val="lt1"/>
+          </a:fontRef>
+        </p:style>
+        <p:txBody>
+          <a:bodyPr rtlCol="0" anchor="ctr"/>
+          <a:lstStyle/>
+          <a:p>
+            <a:pPr algn="ctr"/>
+            <a:endParaRPr lang="en-US">
+              <a:solidFill>
+                <a:sysClr val="windowText" lastClr="000000"/>
+              </a:solidFill>
+            </a:endParaRPr>
+          </a:p>
+        </p:txBody>
+      </p:sp>
+      <p:sp>
+        <p:nvSpPr>
+          <p:cNvPr id="9" name="Textfeld 8">
+            <a:extLst>
+              <a:ext uri="{FF2B5EF4-FFF2-40B4-BE49-F238E27FC236}">
+                <a16:creationId xmlns:a16="http://schemas.microsoft.com/office/drawing/2014/main" id="{605D3E2F-A3DD-D489-3689-8526C5E0BAC1}"/>
+              </a:ext>
+            </a:extLst>
+          </p:cNvPr>
+          <p:cNvSpPr txBox="1"/>
+          <p:nvPr/>
+        </p:nvSpPr>
+        <p:spPr>
+          <a:xfrm>
+            <a:off x="2428081" y="5308533"/>
+            <a:ext cx="2578100" cy="584775"/>
+          </a:xfrm>
+          <a:prstGeom prst="rect">
+            <a:avLst/>
+          </a:prstGeom>
+          <a:noFill/>
+        </p:spPr>
+        <p:txBody>
+          <a:bodyPr wrap="square" rtlCol="0">
+            <a:spAutoFit/>
+          </a:bodyPr>
+          <a:lstStyle/>
+          <a:p>
+            <a:pPr algn="ctr"/>
+            <a:r>
+              <a:rPr lang="en-US" sz="1600" dirty="0"/>
+              <a:t>Tested via ‘Guest’ and ‘Host’ test cases</a:t>
+            </a:r>
+          </a:p>
+        </p:txBody>
+      </p:sp>
     </p:spTree>
     <p:extLst>
       <p:ext uri="{BB962C8B-B14F-4D97-AF65-F5344CB8AC3E}">
@@ -8374,6 +10490,12 @@
               <a:t>‘profile_image_id’ references the id of an image that can be loaded to display the users profile image</a:t>
             </a:r>
           </a:p>
+          <a:p>
+            <a:r>
+              <a:rPr lang="en-US" dirty="0"/>
+              <a:t>The test case is meant to test the relationship between the ‘Guest’ table/class and its super class ‘User’. As well as testing other relevant relationships.</a:t>
+            </a:r>
+          </a:p>
         </p:txBody>
       </p:sp>
       <p:pic>
@@ -8414,10 +10536,10 @@
       </p:pic>
       <p:pic>
         <p:nvPicPr>
-          <p:cNvPr id="10" name="Inhaltsplatzhalter 9" descr="Ein Bild, das Text, Screenshot, Schrift, Quittung enthält.&#10;&#10;Automatisch generierte Beschreibung">
-            <a:extLst>
-              <a:ext uri="{FF2B5EF4-FFF2-40B4-BE49-F238E27FC236}">
-                <a16:creationId xmlns:a16="http://schemas.microsoft.com/office/drawing/2014/main" id="{436CB6BE-81AC-EEEC-3C4D-9DC505401F23}"/>
+          <p:cNvPr id="8" name="Inhaltsplatzhalter 7" descr="Ein Bild, das Text, Screenshot, Software enthält.&#10;&#10;Automatisch generierte Beschreibung">
+            <a:extLst>
+              <a:ext uri="{FF2B5EF4-FFF2-40B4-BE49-F238E27FC236}">
+                <a16:creationId xmlns:a16="http://schemas.microsoft.com/office/drawing/2014/main" id="{5D6E7314-E2B7-4FCD-E294-2CF2C4E7C7E9}"/>
               </a:ext>
             </a:extLst>
           </p:cNvPr>
@@ -8442,9 +10564,123 @@
         </p:blipFill>
         <p:spPr>
           <a:xfrm>
-            <a:off x="2855119" y="3327400"/>
-            <a:ext cx="1724025" cy="1724025"/>
-          </a:xfrm>
+            <a:off x="860800" y="2200050"/>
+            <a:ext cx="3791193" cy="3540573"/>
+          </a:xfrm>
+        </p:spPr>
+      </p:pic>
+      <p:pic>
+        <p:nvPicPr>
+          <p:cNvPr id="11" name="Grafik 10" descr="Ein Bild, das Text, Screenshot, Quittung, Schrift enthält.&#10;&#10;Automatisch generierte Beschreibung">
+            <a:extLst>
+              <a:ext uri="{FF2B5EF4-FFF2-40B4-BE49-F238E27FC236}">
+                <a16:creationId xmlns:a16="http://schemas.microsoft.com/office/drawing/2014/main" id="{B82D5D80-1347-6E5A-68C5-45AA9D28A627}"/>
+              </a:ext>
+            </a:extLst>
+          </p:cNvPr>
+          <p:cNvPicPr>
+            <a:picLocks noChangeAspect="1"/>
+          </p:cNvPicPr>
+          <p:nvPr/>
+        </p:nvPicPr>
+        <p:blipFill>
+          <a:blip r:embed="rId4">
+            <a:extLst>
+              <a:ext uri="{28A0092B-C50C-407E-A947-70E740481C1C}">
+                <a14:useLocalDpi xmlns:a14="http://schemas.microsoft.com/office/drawing/2010/main" val="0"/>
+              </a:ext>
+            </a:extLst>
+          </a:blip>
+          <a:stretch>
+            <a:fillRect/>
+          </a:stretch>
+        </p:blipFill>
+        <p:spPr>
+          <a:xfrm>
+            <a:off x="3930885" y="3054350"/>
+            <a:ext cx="1733550" cy="1724025"/>
+          </a:xfrm>
+          <a:prstGeom prst="rect">
+            <a:avLst/>
+          </a:prstGeom>
+        </p:spPr>
+      </p:pic>
+      <p:sp>
+        <p:nvSpPr>
+          <p:cNvPr id="18" name="Textfeld 17">
+            <a:extLst>
+              <a:ext uri="{FF2B5EF4-FFF2-40B4-BE49-F238E27FC236}">
+                <a16:creationId xmlns:a16="http://schemas.microsoft.com/office/drawing/2014/main" id="{A00EF40E-A93B-AAF5-9577-AEA4B542A8FB}"/>
+              </a:ext>
+            </a:extLst>
+          </p:cNvPr>
+          <p:cNvSpPr txBox="1"/>
+          <p:nvPr/>
+        </p:nvSpPr>
+        <p:spPr>
+          <a:xfrm>
+            <a:off x="4651993" y="2180284"/>
+            <a:ext cx="4260850" cy="215444"/>
+          </a:xfrm>
+          <a:prstGeom prst="rect">
+            <a:avLst/>
+          </a:prstGeom>
+          <a:noFill/>
+        </p:spPr>
+        <p:txBody>
+          <a:bodyPr wrap="square" rtlCol="0">
+            <a:spAutoFit/>
+          </a:bodyPr>
+          <a:lstStyle/>
+          <a:p>
+            <a:r>
+              <a:rPr lang="en-US" sz="800" dirty="0">
+                <a:solidFill>
+                  <a:schemeClr val="tx2">
+                    <a:lumMod val="60000"/>
+                    <a:lumOff val="40000"/>
+                  </a:schemeClr>
+                </a:solidFill>
+              </a:rPr>
+              <a:t>*code line indicator in screenshots may differ slightly compared to the file.</a:t>
+            </a:r>
+          </a:p>
+        </p:txBody>
+      </p:sp>
+      <p:pic>
+        <p:nvPicPr>
+          <p:cNvPr id="20" name="Grafik 19">
+            <a:extLst>
+              <a:ext uri="{FF2B5EF4-FFF2-40B4-BE49-F238E27FC236}">
+                <a16:creationId xmlns:a16="http://schemas.microsoft.com/office/drawing/2014/main" id="{E09C1193-5A40-86DC-AE8D-BB1FD6F871D0}"/>
+              </a:ext>
+            </a:extLst>
+          </p:cNvPr>
+          <p:cNvPicPr>
+            <a:picLocks noChangeAspect="1"/>
+          </p:cNvPicPr>
+          <p:nvPr/>
+        </p:nvPicPr>
+        <p:blipFill>
+          <a:blip r:embed="rId5">
+            <a:extLst>
+              <a:ext uri="{28A0092B-C50C-407E-A947-70E740481C1C}">
+                <a14:useLocalDpi xmlns:a14="http://schemas.microsoft.com/office/drawing/2010/main" val="0"/>
+              </a:ext>
+            </a:extLst>
+          </a:blip>
+          <a:stretch>
+            <a:fillRect/>
+          </a:stretch>
+        </p:blipFill>
+        <p:spPr>
+          <a:xfrm>
+            <a:off x="860800" y="5787262"/>
+            <a:ext cx="9747762" cy="1049377"/>
+          </a:xfrm>
+          <a:prstGeom prst="rect">
+            <a:avLst/>
+          </a:prstGeom>
         </p:spPr>
       </p:pic>
     </p:spTree>
@@ -8505,64 +10741,12 @@
           </a:p>
         </p:txBody>
       </p:sp>
-      <p:sp>
-        <p:nvSpPr>
-          <p:cNvPr id="4" name="Inhaltsplatzhalter 3">
-            <a:extLst>
-              <a:ext uri="{FF2B5EF4-FFF2-40B4-BE49-F238E27FC236}">
-                <a16:creationId xmlns:a16="http://schemas.microsoft.com/office/drawing/2014/main" id="{C26E891E-9E25-DD3C-9EF6-0C1E15B080A9}"/>
-              </a:ext>
-            </a:extLst>
-          </p:cNvPr>
-          <p:cNvSpPr>
-            <a:spLocks noGrp="1"/>
-          </p:cNvSpPr>
-          <p:nvPr>
-            <p:ph sz="half" idx="2"/>
-          </p:nvPr>
-        </p:nvSpPr>
-        <p:spPr/>
-        <p:txBody>
-          <a:bodyPr>
-            <a:normAutofit lnSpcReduction="10000"/>
-          </a:bodyPr>
-          <a:lstStyle/>
-          <a:p>
-            <a:r>
-              <a:rPr lang="en-US" dirty="0"/>
-              <a:t>The ‘user_id’ attribute refers back to the base class</a:t>
-            </a:r>
-          </a:p>
-          <a:p>
-            <a:r>
-              <a:rPr lang="en-US" dirty="0"/>
-              <a:t>‘profile_image_id’ references the id of an image that can be loaded to display the users profile image</a:t>
-            </a:r>
-          </a:p>
-          <a:p>
-            <a:pPr lvl="1"/>
-            <a:r>
-              <a:rPr lang="en-US" dirty="0"/>
-              <a:t>The reasoning for having this attribute in both subclasses is that it is only required for </a:t>
-            </a:r>
-          </a:p>
-          <a:p>
-            <a:r>
-              <a:rPr lang="en-US" dirty="0"/>
-              <a:t>The ‘triphistory_id’ is used to link together</a:t>
-            </a:r>
-          </a:p>
-          <a:p>
-            <a:endParaRPr lang="en-US" dirty="0"/>
-          </a:p>
-        </p:txBody>
-      </p:sp>
       <p:pic>
         <p:nvPicPr>
-          <p:cNvPr id="10" name="Inhaltsplatzhalter 9" descr="Ein Bild, das Text, Screenshot, Schrift, Quittung enthält.&#10;&#10;Automatisch generierte Beschreibung">
-            <a:extLst>
-              <a:ext uri="{FF2B5EF4-FFF2-40B4-BE49-F238E27FC236}">
-                <a16:creationId xmlns:a16="http://schemas.microsoft.com/office/drawing/2014/main" id="{CE5D841F-2EF0-85D0-6354-BB615AF0BB74}"/>
+          <p:cNvPr id="17" name="Inhaltsplatzhalter 16" descr="Ein Bild, das Text, Screenshot, Software enthält.&#10;&#10;Automatisch generierte Beschreibung">
+            <a:extLst>
+              <a:ext uri="{FF2B5EF4-FFF2-40B4-BE49-F238E27FC236}">
+                <a16:creationId xmlns:a16="http://schemas.microsoft.com/office/drawing/2014/main" id="{2ECA2B6B-F279-FBD8-1096-079951C0EFCB}"/>
               </a:ext>
             </a:extLst>
           </p:cNvPr>
@@ -8587,11 +10771,71 @@
         </p:blipFill>
         <p:spPr>
           <a:xfrm>
-            <a:off x="2855119" y="3327400"/>
-            <a:ext cx="1724025" cy="1724025"/>
+            <a:off x="845115" y="2201974"/>
+            <a:ext cx="4075764" cy="3307659"/>
           </a:xfrm>
         </p:spPr>
       </p:pic>
+      <p:sp>
+        <p:nvSpPr>
+          <p:cNvPr id="4" name="Inhaltsplatzhalter 3">
+            <a:extLst>
+              <a:ext uri="{FF2B5EF4-FFF2-40B4-BE49-F238E27FC236}">
+                <a16:creationId xmlns:a16="http://schemas.microsoft.com/office/drawing/2014/main" id="{C26E891E-9E25-DD3C-9EF6-0C1E15B080A9}"/>
+              </a:ext>
+            </a:extLst>
+          </p:cNvPr>
+          <p:cNvSpPr>
+            <a:spLocks noGrp="1"/>
+          </p:cNvSpPr>
+          <p:nvPr>
+            <p:ph sz="half" idx="2"/>
+          </p:nvPr>
+        </p:nvSpPr>
+        <p:spPr>
+          <a:xfrm>
+            <a:off x="6338315" y="2638044"/>
+            <a:ext cx="4270247" cy="3661156"/>
+          </a:xfrm>
+        </p:spPr>
+        <p:txBody>
+          <a:bodyPr>
+            <a:normAutofit fontScale="92500"/>
+          </a:bodyPr>
+          <a:lstStyle/>
+          <a:p>
+            <a:r>
+              <a:rPr lang="en-US" dirty="0"/>
+              <a:t>The ‘user_id’ attribute refers back to the base class</a:t>
+            </a:r>
+          </a:p>
+          <a:p>
+            <a:r>
+              <a:rPr lang="en-US" dirty="0"/>
+              <a:t>‘profile_image_id’ references the id of an image that can be loaded to display the users profile image</a:t>
+            </a:r>
+          </a:p>
+          <a:p>
+            <a:pPr lvl="1"/>
+            <a:r>
+              <a:rPr lang="en-US" dirty="0"/>
+              <a:t>The reasoning for having this attribute in both subclasses is that it is only required for </a:t>
+            </a:r>
+          </a:p>
+          <a:p>
+            <a:r>
+              <a:rPr lang="en-US" dirty="0"/>
+              <a:t>The ‘triphistory_id’ is used to link together</a:t>
+            </a:r>
+          </a:p>
+          <a:p>
+            <a:r>
+              <a:rPr lang="en-US" dirty="0"/>
+              <a:t>The test case is very similar to that of the previous guest class, adjusting where relevant relationships change compared to the previous slide.</a:t>
+            </a:r>
+          </a:p>
+        </p:txBody>
+      </p:sp>
       <p:pic>
         <p:nvPicPr>
           <p:cNvPr id="3" name="Grafik 2">
@@ -8622,6 +10866,78 @@
           <a:xfrm>
             <a:off x="11633200" y="6299200"/>
             <a:ext cx="457200" cy="457200"/>
+          </a:xfrm>
+          <a:prstGeom prst="rect">
+            <a:avLst/>
+          </a:prstGeom>
+        </p:spPr>
+      </p:pic>
+      <p:pic>
+        <p:nvPicPr>
+          <p:cNvPr id="11" name="Grafik 10" descr="Ein Bild, das Text, Screenshot, Schrift, Quittung enthält.&#10;&#10;Automatisch generierte Beschreibung">
+            <a:extLst>
+              <a:ext uri="{FF2B5EF4-FFF2-40B4-BE49-F238E27FC236}">
+                <a16:creationId xmlns:a16="http://schemas.microsoft.com/office/drawing/2014/main" id="{0B4EC0D8-C434-31BB-4C92-6029B8E48E2B}"/>
+              </a:ext>
+            </a:extLst>
+          </p:cNvPr>
+          <p:cNvPicPr>
+            <a:picLocks noChangeAspect="1"/>
+          </p:cNvPicPr>
+          <p:nvPr/>
+        </p:nvPicPr>
+        <p:blipFill>
+          <a:blip r:embed="rId4">
+            <a:extLst>
+              <a:ext uri="{28A0092B-C50C-407E-A947-70E740481C1C}">
+                <a14:useLocalDpi xmlns:a14="http://schemas.microsoft.com/office/drawing/2010/main" val="0"/>
+              </a:ext>
+            </a:extLst>
+          </a:blip>
+          <a:stretch>
+            <a:fillRect/>
+          </a:stretch>
+        </p:blipFill>
+        <p:spPr>
+          <a:xfrm>
+            <a:off x="4120136" y="2993790"/>
+            <a:ext cx="1733550" cy="1724025"/>
+          </a:xfrm>
+          <a:prstGeom prst="rect">
+            <a:avLst/>
+          </a:prstGeom>
+        </p:spPr>
+      </p:pic>
+      <p:pic>
+        <p:nvPicPr>
+          <p:cNvPr id="19" name="Grafik 18" descr="Ein Bild, das Screenshot, Text, Schrift enthält.&#10;&#10;Automatisch generierte Beschreibung">
+            <a:extLst>
+              <a:ext uri="{FF2B5EF4-FFF2-40B4-BE49-F238E27FC236}">
+                <a16:creationId xmlns:a16="http://schemas.microsoft.com/office/drawing/2014/main" id="{BB1E3549-BDF0-C76D-2A67-5C514C95223B}"/>
+              </a:ext>
+            </a:extLst>
+          </p:cNvPr>
+          <p:cNvPicPr>
+            <a:picLocks noChangeAspect="1"/>
+          </p:cNvPicPr>
+          <p:nvPr/>
+        </p:nvPicPr>
+        <p:blipFill>
+          <a:blip r:embed="rId5">
+            <a:extLst>
+              <a:ext uri="{28A0092B-C50C-407E-A947-70E740481C1C}">
+                <a14:useLocalDpi xmlns:a14="http://schemas.microsoft.com/office/drawing/2010/main" val="0"/>
+              </a:ext>
+            </a:extLst>
+          </a:blip>
+          <a:stretch>
+            <a:fillRect/>
+          </a:stretch>
+        </p:blipFill>
+        <p:spPr>
+          <a:xfrm>
+            <a:off x="845115" y="5534750"/>
+            <a:ext cx="5573234" cy="1285658"/>
           </a:xfrm>
           <a:prstGeom prst="rect">
             <a:avLst/>

--- a/phase_2/phase_2_db_presentation.pptx
+++ b/phase_2/phase_2_db_presentation.pptx
@@ -304,7 +304,7 @@
           <a:p>
             <a:fld id="{E830B2F3-B660-420C-A775-B5839CDE7B55}" type="datetimeFigureOut">
               <a:rPr lang="en-US" smtClean="0"/>
-              <a:t>1/16/2024</a:t>
+              <a:t>1/18/2024</a:t>
             </a:fld>
             <a:endParaRPr lang="en-US"/>
           </a:p>
@@ -474,7 +474,7 @@
           <a:p>
             <a:fld id="{E830B2F3-B660-420C-A775-B5839CDE7B55}" type="datetimeFigureOut">
               <a:rPr lang="en-US" smtClean="0"/>
-              <a:t>1/16/2024</a:t>
+              <a:t>1/18/2024</a:t>
             </a:fld>
             <a:endParaRPr lang="en-US"/>
           </a:p>
@@ -654,7 +654,7 @@
           <a:p>
             <a:fld id="{E830B2F3-B660-420C-A775-B5839CDE7B55}" type="datetimeFigureOut">
               <a:rPr lang="en-US" smtClean="0"/>
-              <a:t>1/16/2024</a:t>
+              <a:t>1/18/2024</a:t>
             </a:fld>
             <a:endParaRPr lang="en-US"/>
           </a:p>
@@ -824,7 +824,7 @@
           <a:p>
             <a:fld id="{E830B2F3-B660-420C-A775-B5839CDE7B55}" type="datetimeFigureOut">
               <a:rPr lang="en-US" smtClean="0"/>
-              <a:t>1/16/2024</a:t>
+              <a:t>1/18/2024</a:t>
             </a:fld>
             <a:endParaRPr lang="en-US"/>
           </a:p>
@@ -1092,7 +1092,7 @@
           <a:p>
             <a:fld id="{E830B2F3-B660-420C-A775-B5839CDE7B55}" type="datetimeFigureOut">
               <a:rPr lang="en-US" smtClean="0"/>
-              <a:t>1/16/2024</a:t>
+              <a:t>1/18/2024</a:t>
             </a:fld>
             <a:endParaRPr lang="en-US"/>
           </a:p>
@@ -1324,7 +1324,7 @@
           <a:p>
             <a:fld id="{E830B2F3-B660-420C-A775-B5839CDE7B55}" type="datetimeFigureOut">
               <a:rPr lang="en-US" smtClean="0"/>
-              <a:t>1/16/2024</a:t>
+              <a:t>1/18/2024</a:t>
             </a:fld>
             <a:endParaRPr lang="en-US"/>
           </a:p>
@@ -1683,7 +1683,7 @@
           <a:p>
             <a:fld id="{E830B2F3-B660-420C-A775-B5839CDE7B55}" type="datetimeFigureOut">
               <a:rPr lang="en-US" smtClean="0"/>
-              <a:t>1/16/2024</a:t>
+              <a:t>1/18/2024</a:t>
             </a:fld>
             <a:endParaRPr lang="en-US"/>
           </a:p>
@@ -1824,7 +1824,7 @@
           <a:p>
             <a:fld id="{E830B2F3-B660-420C-A775-B5839CDE7B55}" type="datetimeFigureOut">
               <a:rPr lang="en-US" smtClean="0"/>
-              <a:t>1/16/2024</a:t>
+              <a:t>1/18/2024</a:t>
             </a:fld>
             <a:endParaRPr lang="en-US"/>
           </a:p>
@@ -1919,7 +1919,7 @@
           <a:p>
             <a:fld id="{E830B2F3-B660-420C-A775-B5839CDE7B55}" type="datetimeFigureOut">
               <a:rPr lang="en-US" smtClean="0"/>
-              <a:t>1/16/2024</a:t>
+              <a:t>1/18/2024</a:t>
             </a:fld>
             <a:endParaRPr lang="en-US"/>
           </a:p>
@@ -2276,7 +2276,7 @@
           <a:p>
             <a:fld id="{E830B2F3-B660-420C-A775-B5839CDE7B55}" type="datetimeFigureOut">
               <a:rPr lang="en-US" smtClean="0"/>
-              <a:t>1/16/2024</a:t>
+              <a:t>1/18/2024</a:t>
             </a:fld>
             <a:endParaRPr lang="en-US"/>
           </a:p>
@@ -2633,7 +2633,7 @@
           <a:p>
             <a:fld id="{E830B2F3-B660-420C-A775-B5839CDE7B55}" type="datetimeFigureOut">
               <a:rPr lang="en-US" smtClean="0"/>
-              <a:t>1/16/2024</a:t>
+              <a:t>1/18/2024</a:t>
             </a:fld>
             <a:endParaRPr lang="en-US"/>
           </a:p>
@@ -2875,7 +2875,7 @@
           <a:p>
             <a:fld id="{E830B2F3-B660-420C-A775-B5839CDE7B55}" type="datetimeFigureOut">
               <a:rPr lang="en-US" smtClean="0"/>
-              <a:t>1/16/2024</a:t>
+              <a:t>1/18/2024</a:t>
             </a:fld>
             <a:endParaRPr lang="en-US"/>
           </a:p>
@@ -5160,65 +5160,12 @@
           </a:p>
         </p:txBody>
       </p:sp>
-      <p:sp>
-        <p:nvSpPr>
-          <p:cNvPr id="4" name="Inhaltsplatzhalter 3">
-            <a:extLst>
-              <a:ext uri="{FF2B5EF4-FFF2-40B4-BE49-F238E27FC236}">
-                <a16:creationId xmlns:a16="http://schemas.microsoft.com/office/drawing/2014/main" id="{54688B71-4AB8-4EC6-2A31-993E4DD6400C}"/>
-              </a:ext>
-            </a:extLst>
-          </p:cNvPr>
-          <p:cNvSpPr>
-            <a:spLocks noGrp="1"/>
-          </p:cNvSpPr>
-          <p:nvPr>
-            <p:ph sz="half" idx="2"/>
-          </p:nvPr>
-        </p:nvSpPr>
-        <p:spPr>
-          <a:xfrm>
-            <a:off x="6338317" y="2511552"/>
-            <a:ext cx="4270247" cy="3318256"/>
-          </a:xfrm>
-        </p:spPr>
-        <p:txBody>
-          <a:bodyPr>
-            <a:normAutofit fontScale="92500" lnSpcReduction="20000"/>
-          </a:bodyPr>
-          <a:lstStyle/>
-          <a:p>
-            <a:r>
-              <a:rPr lang="en-US" dirty="0"/>
-              <a:t>The message is linked to the chat via the chat id, represented here as ‘owning_chat_id’.</a:t>
-            </a:r>
-          </a:p>
-          <a:p>
-            <a:r>
-              <a:rPr lang="en-US" dirty="0"/>
-              <a:t>As Airbnb enables users to share images in chats, a message may contain an image instead of text. This necessitates the optional ‘image_id’ attribute. </a:t>
-            </a:r>
-          </a:p>
-          <a:p>
-            <a:r>
-              <a:rPr lang="en-US" dirty="0"/>
-              <a:t>The created timestamp is essentially the ‘sent’ timestamp of the message.</a:t>
-            </a:r>
-          </a:p>
-          <a:p>
-            <a:r>
-              <a:rPr lang="en-US" dirty="0"/>
-              <a:t>The second test case in the screenshot test the relationship of ‘Chat’ and ‘Message’ tables by returning all data entries of messages for a given</a:t>
-            </a:r>
-          </a:p>
-        </p:txBody>
-      </p:sp>
       <p:pic>
         <p:nvPicPr>
-          <p:cNvPr id="7" name="Grafik 6">
-            <a:extLst>
-              <a:ext uri="{FF2B5EF4-FFF2-40B4-BE49-F238E27FC236}">
-                <a16:creationId xmlns:a16="http://schemas.microsoft.com/office/drawing/2014/main" id="{BD0EF9BF-A617-4A30-7FA7-F4764D9DE14A}"/>
+          <p:cNvPr id="5" name="Grafik 4" descr="Ein Bild, das Text, Screenshot, Schrift, Quittung enthält.&#10;&#10;Automatisch generierte Beschreibung">
+            <a:extLst>
+              <a:ext uri="{FF2B5EF4-FFF2-40B4-BE49-F238E27FC236}">
+                <a16:creationId xmlns:a16="http://schemas.microsoft.com/office/drawing/2014/main" id="{0415C353-7B75-98FE-C064-027769D479E1}"/>
               </a:ext>
             </a:extLst>
           </p:cNvPr>
@@ -5241,29 +5188,80 @@
         </p:blipFill>
         <p:spPr>
           <a:xfrm>
-            <a:off x="11633200" y="6299200"/>
-            <a:ext cx="457200" cy="457200"/>
+            <a:off x="4371975" y="3373436"/>
+            <a:ext cx="1724025" cy="2009775"/>
           </a:xfrm>
           <a:prstGeom prst="rect">
             <a:avLst/>
           </a:prstGeom>
         </p:spPr>
       </p:pic>
+      <p:sp>
+        <p:nvSpPr>
+          <p:cNvPr id="4" name="Inhaltsplatzhalter 3">
+            <a:extLst>
+              <a:ext uri="{FF2B5EF4-FFF2-40B4-BE49-F238E27FC236}">
+                <a16:creationId xmlns:a16="http://schemas.microsoft.com/office/drawing/2014/main" id="{54688B71-4AB8-4EC6-2A31-993E4DD6400C}"/>
+              </a:ext>
+            </a:extLst>
+          </p:cNvPr>
+          <p:cNvSpPr>
+            <a:spLocks noGrp="1"/>
+          </p:cNvSpPr>
+          <p:nvPr>
+            <p:ph sz="half" idx="2"/>
+          </p:nvPr>
+        </p:nvSpPr>
+        <p:spPr>
+          <a:xfrm>
+            <a:off x="6338317" y="2511552"/>
+            <a:ext cx="4270247" cy="3641598"/>
+          </a:xfrm>
+        </p:spPr>
+        <p:txBody>
+          <a:bodyPr>
+            <a:normAutofit fontScale="92500" lnSpcReduction="20000"/>
+          </a:bodyPr>
+          <a:lstStyle/>
+          <a:p>
+            <a:r>
+              <a:rPr lang="en-US" dirty="0"/>
+              <a:t>The message is linked to the chat via the chat id, represented here as ‘owning_chat_id’. The ‘author_user_id’ attribute holds the author; Both id’s can be used to reconstruct a chat.</a:t>
+            </a:r>
+          </a:p>
+          <a:p>
+            <a:r>
+              <a:rPr lang="en-US" dirty="0"/>
+              <a:t>As Airbnb enables users to share images in chats, a message may contain an image instead of text. This necessitates the optional ‘image_id’ attribute. </a:t>
+            </a:r>
+          </a:p>
+          <a:p>
+            <a:r>
+              <a:rPr lang="en-US" dirty="0"/>
+              <a:t>The created timestamp is essentially the ‘sent’ timestamp of the message.</a:t>
+            </a:r>
+          </a:p>
+          <a:p>
+            <a:r>
+              <a:rPr lang="en-US" dirty="0"/>
+              <a:t>The second test case in the screenshot test the relationship of ‘Chat’ and ‘Message’ tables by returning all data entries of messages for a given</a:t>
+            </a:r>
+          </a:p>
+        </p:txBody>
+      </p:sp>
       <p:pic>
         <p:nvPicPr>
-          <p:cNvPr id="15" name="Inhaltsplatzhalter 14" descr="Ein Bild, das Text, Screenshot, Quittung, Schrift enthält.&#10;&#10;Automatisch generierte Beschreibung">
-            <a:extLst>
-              <a:ext uri="{FF2B5EF4-FFF2-40B4-BE49-F238E27FC236}">
-                <a16:creationId xmlns:a16="http://schemas.microsoft.com/office/drawing/2014/main" id="{DCFA7393-EE2D-65D0-E31A-1D74D209148A}"/>
+          <p:cNvPr id="7" name="Grafik 6">
+            <a:extLst>
+              <a:ext uri="{FF2B5EF4-FFF2-40B4-BE49-F238E27FC236}">
+                <a16:creationId xmlns:a16="http://schemas.microsoft.com/office/drawing/2014/main" id="{BD0EF9BF-A617-4A30-7FA7-F4764D9DE14A}"/>
               </a:ext>
             </a:extLst>
           </p:cNvPr>
           <p:cNvPicPr>
-            <a:picLocks noGrp="1" noChangeAspect="1"/>
+            <a:picLocks noChangeAspect="1"/>
           </p:cNvPicPr>
-          <p:nvPr>
-            <p:ph sz="half" idx="1"/>
-          </p:nvPr>
+          <p:nvPr/>
         </p:nvPicPr>
         <p:blipFill>
           <a:blip r:embed="rId4">
@@ -5279,9 +5277,12 @@
         </p:blipFill>
         <p:spPr>
           <a:xfrm>
-            <a:off x="4362450" y="3373437"/>
-            <a:ext cx="1733550" cy="2009775"/>
-          </a:xfrm>
+            <a:off x="11633200" y="6299200"/>
+            <a:ext cx="457200" cy="457200"/>
+          </a:xfrm>
+          <a:prstGeom prst="rect">
+            <a:avLst/>
+          </a:prstGeom>
         </p:spPr>
       </p:pic>
       <p:pic>
@@ -6587,93 +6588,12 @@
           <a:chExt cx="0" cy="0"/>
         </a:xfrm>
       </p:grpSpPr>
-      <p:sp>
-        <p:nvSpPr>
-          <p:cNvPr id="2" name="Titel 1">
-            <a:extLst>
-              <a:ext uri="{FF2B5EF4-FFF2-40B4-BE49-F238E27FC236}">
-                <a16:creationId xmlns:a16="http://schemas.microsoft.com/office/drawing/2014/main" id="{F6540344-E980-EFC2-A1AC-AE48AEF0F80C}"/>
-              </a:ext>
-            </a:extLst>
-          </p:cNvPr>
-          <p:cNvSpPr>
-            <a:spLocks noGrp="1"/>
-          </p:cNvSpPr>
-          <p:nvPr>
-            <p:ph type="title"/>
-          </p:nvPr>
-        </p:nvSpPr>
-        <p:spPr/>
-        <p:txBody>
-          <a:bodyPr/>
-          <a:lstStyle/>
-          <a:p>
-            <a:r>
-              <a:rPr lang="en-US" dirty="0"/>
-              <a:t>Table - PropertyReview</a:t>
-            </a:r>
-          </a:p>
-        </p:txBody>
-      </p:sp>
-      <p:sp>
-        <p:nvSpPr>
-          <p:cNvPr id="4" name="Inhaltsplatzhalter 3">
-            <a:extLst>
-              <a:ext uri="{FF2B5EF4-FFF2-40B4-BE49-F238E27FC236}">
-                <a16:creationId xmlns:a16="http://schemas.microsoft.com/office/drawing/2014/main" id="{F7288F43-7D20-C531-80D6-EDFA2237D8C1}"/>
-              </a:ext>
-            </a:extLst>
-          </p:cNvPr>
-          <p:cNvSpPr>
-            <a:spLocks noGrp="1"/>
-          </p:cNvSpPr>
-          <p:nvPr>
-            <p:ph sz="half" idx="2"/>
-          </p:nvPr>
-        </p:nvSpPr>
-        <p:spPr>
-          <a:xfrm>
-            <a:off x="6338315" y="2638043"/>
-            <a:ext cx="4270247" cy="3391165"/>
-          </a:xfrm>
-        </p:spPr>
-        <p:txBody>
-          <a:bodyPr>
-            <a:normAutofit fontScale="92500" lnSpcReduction="10000"/>
-          </a:bodyPr>
-          <a:lstStyle/>
-          <a:p>
-            <a:r>
-              <a:rPr lang="en-US" dirty="0"/>
-              <a:t>Similar to a User Review this table holds the reviews given by guests to properties.</a:t>
-            </a:r>
-          </a:p>
-          <a:p>
-            <a:r>
-              <a:rPr lang="en-US" dirty="0"/>
-              <a:t>It holds multiple ratings for overall, location, cleanliness, communication, check in and accuracy which are displayed on the listing page. These are represented as integers with values from 0 to 5. (Star rating)</a:t>
-            </a:r>
-          </a:p>
-          <a:p>
-            <a:r>
-              <a:rPr lang="en-US" dirty="0"/>
-              <a:t>Users can also add comments and images to the review.</a:t>
-            </a:r>
-          </a:p>
-          <a:p>
-            <a:r>
-              <a:rPr lang="en-US" dirty="0"/>
-              <a:t>The test case simple checks the relationship between propertylistings and reviews, as well as the review content.</a:t>
-            </a:r>
-          </a:p>
-        </p:txBody>
-      </p:sp>
       <p:pic>
         <p:nvPicPr>
-          <p:cNvPr id="7" name="Grafik 6">
-            <a:extLst>
-              <a:ext uri="{FF2B5EF4-FFF2-40B4-BE49-F238E27FC236}">
-                <a16:creationId xmlns:a16="http://schemas.microsoft.com/office/drawing/2014/main" id="{1FB17EF3-60A3-7C88-7042-89F68F3A4DE9}"/>
+          <p:cNvPr id="10" name="Grafik 9">
+            <a:extLst>
+              <a:ext uri="{FF2B5EF4-FFF2-40B4-BE49-F238E27FC236}">
+                <a16:creationId xmlns:a16="http://schemas.microsoft.com/office/drawing/2014/main" id="{223732F2-95FB-2C20-FE91-111844205F5D}"/>
               </a:ext>
             </a:extLst>
           </p:cNvPr>
@@ -6696,29 +6616,108 @@
         </p:blipFill>
         <p:spPr>
           <a:xfrm>
-            <a:off x="11633200" y="6299200"/>
-            <a:ext cx="457200" cy="457200"/>
+            <a:off x="101600" y="6020594"/>
+            <a:ext cx="10775950" cy="493245"/>
           </a:xfrm>
           <a:prstGeom prst="rect">
             <a:avLst/>
           </a:prstGeom>
         </p:spPr>
       </p:pic>
+      <p:sp>
+        <p:nvSpPr>
+          <p:cNvPr id="2" name="Titel 1">
+            <a:extLst>
+              <a:ext uri="{FF2B5EF4-FFF2-40B4-BE49-F238E27FC236}">
+                <a16:creationId xmlns:a16="http://schemas.microsoft.com/office/drawing/2014/main" id="{F6540344-E980-EFC2-A1AC-AE48AEF0F80C}"/>
+              </a:ext>
+            </a:extLst>
+          </p:cNvPr>
+          <p:cNvSpPr>
+            <a:spLocks noGrp="1"/>
+          </p:cNvSpPr>
+          <p:nvPr>
+            <p:ph type="title"/>
+          </p:nvPr>
+        </p:nvSpPr>
+        <p:spPr/>
+        <p:txBody>
+          <a:bodyPr/>
+          <a:lstStyle/>
+          <a:p>
+            <a:r>
+              <a:rPr lang="en-US" dirty="0"/>
+              <a:t>Table - PropertyReview</a:t>
+            </a:r>
+          </a:p>
+        </p:txBody>
+      </p:sp>
+      <p:sp>
+        <p:nvSpPr>
+          <p:cNvPr id="4" name="Inhaltsplatzhalter 3">
+            <a:extLst>
+              <a:ext uri="{FF2B5EF4-FFF2-40B4-BE49-F238E27FC236}">
+                <a16:creationId xmlns:a16="http://schemas.microsoft.com/office/drawing/2014/main" id="{F7288F43-7D20-C531-80D6-EDFA2237D8C1}"/>
+              </a:ext>
+            </a:extLst>
+          </p:cNvPr>
+          <p:cNvSpPr>
+            <a:spLocks noGrp="1"/>
+          </p:cNvSpPr>
+          <p:nvPr>
+            <p:ph sz="half" idx="2"/>
+          </p:nvPr>
+        </p:nvSpPr>
+        <p:spPr>
+          <a:xfrm>
+            <a:off x="6338315" y="2638043"/>
+            <a:ext cx="4270247" cy="3391165"/>
+          </a:xfrm>
+        </p:spPr>
+        <p:txBody>
+          <a:bodyPr>
+            <a:normAutofit lnSpcReduction="10000"/>
+          </a:bodyPr>
+          <a:lstStyle/>
+          <a:p>
+            <a:r>
+              <a:rPr lang="en-US" dirty="0"/>
+              <a:t>Similar to a User Review this table holds the reviews given by guests to properties.</a:t>
+            </a:r>
+          </a:p>
+          <a:p>
+            <a:r>
+              <a:rPr lang="en-US" dirty="0"/>
+              <a:t>It holds multiple ratings/scores which are displayed on the listing page. These are represented as integers with values from 0 to 5. (Star rating)</a:t>
+            </a:r>
+          </a:p>
+          <a:p>
+            <a:r>
+              <a:rPr lang="en-US" dirty="0"/>
+              <a:t>Users can also add comments to the review.</a:t>
+            </a:r>
+          </a:p>
+          <a:p>
+            <a:r>
+              <a:rPr lang="en-US" dirty="0"/>
+              <a:t>The test case simple checks the relationship between propertylistings and reviews, as well as the review content.</a:t>
+            </a:r>
+          </a:p>
+        </p:txBody>
+      </p:sp>
       <p:pic>
         <p:nvPicPr>
-          <p:cNvPr id="11" name="Inhaltsplatzhalter 10" descr="Ein Bild, das Text, Screenshot, Software enthält.&#10;&#10;Automatisch generierte Beschreibung">
-            <a:extLst>
-              <a:ext uri="{FF2B5EF4-FFF2-40B4-BE49-F238E27FC236}">
-                <a16:creationId xmlns:a16="http://schemas.microsoft.com/office/drawing/2014/main" id="{5ECA4C77-A0BE-B411-80B6-AB048F94F0D3}"/>
+          <p:cNvPr id="7" name="Grafik 6">
+            <a:extLst>
+              <a:ext uri="{FF2B5EF4-FFF2-40B4-BE49-F238E27FC236}">
+                <a16:creationId xmlns:a16="http://schemas.microsoft.com/office/drawing/2014/main" id="{1FB17EF3-60A3-7C88-7042-89F68F3A4DE9}"/>
               </a:ext>
             </a:extLst>
           </p:cNvPr>
           <p:cNvPicPr>
-            <a:picLocks noGrp="1" noChangeAspect="1"/>
+            <a:picLocks noChangeAspect="1"/>
           </p:cNvPicPr>
-          <p:nvPr>
-            <p:ph sz="half" idx="1"/>
-          </p:nvPr>
+          <p:nvPr/>
         </p:nvPicPr>
         <p:blipFill>
           <a:blip r:embed="rId3">
@@ -6734,17 +6733,20 @@
         </p:blipFill>
         <p:spPr>
           <a:xfrm>
-            <a:off x="120650" y="2638044"/>
-            <a:ext cx="4932364" cy="1573909"/>
-          </a:xfrm>
+            <a:off x="11633200" y="6299200"/>
+            <a:ext cx="457200" cy="457200"/>
+          </a:xfrm>
+          <a:prstGeom prst="rect">
+            <a:avLst/>
+          </a:prstGeom>
         </p:spPr>
       </p:pic>
       <p:pic>
         <p:nvPicPr>
-          <p:cNvPr id="13" name="Grafik 12" descr="Ein Bild, das Text, Screenshot, Schrift, Zahl enthält.&#10;&#10;Automatisch generierte Beschreibung">
-            <a:extLst>
-              <a:ext uri="{FF2B5EF4-FFF2-40B4-BE49-F238E27FC236}">
-                <a16:creationId xmlns:a16="http://schemas.microsoft.com/office/drawing/2014/main" id="{5AD69A3A-5416-AAB6-C406-98192A02DD0C}"/>
+          <p:cNvPr id="14" name="Grafik 13" descr="Ein Bild, das Text, Screenshot, Software enthält.&#10;&#10;Automatisch generierte Beschreibung">
+            <a:extLst>
+              <a:ext uri="{FF2B5EF4-FFF2-40B4-BE49-F238E27FC236}">
+                <a16:creationId xmlns:a16="http://schemas.microsoft.com/office/drawing/2014/main" id="{A7E42243-389A-7485-965E-D4527A218277}"/>
               </a:ext>
             </a:extLst>
           </p:cNvPr>
@@ -6767,8 +6769,8 @@
         </p:blipFill>
         <p:spPr>
           <a:xfrm>
-            <a:off x="4984176" y="2791554"/>
-            <a:ext cx="1233489" cy="2656746"/>
+            <a:off x="120650" y="2659606"/>
+            <a:ext cx="4932364" cy="1552347"/>
           </a:xfrm>
           <a:prstGeom prst="rect">
             <a:avLst/>
@@ -6777,10 +6779,10 @@
       </p:pic>
       <p:pic>
         <p:nvPicPr>
-          <p:cNvPr id="17" name="Grafik 16">
-            <a:extLst>
-              <a:ext uri="{FF2B5EF4-FFF2-40B4-BE49-F238E27FC236}">
-                <a16:creationId xmlns:a16="http://schemas.microsoft.com/office/drawing/2014/main" id="{AC1B6790-9E80-3AE3-79EE-22B71AAB3113}"/>
+          <p:cNvPr id="5" name="Grafik 4" descr="Ein Bild, das Text, Screenshot, Schrift, Zahl enthält.&#10;&#10;Automatisch generierte Beschreibung">
+            <a:extLst>
+              <a:ext uri="{FF2B5EF4-FFF2-40B4-BE49-F238E27FC236}">
+                <a16:creationId xmlns:a16="http://schemas.microsoft.com/office/drawing/2014/main" id="{AD6BE72A-EB38-A5EC-1AFA-6376C1BCC866}"/>
               </a:ext>
             </a:extLst>
           </p:cNvPr>
@@ -6803,8 +6805,8 @@
         </p:blipFill>
         <p:spPr>
           <a:xfrm>
-            <a:off x="101600" y="6029209"/>
-            <a:ext cx="10775950" cy="493245"/>
+            <a:off x="5006262" y="2762937"/>
+            <a:ext cx="1332053" cy="2656746"/>
           </a:xfrm>
           <a:prstGeom prst="rect">
             <a:avLst/>
@@ -8291,19 +8293,17 @@
       </p:pic>
       <p:pic>
         <p:nvPicPr>
-          <p:cNvPr id="11" name="Inhaltsplatzhalter 10" descr="Ein Bild, das Text, Screenshot, Schrift, Quittung enthält.&#10;&#10;Automatisch generierte Beschreibung">
-            <a:extLst>
-              <a:ext uri="{FF2B5EF4-FFF2-40B4-BE49-F238E27FC236}">
-                <a16:creationId xmlns:a16="http://schemas.microsoft.com/office/drawing/2014/main" id="{FE029004-F558-0A50-CD7F-93D155A12DED}"/>
+          <p:cNvPr id="5" name="Grafik 4" descr="Ein Bild, das Text, Screenshot, Schrift, Quittung enthält.&#10;&#10;Automatisch generierte Beschreibung">
+            <a:extLst>
+              <a:ext uri="{FF2B5EF4-FFF2-40B4-BE49-F238E27FC236}">
+                <a16:creationId xmlns:a16="http://schemas.microsoft.com/office/drawing/2014/main" id="{B0E803B0-12C6-070A-E4BD-8B12F302BA16}"/>
               </a:ext>
             </a:extLst>
           </p:cNvPr>
           <p:cNvPicPr>
-            <a:picLocks noGrp="1" noChangeAspect="1"/>
+            <a:picLocks noChangeAspect="1"/>
           </p:cNvPicPr>
-          <p:nvPr>
-            <p:ph sz="half" idx="1"/>
-          </p:nvPr>
+          <p:nvPr/>
         </p:nvPicPr>
         <p:blipFill>
           <a:blip r:embed="rId3">
@@ -8319,9 +8319,12 @@
         </p:blipFill>
         <p:spPr>
           <a:xfrm>
-            <a:off x="2850356" y="3327400"/>
-            <a:ext cx="1733550" cy="1724025"/>
-          </a:xfrm>
+            <a:off x="2850356" y="3041650"/>
+            <a:ext cx="1724025" cy="2009775"/>
+          </a:xfrm>
+          <a:prstGeom prst="rect">
+            <a:avLst/>
+          </a:prstGeom>
         </p:spPr>
       </p:pic>
       <p:sp>
@@ -8988,60 +8991,12 @@
           </a:p>
         </p:txBody>
       </p:sp>
-      <p:sp>
-        <p:nvSpPr>
-          <p:cNvPr id="4" name="Inhaltsplatzhalter 3">
-            <a:extLst>
-              <a:ext uri="{FF2B5EF4-FFF2-40B4-BE49-F238E27FC236}">
-                <a16:creationId xmlns:a16="http://schemas.microsoft.com/office/drawing/2014/main" id="{C82C23C2-1D1E-590E-FB0B-0AC15D4C26F7}"/>
-              </a:ext>
-            </a:extLst>
-          </p:cNvPr>
-          <p:cNvSpPr>
-            <a:spLocks noGrp="1"/>
-          </p:cNvSpPr>
-          <p:nvPr>
-            <p:ph sz="half" idx="2"/>
-          </p:nvPr>
-        </p:nvSpPr>
-        <p:spPr/>
-        <p:txBody>
-          <a:bodyPr>
-            <a:normAutofit fontScale="92500" lnSpcReduction="20000"/>
-          </a:bodyPr>
-          <a:lstStyle/>
-          <a:p>
-            <a:r>
-              <a:rPr lang="en-US" dirty="0"/>
-              <a:t>The ‘GiftCard’ table contains information relevant to gift cards.</a:t>
-            </a:r>
-          </a:p>
-          <a:p>
-            <a:r>
-              <a:rPr lang="en-US" dirty="0"/>
-              <a:t>The ‘amound_usd’ attribute saves the value of gift card in us dollars.</a:t>
-            </a:r>
-          </a:p>
-          <a:p>
-            <a:r>
-              <a:rPr lang="en-US" dirty="0"/>
-              <a:t>The ‘currency_id’ attribute can then be used to convert it, if necessary</a:t>
-            </a:r>
-          </a:p>
-          <a:p>
-            <a:r>
-              <a:rPr lang="en-US" dirty="0"/>
-              <a:t>The GiftCard table is a very simple, which is not as important as other tables to the functionality of the system and therefore does not warrant a complicated test case, content is checked again at the end of the test.sql file.</a:t>
-            </a:r>
-          </a:p>
-        </p:txBody>
-      </p:sp>
       <p:pic>
         <p:nvPicPr>
-          <p:cNvPr id="7" name="Grafik 6">
-            <a:extLst>
-              <a:ext uri="{FF2B5EF4-FFF2-40B4-BE49-F238E27FC236}">
-                <a16:creationId xmlns:a16="http://schemas.microsoft.com/office/drawing/2014/main" id="{29A0A2F2-6C8D-A19C-71B0-96C79D8F3BF7}"/>
+          <p:cNvPr id="5" name="Grafik 4" descr="Ein Bild, das Text, Screenshot, Schrift, Quittung enthält.&#10;&#10;Automatisch generierte Beschreibung">
+            <a:extLst>
+              <a:ext uri="{FF2B5EF4-FFF2-40B4-BE49-F238E27FC236}">
+                <a16:creationId xmlns:a16="http://schemas.microsoft.com/office/drawing/2014/main" id="{BAB94E85-4C18-D2E8-1A6C-7D434C97D8D2}"/>
               </a:ext>
             </a:extLst>
           </p:cNvPr>
@@ -9064,29 +9019,75 @@
         </p:blipFill>
         <p:spPr>
           <a:xfrm>
-            <a:off x="11633200" y="6299200"/>
-            <a:ext cx="457200" cy="457200"/>
+            <a:off x="2850356" y="3327022"/>
+            <a:ext cx="1724025" cy="1724025"/>
           </a:xfrm>
           <a:prstGeom prst="rect">
             <a:avLst/>
           </a:prstGeom>
         </p:spPr>
       </p:pic>
+      <p:sp>
+        <p:nvSpPr>
+          <p:cNvPr id="4" name="Inhaltsplatzhalter 3">
+            <a:extLst>
+              <a:ext uri="{FF2B5EF4-FFF2-40B4-BE49-F238E27FC236}">
+                <a16:creationId xmlns:a16="http://schemas.microsoft.com/office/drawing/2014/main" id="{C82C23C2-1D1E-590E-FB0B-0AC15D4C26F7}"/>
+              </a:ext>
+            </a:extLst>
+          </p:cNvPr>
+          <p:cNvSpPr>
+            <a:spLocks noGrp="1"/>
+          </p:cNvSpPr>
+          <p:nvPr>
+            <p:ph sz="half" idx="2"/>
+          </p:nvPr>
+        </p:nvSpPr>
+        <p:spPr/>
+        <p:txBody>
+          <a:bodyPr>
+            <a:normAutofit fontScale="92500" lnSpcReduction="20000"/>
+          </a:bodyPr>
+          <a:lstStyle/>
+          <a:p>
+            <a:r>
+              <a:rPr lang="en-US" dirty="0"/>
+              <a:t>The ‘GiftCard’ table contains information relevant to gift cards.</a:t>
+            </a:r>
+          </a:p>
+          <a:p>
+            <a:r>
+              <a:rPr lang="en-US" dirty="0"/>
+              <a:t>The ‘amount’ attribute saves the value of gift card in us dollars.</a:t>
+            </a:r>
+          </a:p>
+          <a:p>
+            <a:r>
+              <a:rPr lang="en-US" dirty="0"/>
+              <a:t>The ‘currency_id’ attribute can then be used to convert it, if necessary</a:t>
+            </a:r>
+          </a:p>
+          <a:p>
+            <a:r>
+              <a:rPr lang="en-US" dirty="0"/>
+              <a:t>The GiftCard table is a very simple, which is not as important as other tables to the functionality of the system and therefore does not warrant a complicated test case, content is checked again at the end of the test.sql file.</a:t>
+            </a:r>
+          </a:p>
+        </p:txBody>
+      </p:sp>
       <p:pic>
         <p:nvPicPr>
-          <p:cNvPr id="9" name="Inhaltsplatzhalter 8" descr="Ein Bild, das Text, Screenshot, Schrift, Quittung enthält.&#10;&#10;Automatisch generierte Beschreibung">
-            <a:extLst>
-              <a:ext uri="{FF2B5EF4-FFF2-40B4-BE49-F238E27FC236}">
-                <a16:creationId xmlns:a16="http://schemas.microsoft.com/office/drawing/2014/main" id="{4D619FDB-5D26-CCBF-C17D-8A07278B14B1}"/>
+          <p:cNvPr id="7" name="Grafik 6">
+            <a:extLst>
+              <a:ext uri="{FF2B5EF4-FFF2-40B4-BE49-F238E27FC236}">
+                <a16:creationId xmlns:a16="http://schemas.microsoft.com/office/drawing/2014/main" id="{29A0A2F2-6C8D-A19C-71B0-96C79D8F3BF7}"/>
               </a:ext>
             </a:extLst>
           </p:cNvPr>
           <p:cNvPicPr>
-            <a:picLocks noGrp="1" noChangeAspect="1"/>
+            <a:picLocks noChangeAspect="1"/>
           </p:cNvPicPr>
-          <p:nvPr>
-            <p:ph sz="half" idx="1"/>
-          </p:nvPr>
+          <p:nvPr/>
         </p:nvPicPr>
         <p:blipFill>
           <a:blip r:embed="rId3">
@@ -9102,9 +9103,12 @@
         </p:blipFill>
         <p:spPr>
           <a:xfrm>
-            <a:off x="2850356" y="3327400"/>
-            <a:ext cx="1733550" cy="1724025"/>
-          </a:xfrm>
+            <a:off x="11633200" y="6299200"/>
+            <a:ext cx="457200" cy="457200"/>
+          </a:xfrm>
+          <a:prstGeom prst="rect">
+            <a:avLst/>
+          </a:prstGeom>
         </p:spPr>
       </p:pic>
       <p:sp>
@@ -9840,10 +9844,15 @@
             <p:ph idx="1"/>
           </p:nvPr>
         </p:nvSpPr>
-        <p:spPr/>
+        <p:spPr>
+          <a:xfrm>
+            <a:off x="2231136" y="2638044"/>
+            <a:ext cx="7729728" cy="3661156"/>
+          </a:xfrm>
+        </p:spPr>
         <p:txBody>
           <a:bodyPr>
-            <a:normAutofit fontScale="92500" lnSpcReduction="20000"/>
+            <a:normAutofit fontScale="85000" lnSpcReduction="20000"/>
           </a:bodyPr>
           <a:lstStyle/>
           <a:p>
@@ -9875,7 +9884,7 @@
             <a:pPr lvl="1"/>
             <a:r>
               <a:rPr lang="en-US" dirty="0"/>
-              <a:t>Messages now have an ‘owning_user_id’ attribute</a:t>
+              <a:t>Messages now have an ‘author_user_id’ attribute</a:t>
             </a:r>
           </a:p>
           <a:p>
@@ -9891,6 +9900,32 @@
               <a:rPr lang="en-US" dirty="0"/>
               <a:t>PropertyListing now has the ‘owning_host_id’ attribute</a:t>
             </a:r>
+          </a:p>
+          <a:p>
+            <a:pPr lvl="1"/>
+            <a:r>
+              <a:rPr lang="en-US" dirty="0"/>
+              <a:t>PropertyReview attributes have changed to better align with the AirBnB app.</a:t>
+            </a:r>
+          </a:p>
+          <a:p>
+            <a:pPr lvl="1"/>
+            <a:r>
+              <a:rPr lang="en-US" dirty="0"/>
+              <a:t>Currency attribute ‘amount_usd’ was changed to ‘amount’</a:t>
+            </a:r>
+          </a:p>
+          <a:p>
+            <a:pPr lvl="1"/>
+            <a:r>
+              <a:rPr lang="en-US" dirty="0"/>
+              <a:t>BankInformation now has a ‘name’ attribute for the </a:t>
+            </a:r>
+            <a:r>
+              <a:rPr lang="en-US" dirty="0" err="1"/>
+              <a:t>Bankname</a:t>
+            </a:r>
+            <a:endParaRPr lang="en-US" dirty="0"/>
           </a:p>
           <a:p>
             <a:pPr lvl="1"/>
@@ -10059,10 +10094,10 @@
       </p:sp>
       <p:pic>
         <p:nvPicPr>
-          <p:cNvPr id="5" name="Grafik 4" descr="Ein Bild, das Text, Diagramm, Plan, parallel enthält.&#10;&#10;Automatisch generierte Beschreibung">
-            <a:extLst>
-              <a:ext uri="{FF2B5EF4-FFF2-40B4-BE49-F238E27FC236}">
-                <a16:creationId xmlns:a16="http://schemas.microsoft.com/office/drawing/2014/main" id="{57A29CD3-E67D-9748-063C-AD5D49AE4BFF}"/>
+          <p:cNvPr id="6" name="Grafik 5" descr="Ein Bild, das Text, Diagramm, Plan, parallel enthält.&#10;&#10;Automatisch generierte Beschreibung">
+            <a:extLst>
+              <a:ext uri="{FF2B5EF4-FFF2-40B4-BE49-F238E27FC236}">
+                <a16:creationId xmlns:a16="http://schemas.microsoft.com/office/drawing/2014/main" id="{DCBE5939-0CCA-23A5-39B6-C0695F1DC37C}"/>
               </a:ext>
             </a:extLst>
           </p:cNvPr>
@@ -10086,7 +10121,7 @@
         <p:spPr>
           <a:xfrm>
             <a:off x="6096000" y="0"/>
-            <a:ext cx="6096000" cy="6858000"/>
+            <a:ext cx="6046470" cy="6858000"/>
           </a:xfrm>
           <a:prstGeom prst="rect">
             <a:avLst/>

--- a/phase_2/phase_2_db_presentation.pptx
+++ b/phase_2/phase_2_db_presentation.pptx
@@ -4,13 +4,16 @@
   <p:sldMasterIdLst>
     <p:sldMasterId id="2147483767" r:id="rId1"/>
   </p:sldMasterIdLst>
+  <p:notesMasterIdLst>
+    <p:notesMasterId r:id="rId32"/>
+  </p:notesMasterIdLst>
   <p:sldIdLst>
     <p:sldId id="256" r:id="rId2"/>
     <p:sldId id="257" r:id="rId3"/>
     <p:sldId id="258" r:id="rId4"/>
-    <p:sldId id="290" r:id="rId5"/>
-    <p:sldId id="291" r:id="rId6"/>
-    <p:sldId id="259" r:id="rId7"/>
+    <p:sldId id="291" r:id="rId5"/>
+    <p:sldId id="259" r:id="rId6"/>
+    <p:sldId id="293" r:id="rId7"/>
     <p:sldId id="261" r:id="rId8"/>
     <p:sldId id="262" r:id="rId9"/>
     <p:sldId id="263" r:id="rId10"/>
@@ -139,6 +142,440 @@
     </p:ext>
   </p:extLst>
 </p:presentation>
+</file>
+
+<file path=ppt/notesMasters/notesMaster1.xml><?xml version="1.0" encoding="utf-8"?>
+<p:notesMaster xmlns:a="http://schemas.openxmlformats.org/drawingml/2006/main" xmlns:r="http://schemas.openxmlformats.org/officeDocument/2006/relationships" xmlns:p="http://schemas.openxmlformats.org/presentationml/2006/main">
+  <p:cSld>
+    <p:bg>
+      <p:bgRef idx="1001">
+        <a:schemeClr val="bg1"/>
+      </p:bgRef>
+    </p:bg>
+    <p:spTree>
+      <p:nvGrpSpPr>
+        <p:cNvPr id="1" name=""/>
+        <p:cNvGrpSpPr/>
+        <p:nvPr/>
+      </p:nvGrpSpPr>
+      <p:grpSpPr>
+        <a:xfrm>
+          <a:off x="0" y="0"/>
+          <a:ext cx="0" cy="0"/>
+          <a:chOff x="0" y="0"/>
+          <a:chExt cx="0" cy="0"/>
+        </a:xfrm>
+      </p:grpSpPr>
+      <p:sp>
+        <p:nvSpPr>
+          <p:cNvPr id="2" name="Kopfzeilenplatzhalter 1"/>
+          <p:cNvSpPr>
+            <a:spLocks noGrp="1"/>
+          </p:cNvSpPr>
+          <p:nvPr>
+            <p:ph type="hdr" sz="quarter"/>
+          </p:nvPr>
+        </p:nvSpPr>
+        <p:spPr>
+          <a:xfrm>
+            <a:off x="0" y="0"/>
+            <a:ext cx="2971800" cy="458788"/>
+          </a:xfrm>
+          <a:prstGeom prst="rect">
+            <a:avLst/>
+          </a:prstGeom>
+        </p:spPr>
+        <p:txBody>
+          <a:bodyPr vert="horz" lIns="91440" tIns="45720" rIns="91440" bIns="45720" rtlCol="0"/>
+          <a:lstStyle>
+            <a:lvl1pPr algn="l">
+              <a:defRPr sz="1200"/>
+            </a:lvl1pPr>
+          </a:lstStyle>
+          <a:p>
+            <a:endParaRPr lang="en-US"/>
+          </a:p>
+        </p:txBody>
+      </p:sp>
+      <p:sp>
+        <p:nvSpPr>
+          <p:cNvPr id="3" name="Datumsplatzhalter 2"/>
+          <p:cNvSpPr>
+            <a:spLocks noGrp="1"/>
+          </p:cNvSpPr>
+          <p:nvPr>
+            <p:ph type="dt" idx="1"/>
+          </p:nvPr>
+        </p:nvSpPr>
+        <p:spPr>
+          <a:xfrm>
+            <a:off x="3884613" y="0"/>
+            <a:ext cx="2971800" cy="458788"/>
+          </a:xfrm>
+          <a:prstGeom prst="rect">
+            <a:avLst/>
+          </a:prstGeom>
+        </p:spPr>
+        <p:txBody>
+          <a:bodyPr vert="horz" lIns="91440" tIns="45720" rIns="91440" bIns="45720" rtlCol="0"/>
+          <a:lstStyle>
+            <a:lvl1pPr algn="r">
+              <a:defRPr sz="1200"/>
+            </a:lvl1pPr>
+          </a:lstStyle>
+          <a:p>
+            <a:fld id="{E9F177E8-A891-4900-BB83-4982DD9F05E1}" type="datetimeFigureOut">
+              <a:rPr lang="en-US" smtClean="0"/>
+              <a:t>1/18/2024</a:t>
+            </a:fld>
+            <a:endParaRPr lang="en-US"/>
+          </a:p>
+        </p:txBody>
+      </p:sp>
+      <p:sp>
+        <p:nvSpPr>
+          <p:cNvPr id="4" name="Folienbildplatzhalter 3"/>
+          <p:cNvSpPr>
+            <a:spLocks noGrp="1" noRot="1" noChangeAspect="1"/>
+          </p:cNvSpPr>
+          <p:nvPr>
+            <p:ph type="sldImg" idx="2"/>
+          </p:nvPr>
+        </p:nvSpPr>
+        <p:spPr>
+          <a:xfrm>
+            <a:off x="685800" y="1143000"/>
+            <a:ext cx="5486400" cy="3086100"/>
+          </a:xfrm>
+          <a:prstGeom prst="rect">
+            <a:avLst/>
+          </a:prstGeom>
+          <a:noFill/>
+          <a:ln w="12700">
+            <a:solidFill>
+              <a:prstClr val="black"/>
+            </a:solidFill>
+          </a:ln>
+        </p:spPr>
+        <p:txBody>
+          <a:bodyPr vert="horz" lIns="91440" tIns="45720" rIns="91440" bIns="45720" rtlCol="0" anchor="ctr"/>
+          <a:lstStyle/>
+          <a:p>
+            <a:endParaRPr lang="en-US"/>
+          </a:p>
+        </p:txBody>
+      </p:sp>
+      <p:sp>
+        <p:nvSpPr>
+          <p:cNvPr id="5" name="Notizenplatzhalter 4"/>
+          <p:cNvSpPr>
+            <a:spLocks noGrp="1"/>
+          </p:cNvSpPr>
+          <p:nvPr>
+            <p:ph type="body" sz="quarter" idx="3"/>
+          </p:nvPr>
+        </p:nvSpPr>
+        <p:spPr>
+          <a:xfrm>
+            <a:off x="685800" y="4400550"/>
+            <a:ext cx="5486400" cy="3600450"/>
+          </a:xfrm>
+          <a:prstGeom prst="rect">
+            <a:avLst/>
+          </a:prstGeom>
+        </p:spPr>
+        <p:txBody>
+          <a:bodyPr vert="horz" lIns="91440" tIns="45720" rIns="91440" bIns="45720" rtlCol="0"/>
+          <a:lstStyle/>
+          <a:p>
+            <a:pPr lvl="0"/>
+            <a:r>
+              <a:rPr lang="de-DE"/>
+              <a:t>Mastertextformat bearbeiten</a:t>
+            </a:r>
+          </a:p>
+          <a:p>
+            <a:pPr lvl="1"/>
+            <a:r>
+              <a:rPr lang="de-DE"/>
+              <a:t>Zweite Ebene</a:t>
+            </a:r>
+          </a:p>
+          <a:p>
+            <a:pPr lvl="2"/>
+            <a:r>
+              <a:rPr lang="de-DE"/>
+              <a:t>Dritte Ebene</a:t>
+            </a:r>
+          </a:p>
+          <a:p>
+            <a:pPr lvl="3"/>
+            <a:r>
+              <a:rPr lang="de-DE"/>
+              <a:t>Vierte Ebene</a:t>
+            </a:r>
+          </a:p>
+          <a:p>
+            <a:pPr lvl="4"/>
+            <a:r>
+              <a:rPr lang="de-DE"/>
+              <a:t>Fünfte Ebene</a:t>
+            </a:r>
+            <a:endParaRPr lang="en-US"/>
+          </a:p>
+        </p:txBody>
+      </p:sp>
+      <p:sp>
+        <p:nvSpPr>
+          <p:cNvPr id="6" name="Fußzeilenplatzhalter 5"/>
+          <p:cNvSpPr>
+            <a:spLocks noGrp="1"/>
+          </p:cNvSpPr>
+          <p:nvPr>
+            <p:ph type="ftr" sz="quarter" idx="4"/>
+          </p:nvPr>
+        </p:nvSpPr>
+        <p:spPr>
+          <a:xfrm>
+            <a:off x="0" y="8685213"/>
+            <a:ext cx="2971800" cy="458787"/>
+          </a:xfrm>
+          <a:prstGeom prst="rect">
+            <a:avLst/>
+          </a:prstGeom>
+        </p:spPr>
+        <p:txBody>
+          <a:bodyPr vert="horz" lIns="91440" tIns="45720" rIns="91440" bIns="45720" rtlCol="0" anchor="b"/>
+          <a:lstStyle>
+            <a:lvl1pPr algn="l">
+              <a:defRPr sz="1200"/>
+            </a:lvl1pPr>
+          </a:lstStyle>
+          <a:p>
+            <a:endParaRPr lang="en-US"/>
+          </a:p>
+        </p:txBody>
+      </p:sp>
+      <p:sp>
+        <p:nvSpPr>
+          <p:cNvPr id="7" name="Foliennummernplatzhalter 6"/>
+          <p:cNvSpPr>
+            <a:spLocks noGrp="1"/>
+          </p:cNvSpPr>
+          <p:nvPr>
+            <p:ph type="sldNum" sz="quarter" idx="5"/>
+          </p:nvPr>
+        </p:nvSpPr>
+        <p:spPr>
+          <a:xfrm>
+            <a:off x="3884613" y="8685213"/>
+            <a:ext cx="2971800" cy="458787"/>
+          </a:xfrm>
+          <a:prstGeom prst="rect">
+            <a:avLst/>
+          </a:prstGeom>
+        </p:spPr>
+        <p:txBody>
+          <a:bodyPr vert="horz" lIns="91440" tIns="45720" rIns="91440" bIns="45720" rtlCol="0" anchor="b"/>
+          <a:lstStyle>
+            <a:lvl1pPr algn="r">
+              <a:defRPr sz="1200"/>
+            </a:lvl1pPr>
+          </a:lstStyle>
+          <a:p>
+            <a:fld id="{2002AA5A-1450-4FA9-BE3A-B2196509832E}" type="slidenum">
+              <a:rPr lang="en-US" smtClean="0"/>
+              <a:t>‹Nr.›</a:t>
+            </a:fld>
+            <a:endParaRPr lang="en-US"/>
+          </a:p>
+        </p:txBody>
+      </p:sp>
+    </p:spTree>
+    <p:extLst>
+      <p:ext uri="{BB962C8B-B14F-4D97-AF65-F5344CB8AC3E}">
+        <p14:creationId xmlns:p14="http://schemas.microsoft.com/office/powerpoint/2010/main" val="3842450063"/>
+      </p:ext>
+    </p:extLst>
+  </p:cSld>
+  <p:clrMap bg1="lt1" tx1="dk1" bg2="lt2" tx2="dk2" accent1="accent1" accent2="accent2" accent3="accent3" accent4="accent4" accent5="accent5" accent6="accent6" hlink="hlink" folHlink="folHlink"/>
+  <p:notesStyle>
+    <a:lvl1pPr marL="0" algn="l" defTabSz="914400" rtl="0" eaLnBrk="1" latinLnBrk="0" hangingPunct="1">
+      <a:defRPr sz="1200" kern="1200">
+        <a:solidFill>
+          <a:schemeClr val="tx1"/>
+        </a:solidFill>
+        <a:latin typeface="+mn-lt"/>
+        <a:ea typeface="+mn-ea"/>
+        <a:cs typeface="+mn-cs"/>
+      </a:defRPr>
+    </a:lvl1pPr>
+    <a:lvl2pPr marL="457200" algn="l" defTabSz="914400" rtl="0" eaLnBrk="1" latinLnBrk="0" hangingPunct="1">
+      <a:defRPr sz="1200" kern="1200">
+        <a:solidFill>
+          <a:schemeClr val="tx1"/>
+        </a:solidFill>
+        <a:latin typeface="+mn-lt"/>
+        <a:ea typeface="+mn-ea"/>
+        <a:cs typeface="+mn-cs"/>
+      </a:defRPr>
+    </a:lvl2pPr>
+    <a:lvl3pPr marL="914400" algn="l" defTabSz="914400" rtl="0" eaLnBrk="1" latinLnBrk="0" hangingPunct="1">
+      <a:defRPr sz="1200" kern="1200">
+        <a:solidFill>
+          <a:schemeClr val="tx1"/>
+        </a:solidFill>
+        <a:latin typeface="+mn-lt"/>
+        <a:ea typeface="+mn-ea"/>
+        <a:cs typeface="+mn-cs"/>
+      </a:defRPr>
+    </a:lvl3pPr>
+    <a:lvl4pPr marL="1371600" algn="l" defTabSz="914400" rtl="0" eaLnBrk="1" latinLnBrk="0" hangingPunct="1">
+      <a:defRPr sz="1200" kern="1200">
+        <a:solidFill>
+          <a:schemeClr val="tx1"/>
+        </a:solidFill>
+        <a:latin typeface="+mn-lt"/>
+        <a:ea typeface="+mn-ea"/>
+        <a:cs typeface="+mn-cs"/>
+      </a:defRPr>
+    </a:lvl4pPr>
+    <a:lvl5pPr marL="1828800" algn="l" defTabSz="914400" rtl="0" eaLnBrk="1" latinLnBrk="0" hangingPunct="1">
+      <a:defRPr sz="1200" kern="1200">
+        <a:solidFill>
+          <a:schemeClr val="tx1"/>
+        </a:solidFill>
+        <a:latin typeface="+mn-lt"/>
+        <a:ea typeface="+mn-ea"/>
+        <a:cs typeface="+mn-cs"/>
+      </a:defRPr>
+    </a:lvl5pPr>
+    <a:lvl6pPr marL="2286000" algn="l" defTabSz="914400" rtl="0" eaLnBrk="1" latinLnBrk="0" hangingPunct="1">
+      <a:defRPr sz="1200" kern="1200">
+        <a:solidFill>
+          <a:schemeClr val="tx1"/>
+        </a:solidFill>
+        <a:latin typeface="+mn-lt"/>
+        <a:ea typeface="+mn-ea"/>
+        <a:cs typeface="+mn-cs"/>
+      </a:defRPr>
+    </a:lvl6pPr>
+    <a:lvl7pPr marL="2743200" algn="l" defTabSz="914400" rtl="0" eaLnBrk="1" latinLnBrk="0" hangingPunct="1">
+      <a:defRPr sz="1200" kern="1200">
+        <a:solidFill>
+          <a:schemeClr val="tx1"/>
+        </a:solidFill>
+        <a:latin typeface="+mn-lt"/>
+        <a:ea typeface="+mn-ea"/>
+        <a:cs typeface="+mn-cs"/>
+      </a:defRPr>
+    </a:lvl7pPr>
+    <a:lvl8pPr marL="3200400" algn="l" defTabSz="914400" rtl="0" eaLnBrk="1" latinLnBrk="0" hangingPunct="1">
+      <a:defRPr sz="1200" kern="1200">
+        <a:solidFill>
+          <a:schemeClr val="tx1"/>
+        </a:solidFill>
+        <a:latin typeface="+mn-lt"/>
+        <a:ea typeface="+mn-ea"/>
+        <a:cs typeface="+mn-cs"/>
+      </a:defRPr>
+    </a:lvl8pPr>
+    <a:lvl9pPr marL="3657600" algn="l" defTabSz="914400" rtl="0" eaLnBrk="1" latinLnBrk="0" hangingPunct="1">
+      <a:defRPr sz="1200" kern="1200">
+        <a:solidFill>
+          <a:schemeClr val="tx1"/>
+        </a:solidFill>
+        <a:latin typeface="+mn-lt"/>
+        <a:ea typeface="+mn-ea"/>
+        <a:cs typeface="+mn-cs"/>
+      </a:defRPr>
+    </a:lvl9pPr>
+  </p:notesStyle>
+</p:notesMaster>
+</file>
+
+<file path=ppt/notesSlides/notesSlide1.xml><?xml version="1.0" encoding="utf-8"?>
+<p:notes xmlns:a="http://schemas.openxmlformats.org/drawingml/2006/main" xmlns:r="http://schemas.openxmlformats.org/officeDocument/2006/relationships" xmlns:p="http://schemas.openxmlformats.org/presentationml/2006/main">
+  <p:cSld>
+    <p:spTree>
+      <p:nvGrpSpPr>
+        <p:cNvPr id="1" name=""/>
+        <p:cNvGrpSpPr/>
+        <p:nvPr/>
+      </p:nvGrpSpPr>
+      <p:grpSpPr>
+        <a:xfrm>
+          <a:off x="0" y="0"/>
+          <a:ext cx="0" cy="0"/>
+          <a:chOff x="0" y="0"/>
+          <a:chExt cx="0" cy="0"/>
+        </a:xfrm>
+      </p:grpSpPr>
+      <p:sp>
+        <p:nvSpPr>
+          <p:cNvPr id="2" name="Folienbildplatzhalter 1"/>
+          <p:cNvSpPr>
+            <a:spLocks noGrp="1" noRot="1" noChangeAspect="1"/>
+          </p:cNvSpPr>
+          <p:nvPr>
+            <p:ph type="sldImg"/>
+          </p:nvPr>
+        </p:nvSpPr>
+        <p:spPr/>
+      </p:sp>
+      <p:sp>
+        <p:nvSpPr>
+          <p:cNvPr id="3" name="Notizenplatzhalter 2"/>
+          <p:cNvSpPr>
+            <a:spLocks noGrp="1"/>
+          </p:cNvSpPr>
+          <p:nvPr>
+            <p:ph type="body" idx="1"/>
+          </p:nvPr>
+        </p:nvSpPr>
+        <p:spPr/>
+        <p:txBody>
+          <a:bodyPr/>
+          <a:lstStyle/>
+          <a:p>
+            <a:endParaRPr lang="en-US" dirty="0"/>
+          </a:p>
+        </p:txBody>
+      </p:sp>
+      <p:sp>
+        <p:nvSpPr>
+          <p:cNvPr id="4" name="Foliennummernplatzhalter 3"/>
+          <p:cNvSpPr>
+            <a:spLocks noGrp="1"/>
+          </p:cNvSpPr>
+          <p:nvPr>
+            <p:ph type="sldNum" sz="quarter" idx="5"/>
+          </p:nvPr>
+        </p:nvSpPr>
+        <p:spPr/>
+        <p:txBody>
+          <a:bodyPr/>
+          <a:lstStyle/>
+          <a:p>
+            <a:fld id="{2002AA5A-1450-4FA9-BE3A-B2196509832E}" type="slidenum">
+              <a:rPr lang="en-US" smtClean="0"/>
+              <a:t>6</a:t>
+            </a:fld>
+            <a:endParaRPr lang="en-US"/>
+          </a:p>
+        </p:txBody>
+      </p:sp>
+    </p:spTree>
+    <p:extLst>
+      <p:ext uri="{BB962C8B-B14F-4D97-AF65-F5344CB8AC3E}">
+        <p14:creationId xmlns:p14="http://schemas.microsoft.com/office/powerpoint/2010/main" val="2063582390"/>
+      </p:ext>
+    </p:extLst>
+  </p:cSld>
+  <p:clrMapOvr>
+    <a:masterClrMapping/>
+  </p:clrMapOvr>
+</p:notes>
 </file>
 
 <file path=ppt/slideLayouts/slideLayout1.xml><?xml version="1.0" encoding="utf-8"?>
@@ -3352,6 +3789,17 @@
               <a:rPr lang="en-US" dirty="0"/>
               <a:t>Airbnb Database Presentation</a:t>
             </a:r>
+            <a:br>
+              <a:rPr lang="en-US" dirty="0"/>
+            </a:br>
+            <a:r>
+              <a:rPr lang="en-US" sz="1800" dirty="0">
+                <a:solidFill>
+                  <a:srgbClr val="9BAFB5"/>
+                </a:solidFill>
+              </a:rPr>
+              <a:t>Phase 2 - Implementation</a:t>
+            </a:r>
           </a:p>
         </p:txBody>
       </p:sp>
@@ -6243,23 +6691,6 @@
             </a:r>
           </a:p>
           <a:p>
-            <a:pPr marL="457200" indent="-457200">
-              <a:buFont typeface="+mj-lt"/>
-              <a:buAutoNum type="arabicPeriod"/>
-            </a:pPr>
-            <a:r>
-              <a:rPr lang="en-US" dirty="0"/>
-              <a:t>Conclusion &amp; Closing Thoughts</a:t>
-            </a:r>
-          </a:p>
-          <a:p>
-            <a:pPr marL="857250" lvl="1" indent="-457200">
-              <a:buFont typeface="+mj-lt"/>
-              <a:buAutoNum type="arabicPeriod"/>
-            </a:pPr>
-            <a:endParaRPr lang="en-US" dirty="0"/>
-          </a:p>
-          <a:p>
             <a:pPr marL="857250" lvl="1" indent="-457200">
               <a:buFont typeface="+mj-lt"/>
               <a:buAutoNum type="arabicPeriod"/>
@@ -9299,7 +9730,7 @@
             </a:pPr>
             <a:r>
               <a:rPr lang="en-US" dirty="0"/>
-              <a:t>This presentation is a part of the project of phase 2 and intends to provide an extensive overview of the database structure, it’s tables, relationships and constraints, as well as explain the reasoning behind them.</a:t>
+              <a:t>This presentation is a part of phase 2 and intends to provide extensive documentation of the database structure, it’s tables, relationships and constraints, as well as explain the provided test cases, and their results.</a:t>
             </a:r>
           </a:p>
           <a:p>
@@ -9333,7 +9764,7 @@
                   </a:schemeClr>
                 </a:solidFill>
               </a:rPr>
-              <a:t>*One table has been removed; all changes are explained in the following 2 slides.</a:t>
+              <a:t>*One table has been removed; all changes can be found on the following slide.</a:t>
             </a:r>
           </a:p>
         </p:txBody>
@@ -9532,7 +9963,7 @@
           <p:cNvPr id="2" name="Titel 1">
             <a:extLst>
               <a:ext uri="{FF2B5EF4-FFF2-40B4-BE49-F238E27FC236}">
-                <a16:creationId xmlns:a16="http://schemas.microsoft.com/office/drawing/2014/main" id="{F944425D-EEC9-C56C-995E-35260FD4D6EA}"/>
+                <a16:creationId xmlns:a16="http://schemas.microsoft.com/office/drawing/2014/main" id="{8B0C4D0F-EE18-C7A0-37AC-96F5A7D81B7E}"/>
               </a:ext>
             </a:extLst>
           </p:cNvPr>
@@ -9560,7 +9991,7 @@
           <p:cNvPr id="3" name="Inhaltsplatzhalter 2">
             <a:extLst>
               <a:ext uri="{FF2B5EF4-FFF2-40B4-BE49-F238E27FC236}">
-                <a16:creationId xmlns:a16="http://schemas.microsoft.com/office/drawing/2014/main" id="{48B8A92A-6F40-FC84-88A8-71D3E60D3746}"/>
+                <a16:creationId xmlns:a16="http://schemas.microsoft.com/office/drawing/2014/main" id="{5100F35A-0B39-5BDA-02DA-BC00A04FFDC1}"/>
               </a:ext>
             </a:extLst>
           </p:cNvPr>
@@ -9573,49 +10004,108 @@
         </p:nvSpPr>
         <p:spPr>
           <a:xfrm>
-            <a:off x="5848350" y="2638044"/>
-            <a:ext cx="4112514" cy="3101983"/>
+            <a:off x="2231136" y="2441194"/>
+            <a:ext cx="7729728" cy="3965956"/>
           </a:xfrm>
         </p:spPr>
         <p:txBody>
           <a:bodyPr>
-            <a:noAutofit/>
+            <a:normAutofit fontScale="77500" lnSpcReduction="20000"/>
           </a:bodyPr>
           <a:lstStyle/>
           <a:p>
             <a:r>
-              <a:rPr lang="en-US" sz="1450" dirty="0"/>
-              <a:t>I have made some small adjustments compared to the conception phase that I would like to illustrate before introducing the individual tables.</a:t>
-            </a:r>
-          </a:p>
-          <a:p>
-            <a:r>
-              <a:rPr lang="en-US" sz="1450" dirty="0"/>
-              <a:t>The changes are visualized in the following slide as well for easier viewing</a:t>
-            </a:r>
-          </a:p>
-          <a:p>
-            <a:r>
-              <a:rPr lang="en-US" sz="1450" dirty="0"/>
-              <a:t>The ‘government_id’ attribute in the ‘User’ table has been changed to ‘governmentid_image_id’ as I noticed that the application requests users to submit a picture of their id.</a:t>
-            </a:r>
-            <a:endParaRPr lang="en-US" sz="1450" dirty="0">
-              <a:solidFill>
-                <a:schemeClr val="tx2">
-                  <a:lumMod val="60000"/>
-                  <a:lumOff val="40000"/>
-                </a:schemeClr>
-              </a:solidFill>
-            </a:endParaRPr>
+              <a:rPr lang="en-US" dirty="0"/>
+              <a:t>I have decided to remove the triphistory table.  The idea behind the table was to improve the access to the bookings of a guest for easier access. There is however not a significant enough improvement to justify the redundancy.</a:t>
+            </a:r>
+          </a:p>
+          <a:p>
+            <a:r>
+              <a:rPr lang="en-US" dirty="0"/>
+              <a:t>There have been some adjustments to the attribute distribution of the user, guest and host tables after reflecting the requirements/constraints of the individual attributes.</a:t>
+            </a:r>
+          </a:p>
+          <a:p>
+            <a:r>
+              <a:rPr lang="en-US" dirty="0"/>
+              <a:t>The primary key’s now have more descriptive names.</a:t>
+            </a:r>
+          </a:p>
+          <a:p>
+            <a:r>
+              <a:rPr lang="en-US" dirty="0"/>
+              <a:t>Small additional changes include:</a:t>
+            </a:r>
+          </a:p>
+          <a:p>
+            <a:pPr lvl="1"/>
+            <a:r>
+              <a:rPr lang="en-US" dirty="0"/>
+              <a:t>Addresses now have an ‘address_type’ attribute</a:t>
+            </a:r>
+          </a:p>
+          <a:p>
+            <a:pPr lvl="1"/>
+            <a:r>
+              <a:rPr lang="en-US" dirty="0"/>
+              <a:t>User attribute ‘</a:t>
+            </a:r>
+            <a:r>
+              <a:rPr lang="en-US" sz="1600" dirty="0"/>
+              <a:t>‘government_id’ was changed to ‘governmentid_image_id’</a:t>
+            </a:r>
+            <a:endParaRPr lang="en-US" dirty="0"/>
+          </a:p>
+          <a:p>
+            <a:pPr lvl="1"/>
+            <a:r>
+              <a:rPr lang="en-US" dirty="0"/>
+              <a:t>Messages now have an ‘author_user_id’ attribute</a:t>
+            </a:r>
+          </a:p>
+          <a:p>
+            <a:pPr lvl="1"/>
+            <a:r>
+              <a:rPr lang="en-US" dirty="0"/>
+              <a:t>Bookings no longer have the ‘transaction_id’ attribute</a:t>
+            </a:r>
+          </a:p>
+          <a:p>
+            <a:pPr lvl="1"/>
+            <a:r>
+              <a:rPr lang="en-US" dirty="0"/>
+              <a:t>PropertyListing now has the ‘owning_host_id’ attribute</a:t>
+            </a:r>
+          </a:p>
+          <a:p>
+            <a:pPr lvl="1"/>
+            <a:r>
+              <a:rPr lang="en-US" dirty="0"/>
+              <a:t>PropertyReview attributes have changed to better align with the AirBnB app.</a:t>
+            </a:r>
+          </a:p>
+          <a:p>
+            <a:pPr lvl="1"/>
+            <a:r>
+              <a:rPr lang="en-US" dirty="0"/>
+              <a:t>Currency attribute ‘amount_usd’ was changed to ‘amount’</a:t>
+            </a:r>
+          </a:p>
+          <a:p>
+            <a:pPr lvl="1"/>
+            <a:r>
+              <a:rPr lang="en-US" dirty="0"/>
+              <a:t>BankInformation now has a ‘name’ attribute for the bank’s name</a:t>
+            </a:r>
           </a:p>
         </p:txBody>
       </p:sp>
       <p:pic>
         <p:nvPicPr>
-          <p:cNvPr id="8" name="Inhaltsplatzhalter 17" descr="Ein Bild, das Text, Screenshot, Quittung, Schrift enthält.&#10;&#10;Automatisch generierte Beschreibung">
-            <a:extLst>
-              <a:ext uri="{FF2B5EF4-FFF2-40B4-BE49-F238E27FC236}">
-                <a16:creationId xmlns:a16="http://schemas.microsoft.com/office/drawing/2014/main" id="{F03E0693-5436-C049-1884-F821990EEBB9}"/>
+          <p:cNvPr id="4" name="Grafik 3">
+            <a:extLst>
+              <a:ext uri="{FF2B5EF4-FFF2-40B4-BE49-F238E27FC236}">
+                <a16:creationId xmlns:a16="http://schemas.microsoft.com/office/drawing/2014/main" id="{A998EB67-5728-37A7-A3F3-1ADABA89308D}"/>
               </a:ext>
             </a:extLst>
           </p:cNvPr>
@@ -9638,130 +10128,6 @@
         </p:blipFill>
         <p:spPr>
           <a:xfrm>
-            <a:off x="2598546" y="2374520"/>
-            <a:ext cx="1724025" cy="1724025"/>
-          </a:xfrm>
-          <a:prstGeom prst="rect">
-            <a:avLst/>
-          </a:prstGeom>
-        </p:spPr>
-      </p:pic>
-      <p:pic>
-        <p:nvPicPr>
-          <p:cNvPr id="9" name="Inhaltsplatzhalter 15" descr="Ein Bild, das Text, Quittung, Screenshot, Schrift enthält.&#10;&#10;Automatisch generierte Beschreibung">
-            <a:extLst>
-              <a:ext uri="{FF2B5EF4-FFF2-40B4-BE49-F238E27FC236}">
-                <a16:creationId xmlns:a16="http://schemas.microsoft.com/office/drawing/2014/main" id="{0CB73777-BD19-D75F-7258-3C8D10520123}"/>
-              </a:ext>
-            </a:extLst>
-          </p:cNvPr>
-          <p:cNvPicPr>
-            <a:picLocks noChangeAspect="1"/>
-          </p:cNvPicPr>
-          <p:nvPr/>
-        </p:nvPicPr>
-        <p:blipFill>
-          <a:blip r:embed="rId3">
-            <a:extLst>
-              <a:ext uri="{28A0092B-C50C-407E-A947-70E740481C1C}">
-                <a14:useLocalDpi xmlns:a14="http://schemas.microsoft.com/office/drawing/2010/main" val="0"/>
-              </a:ext>
-            </a:extLst>
-          </a:blip>
-          <a:stretch>
-            <a:fillRect/>
-          </a:stretch>
-        </p:blipFill>
-        <p:spPr>
-          <a:xfrm>
-            <a:off x="2598546" y="4464050"/>
-            <a:ext cx="1724025" cy="1724025"/>
-          </a:xfrm>
-          <a:prstGeom prst="rect">
-            <a:avLst/>
-          </a:prstGeom>
-        </p:spPr>
-      </p:pic>
-      <p:sp>
-        <p:nvSpPr>
-          <p:cNvPr id="10" name="Pfeil: nach unten 9">
-            <a:extLst>
-              <a:ext uri="{FF2B5EF4-FFF2-40B4-BE49-F238E27FC236}">
-                <a16:creationId xmlns:a16="http://schemas.microsoft.com/office/drawing/2014/main" id="{4E73AC7D-2879-0A15-3F9F-C963BA665FA6}"/>
-              </a:ext>
-            </a:extLst>
-          </p:cNvPr>
-          <p:cNvSpPr/>
-          <p:nvPr/>
-        </p:nvSpPr>
-        <p:spPr>
-          <a:xfrm>
-            <a:off x="3251008" y="4098545"/>
-            <a:ext cx="419100" cy="365505"/>
-          </a:xfrm>
-          <a:prstGeom prst="downArrow">
-            <a:avLst>
-              <a:gd name="adj1" fmla="val 56060"/>
-              <a:gd name="adj2" fmla="val 67783"/>
-            </a:avLst>
-          </a:prstGeom>
-          <a:ln>
-            <a:noFill/>
-          </a:ln>
-        </p:spPr>
-        <p:style>
-          <a:lnRef idx="2">
-            <a:schemeClr val="accent2">
-              <a:shade val="15000"/>
-            </a:schemeClr>
-          </a:lnRef>
-          <a:fillRef idx="1">
-            <a:schemeClr val="accent2"/>
-          </a:fillRef>
-          <a:effectRef idx="0">
-            <a:schemeClr val="accent2"/>
-          </a:effectRef>
-          <a:fontRef idx="minor">
-            <a:schemeClr val="lt1"/>
-          </a:fontRef>
-        </p:style>
-        <p:txBody>
-          <a:bodyPr rtlCol="0" anchor="ctr"/>
-          <a:lstStyle/>
-          <a:p>
-            <a:pPr algn="ctr"/>
-            <a:endParaRPr lang="en-US"/>
-          </a:p>
-        </p:txBody>
-      </p:sp>
-      <p:pic>
-        <p:nvPicPr>
-          <p:cNvPr id="11" name="Grafik 10">
-            <a:extLst>
-              <a:ext uri="{FF2B5EF4-FFF2-40B4-BE49-F238E27FC236}">
-                <a16:creationId xmlns:a16="http://schemas.microsoft.com/office/drawing/2014/main" id="{D0ED2F57-07F9-2BCF-8800-B1752ACDED24}"/>
-              </a:ext>
-            </a:extLst>
-          </p:cNvPr>
-          <p:cNvPicPr>
-            <a:picLocks noChangeAspect="1"/>
-          </p:cNvPicPr>
-          <p:nvPr/>
-        </p:nvPicPr>
-        <p:blipFill>
-          <a:blip r:embed="rId4">
-            <a:extLst>
-              <a:ext uri="{28A0092B-C50C-407E-A947-70E740481C1C}">
-                <a14:useLocalDpi xmlns:a14="http://schemas.microsoft.com/office/drawing/2010/main" val="0"/>
-              </a:ext>
-            </a:extLst>
-          </a:blip>
-          <a:stretch>
-            <a:fillRect/>
-          </a:stretch>
-        </p:blipFill>
-        <p:spPr>
-          <a:xfrm>
             <a:off x="11633200" y="6299200"/>
             <a:ext cx="457200" cy="457200"/>
           </a:xfrm>
@@ -9773,7 +10139,7 @@
     </p:spTree>
     <p:extLst>
       <p:ext uri="{BB962C8B-B14F-4D97-AF65-F5344CB8AC3E}">
-        <p14:creationId xmlns:p14="http://schemas.microsoft.com/office/powerpoint/2010/main" val="2449291666"/>
+        <p14:creationId xmlns:p14="http://schemas.microsoft.com/office/powerpoint/2010/main" val="1591992961"/>
       </p:ext>
     </p:extLst>
   </p:cSld>
@@ -9805,7 +10171,7 @@
           <p:cNvPr id="2" name="Titel 1">
             <a:extLst>
               <a:ext uri="{FF2B5EF4-FFF2-40B4-BE49-F238E27FC236}">
-                <a16:creationId xmlns:a16="http://schemas.microsoft.com/office/drawing/2014/main" id="{8B0C4D0F-EE18-C7A0-37AC-96F5A7D81B7E}"/>
+                <a16:creationId xmlns:a16="http://schemas.microsoft.com/office/drawing/2014/main" id="{0091354D-B7DC-5D5B-520E-0D72F0528C48}"/>
               </a:ext>
             </a:extLst>
           </p:cNvPr>
@@ -9816,123 +10182,71 @@
             <p:ph type="title"/>
           </p:nvPr>
         </p:nvSpPr>
-        <p:spPr/>
+        <p:spPr>
+          <a:xfrm>
+            <a:off x="765449" y="884928"/>
+            <a:ext cx="4494998" cy="1134640"/>
+          </a:xfrm>
+        </p:spPr>
         <p:txBody>
           <a:bodyPr/>
           <a:lstStyle/>
           <a:p>
             <a:r>
               <a:rPr lang="en-US" dirty="0"/>
-              <a:t>Changes</a:t>
-            </a:r>
-          </a:p>
-        </p:txBody>
-      </p:sp>
-      <p:sp>
-        <p:nvSpPr>
-          <p:cNvPr id="3" name="Inhaltsplatzhalter 2">
-            <a:extLst>
-              <a:ext uri="{FF2B5EF4-FFF2-40B4-BE49-F238E27FC236}">
-                <a16:creationId xmlns:a16="http://schemas.microsoft.com/office/drawing/2014/main" id="{5100F35A-0B39-5BDA-02DA-BC00A04FFDC1}"/>
-              </a:ext>
-            </a:extLst>
-          </p:cNvPr>
-          <p:cNvSpPr>
-            <a:spLocks noGrp="1"/>
-          </p:cNvSpPr>
-          <p:nvPr>
-            <p:ph idx="1"/>
-          </p:nvPr>
-        </p:nvSpPr>
-        <p:spPr>
-          <a:xfrm>
-            <a:off x="2231136" y="2638044"/>
-            <a:ext cx="7729728" cy="3661156"/>
-          </a:xfrm>
-        </p:spPr>
-        <p:txBody>
-          <a:bodyPr>
-            <a:normAutofit fontScale="85000" lnSpcReduction="20000"/>
-          </a:bodyPr>
-          <a:lstStyle/>
-          <a:p>
-            <a:r>
-              <a:rPr lang="en-US" dirty="0"/>
-              <a:t>I have decided to remove the optional triphistory table. The idea behind the table was to improve the access to the bookings of a guest for easier access. There is however not a significant enough improvement to justify the redundancy.</a:t>
-            </a:r>
-          </a:p>
-          <a:p>
-            <a:r>
-              <a:rPr lang="en-US" dirty="0"/>
-              <a:t>There have been some adjustments to the attribute distribution of the user, guest and host tables after reflecting the requirements/constraints of the individual attributes.</a:t>
-            </a:r>
-          </a:p>
-          <a:p>
-            <a:r>
-              <a:rPr lang="en-US" dirty="0"/>
-              <a:t>Small additional changes include:</a:t>
-            </a:r>
-          </a:p>
-          <a:p>
-            <a:pPr lvl="1"/>
-            <a:r>
-              <a:rPr lang="en-US" dirty="0"/>
-              <a:t>Addresses now have an ‘address_type’ attribute</a:t>
-            </a:r>
-          </a:p>
-          <a:p>
-            <a:pPr lvl="1"/>
-            <a:r>
-              <a:rPr lang="en-US" dirty="0"/>
-              <a:t>Messages now have an ‘author_user_id’ attribute</a:t>
-            </a:r>
-          </a:p>
-          <a:p>
-            <a:pPr lvl="1"/>
-            <a:r>
-              <a:rPr lang="en-US" dirty="0"/>
-              <a:t>Bookings no longer have the ‘transaction_id’ attribute</a:t>
-            </a:r>
-          </a:p>
-          <a:p>
-            <a:pPr lvl="1"/>
-            <a:r>
-              <a:rPr lang="en-US" dirty="0"/>
-              <a:t>PropertyListing now has the ‘owning_host_id’ attribute</a:t>
-            </a:r>
-          </a:p>
-          <a:p>
-            <a:pPr lvl="1"/>
-            <a:r>
-              <a:rPr lang="en-US" dirty="0"/>
-              <a:t>PropertyReview attributes have changed to better align with the AirBnB app.</a:t>
-            </a:r>
-          </a:p>
-          <a:p>
-            <a:pPr lvl="1"/>
-            <a:r>
-              <a:rPr lang="en-US" dirty="0"/>
-              <a:t>Currency attribute ‘amount_usd’ was changed to ‘amount’</a:t>
-            </a:r>
-          </a:p>
-          <a:p>
-            <a:pPr lvl="1"/>
-            <a:r>
-              <a:rPr lang="en-US" dirty="0"/>
-              <a:t>BankInformation now has a ‘name’ attribute for the </a:t>
-            </a:r>
-            <a:r>
-              <a:rPr lang="en-US" dirty="0" err="1"/>
-              <a:t>Bankname</a:t>
-            </a:r>
-            <a:endParaRPr lang="en-US" dirty="0"/>
-          </a:p>
-          <a:p>
-            <a:pPr lvl="1"/>
-            <a:endParaRPr lang="en-US" dirty="0"/>
-          </a:p>
-          <a:p>
-            <a:endParaRPr lang="en-US" dirty="0"/>
+              <a:t>Structure</a:t>
+            </a:r>
+          </a:p>
+        </p:txBody>
+      </p:sp>
+      <p:sp>
+        <p:nvSpPr>
+          <p:cNvPr id="4" name="Textplatzhalter 3">
+            <a:extLst>
+              <a:ext uri="{FF2B5EF4-FFF2-40B4-BE49-F238E27FC236}">
+                <a16:creationId xmlns:a16="http://schemas.microsoft.com/office/drawing/2014/main" id="{540EC13E-B084-BC8A-68D5-ACF4BB2C69BA}"/>
+              </a:ext>
+            </a:extLst>
+          </p:cNvPr>
+          <p:cNvSpPr>
+            <a:spLocks noGrp="1"/>
+          </p:cNvSpPr>
+          <p:nvPr>
+            <p:ph type="body" sz="half" idx="2"/>
+          </p:nvPr>
+        </p:nvSpPr>
+        <p:spPr>
+          <a:xfrm>
+            <a:off x="1115568" y="2330450"/>
+            <a:ext cx="3794760" cy="3860800"/>
+          </a:xfrm>
+        </p:spPr>
+        <p:txBody>
+          <a:bodyPr/>
+          <a:lstStyle/>
+          <a:p>
+            <a:r>
+              <a:rPr lang="en-US" dirty="0"/>
+              <a:t>There are two main “blocks” of information the database needs to support: Users and Properties.</a:t>
+            </a:r>
+          </a:p>
+          <a:p>
+            <a:r>
+              <a:rPr lang="en-US" dirty="0"/>
+              <a:t>There are multiple tables facilitating each of these data sets, and their attributes.</a:t>
+            </a:r>
+          </a:p>
+          <a:p>
+            <a:r>
+              <a:rPr lang="en-US" dirty="0"/>
+              <a:t>The two categories of users, ‘guest’ and ‘host’ share a base ‘user’ class creating a joined subclass table strategy.</a:t>
+            </a:r>
+          </a:p>
+          <a:p>
+            <a:r>
+              <a:rPr lang="en-US" dirty="0"/>
+              <a:t>The ‘PropertyListing’ table includes relevant attributes for the properties offered on the page, multiple of which use N:M relations and therefore need to be normalized via additional tables.</a:t>
+            </a:r>
           </a:p>
           <a:p>
             <a:endParaRPr lang="en-US" dirty="0"/>
@@ -9941,10 +10255,10 @@
       </p:sp>
       <p:pic>
         <p:nvPicPr>
-          <p:cNvPr id="4" name="Grafik 3">
-            <a:extLst>
-              <a:ext uri="{FF2B5EF4-FFF2-40B4-BE49-F238E27FC236}">
-                <a16:creationId xmlns:a16="http://schemas.microsoft.com/office/drawing/2014/main" id="{A998EB67-5728-37A7-A3F3-1ADABA89308D}"/>
+          <p:cNvPr id="6" name="Grafik 5" descr="Ein Bild, das Text, Diagramm, Plan, parallel enthält.&#10;&#10;Automatisch generierte Beschreibung">
+            <a:extLst>
+              <a:ext uri="{FF2B5EF4-FFF2-40B4-BE49-F238E27FC236}">
+                <a16:creationId xmlns:a16="http://schemas.microsoft.com/office/drawing/2014/main" id="{DCBE5939-0CCA-23A5-39B6-C0695F1DC37C}"/>
               </a:ext>
             </a:extLst>
           </p:cNvPr>
@@ -9967,6 +10281,42 @@
         </p:blipFill>
         <p:spPr>
           <a:xfrm>
+            <a:off x="6096000" y="0"/>
+            <a:ext cx="6046470" cy="6858000"/>
+          </a:xfrm>
+          <a:prstGeom prst="rect">
+            <a:avLst/>
+          </a:prstGeom>
+        </p:spPr>
+      </p:pic>
+      <p:pic>
+        <p:nvPicPr>
+          <p:cNvPr id="26" name="Grafik 25">
+            <a:extLst>
+              <a:ext uri="{FF2B5EF4-FFF2-40B4-BE49-F238E27FC236}">
+                <a16:creationId xmlns:a16="http://schemas.microsoft.com/office/drawing/2014/main" id="{FADEB38D-BD98-1E57-78B5-562C49072371}"/>
+              </a:ext>
+            </a:extLst>
+          </p:cNvPr>
+          <p:cNvPicPr>
+            <a:picLocks noChangeAspect="1"/>
+          </p:cNvPicPr>
+          <p:nvPr/>
+        </p:nvPicPr>
+        <p:blipFill>
+          <a:blip r:embed="rId3">
+            <a:extLst>
+              <a:ext uri="{28A0092B-C50C-407E-A947-70E740481C1C}">
+                <a14:useLocalDpi xmlns:a14="http://schemas.microsoft.com/office/drawing/2010/main" val="0"/>
+              </a:ext>
+            </a:extLst>
+          </a:blip>
+          <a:stretch>
+            <a:fillRect/>
+          </a:stretch>
+        </p:blipFill>
+        <p:spPr>
+          <a:xfrm>
             <a:off x="11633200" y="6299200"/>
             <a:ext cx="457200" cy="457200"/>
           </a:xfrm>
@@ -9978,7 +10328,7 @@
     </p:spTree>
     <p:extLst>
       <p:ext uri="{BB962C8B-B14F-4D97-AF65-F5344CB8AC3E}">
-        <p14:creationId xmlns:p14="http://schemas.microsoft.com/office/powerpoint/2010/main" val="1591992961"/>
+        <p14:creationId xmlns:p14="http://schemas.microsoft.com/office/powerpoint/2010/main" val="3144123164"/>
       </p:ext>
     </p:extLst>
   </p:cSld>
@@ -10005,135 +10355,12 @@
           <a:chExt cx="0" cy="0"/>
         </a:xfrm>
       </p:grpSpPr>
-      <p:sp>
-        <p:nvSpPr>
-          <p:cNvPr id="2" name="Titel 1">
-            <a:extLst>
-              <a:ext uri="{FF2B5EF4-FFF2-40B4-BE49-F238E27FC236}">
-                <a16:creationId xmlns:a16="http://schemas.microsoft.com/office/drawing/2014/main" id="{0091354D-B7DC-5D5B-520E-0D72F0528C48}"/>
-              </a:ext>
-            </a:extLst>
-          </p:cNvPr>
-          <p:cNvSpPr>
-            <a:spLocks noGrp="1"/>
-          </p:cNvSpPr>
-          <p:nvPr>
-            <p:ph type="title"/>
-          </p:nvPr>
-        </p:nvSpPr>
-        <p:spPr>
-          <a:xfrm>
-            <a:off x="765449" y="884928"/>
-            <a:ext cx="4494998" cy="1134640"/>
-          </a:xfrm>
-        </p:spPr>
-        <p:txBody>
-          <a:bodyPr/>
-          <a:lstStyle/>
-          <a:p>
-            <a:r>
-              <a:rPr lang="en-US" dirty="0"/>
-              <a:t>Structure</a:t>
-            </a:r>
-          </a:p>
-        </p:txBody>
-      </p:sp>
-      <p:sp>
-        <p:nvSpPr>
-          <p:cNvPr id="4" name="Textplatzhalter 3">
-            <a:extLst>
-              <a:ext uri="{FF2B5EF4-FFF2-40B4-BE49-F238E27FC236}">
-                <a16:creationId xmlns:a16="http://schemas.microsoft.com/office/drawing/2014/main" id="{540EC13E-B084-BC8A-68D5-ACF4BB2C69BA}"/>
-              </a:ext>
-            </a:extLst>
-          </p:cNvPr>
-          <p:cNvSpPr>
-            <a:spLocks noGrp="1"/>
-          </p:cNvSpPr>
-          <p:nvPr>
-            <p:ph type="body" sz="half" idx="2"/>
-          </p:nvPr>
-        </p:nvSpPr>
-        <p:spPr>
-          <a:xfrm>
-            <a:off x="1115568" y="2330450"/>
-            <a:ext cx="3794760" cy="3860800"/>
-          </a:xfrm>
-        </p:spPr>
-        <p:txBody>
-          <a:bodyPr/>
-          <a:lstStyle/>
-          <a:p>
-            <a:r>
-              <a:rPr lang="en-US" dirty="0"/>
-              <a:t>There are two major “blocks” of information the database needs to support: Users and Properties.</a:t>
-            </a:r>
-          </a:p>
-          <a:p>
-            <a:r>
-              <a:rPr lang="en-US" dirty="0"/>
-              <a:t>There are multiple tables facilitating each of these data sets, and their attributes.</a:t>
-            </a:r>
-          </a:p>
-          <a:p>
-            <a:r>
-              <a:rPr lang="en-US" dirty="0"/>
-              <a:t>The two categories of users, ‘guest’ and ‘host’ share a base ‘user’ class creating a joined subclass table strategy.</a:t>
-            </a:r>
-          </a:p>
-          <a:p>
-            <a:r>
-              <a:rPr lang="en-US" dirty="0"/>
-              <a:t>The ‘PropertyListing’ table includes relevant attributes for the properties offered on the page, multiple of which use N:M relations and therefore need to be normalized via additional tables.</a:t>
-            </a:r>
-          </a:p>
-          <a:p>
-            <a:endParaRPr lang="en-US" dirty="0"/>
-          </a:p>
-        </p:txBody>
-      </p:sp>
       <p:pic>
         <p:nvPicPr>
-          <p:cNvPr id="6" name="Grafik 5" descr="Ein Bild, das Text, Diagramm, Plan, parallel enthält.&#10;&#10;Automatisch generierte Beschreibung">
-            <a:extLst>
-              <a:ext uri="{FF2B5EF4-FFF2-40B4-BE49-F238E27FC236}">
-                <a16:creationId xmlns:a16="http://schemas.microsoft.com/office/drawing/2014/main" id="{DCBE5939-0CCA-23A5-39B6-C0695F1DC37C}"/>
-              </a:ext>
-            </a:extLst>
-          </p:cNvPr>
-          <p:cNvPicPr>
-            <a:picLocks noChangeAspect="1"/>
-          </p:cNvPicPr>
-          <p:nvPr/>
-        </p:nvPicPr>
-        <p:blipFill>
-          <a:blip r:embed="rId2">
-            <a:extLst>
-              <a:ext uri="{28A0092B-C50C-407E-A947-70E740481C1C}">
-                <a14:useLocalDpi xmlns:a14="http://schemas.microsoft.com/office/drawing/2010/main" val="0"/>
-              </a:ext>
-            </a:extLst>
-          </a:blip>
-          <a:stretch>
-            <a:fillRect/>
-          </a:stretch>
-        </p:blipFill>
-        <p:spPr>
-          <a:xfrm>
-            <a:off x="6096000" y="0"/>
-            <a:ext cx="6046470" cy="6858000"/>
-          </a:xfrm>
-          <a:prstGeom prst="rect">
-            <a:avLst/>
-          </a:prstGeom>
-        </p:spPr>
-      </p:pic>
-      <p:pic>
-        <p:nvPicPr>
-          <p:cNvPr id="26" name="Grafik 25">
-            <a:extLst>
-              <a:ext uri="{FF2B5EF4-FFF2-40B4-BE49-F238E27FC236}">
-                <a16:creationId xmlns:a16="http://schemas.microsoft.com/office/drawing/2014/main" id="{FADEB38D-BD98-1E57-78B5-562C49072371}"/>
+          <p:cNvPr id="5" name="Grafik 4" descr="Ein Bild, das Text, Diagramm, Plan, parallel enthält.&#10;&#10;Automatisch generierte Beschreibung">
+            <a:extLst>
+              <a:ext uri="{FF2B5EF4-FFF2-40B4-BE49-F238E27FC236}">
+                <a16:creationId xmlns:a16="http://schemas.microsoft.com/office/drawing/2014/main" id="{8088F99C-14CB-4D43-4E56-EBC089B2E77E}"/>
               </a:ext>
             </a:extLst>
           </p:cNvPr>
@@ -10156,6 +10383,168 @@
         </p:blipFill>
         <p:spPr>
           <a:xfrm>
+            <a:off x="7541261" y="0"/>
+            <a:ext cx="4650739" cy="6858000"/>
+          </a:xfrm>
+          <a:prstGeom prst="rect">
+            <a:avLst/>
+          </a:prstGeom>
+        </p:spPr>
+      </p:pic>
+      <p:pic>
+        <p:nvPicPr>
+          <p:cNvPr id="7" name="Grafik 6" descr="Ein Bild, das Text, Diagramm, Plan, technische Zeichnung enthält.&#10;&#10;Automatisch generierte Beschreibung">
+            <a:extLst>
+              <a:ext uri="{FF2B5EF4-FFF2-40B4-BE49-F238E27FC236}">
+                <a16:creationId xmlns:a16="http://schemas.microsoft.com/office/drawing/2014/main" id="{FE9E2B74-528C-3465-3A4C-35CA31AEFBFA}"/>
+              </a:ext>
+            </a:extLst>
+          </p:cNvPr>
+          <p:cNvPicPr>
+            <a:picLocks noChangeAspect="1"/>
+          </p:cNvPicPr>
+          <p:nvPr/>
+        </p:nvPicPr>
+        <p:blipFill>
+          <a:blip r:embed="rId4">
+            <a:extLst>
+              <a:ext uri="{28A0092B-C50C-407E-A947-70E740481C1C}">
+                <a14:useLocalDpi xmlns:a14="http://schemas.microsoft.com/office/drawing/2010/main" val="0"/>
+              </a:ext>
+            </a:extLst>
+          </a:blip>
+          <a:stretch>
+            <a:fillRect/>
+          </a:stretch>
+        </p:blipFill>
+        <p:spPr>
+          <a:xfrm>
+            <a:off x="0" y="0"/>
+            <a:ext cx="4706158" cy="6858000"/>
+          </a:xfrm>
+          <a:prstGeom prst="rect">
+            <a:avLst/>
+          </a:prstGeom>
+        </p:spPr>
+      </p:pic>
+      <p:sp>
+        <p:nvSpPr>
+          <p:cNvPr id="8" name="Pfeil: nach unten 7">
+            <a:extLst>
+              <a:ext uri="{FF2B5EF4-FFF2-40B4-BE49-F238E27FC236}">
+                <a16:creationId xmlns:a16="http://schemas.microsoft.com/office/drawing/2014/main" id="{43158149-295C-4A90-4D52-1801AB0274CD}"/>
+              </a:ext>
+            </a:extLst>
+          </p:cNvPr>
+          <p:cNvSpPr/>
+          <p:nvPr/>
+        </p:nvSpPr>
+        <p:spPr>
+          <a:xfrm rot="16200000">
+            <a:off x="4801423" y="2012732"/>
+            <a:ext cx="2647142" cy="2832534"/>
+          </a:xfrm>
+          <a:prstGeom prst="downArrow">
+            <a:avLst>
+              <a:gd name="adj1" fmla="val 100000"/>
+              <a:gd name="adj2" fmla="val 100047"/>
+            </a:avLst>
+          </a:prstGeom>
+          <a:solidFill>
+            <a:schemeClr val="accent2"/>
+          </a:solidFill>
+          <a:ln>
+            <a:noFill/>
+          </a:ln>
+        </p:spPr>
+        <p:style>
+          <a:lnRef idx="2">
+            <a:schemeClr val="accent1">
+              <a:shade val="15000"/>
+            </a:schemeClr>
+          </a:lnRef>
+          <a:fillRef idx="1">
+            <a:schemeClr val="accent1"/>
+          </a:fillRef>
+          <a:effectRef idx="0">
+            <a:schemeClr val="accent1"/>
+          </a:effectRef>
+          <a:fontRef idx="minor">
+            <a:schemeClr val="lt1"/>
+          </a:fontRef>
+        </p:style>
+        <p:txBody>
+          <a:bodyPr rtlCol="0" anchor="ctr"/>
+          <a:lstStyle/>
+          <a:p>
+            <a:pPr algn="ctr"/>
+            <a:endParaRPr lang="en-US" dirty="0"/>
+          </a:p>
+        </p:txBody>
+      </p:sp>
+      <p:sp>
+        <p:nvSpPr>
+          <p:cNvPr id="2" name="Titel 1">
+            <a:extLst>
+              <a:ext uri="{FF2B5EF4-FFF2-40B4-BE49-F238E27FC236}">
+                <a16:creationId xmlns:a16="http://schemas.microsoft.com/office/drawing/2014/main" id="{DB05F02C-EC23-A54F-504E-E2EE6FCDAF10}"/>
+              </a:ext>
+            </a:extLst>
+          </p:cNvPr>
+          <p:cNvSpPr>
+            <a:spLocks noGrp="1"/>
+          </p:cNvSpPr>
+          <p:nvPr>
+            <p:ph type="title"/>
+          </p:nvPr>
+        </p:nvSpPr>
+        <p:spPr>
+          <a:xfrm>
+            <a:off x="5022850" y="0"/>
+            <a:ext cx="2190750" cy="6857999"/>
+          </a:xfrm>
+        </p:spPr>
+        <p:txBody>
+          <a:bodyPr>
+            <a:normAutofit/>
+          </a:bodyPr>
+          <a:lstStyle/>
+          <a:p>
+            <a:r>
+              <a:rPr lang="en-US" sz="2200" dirty="0"/>
+              <a:t>Structure Changes Overview</a:t>
+            </a:r>
+          </a:p>
+        </p:txBody>
+      </p:sp>
+      <p:pic>
+        <p:nvPicPr>
+          <p:cNvPr id="9" name="Grafik 8">
+            <a:extLst>
+              <a:ext uri="{FF2B5EF4-FFF2-40B4-BE49-F238E27FC236}">
+                <a16:creationId xmlns:a16="http://schemas.microsoft.com/office/drawing/2014/main" id="{A993257F-C99F-340F-8AD0-F6C51378F24A}"/>
+              </a:ext>
+            </a:extLst>
+          </p:cNvPr>
+          <p:cNvPicPr>
+            <a:picLocks noChangeAspect="1"/>
+          </p:cNvPicPr>
+          <p:nvPr/>
+        </p:nvPicPr>
+        <p:blipFill>
+          <a:blip r:embed="rId5">
+            <a:extLst>
+              <a:ext uri="{28A0092B-C50C-407E-A947-70E740481C1C}">
+                <a14:useLocalDpi xmlns:a14="http://schemas.microsoft.com/office/drawing/2010/main" val="0"/>
+              </a:ext>
+            </a:extLst>
+          </a:blip>
+          <a:stretch>
+            <a:fillRect/>
+          </a:stretch>
+        </p:blipFill>
+        <p:spPr>
+          <a:xfrm>
             <a:off x="11633200" y="6299200"/>
             <a:ext cx="457200" cy="457200"/>
           </a:xfrm>
@@ -10167,7 +10556,7 @@
     </p:spTree>
     <p:extLst>
       <p:ext uri="{BB962C8B-B14F-4D97-AF65-F5344CB8AC3E}">
-        <p14:creationId xmlns:p14="http://schemas.microsoft.com/office/powerpoint/2010/main" val="3144123164"/>
+        <p14:creationId xmlns:p14="http://schemas.microsoft.com/office/powerpoint/2010/main" val="1093401247"/>
       </p:ext>
     </p:extLst>
   </p:cSld>
@@ -11250,4 +11639,299 @@
     </a:ext>
   </a:extLst>
 </a:theme>
+</file>
+
+<file path=ppt/theme/theme2.xml><?xml version="1.0" encoding="utf-8"?>
+<a:theme xmlns:a="http://schemas.openxmlformats.org/drawingml/2006/main" name="Office">
+  <a:themeElements>
+    <a:clrScheme name="Office">
+      <a:dk1>
+        <a:sysClr val="windowText" lastClr="000000"/>
+      </a:dk1>
+      <a:lt1>
+        <a:sysClr val="window" lastClr="FFFFFF"/>
+      </a:lt1>
+      <a:dk2>
+        <a:srgbClr val="44546A"/>
+      </a:dk2>
+      <a:lt2>
+        <a:srgbClr val="E7E6E6"/>
+      </a:lt2>
+      <a:accent1>
+        <a:srgbClr val="4472C4"/>
+      </a:accent1>
+      <a:accent2>
+        <a:srgbClr val="ED7D31"/>
+      </a:accent2>
+      <a:accent3>
+        <a:srgbClr val="A5A5A5"/>
+      </a:accent3>
+      <a:accent4>
+        <a:srgbClr val="FFC000"/>
+      </a:accent4>
+      <a:accent5>
+        <a:srgbClr val="5B9BD5"/>
+      </a:accent5>
+      <a:accent6>
+        <a:srgbClr val="70AD47"/>
+      </a:accent6>
+      <a:hlink>
+        <a:srgbClr val="0563C1"/>
+      </a:hlink>
+      <a:folHlink>
+        <a:srgbClr val="954F72"/>
+      </a:folHlink>
+    </a:clrScheme>
+    <a:fontScheme name="Office">
+      <a:majorFont>
+        <a:latin typeface="Calibri Light" panose="020F0302020204030204"/>
+        <a:ea typeface=""/>
+        <a:cs typeface=""/>
+        <a:font script="Jpan" typeface="游ゴシック Light"/>
+        <a:font script="Hang" typeface="맑은 고딕"/>
+        <a:font script="Hans" typeface="等线 Light"/>
+        <a:font script="Hant" typeface="新細明體"/>
+        <a:font script="Arab" typeface="Times New Roman"/>
+        <a:font script="Hebr" typeface="Times New Roman"/>
+        <a:font script="Thai" typeface="Angsana New"/>
+        <a:font script="Ethi" typeface="Nyala"/>
+        <a:font script="Beng" typeface="Vrinda"/>
+        <a:font script="Gujr" typeface="Shruti"/>
+        <a:font script="Khmr" typeface="MoolBoran"/>
+        <a:font script="Knda" typeface="Tunga"/>
+        <a:font script="Guru" typeface="Raavi"/>
+        <a:font script="Cans" typeface="Euphemia"/>
+        <a:font script="Cher" typeface="Plantagenet Cherokee"/>
+        <a:font script="Yiii" typeface="Microsoft Yi Baiti"/>
+        <a:font script="Tibt" typeface="Microsoft Himalaya"/>
+        <a:font script="Thaa" typeface="MV Boli"/>
+        <a:font script="Deva" typeface="Mangal"/>
+        <a:font script="Telu" typeface="Gautami"/>
+        <a:font script="Taml" typeface="Latha"/>
+        <a:font script="Syrc" typeface="Estrangelo Edessa"/>
+        <a:font script="Orya" typeface="Kalinga"/>
+        <a:font script="Mlym" typeface="Kartika"/>
+        <a:font script="Laoo" typeface="DokChampa"/>
+        <a:font script="Sinh" typeface="Iskoola Pota"/>
+        <a:font script="Mong" typeface="Mongolian Baiti"/>
+        <a:font script="Viet" typeface="Times New Roman"/>
+        <a:font script="Uigh" typeface="Microsoft Uighur"/>
+        <a:font script="Geor" typeface="Sylfaen"/>
+        <a:font script="Armn" typeface="Arial"/>
+        <a:font script="Bugi" typeface="Leelawadee UI"/>
+        <a:font script="Bopo" typeface="Microsoft JhengHei"/>
+        <a:font script="Java" typeface="Javanese Text"/>
+        <a:font script="Lisu" typeface="Segoe UI"/>
+        <a:font script="Mymr" typeface="Myanmar Text"/>
+        <a:font script="Nkoo" typeface="Ebrima"/>
+        <a:font script="Olck" typeface="Nirmala UI"/>
+        <a:font script="Osma" typeface="Ebrima"/>
+        <a:font script="Phag" typeface="Phagspa"/>
+        <a:font script="Syrn" typeface="Estrangelo Edessa"/>
+        <a:font script="Syrj" typeface="Estrangelo Edessa"/>
+        <a:font script="Syre" typeface="Estrangelo Edessa"/>
+        <a:font script="Sora" typeface="Nirmala UI"/>
+        <a:font script="Tale" typeface="Microsoft Tai Le"/>
+        <a:font script="Talu" typeface="Microsoft New Tai Lue"/>
+        <a:font script="Tfng" typeface="Ebrima"/>
+      </a:majorFont>
+      <a:minorFont>
+        <a:latin typeface="Calibri" panose="020F0502020204030204"/>
+        <a:ea typeface=""/>
+        <a:cs typeface=""/>
+        <a:font script="Jpan" typeface="游ゴシック"/>
+        <a:font script="Hang" typeface="맑은 고딕"/>
+        <a:font script="Hans" typeface="等线"/>
+        <a:font script="Hant" typeface="新細明體"/>
+        <a:font script="Arab" typeface="Arial"/>
+        <a:font script="Hebr" typeface="Arial"/>
+        <a:font script="Thai" typeface="Cordia New"/>
+        <a:font script="Ethi" typeface="Nyala"/>
+        <a:font script="Beng" typeface="Vrinda"/>
+        <a:font script="Gujr" typeface="Shruti"/>
+        <a:font script="Khmr" typeface="DaunPenh"/>
+        <a:font script="Knda" typeface="Tunga"/>
+        <a:font script="Guru" typeface="Raavi"/>
+        <a:font script="Cans" typeface="Euphemia"/>
+        <a:font script="Cher" typeface="Plantagenet Cherokee"/>
+        <a:font script="Yiii" typeface="Microsoft Yi Baiti"/>
+        <a:font script="Tibt" typeface="Microsoft Himalaya"/>
+        <a:font script="Thaa" typeface="MV Boli"/>
+        <a:font script="Deva" typeface="Mangal"/>
+        <a:font script="Telu" typeface="Gautami"/>
+        <a:font script="Taml" typeface="Latha"/>
+        <a:font script="Syrc" typeface="Estrangelo Edessa"/>
+        <a:font script="Orya" typeface="Kalinga"/>
+        <a:font script="Mlym" typeface="Kartika"/>
+        <a:font script="Laoo" typeface="DokChampa"/>
+        <a:font script="Sinh" typeface="Iskoola Pota"/>
+        <a:font script="Mong" typeface="Mongolian Baiti"/>
+        <a:font script="Viet" typeface="Arial"/>
+        <a:font script="Uigh" typeface="Microsoft Uighur"/>
+        <a:font script="Geor" typeface="Sylfaen"/>
+        <a:font script="Armn" typeface="Arial"/>
+        <a:font script="Bugi" typeface="Leelawadee UI"/>
+        <a:font script="Bopo" typeface="Microsoft JhengHei"/>
+        <a:font script="Java" typeface="Javanese Text"/>
+        <a:font script="Lisu" typeface="Segoe UI"/>
+        <a:font script="Mymr" typeface="Myanmar Text"/>
+        <a:font script="Nkoo" typeface="Ebrima"/>
+        <a:font script="Olck" typeface="Nirmala UI"/>
+        <a:font script="Osma" typeface="Ebrima"/>
+        <a:font script="Phag" typeface="Phagspa"/>
+        <a:font script="Syrn" typeface="Estrangelo Edessa"/>
+        <a:font script="Syrj" typeface="Estrangelo Edessa"/>
+        <a:font script="Syre" typeface="Estrangelo Edessa"/>
+        <a:font script="Sora" typeface="Nirmala UI"/>
+        <a:font script="Tale" typeface="Microsoft Tai Le"/>
+        <a:font script="Talu" typeface="Microsoft New Tai Lue"/>
+        <a:font script="Tfng" typeface="Ebrima"/>
+      </a:minorFont>
+    </a:fontScheme>
+    <a:fmtScheme name="Office">
+      <a:fillStyleLst>
+        <a:solidFill>
+          <a:schemeClr val="phClr"/>
+        </a:solidFill>
+        <a:gradFill rotWithShape="1">
+          <a:gsLst>
+            <a:gs pos="0">
+              <a:schemeClr val="phClr">
+                <a:lumMod val="110000"/>
+                <a:satMod val="105000"/>
+                <a:tint val="67000"/>
+              </a:schemeClr>
+            </a:gs>
+            <a:gs pos="50000">
+              <a:schemeClr val="phClr">
+                <a:lumMod val="105000"/>
+                <a:satMod val="103000"/>
+                <a:tint val="73000"/>
+              </a:schemeClr>
+            </a:gs>
+            <a:gs pos="100000">
+              <a:schemeClr val="phClr">
+                <a:lumMod val="105000"/>
+                <a:satMod val="109000"/>
+                <a:tint val="81000"/>
+              </a:schemeClr>
+            </a:gs>
+          </a:gsLst>
+          <a:lin ang="5400000" scaled="0"/>
+        </a:gradFill>
+        <a:gradFill rotWithShape="1">
+          <a:gsLst>
+            <a:gs pos="0">
+              <a:schemeClr val="phClr">
+                <a:satMod val="103000"/>
+                <a:lumMod val="102000"/>
+                <a:tint val="94000"/>
+              </a:schemeClr>
+            </a:gs>
+            <a:gs pos="50000">
+              <a:schemeClr val="phClr">
+                <a:satMod val="110000"/>
+                <a:lumMod val="100000"/>
+                <a:shade val="100000"/>
+              </a:schemeClr>
+            </a:gs>
+            <a:gs pos="100000">
+              <a:schemeClr val="phClr">
+                <a:lumMod val="99000"/>
+                <a:satMod val="120000"/>
+                <a:shade val="78000"/>
+              </a:schemeClr>
+            </a:gs>
+          </a:gsLst>
+          <a:lin ang="5400000" scaled="0"/>
+        </a:gradFill>
+      </a:fillStyleLst>
+      <a:lnStyleLst>
+        <a:ln w="6350" cap="flat" cmpd="sng" algn="ctr">
+          <a:solidFill>
+            <a:schemeClr val="phClr"/>
+          </a:solidFill>
+          <a:prstDash val="solid"/>
+          <a:miter lim="800000"/>
+        </a:ln>
+        <a:ln w="12700" cap="flat" cmpd="sng" algn="ctr">
+          <a:solidFill>
+            <a:schemeClr val="phClr"/>
+          </a:solidFill>
+          <a:prstDash val="solid"/>
+          <a:miter lim="800000"/>
+        </a:ln>
+        <a:ln w="19050" cap="flat" cmpd="sng" algn="ctr">
+          <a:solidFill>
+            <a:schemeClr val="phClr"/>
+          </a:solidFill>
+          <a:prstDash val="solid"/>
+          <a:miter lim="800000"/>
+        </a:ln>
+      </a:lnStyleLst>
+      <a:effectStyleLst>
+        <a:effectStyle>
+          <a:effectLst/>
+        </a:effectStyle>
+        <a:effectStyle>
+          <a:effectLst/>
+        </a:effectStyle>
+        <a:effectStyle>
+          <a:effectLst>
+            <a:outerShdw blurRad="57150" dist="19050" dir="5400000" algn="ctr" rotWithShape="0">
+              <a:srgbClr val="000000">
+                <a:alpha val="63000"/>
+              </a:srgbClr>
+            </a:outerShdw>
+          </a:effectLst>
+        </a:effectStyle>
+      </a:effectStyleLst>
+      <a:bgFillStyleLst>
+        <a:solidFill>
+          <a:schemeClr val="phClr"/>
+        </a:solidFill>
+        <a:solidFill>
+          <a:schemeClr val="phClr">
+            <a:tint val="95000"/>
+            <a:satMod val="170000"/>
+          </a:schemeClr>
+        </a:solidFill>
+        <a:gradFill rotWithShape="1">
+          <a:gsLst>
+            <a:gs pos="0">
+              <a:schemeClr val="phClr">
+                <a:tint val="93000"/>
+                <a:satMod val="150000"/>
+                <a:shade val="98000"/>
+                <a:lumMod val="102000"/>
+              </a:schemeClr>
+            </a:gs>
+            <a:gs pos="50000">
+              <a:schemeClr val="phClr">
+                <a:tint val="98000"/>
+                <a:satMod val="130000"/>
+                <a:shade val="90000"/>
+                <a:lumMod val="103000"/>
+              </a:schemeClr>
+            </a:gs>
+            <a:gs pos="100000">
+              <a:schemeClr val="phClr">
+                <a:shade val="63000"/>
+                <a:satMod val="120000"/>
+              </a:schemeClr>
+            </a:gs>
+          </a:gsLst>
+          <a:lin ang="5400000" scaled="0"/>
+        </a:gradFill>
+      </a:bgFillStyleLst>
+    </a:fmtScheme>
+  </a:themeElements>
+  <a:objectDefaults/>
+  <a:extraClrSchemeLst/>
+  <a:extLst>
+    <a:ext uri="{05A4C25C-085E-4340-85A3-A5531E510DB2}">
+      <thm15:themeFamily xmlns:thm15="http://schemas.microsoft.com/office/thememl/2012/main" name="Office Theme" id="{62F939B6-93AF-4DB8-9C6B-D6C7DFDC589F}" vid="{4A3C46E8-61CC-4603-A589-7422A47A8E4A}"/>
+    </a:ext>
+  </a:extLst>
+</a:theme>
 </file>
--- a/phase_2/phase_2_db_presentation.pptx
+++ b/phase_2/phase_2_db_presentation.pptx
@@ -15,8 +15,8 @@
     <p:sldId id="259" r:id="rId6"/>
     <p:sldId id="293" r:id="rId7"/>
     <p:sldId id="261" r:id="rId8"/>
-    <p:sldId id="263" r:id="rId9"/>
-    <p:sldId id="262" r:id="rId10"/>
+    <p:sldId id="262" r:id="rId9"/>
+    <p:sldId id="263" r:id="rId10"/>
     <p:sldId id="265" r:id="rId11"/>
     <p:sldId id="264" r:id="rId12"/>
     <p:sldId id="266" r:id="rId13"/>
@@ -661,7 +661,7 @@
           <a:p>
             <a:fld id="{2002AA5A-1450-4FA9-BE3A-B2196509832E}" type="slidenum">
               <a:rPr lang="en-US" smtClean="0"/>
-              <a:t>9</a:t>
+              <a:t>8</a:t>
             </a:fld>
             <a:endParaRPr lang="en-US"/>
           </a:p>
@@ -3928,7 +3928,7 @@
           <a:p>
             <a:r>
               <a:rPr lang="en-US" dirty="0"/>
-              <a:t>By Tom Schmaeling</a:t>
+              <a:t>By Tom Schmäling</a:t>
             </a:r>
           </a:p>
         </p:txBody>
@@ -4125,13 +4125,13 @@
           <a:p>
             <a:r>
               <a:rPr lang="en-US" dirty="0"/>
-              <a:t>The comment attribute holds the user created written text</a:t>
+              <a:t>The comment attribute holds the user created written text.</a:t>
             </a:r>
           </a:p>
           <a:p>
             <a:r>
               <a:rPr lang="en-US" dirty="0"/>
-              <a:t>User and author_user ids and timestamps are also saved</a:t>
+              <a:t>User and author_user ids and timestamps are also saved.</a:t>
             </a:r>
           </a:p>
           <a:p>
@@ -4858,7 +4858,7 @@
           <a:p>
             <a:r>
               <a:rPr lang="en-US" dirty="0"/>
-              <a:t>The reasoning for the selection of attributes is the categorization or search user flow on the website.</a:t>
+              <a:t>The reasoning for the selection of attributes is the categorization or search user flow on the AirBnB website.</a:t>
             </a:r>
           </a:p>
           <a:p>
@@ -5998,7 +5998,7 @@
           <a:p>
             <a:r>
               <a:rPr lang="en-US" dirty="0"/>
-              <a:t>Currency is not a table that will see frequent changes and is rather used as a reference.</a:t>
+              <a:t>Currency is not a table that will see frequent changes and is rather used as a reference or lookup table.</a:t>
             </a:r>
           </a:p>
           <a:p>
@@ -6602,10 +6602,15 @@
             <p:ph sz="half" idx="2"/>
           </p:nvPr>
         </p:nvSpPr>
-        <p:spPr/>
+        <p:spPr>
+          <a:xfrm>
+            <a:off x="6338315" y="2638043"/>
+            <a:ext cx="4270247" cy="3255265"/>
+          </a:xfrm>
+        </p:spPr>
         <p:txBody>
           <a:bodyPr>
-            <a:normAutofit fontScale="85000" lnSpcReduction="10000"/>
+            <a:normAutofit fontScale="85000" lnSpcReduction="20000"/>
           </a:bodyPr>
           <a:lstStyle/>
           <a:p>
@@ -6623,13 +6628,13 @@
           <a:p>
             <a:r>
               <a:rPr lang="en-US" dirty="0"/>
-              <a:t>The reason for this is that Airbnb differentiates between, for example, American and British English.</a:t>
+              <a:t>The reason for this is that Airbnb differentiates between, for example,  American and British English.</a:t>
             </a:r>
           </a:p>
           <a:p>
             <a:r>
               <a:rPr lang="en-US" dirty="0"/>
-              <a:t>Language is not a table that will see frequent changes and is rather used as a reference.</a:t>
+              <a:t>Language is not a table that will see frequent changes and is rather used as a reference or look up table.</a:t>
             </a:r>
           </a:p>
           <a:p>
@@ -7308,7 +7313,7 @@
           <a:p>
             <a:r>
               <a:rPr lang="en-US" dirty="0"/>
-              <a:t>Other than the ‘created’ and ‘last_modified’ timestamps, the chats table also holds both chat participants.</a:t>
+              <a:t>Other than the ‘created’ and ‘last_modified’ timestamps, the chats table also saves both chat participants.</a:t>
             </a:r>
           </a:p>
           <a:p>
@@ -8189,7 +8194,7 @@
           <a:p>
             <a:r>
               <a:rPr lang="en-US" dirty="0"/>
-              <a:t>As Airbnb enables users to share images in chats, a message may contain an image instead of text. This necessitates the optional ‘image_id’ attribute. </a:t>
+              <a:t>As Airbnb enables users to share images in chats, a message may contain an image instead of text. This necessitates the optional ‘image_id’ attribute.</a:t>
             </a:r>
           </a:p>
           <a:p>
@@ -8201,7 +8206,7 @@
           <a:p>
             <a:r>
               <a:rPr lang="en-US" dirty="0"/>
-              <a:t>The second test case in the screenshot test the relationship of ‘Chat’ and ‘Message’ tables by returning all data entries of messages for a given</a:t>
+              <a:t>The second test case in the screenshot tests the relationship of ‘Chat’ and ‘Message’ tables by returning all data entries of messages for a given Chat.</a:t>
             </a:r>
           </a:p>
         </p:txBody>
@@ -8886,7 +8891,7 @@
           <a:p>
             <a:r>
               <a:rPr lang="en-US" dirty="0"/>
-              <a:t>The emergency contact different to a user as it is only a collection of information relevant to the contact without any of the functionality of an actual account.</a:t>
+              <a:t>The emergency contact is different to a user as it is only a collection of information relevant to the contact without any of the functionality of an actual account in the application.</a:t>
             </a:r>
           </a:p>
           <a:p>
@@ -8898,7 +8903,7 @@
           <a:p>
             <a:r>
               <a:rPr lang="en-US" dirty="0"/>
-              <a:t>The ‘owning_user_id’ refers to the user that owns it.</a:t>
+              <a:t>The ‘owning_user_id’ refers to the user that “owns” the entry.</a:t>
             </a:r>
           </a:p>
           <a:p>
@@ -9643,7 +9648,7 @@
           <a:p>
             <a:r>
               <a:rPr lang="en-US" dirty="0"/>
-              <a:t>The table works in close relation to the ‘wishlist_propertylisting’ table (next slide). This first test case checks for general data of the chat table and other related tables in conjunction. The second test checks the relation of a chat and its messages.</a:t>
+              <a:t>The table works in close relation to the ‘wishlist_propertylisting’ table (next slide). This first test case checks for general data of the wishlist table and other related tables in conjunction. The second test checks the relation of a wishlist and its propertylistings.</a:t>
             </a:r>
           </a:p>
         </p:txBody>
@@ -10236,7 +10241,7 @@
           <a:p>
             <a:r>
               <a:rPr lang="en-US" dirty="0"/>
-              <a:t>As this is a M:N relation it needs to be normalized, we achieve this by using this ‘wishlist’ and a ‘wishlist_propertylisting’ table (see next slide).</a:t>
+              <a:t>As this is a M:N relation it needs to be normalized. We achieve this by using this ‘wishlist’ and a ‘wishlist_propertylisting’ table (see next slide).</a:t>
             </a:r>
           </a:p>
           <a:p>
@@ -11467,7 +11472,7 @@
             </a:pPr>
             <a:r>
               <a:rPr lang="en-US" dirty="0"/>
-              <a:t>Introduction and Presentation Structure</a:t>
+              <a:t>Introduction</a:t>
             </a:r>
           </a:p>
           <a:p>
@@ -11656,7 +11661,7 @@
           <a:p>
             <a:r>
               <a:rPr lang="en-US" dirty="0"/>
-              <a:t>Although many of the relations of this table have already been tested, this table of great importance to the overall system. It is therefore reasonable to create a test case that generally tests all relationships of this table. Said test case can be seen here, it focuses on returning relevant from all tables that have a relationship with the propertylisting table. (Either via property or host id)</a:t>
+              <a:t>Although many of the relations of this table have already been tested, this table is of great importance to the overall system. It is therefore reasonable to create a test case that generally tests all relationships of this table. Said test case can be seen here, it focuses on returning relevant data from all tables that have a relationship with the propertylisting table. (Either via property or host id)</a:t>
             </a:r>
           </a:p>
         </p:txBody>
@@ -11798,42 +11803,6 @@
           <a:xfrm>
             <a:off x="10948980" y="2283348"/>
             <a:ext cx="956641" cy="2533522"/>
-          </a:xfrm>
-          <a:prstGeom prst="rect">
-            <a:avLst/>
-          </a:prstGeom>
-        </p:spPr>
-      </p:pic>
-      <p:pic>
-        <p:nvPicPr>
-          <p:cNvPr id="22" name="Grafik 21">
-            <a:extLst>
-              <a:ext uri="{FF2B5EF4-FFF2-40B4-BE49-F238E27FC236}">
-                <a16:creationId xmlns:a16="http://schemas.microsoft.com/office/drawing/2014/main" id="{8427C8DD-220F-2932-C5D7-9653F6A8A613}"/>
-              </a:ext>
-            </a:extLst>
-          </p:cNvPr>
-          <p:cNvPicPr>
-            <a:picLocks noChangeAspect="1"/>
-          </p:cNvPicPr>
-          <p:nvPr/>
-        </p:nvPicPr>
-        <p:blipFill>
-          <a:blip r:embed="rId6">
-            <a:extLst>
-              <a:ext uri="{28A0092B-C50C-407E-A947-70E740481C1C}">
-                <a14:useLocalDpi xmlns:a14="http://schemas.microsoft.com/office/drawing/2010/main" val="0"/>
-              </a:ext>
-            </a:extLst>
-          </a:blip>
-          <a:stretch>
-            <a:fillRect/>
-          </a:stretch>
-        </p:blipFill>
-        <p:spPr>
-          <a:xfrm>
-            <a:off x="7560422" y="5112484"/>
-            <a:ext cx="4518009" cy="786622"/>
           </a:xfrm>
           <a:prstGeom prst="rect">
             <a:avLst/>
@@ -11949,7 +11918,7 @@
           <p:nvPr/>
         </p:nvPicPr>
         <p:blipFill>
-          <a:blip r:embed="rId7">
+          <a:blip r:embed="rId6">
             <a:extLst>
               <a:ext uri="{28A0092B-C50C-407E-A947-70E740481C1C}">
                 <a14:useLocalDpi xmlns:a14="http://schemas.microsoft.com/office/drawing/2010/main" val="0"/>
@@ -11985,7 +11954,7 @@
           <p:nvPr/>
         </p:nvPicPr>
         <p:blipFill>
-          <a:blip r:embed="rId8">
+          <a:blip r:embed="rId7">
             <a:extLst>
               <a:ext uri="{28A0092B-C50C-407E-A947-70E740481C1C}">
                 <a14:useLocalDpi xmlns:a14="http://schemas.microsoft.com/office/drawing/2010/main" val="0"/>
@@ -11998,7 +11967,7 @@
         </p:blipFill>
         <p:spPr>
           <a:xfrm>
-            <a:off x="5310038" y="3130356"/>
+            <a:off x="5310037" y="3039119"/>
             <a:ext cx="2187544" cy="1503936"/>
           </a:xfrm>
           <a:prstGeom prst="rect">
@@ -12021,7 +11990,7 @@
           <p:nvPr/>
         </p:nvPicPr>
         <p:blipFill>
-          <a:blip r:embed="rId9">
+          <a:blip r:embed="rId8">
             <a:extLst>
               <a:ext uri="{28A0092B-C50C-407E-A947-70E740481C1C}">
                 <a14:useLocalDpi xmlns:a14="http://schemas.microsoft.com/office/drawing/2010/main" val="0"/>
@@ -12324,6 +12293,94 @@
           </a:p>
         </p:txBody>
       </p:sp>
+      <p:sp>
+        <p:nvSpPr>
+          <p:cNvPr id="24" name="Rechteck 23">
+            <a:extLst>
+              <a:ext uri="{FF2B5EF4-FFF2-40B4-BE49-F238E27FC236}">
+                <a16:creationId xmlns:a16="http://schemas.microsoft.com/office/drawing/2014/main" id="{ED028A0D-0813-0647-1B7E-2C41EF65AEF3}"/>
+              </a:ext>
+            </a:extLst>
+          </p:cNvPr>
+          <p:cNvSpPr/>
+          <p:nvPr/>
+        </p:nvSpPr>
+        <p:spPr>
+          <a:xfrm>
+            <a:off x="6430878" y="5083343"/>
+            <a:ext cx="1401679" cy="1155032"/>
+          </a:xfrm>
+          <a:prstGeom prst="rect">
+            <a:avLst/>
+          </a:prstGeom>
+          <a:solidFill>
+            <a:schemeClr val="bg1"/>
+          </a:solidFill>
+          <a:ln>
+            <a:noFill/>
+          </a:ln>
+        </p:spPr>
+        <p:style>
+          <a:lnRef idx="2">
+            <a:schemeClr val="accent1">
+              <a:shade val="15000"/>
+            </a:schemeClr>
+          </a:lnRef>
+          <a:fillRef idx="1">
+            <a:schemeClr val="accent1"/>
+          </a:fillRef>
+          <a:effectRef idx="0">
+            <a:schemeClr val="accent1"/>
+          </a:effectRef>
+          <a:fontRef idx="minor">
+            <a:schemeClr val="lt1"/>
+          </a:fontRef>
+        </p:style>
+        <p:txBody>
+          <a:bodyPr rtlCol="0" anchor="ctr"/>
+          <a:lstStyle/>
+          <a:p>
+            <a:pPr algn="ctr"/>
+            <a:endParaRPr lang="en-US"/>
+          </a:p>
+        </p:txBody>
+      </p:sp>
+      <p:pic>
+        <p:nvPicPr>
+          <p:cNvPr id="22" name="Grafik 21">
+            <a:extLst>
+              <a:ext uri="{FF2B5EF4-FFF2-40B4-BE49-F238E27FC236}">
+                <a16:creationId xmlns:a16="http://schemas.microsoft.com/office/drawing/2014/main" id="{8427C8DD-220F-2932-C5D7-9653F6A8A613}"/>
+              </a:ext>
+            </a:extLst>
+          </p:cNvPr>
+          <p:cNvPicPr>
+            <a:picLocks noChangeAspect="1"/>
+          </p:cNvPicPr>
+          <p:nvPr/>
+        </p:nvPicPr>
+        <p:blipFill>
+          <a:blip r:embed="rId9">
+            <a:extLst>
+              <a:ext uri="{28A0092B-C50C-407E-A947-70E740481C1C}">
+                <a14:useLocalDpi xmlns:a14="http://schemas.microsoft.com/office/drawing/2010/main" val="0"/>
+              </a:ext>
+            </a:extLst>
+          </a:blip>
+          <a:stretch>
+            <a:fillRect/>
+          </a:stretch>
+        </p:blipFill>
+        <p:spPr>
+          <a:xfrm>
+            <a:off x="6466973" y="5126047"/>
+            <a:ext cx="5611459" cy="1064200"/>
+          </a:xfrm>
+          <a:prstGeom prst="rect">
+            <a:avLst/>
+          </a:prstGeom>
+        </p:spPr>
+      </p:pic>
     </p:spTree>
     <p:extLst>
       <p:ext uri="{BB962C8B-B14F-4D97-AF65-F5344CB8AC3E}">
@@ -12459,7 +12516,7 @@
           <a:p>
             <a:r>
               <a:rPr lang="en-US" dirty="0"/>
-              <a:t>It holds multiple ratings/scores which are displayed on the listing page. These are represented as integers with values from 0 to 5. (Star rating)</a:t>
+              <a:t>It holds multiple ratings/scores which are displayed on the listing page. These are represented as integers with values from 0 to 5. (Star rating). The application should make sure that the input is an integer within the given range before sending it to the DBMS.</a:t>
             </a:r>
           </a:p>
           <a:p>
@@ -13259,7 +13316,7 @@
                   </a:schemeClr>
                 </a:solidFill>
               </a:rPr>
-              <a:t>(I am considering removing these for the finalization phase and would appreciate feedback regarding this)</a:t>
+              <a:t>(I am considering removing these ids for the finalization phase and would appreciate feedback regarding this)</a:t>
             </a:r>
           </a:p>
           <a:p>
@@ -14167,7 +14224,7 @@
           <a:p>
             <a:r>
               <a:rPr lang="en-US" dirty="0"/>
-              <a:t>Relevant for test cases are the relationships of these tables, these are already tested other test cases, resulting in these simple queries, which check for content.</a:t>
+              <a:t>Relevant for test cases are the relationships of these tables; these are already tested via other test cases, resulting in these simple queries, which check for content.</a:t>
             </a:r>
           </a:p>
         </p:txBody>
@@ -14911,7 +14968,7 @@
           <a:p>
             <a:r>
               <a:rPr lang="en-US" dirty="0"/>
-              <a:t>The relevant relationship of this table is already table is already tested in the propertylisting test case, the content itself is once again tested via a simple select all statement in the test.sql file.</a:t>
+              <a:t>The relevant relationship of this table is already tested in the propertylisting test case, the content itself is once again tested via a simple select all statement at the end of the test.sql file.</a:t>
             </a:r>
           </a:p>
         </p:txBody>
@@ -15085,7 +15142,7 @@
             </a:r>
             <a:r>
               <a:rPr lang="en-US" sz="1600" dirty="0"/>
-              <a:t>’ is a simple table, see test case in test.sql</a:t>
+              <a:t>’ is tested via the ‘PropertyListing’ table test case.</a:t>
             </a:r>
           </a:p>
         </p:txBody>
@@ -15703,7 +15760,7 @@
           <a:p>
             <a:r>
               <a:rPr lang="en-US" dirty="0"/>
-              <a:t>The test cases displays that the relationships work </a:t>
+              <a:t>The test case displays that the relationships work </a:t>
             </a:r>
             <a:r>
               <a:rPr lang="en-US" altLang="ja-JP" dirty="0"/>
@@ -16475,13 +16532,13 @@
           <a:p>
             <a:r>
               <a:rPr lang="en-US" dirty="0"/>
-              <a:t>As stated in the problem statement, Bank Information is only relevant for hosts.</a:t>
+              <a:t>As mentioned in the problem statement, Bank Information is only relevant for hosts.</a:t>
             </a:r>
           </a:p>
           <a:p>
             <a:r>
               <a:rPr lang="en-US" dirty="0"/>
-              <a:t>The ‘BankInformation’ table references its address as well its owning host user via ids.</a:t>
+              <a:t>The ‘BankInformation’ table references the bank address as well its owning host user via the respective foreign keys.</a:t>
             </a:r>
           </a:p>
           <a:p>
@@ -16493,7 +16550,7 @@
           <a:p>
             <a:r>
               <a:rPr lang="en-US" dirty="0"/>
-              <a:t>This tables relationships are tested via other test cases, the content itself is tested once again via a select all query at the end of the test.sql file.</a:t>
+              <a:t>This tables relationships are tested via other test cases (such as Host), the content itself is tested once again via a select all query at the end of the test.sql file.</a:t>
             </a:r>
           </a:p>
         </p:txBody>
@@ -17037,7 +17094,7 @@
         <p:spPr/>
         <p:txBody>
           <a:bodyPr>
-            <a:normAutofit fontScale="92500" lnSpcReduction="10000"/>
+            <a:normAutofit fontScale="85000" lnSpcReduction="10000"/>
           </a:bodyPr>
           <a:lstStyle/>
           <a:p>
@@ -17049,19 +17106,25 @@
           <a:p>
             <a:r>
               <a:rPr lang="en-US" dirty="0"/>
-              <a:t>The ‘CreditCardInformation’ table references its address as well its owning host user via ids.</a:t>
+              <a:t>The ‘CreditCardInformation’ table references its owning host user via the foreign key.</a:t>
             </a:r>
           </a:p>
           <a:p>
             <a:r>
               <a:rPr lang="en-US" dirty="0"/>
-              <a:t>The rest of the information given in this table is example data relevant to Banks.</a:t>
+              <a:t>The rest of the information given in this table is example data relevant to credit cards.</a:t>
             </a:r>
           </a:p>
           <a:p>
             <a:r>
               <a:rPr lang="en-US" dirty="0"/>
-              <a:t>Counterpart to the previous table, both are also tested in the test cases of the ‘Transaction’ table in the following slide.</a:t>
+              <a:t>Counterpart to the previous table, it is likewise tested in the relevant user table, in this case ‘Guest’.</a:t>
+            </a:r>
+          </a:p>
+          <a:p>
+            <a:r>
+              <a:rPr lang="en-US" dirty="0"/>
+              <a:t>Both tables are also tested in the test cases of the ‘Transaction’ table in the following slide.</a:t>
             </a:r>
           </a:p>
         </p:txBody>
@@ -18377,7 +18440,7 @@
         <p:spPr/>
         <p:txBody>
           <a:bodyPr>
-            <a:normAutofit fontScale="92500" lnSpcReduction="20000"/>
+            <a:normAutofit fontScale="92500" lnSpcReduction="10000"/>
           </a:bodyPr>
           <a:lstStyle/>
           <a:p>
@@ -18389,19 +18452,13 @@
           <a:p>
             <a:r>
               <a:rPr lang="en-US" dirty="0"/>
-              <a:t>The ‘amount’ attribute saves the value of gift card.</a:t>
+              <a:t>The ‘amount’ attribute in combination with the ‘currency_id’ attribute are used to store the value of the gift card.</a:t>
             </a:r>
           </a:p>
           <a:p>
             <a:r>
               <a:rPr lang="en-US" dirty="0"/>
-              <a:t>The ‘currency_id’ attribute can then be used to convert it, if necessary</a:t>
-            </a:r>
-          </a:p>
-          <a:p>
-            <a:r>
-              <a:rPr lang="en-US" dirty="0"/>
-              <a:t>The GiftCard table is a very simple, which is not as important as other tables to the functionality of the system and therefore does not warrant a complicated test case, content is checked again at the end of the test.sql file.</a:t>
+              <a:t>The GiftCard table is quite simple and not as important as other tables to the functionality of the system and therefore does not warrant a complicated test case, content is checked again at the end of the test.sql file.</a:t>
             </a:r>
           </a:p>
         </p:txBody>
@@ -18575,7 +18632,7 @@
             </a:r>
             <a:r>
               <a:rPr lang="en-US" sz="1600" dirty="0"/>
-              <a:t>’ is a simple table, see test case in test.sql</a:t>
+              <a:t>’ is a simple table, see content test in test.sql</a:t>
             </a:r>
           </a:p>
         </p:txBody>
@@ -19355,13 +19412,14 @@
           <a:p>
             <a:r>
               <a:rPr lang="en-US" dirty="0"/>
+              <a:t>Small additional changes include:</a:t>
+            </a:r>
+          </a:p>
+          <a:p>
+            <a:pPr lvl="1"/>
+            <a:r>
+              <a:rPr lang="en-US" dirty="0"/>
               <a:t>The primary key’s now have more descriptive names.</a:t>
-            </a:r>
-          </a:p>
-          <a:p>
-            <a:r>
-              <a:rPr lang="en-US" dirty="0"/>
-              <a:t>Small additional changes include:</a:t>
             </a:r>
           </a:p>
           <a:p>
@@ -19566,7 +19624,7 @@
           <a:p>
             <a:r>
               <a:rPr lang="en-US" dirty="0"/>
-              <a:t>The two categories of users, ‘guest’ and ‘host’ share a base ‘user’ class creating a joined subclass table strategy.</a:t>
+              <a:t>The two categories of users,  ‘guest’ and ‘host’ share a base ‘user’ class, creating a joined subclass table strategy.</a:t>
             </a:r>
           </a:p>
           <a:p>
@@ -20033,13 +20091,13 @@
           <a:p>
             <a:r>
               <a:rPr lang="en-US" dirty="0"/>
-              <a:t>The User is the base/super class for all users and holds attributes any user will have</a:t>
+              <a:t>The User is the base/super class for all users and holds attributes any user will have.</a:t>
             </a:r>
           </a:p>
           <a:p>
             <a:r>
               <a:rPr lang="en-US" dirty="0"/>
-              <a:t>The ‘address_id’ is a foreign key that references the address table</a:t>
+              <a:t>The ‘address_id’ is a foreign key that references the address table.</a:t>
             </a:r>
           </a:p>
           <a:p>
@@ -20051,7 +20109,7 @@
           <a:p>
             <a:r>
               <a:rPr lang="en-US" dirty="0"/>
-              <a:t>This table is tested via the host and guest tables which can be seen in the following two slides</a:t>
+              <a:t>This table is tested via the host and guest tables which can be seen in the following two slides.</a:t>
             </a:r>
           </a:p>
         </p:txBody>
@@ -20502,12 +20560,48 @@
           <a:chExt cx="0" cy="0"/>
         </a:xfrm>
       </p:grpSpPr>
+      <p:pic>
+        <p:nvPicPr>
+          <p:cNvPr id="25" name="Grafik 24" descr="Ein Bild, das Text, Screenshot, Schrift enthält.&#10;&#10;Automatisch generierte Beschreibung">
+            <a:extLst>
+              <a:ext uri="{FF2B5EF4-FFF2-40B4-BE49-F238E27FC236}">
+                <a16:creationId xmlns:a16="http://schemas.microsoft.com/office/drawing/2014/main" id="{02B4858D-E67E-A734-1A1D-EEEAE1972C6F}"/>
+              </a:ext>
+            </a:extLst>
+          </p:cNvPr>
+          <p:cNvPicPr>
+            <a:picLocks noChangeAspect="1"/>
+          </p:cNvPicPr>
+          <p:nvPr/>
+        </p:nvPicPr>
+        <p:blipFill>
+          <a:blip r:embed="rId3">
+            <a:extLst>
+              <a:ext uri="{28A0092B-C50C-407E-A947-70E740481C1C}">
+                <a14:useLocalDpi xmlns:a14="http://schemas.microsoft.com/office/drawing/2010/main" val="0"/>
+              </a:ext>
+            </a:extLst>
+          </a:blip>
+          <a:stretch>
+            <a:fillRect/>
+          </a:stretch>
+        </p:blipFill>
+        <p:spPr>
+          <a:xfrm>
+            <a:off x="5800420" y="3189350"/>
+            <a:ext cx="2466553" cy="875435"/>
+          </a:xfrm>
+          <a:prstGeom prst="rect">
+            <a:avLst/>
+          </a:prstGeom>
+        </p:spPr>
+      </p:pic>
       <p:sp>
         <p:nvSpPr>
           <p:cNvPr id="2" name="Titel 1">
             <a:extLst>
               <a:ext uri="{FF2B5EF4-FFF2-40B4-BE49-F238E27FC236}">
-                <a16:creationId xmlns:a16="http://schemas.microsoft.com/office/drawing/2014/main" id="{5F0D5F1B-77C2-2505-8E23-952370186244}"/>
+                <a16:creationId xmlns:a16="http://schemas.microsoft.com/office/drawing/2014/main" id="{A996C1DA-0628-61EE-7EEB-177A18D5AE80}"/>
               </a:ext>
             </a:extLst>
           </p:cNvPr>
@@ -20520,7 +20614,7 @@
         </p:nvSpPr>
         <p:spPr>
           <a:xfrm>
-            <a:off x="2231136" y="24408"/>
+            <a:off x="2231136" y="15334"/>
             <a:ext cx="7729728" cy="1188720"/>
           </a:xfrm>
         </p:spPr>
@@ -20530,17 +20624,100 @@
           <a:p>
             <a:r>
               <a:rPr lang="en-US" dirty="0"/>
-              <a:t>Table - Host</a:t>
+              <a:t>Table - Guest</a:t>
+            </a:r>
+          </a:p>
+        </p:txBody>
+      </p:sp>
+      <p:sp>
+        <p:nvSpPr>
+          <p:cNvPr id="4" name="Inhaltsplatzhalter 3">
+            <a:extLst>
+              <a:ext uri="{FF2B5EF4-FFF2-40B4-BE49-F238E27FC236}">
+                <a16:creationId xmlns:a16="http://schemas.microsoft.com/office/drawing/2014/main" id="{63CB7BB2-78D9-EB3E-A05F-0C2B2483F6F2}"/>
+              </a:ext>
+            </a:extLst>
+          </p:cNvPr>
+          <p:cNvSpPr>
+            <a:spLocks noGrp="1"/>
+          </p:cNvSpPr>
+          <p:nvPr>
+            <p:ph sz="half" idx="2"/>
+          </p:nvPr>
+        </p:nvSpPr>
+        <p:spPr>
+          <a:xfrm>
+            <a:off x="4387882" y="1358049"/>
+            <a:ext cx="3879092" cy="1780344"/>
+          </a:xfrm>
+        </p:spPr>
+        <p:txBody>
+          <a:bodyPr>
+            <a:normAutofit fontScale="77500" lnSpcReduction="20000"/>
+          </a:bodyPr>
+          <a:lstStyle/>
+          <a:p>
+            <a:r>
+              <a:rPr lang="en-US" dirty="0"/>
+              <a:t>The ‘user_id’ attribute refers to the base class.</a:t>
+            </a:r>
+          </a:p>
+          <a:p>
+            <a:r>
+              <a:rPr lang="en-US" dirty="0"/>
+              <a:t>‘profile_image_id’ references the id of an image that can be loaded to display the users profile image. It refers to the image table.</a:t>
+            </a:r>
+          </a:p>
+          <a:p>
+            <a:r>
+              <a:rPr lang="en-US" dirty="0"/>
+              <a:t>The test case is meant to test the relationship between the ‘Guest’ table/class and its super class ‘User’.  As well as testing other relevant relationships via all the foreign keys.</a:t>
             </a:r>
           </a:p>
         </p:txBody>
       </p:sp>
       <p:pic>
         <p:nvPicPr>
-          <p:cNvPr id="17" name="Inhaltsplatzhalter 16" descr="Ein Bild, das Text, Screenshot, Software enthält.&#10;&#10;Automatisch generierte Beschreibung">
-            <a:extLst>
-              <a:ext uri="{FF2B5EF4-FFF2-40B4-BE49-F238E27FC236}">
-                <a16:creationId xmlns:a16="http://schemas.microsoft.com/office/drawing/2014/main" id="{2ECA2B6B-F279-FBD8-1096-079951C0EFCB}"/>
+          <p:cNvPr id="5" name="Grafik 4">
+            <a:extLst>
+              <a:ext uri="{FF2B5EF4-FFF2-40B4-BE49-F238E27FC236}">
+                <a16:creationId xmlns:a16="http://schemas.microsoft.com/office/drawing/2014/main" id="{044E302F-2B3E-280D-7A62-D44C801E8272}"/>
+              </a:ext>
+            </a:extLst>
+          </p:cNvPr>
+          <p:cNvPicPr>
+            <a:picLocks noChangeAspect="1"/>
+          </p:cNvPicPr>
+          <p:nvPr/>
+        </p:nvPicPr>
+        <p:blipFill>
+          <a:blip r:embed="rId4">
+            <a:extLst>
+              <a:ext uri="{28A0092B-C50C-407E-A947-70E740481C1C}">
+                <a14:useLocalDpi xmlns:a14="http://schemas.microsoft.com/office/drawing/2010/main" val="0"/>
+              </a:ext>
+            </a:extLst>
+          </a:blip>
+          <a:stretch>
+            <a:fillRect/>
+          </a:stretch>
+        </p:blipFill>
+        <p:spPr>
+          <a:xfrm>
+            <a:off x="11633200" y="6299200"/>
+            <a:ext cx="457200" cy="457200"/>
+          </a:xfrm>
+          <a:prstGeom prst="rect">
+            <a:avLst/>
+          </a:prstGeom>
+        </p:spPr>
+      </p:pic>
+      <p:pic>
+        <p:nvPicPr>
+          <p:cNvPr id="8" name="Inhaltsplatzhalter 7" descr="Ein Bild, das Text, Screenshot, Software enthält.&#10;&#10;Automatisch generierte Beschreibung">
+            <a:extLst>
+              <a:ext uri="{FF2B5EF4-FFF2-40B4-BE49-F238E27FC236}">
+                <a16:creationId xmlns:a16="http://schemas.microsoft.com/office/drawing/2014/main" id="{5D6E7314-E2B7-4FCD-E294-2CF2C4E7C7E9}"/>
               </a:ext>
             </a:extLst>
           </p:cNvPr>
@@ -20552,7 +20729,7 @@
           </p:nvPr>
         </p:nvPicPr>
         <p:blipFill>
-          <a:blip r:embed="rId2">
+          <a:blip r:embed="rId5">
             <a:extLst>
               <a:ext uri="{28A0092B-C50C-407E-A947-70E740481C1C}">
                 <a14:useLocalDpi xmlns:a14="http://schemas.microsoft.com/office/drawing/2010/main" val="0"/>
@@ -20565,71 +20742,17 @@
         </p:blipFill>
         <p:spPr>
           <a:xfrm>
-            <a:off x="8014636" y="1959088"/>
-            <a:ext cx="4075764" cy="3307659"/>
+            <a:off x="8308751" y="2195865"/>
+            <a:ext cx="3791193" cy="3540573"/>
           </a:xfrm>
         </p:spPr>
       </p:pic>
-      <p:sp>
-        <p:nvSpPr>
-          <p:cNvPr id="4" name="Inhaltsplatzhalter 3">
-            <a:extLst>
-              <a:ext uri="{FF2B5EF4-FFF2-40B4-BE49-F238E27FC236}">
-                <a16:creationId xmlns:a16="http://schemas.microsoft.com/office/drawing/2014/main" id="{C26E891E-9E25-DD3C-9EF6-0C1E15B080A9}"/>
-              </a:ext>
-            </a:extLst>
-          </p:cNvPr>
-          <p:cNvSpPr>
-            <a:spLocks noGrp="1"/>
-          </p:cNvSpPr>
-          <p:nvPr>
-            <p:ph sz="half" idx="2"/>
-          </p:nvPr>
-        </p:nvSpPr>
-        <p:spPr>
-          <a:xfrm>
-            <a:off x="5175757" y="1356941"/>
-            <a:ext cx="2742627" cy="1706216"/>
-          </a:xfrm>
-        </p:spPr>
-        <p:txBody>
-          <a:bodyPr>
-            <a:normAutofit fontScale="47500" lnSpcReduction="20000"/>
-          </a:bodyPr>
-          <a:lstStyle/>
-          <a:p>
-            <a:r>
-              <a:rPr lang="en-US" dirty="0"/>
-              <a:t>The ‘user_id’ attribute refers back to the base class</a:t>
-            </a:r>
-          </a:p>
-          <a:p>
-            <a:r>
-              <a:rPr lang="en-US" dirty="0"/>
-              <a:t>‘profile_image_id’ references the id of an image that can be loaded to display the users profile image</a:t>
-            </a:r>
-          </a:p>
-          <a:p>
-            <a:pPr lvl="1"/>
-            <a:r>
-              <a:rPr lang="en-US" dirty="0"/>
-              <a:t>The reasoning for having this attribute in both subclasses is that it is only required for </a:t>
-            </a:r>
-          </a:p>
-          <a:p>
-            <a:r>
-              <a:rPr lang="en-US" dirty="0"/>
-              <a:t>The test case is very similar to that of the previous guest class, adjusting where relevant relationships change compared to the previous slide.</a:t>
-            </a:r>
-          </a:p>
-        </p:txBody>
-      </p:sp>
       <p:pic>
         <p:nvPicPr>
-          <p:cNvPr id="3" name="Grafik 2">
-            <a:extLst>
-              <a:ext uri="{FF2B5EF4-FFF2-40B4-BE49-F238E27FC236}">
-                <a16:creationId xmlns:a16="http://schemas.microsoft.com/office/drawing/2014/main" id="{FBDC77C1-6632-4157-ECB7-6666DF80C482}"/>
+          <p:cNvPr id="20" name="Grafik 19">
+            <a:extLst>
+              <a:ext uri="{FF2B5EF4-FFF2-40B4-BE49-F238E27FC236}">
+                <a16:creationId xmlns:a16="http://schemas.microsoft.com/office/drawing/2014/main" id="{E09C1193-5A40-86DC-AE8D-BB1FD6F871D0}"/>
               </a:ext>
             </a:extLst>
           </p:cNvPr>
@@ -20639,7 +20762,7 @@
           <p:nvPr/>
         </p:nvPicPr>
         <p:blipFill>
-          <a:blip r:embed="rId3">
+          <a:blip r:embed="rId6">
             <a:extLst>
               <a:ext uri="{28A0092B-C50C-407E-A947-70E740481C1C}">
                 <a14:useLocalDpi xmlns:a14="http://schemas.microsoft.com/office/drawing/2010/main" val="0"/>
@@ -20652,8 +20775,8 @@
         </p:blipFill>
         <p:spPr>
           <a:xfrm>
-            <a:off x="11633200" y="6299200"/>
-            <a:ext cx="457200" cy="457200"/>
+            <a:off x="4606662" y="5877263"/>
+            <a:ext cx="7493282" cy="879137"/>
           </a:xfrm>
           <a:prstGeom prst="rect">
             <a:avLst/>
@@ -20662,10 +20785,10 @@
       </p:pic>
       <p:pic>
         <p:nvPicPr>
-          <p:cNvPr id="8" name="Grafik 7" descr="Ein Bild, das Text, Schrift, Screenshot, Zahl enthält.&#10;&#10;Automatisch generierte Beschreibung">
-            <a:extLst>
-              <a:ext uri="{FF2B5EF4-FFF2-40B4-BE49-F238E27FC236}">
-                <a16:creationId xmlns:a16="http://schemas.microsoft.com/office/drawing/2014/main" id="{A6489EBC-AA0C-FAC4-5EA0-B39C91F128D1}"/>
+          <p:cNvPr id="9" name="Grafik 8" descr="Ein Bild, das Text, Screenshot, Schrift enthält.&#10;&#10;Automatisch generierte Beschreibung">
+            <a:extLst>
+              <a:ext uri="{FF2B5EF4-FFF2-40B4-BE49-F238E27FC236}">
+                <a16:creationId xmlns:a16="http://schemas.microsoft.com/office/drawing/2014/main" id="{626D7E71-C096-7C98-1D69-7C87A6B4C638}"/>
               </a:ext>
             </a:extLst>
           </p:cNvPr>
@@ -20675,7 +20798,7 @@
           <p:nvPr/>
         </p:nvPicPr>
         <p:blipFill>
-          <a:blip r:embed="rId4">
+          <a:blip r:embed="rId7">
             <a:extLst>
               <a:ext uri="{28A0092B-C50C-407E-A947-70E740481C1C}">
                 <a14:useLocalDpi xmlns:a14="http://schemas.microsoft.com/office/drawing/2010/main" val="0"/>
@@ -20688,8 +20811,8 @@
         </p:blipFill>
         <p:spPr>
           <a:xfrm>
-            <a:off x="142219" y="287061"/>
-            <a:ext cx="1688910" cy="669740"/>
+            <a:off x="5799221" y="4115742"/>
+            <a:ext cx="2467752" cy="1635767"/>
           </a:xfrm>
           <a:prstGeom prst="rect">
             <a:avLst/>
@@ -20698,10 +20821,10 @@
       </p:pic>
       <p:pic>
         <p:nvPicPr>
-          <p:cNvPr id="11" name="Grafik 10" descr="Ein Bild, das Text, Screenshot, Schrift, Quittung enthält.&#10;&#10;Automatisch generierte Beschreibung">
-            <a:extLst>
-              <a:ext uri="{FF2B5EF4-FFF2-40B4-BE49-F238E27FC236}">
-                <a16:creationId xmlns:a16="http://schemas.microsoft.com/office/drawing/2014/main" id="{0B4EC0D8-C434-31BB-4C92-6029B8E48E2B}"/>
+          <p:cNvPr id="11" name="Grafik 10" descr="Ein Bild, das Text, Screenshot, Quittung, Schrift enthält.&#10;&#10;Automatisch generierte Beschreibung">
+            <a:extLst>
+              <a:ext uri="{FF2B5EF4-FFF2-40B4-BE49-F238E27FC236}">
+                <a16:creationId xmlns:a16="http://schemas.microsoft.com/office/drawing/2014/main" id="{B82D5D80-1347-6E5A-68C5-45AA9D28A627}"/>
               </a:ext>
             </a:extLst>
           </p:cNvPr>
@@ -20711,7 +20834,7 @@
           <p:nvPr/>
         </p:nvPicPr>
         <p:blipFill>
-          <a:blip r:embed="rId5">
+          <a:blip r:embed="rId8">
             <a:extLst>
               <a:ext uri="{28A0092B-C50C-407E-A947-70E740481C1C}">
                 <a14:useLocalDpi xmlns:a14="http://schemas.microsoft.com/office/drawing/2010/main" val="0"/>
@@ -20724,8 +20847,8 @@
         </p:blipFill>
         <p:spPr>
           <a:xfrm>
-            <a:off x="10425364" y="2596749"/>
-            <a:ext cx="1568784" cy="1560164"/>
+            <a:off x="10516292" y="2721742"/>
+            <a:ext cx="1491491" cy="1483296"/>
           </a:xfrm>
           <a:prstGeom prst="rect">
             <a:avLst/>
@@ -20734,10 +20857,10 @@
       </p:pic>
       <p:pic>
         <p:nvPicPr>
-          <p:cNvPr id="19" name="Grafik 18" descr="Ein Bild, das Screenshot, Text, Schrift enthält.&#10;&#10;Automatisch generierte Beschreibung">
-            <a:extLst>
-              <a:ext uri="{FF2B5EF4-FFF2-40B4-BE49-F238E27FC236}">
-                <a16:creationId xmlns:a16="http://schemas.microsoft.com/office/drawing/2014/main" id="{BB1E3549-BDF0-C76D-2A67-5C514C95223B}"/>
+          <p:cNvPr id="19" name="Grafik 18" descr="Ein Bild, das Text, Screenshot enthält.&#10;&#10;Automatisch generierte Beschreibung">
+            <a:extLst>
+              <a:ext uri="{FF2B5EF4-FFF2-40B4-BE49-F238E27FC236}">
+                <a16:creationId xmlns:a16="http://schemas.microsoft.com/office/drawing/2014/main" id="{DC086237-90F3-BD53-C336-72CCECB5AB85}"/>
               </a:ext>
             </a:extLst>
           </p:cNvPr>
@@ -20747,7 +20870,7 @@
           <p:nvPr/>
         </p:nvPicPr>
         <p:blipFill>
-          <a:blip r:embed="rId6">
+          <a:blip r:embed="rId9">
             <a:extLst>
               <a:ext uri="{28A0092B-C50C-407E-A947-70E740481C1C}">
                 <a14:useLocalDpi xmlns:a14="http://schemas.microsoft.com/office/drawing/2010/main" val="0"/>
@@ -20760,8 +20883,8 @@
         </p:blipFill>
         <p:spPr>
           <a:xfrm>
-            <a:off x="6274468" y="5552747"/>
-            <a:ext cx="5815931" cy="1188720"/>
+            <a:off x="101600" y="2205927"/>
+            <a:ext cx="4137109" cy="4536015"/>
           </a:xfrm>
           <a:prstGeom prst="rect">
             <a:avLst/>
@@ -20770,10 +20893,10 @@
       </p:pic>
       <p:sp>
         <p:nvSpPr>
-          <p:cNvPr id="5" name="Rechteck 4">
-            <a:extLst>
-              <a:ext uri="{FF2B5EF4-FFF2-40B4-BE49-F238E27FC236}">
-                <a16:creationId xmlns:a16="http://schemas.microsoft.com/office/drawing/2014/main" id="{35A76114-A565-715C-C329-A2F14761439F}"/>
+          <p:cNvPr id="10" name="Rechteck 9">
+            <a:extLst>
+              <a:ext uri="{FF2B5EF4-FFF2-40B4-BE49-F238E27FC236}">
+                <a16:creationId xmlns:a16="http://schemas.microsoft.com/office/drawing/2014/main" id="{3B422318-77B0-169E-8D15-C0E1119BE3BA}"/>
               </a:ext>
             </a:extLst>
           </p:cNvPr>
@@ -20782,7 +20905,7 @@
         </p:nvSpPr>
         <p:spPr>
           <a:xfrm>
-            <a:off x="890852" y="424092"/>
+            <a:off x="250772" y="1893921"/>
             <a:ext cx="1019969" cy="363954"/>
           </a:xfrm>
           <a:prstGeom prst="rect">
@@ -20828,10 +20951,10 @@
       </p:sp>
       <p:sp>
         <p:nvSpPr>
-          <p:cNvPr id="6" name="Textfeld 5">
-            <a:extLst>
-              <a:ext uri="{FF2B5EF4-FFF2-40B4-BE49-F238E27FC236}">
-                <a16:creationId xmlns:a16="http://schemas.microsoft.com/office/drawing/2014/main" id="{EDE464FD-125D-41A5-2BA8-948699EFFECB}"/>
+          <p:cNvPr id="12" name="Textfeld 11">
+            <a:extLst>
+              <a:ext uri="{FF2B5EF4-FFF2-40B4-BE49-F238E27FC236}">
+                <a16:creationId xmlns:a16="http://schemas.microsoft.com/office/drawing/2014/main" id="{AA04B23A-EDEF-942C-08C7-4A693B1AB8C8}"/>
               </a:ext>
             </a:extLst>
           </p:cNvPr>
@@ -20840,7 +20963,7 @@
         </p:nvSpPr>
         <p:spPr>
           <a:xfrm>
-            <a:off x="890852" y="449491"/>
+            <a:off x="250772" y="1919320"/>
             <a:ext cx="1019969" cy="338554"/>
           </a:xfrm>
           <a:prstGeom prst="rect">
@@ -20857,17 +20980,17 @@
             <a:pPr algn="ctr"/>
             <a:r>
               <a:rPr lang="en-US" sz="1600" dirty="0"/>
-              <a:t>COUNT</a:t>
-            </a:r>
-          </a:p>
-        </p:txBody>
-      </p:sp>
-      <p:sp>
-        <p:nvSpPr>
-          <p:cNvPr id="9" name="Rechteck 8">
-            <a:extLst>
-              <a:ext uri="{FF2B5EF4-FFF2-40B4-BE49-F238E27FC236}">
-                <a16:creationId xmlns:a16="http://schemas.microsoft.com/office/drawing/2014/main" id="{BD634888-14F9-04DA-7DAA-F7556C275C19}"/>
+              <a:t>INSERT</a:t>
+            </a:r>
+          </a:p>
+        </p:txBody>
+      </p:sp>
+      <p:sp>
+        <p:nvSpPr>
+          <p:cNvPr id="13" name="Rechteck 12">
+            <a:extLst>
+              <a:ext uri="{FF2B5EF4-FFF2-40B4-BE49-F238E27FC236}">
+                <a16:creationId xmlns:a16="http://schemas.microsoft.com/office/drawing/2014/main" id="{96545716-6114-4021-3851-CA4260798146}"/>
               </a:ext>
             </a:extLst>
           </p:cNvPr>
@@ -20876,7 +20999,7 @@
         </p:nvSpPr>
         <p:spPr>
           <a:xfrm>
-            <a:off x="10612125" y="1692963"/>
+            <a:off x="10713725" y="1882026"/>
             <a:ext cx="1019969" cy="363954"/>
           </a:xfrm>
           <a:prstGeom prst="rect">
@@ -20922,10 +21045,10 @@
       </p:sp>
       <p:sp>
         <p:nvSpPr>
-          <p:cNvPr id="10" name="Textfeld 9">
-            <a:extLst>
-              <a:ext uri="{FF2B5EF4-FFF2-40B4-BE49-F238E27FC236}">
-                <a16:creationId xmlns:a16="http://schemas.microsoft.com/office/drawing/2014/main" id="{B96BED40-485F-7052-3067-05F899320727}"/>
+          <p:cNvPr id="14" name="Textfeld 13">
+            <a:extLst>
+              <a:ext uri="{FF2B5EF4-FFF2-40B4-BE49-F238E27FC236}">
+                <a16:creationId xmlns:a16="http://schemas.microsoft.com/office/drawing/2014/main" id="{9DEB88FC-16F3-0A3A-D1CC-63597A8D00A4}"/>
               </a:ext>
             </a:extLst>
           </p:cNvPr>
@@ -20934,7 +21057,7 @@
         </p:nvSpPr>
         <p:spPr>
           <a:xfrm>
-            <a:off x="10612125" y="1718362"/>
+            <a:off x="10713725" y="1907425"/>
             <a:ext cx="1019969" cy="338554"/>
           </a:xfrm>
           <a:prstGeom prst="rect">
@@ -20956,120 +21079,12 @@
           </a:p>
         </p:txBody>
       </p:sp>
-      <p:pic>
-        <p:nvPicPr>
-          <p:cNvPr id="13" name="Grafik 12" descr="Ein Bild, das Text, Screenshot, Software enthält.&#10;&#10;Automatisch generierte Beschreibung">
-            <a:extLst>
-              <a:ext uri="{FF2B5EF4-FFF2-40B4-BE49-F238E27FC236}">
-                <a16:creationId xmlns:a16="http://schemas.microsoft.com/office/drawing/2014/main" id="{50B3CF52-817E-B2C6-9FC4-E73003DB0FC8}"/>
-              </a:ext>
-            </a:extLst>
-          </p:cNvPr>
-          <p:cNvPicPr>
-            <a:picLocks noChangeAspect="1"/>
-          </p:cNvPicPr>
-          <p:nvPr/>
-        </p:nvPicPr>
-        <p:blipFill>
-          <a:blip r:embed="rId7">
-            <a:extLst>
-              <a:ext uri="{28A0092B-C50C-407E-A947-70E740481C1C}">
-                <a14:useLocalDpi xmlns:a14="http://schemas.microsoft.com/office/drawing/2010/main" val="0"/>
-              </a:ext>
-            </a:extLst>
-          </a:blip>
-          <a:stretch>
-            <a:fillRect/>
-          </a:stretch>
-        </p:blipFill>
-        <p:spPr>
-          <a:xfrm>
-            <a:off x="142219" y="1959088"/>
-            <a:ext cx="4923890" cy="4080765"/>
-          </a:xfrm>
-          <a:prstGeom prst="rect">
-            <a:avLst/>
-          </a:prstGeom>
-        </p:spPr>
-      </p:pic>
-      <p:pic>
-        <p:nvPicPr>
-          <p:cNvPr id="15" name="Grafik 14" descr="Ein Bild, das Text, Screenshot, Schrift enthält.&#10;&#10;Automatisch generierte Beschreibung">
-            <a:extLst>
-              <a:ext uri="{FF2B5EF4-FFF2-40B4-BE49-F238E27FC236}">
-                <a16:creationId xmlns:a16="http://schemas.microsoft.com/office/drawing/2014/main" id="{FF86FAC9-3395-E902-67FD-AEFB4F66DCBC}"/>
-              </a:ext>
-            </a:extLst>
-          </p:cNvPr>
-          <p:cNvPicPr>
-            <a:picLocks noChangeAspect="1"/>
-          </p:cNvPicPr>
-          <p:nvPr/>
-        </p:nvPicPr>
-        <p:blipFill>
-          <a:blip r:embed="rId8">
-            <a:extLst>
-              <a:ext uri="{28A0092B-C50C-407E-A947-70E740481C1C}">
-                <a14:useLocalDpi xmlns:a14="http://schemas.microsoft.com/office/drawing/2010/main" val="0"/>
-              </a:ext>
-            </a:extLst>
-          </a:blip>
-          <a:stretch>
-            <a:fillRect/>
-          </a:stretch>
-        </p:blipFill>
-        <p:spPr>
-          <a:xfrm>
-            <a:off x="5457318" y="3012145"/>
-            <a:ext cx="2420561" cy="781760"/>
-          </a:xfrm>
-          <a:prstGeom prst="rect">
-            <a:avLst/>
-          </a:prstGeom>
-        </p:spPr>
-      </p:pic>
-      <p:pic>
-        <p:nvPicPr>
-          <p:cNvPr id="18" name="Grafik 17" descr="Ein Bild, das Text, Screenshot, Schrift enthält.&#10;&#10;Automatisch generierte Beschreibung">
-            <a:extLst>
-              <a:ext uri="{FF2B5EF4-FFF2-40B4-BE49-F238E27FC236}">
-                <a16:creationId xmlns:a16="http://schemas.microsoft.com/office/drawing/2014/main" id="{D684C672-672F-015B-A9E6-C6895CD6BB83}"/>
-              </a:ext>
-            </a:extLst>
-          </p:cNvPr>
-          <p:cNvPicPr>
-            <a:picLocks noChangeAspect="1"/>
-          </p:cNvPicPr>
-          <p:nvPr/>
-        </p:nvPicPr>
-        <p:blipFill>
-          <a:blip r:embed="rId9">
-            <a:extLst>
-              <a:ext uri="{28A0092B-C50C-407E-A947-70E740481C1C}">
-                <a14:useLocalDpi xmlns:a14="http://schemas.microsoft.com/office/drawing/2010/main" val="0"/>
-              </a:ext>
-            </a:extLst>
-          </a:blip>
-          <a:stretch>
-            <a:fillRect/>
-          </a:stretch>
-        </p:blipFill>
-        <p:spPr>
-          <a:xfrm>
-            <a:off x="5457319" y="3801371"/>
-            <a:ext cx="2420560" cy="1639507"/>
-          </a:xfrm>
-          <a:prstGeom prst="rect">
-            <a:avLst/>
-          </a:prstGeom>
-        </p:spPr>
-      </p:pic>
-      <p:sp>
-        <p:nvSpPr>
-          <p:cNvPr id="20" name="Rechteck 19">
-            <a:extLst>
-              <a:ext uri="{FF2B5EF4-FFF2-40B4-BE49-F238E27FC236}">
-                <a16:creationId xmlns:a16="http://schemas.microsoft.com/office/drawing/2014/main" id="{E1C10370-0B1D-2E02-1AE5-2AEF148FCBFD}"/>
+      <p:sp>
+        <p:nvSpPr>
+          <p:cNvPr id="15" name="Rechteck 14">
+            <a:extLst>
+              <a:ext uri="{FF2B5EF4-FFF2-40B4-BE49-F238E27FC236}">
+                <a16:creationId xmlns:a16="http://schemas.microsoft.com/office/drawing/2014/main" id="{69EC975C-DD90-27FB-53C6-DF2043AC239D}"/>
               </a:ext>
             </a:extLst>
           </p:cNvPr>
@@ -21078,7 +21093,7 @@
         </p:nvSpPr>
         <p:spPr>
           <a:xfrm>
-            <a:off x="4824023" y="3138806"/>
+            <a:off x="4952794" y="3936348"/>
             <a:ext cx="1019969" cy="363954"/>
           </a:xfrm>
           <a:prstGeom prst="rect">
@@ -21124,10 +21139,10 @@
       </p:sp>
       <p:sp>
         <p:nvSpPr>
-          <p:cNvPr id="21" name="Textfeld 20">
-            <a:extLst>
-              <a:ext uri="{FF2B5EF4-FFF2-40B4-BE49-F238E27FC236}">
-                <a16:creationId xmlns:a16="http://schemas.microsoft.com/office/drawing/2014/main" id="{6B7DB4C4-8CF7-F2FC-56E3-10BBF82894B5}"/>
+          <p:cNvPr id="16" name="Textfeld 15">
+            <a:extLst>
+              <a:ext uri="{FF2B5EF4-FFF2-40B4-BE49-F238E27FC236}">
+                <a16:creationId xmlns:a16="http://schemas.microsoft.com/office/drawing/2014/main" id="{850ADBC9-325C-ABF3-E766-8A0A75A7FAA9}"/>
               </a:ext>
             </a:extLst>
           </p:cNvPr>
@@ -21136,7 +21151,7 @@
         </p:nvSpPr>
         <p:spPr>
           <a:xfrm>
-            <a:off x="4824023" y="3164205"/>
+            <a:off x="4952794" y="3961747"/>
             <a:ext cx="1019969" cy="338554"/>
           </a:xfrm>
           <a:prstGeom prst="rect">
@@ -21158,12 +21173,48 @@
           </a:p>
         </p:txBody>
       </p:sp>
-      <p:sp>
-        <p:nvSpPr>
-          <p:cNvPr id="22" name="Rechteck 21">
-            <a:extLst>
-              <a:ext uri="{FF2B5EF4-FFF2-40B4-BE49-F238E27FC236}">
-                <a16:creationId xmlns:a16="http://schemas.microsoft.com/office/drawing/2014/main" id="{9CF6AE01-8B66-C757-FC7A-E672D09722E6}"/>
+      <p:pic>
+        <p:nvPicPr>
+          <p:cNvPr id="7" name="Grafik 6" descr="Ein Bild, das Text, Schrift, Screenshot, Zahl enthält.&#10;&#10;Automatisch generierte Beschreibung">
+            <a:extLst>
+              <a:ext uri="{FF2B5EF4-FFF2-40B4-BE49-F238E27FC236}">
+                <a16:creationId xmlns:a16="http://schemas.microsoft.com/office/drawing/2014/main" id="{D8F4DB85-4381-BE92-BB08-7A049A4A5299}"/>
+              </a:ext>
+            </a:extLst>
+          </p:cNvPr>
+          <p:cNvPicPr>
+            <a:picLocks noChangeAspect="1"/>
+          </p:cNvPicPr>
+          <p:nvPr/>
+        </p:nvPicPr>
+        <p:blipFill>
+          <a:blip r:embed="rId10">
+            <a:extLst>
+              <a:ext uri="{28A0092B-C50C-407E-A947-70E740481C1C}">
+                <a14:useLocalDpi xmlns:a14="http://schemas.microsoft.com/office/drawing/2010/main" val="0"/>
+              </a:ext>
+            </a:extLst>
+          </a:blip>
+          <a:stretch>
+            <a:fillRect/>
+          </a:stretch>
+        </p:blipFill>
+        <p:spPr>
+          <a:xfrm>
+            <a:off x="101600" y="408738"/>
+            <a:ext cx="1623567" cy="591006"/>
+          </a:xfrm>
+          <a:prstGeom prst="rect">
+            <a:avLst/>
+          </a:prstGeom>
+        </p:spPr>
+      </p:pic>
+      <p:sp>
+        <p:nvSpPr>
+          <p:cNvPr id="17" name="Rechteck 16">
+            <a:extLst>
+              <a:ext uri="{FF2B5EF4-FFF2-40B4-BE49-F238E27FC236}">
+                <a16:creationId xmlns:a16="http://schemas.microsoft.com/office/drawing/2014/main" id="{308F9BDB-C616-273B-270D-56EAC229EC5A}"/>
               </a:ext>
             </a:extLst>
           </p:cNvPr>
@@ -21172,7 +21223,7 @@
         </p:nvSpPr>
         <p:spPr>
           <a:xfrm>
-            <a:off x="503435" y="1667564"/>
+            <a:off x="890852" y="528402"/>
             <a:ext cx="1019969" cy="363954"/>
           </a:xfrm>
           <a:prstGeom prst="rect">
@@ -21218,10 +21269,10 @@
       </p:sp>
       <p:sp>
         <p:nvSpPr>
-          <p:cNvPr id="23" name="Textfeld 22">
-            <a:extLst>
-              <a:ext uri="{FF2B5EF4-FFF2-40B4-BE49-F238E27FC236}">
-                <a16:creationId xmlns:a16="http://schemas.microsoft.com/office/drawing/2014/main" id="{0100B5AA-C406-CC9F-8634-2639348D442F}"/>
+          <p:cNvPr id="18" name="Textfeld 17">
+            <a:extLst>
+              <a:ext uri="{FF2B5EF4-FFF2-40B4-BE49-F238E27FC236}">
+                <a16:creationId xmlns:a16="http://schemas.microsoft.com/office/drawing/2014/main" id="{44770639-B35F-0C20-14C3-60208E3AE71E}"/>
               </a:ext>
             </a:extLst>
           </p:cNvPr>
@@ -21230,7 +21281,7 @@
         </p:nvSpPr>
         <p:spPr>
           <a:xfrm>
-            <a:off x="503435" y="1692963"/>
+            <a:off x="890852" y="553801"/>
             <a:ext cx="1019969" cy="338554"/>
           </a:xfrm>
           <a:prstGeom prst="rect">
@@ -21247,7 +21298,7 @@
             <a:pPr algn="ctr"/>
             <a:r>
               <a:rPr lang="en-US" sz="1600" dirty="0"/>
-              <a:t>INSERT</a:t>
+              <a:t>COUNT</a:t>
             </a:r>
           </a:p>
         </p:txBody>
@@ -21255,7 +21306,7 @@
     </p:spTree>
     <p:extLst>
       <p:ext uri="{BB962C8B-B14F-4D97-AF65-F5344CB8AC3E}">
-        <p14:creationId xmlns:p14="http://schemas.microsoft.com/office/powerpoint/2010/main" val="4095095417"/>
+        <p14:creationId xmlns:p14="http://schemas.microsoft.com/office/powerpoint/2010/main" val="3123339512"/>
       </p:ext>
     </p:extLst>
   </p:cSld>
@@ -21287,7 +21338,7 @@
           <p:cNvPr id="2" name="Titel 1">
             <a:extLst>
               <a:ext uri="{FF2B5EF4-FFF2-40B4-BE49-F238E27FC236}">
-                <a16:creationId xmlns:a16="http://schemas.microsoft.com/office/drawing/2014/main" id="{A996C1DA-0628-61EE-7EEB-177A18D5AE80}"/>
+                <a16:creationId xmlns:a16="http://schemas.microsoft.com/office/drawing/2014/main" id="{5F0D5F1B-77C2-2505-8E23-952370186244}"/>
               </a:ext>
             </a:extLst>
           </p:cNvPr>
@@ -21300,7 +21351,7 @@
         </p:nvSpPr>
         <p:spPr>
           <a:xfrm>
-            <a:off x="2231136" y="15334"/>
+            <a:off x="2231136" y="24408"/>
             <a:ext cx="7729728" cy="1188720"/>
           </a:xfrm>
         </p:spPr>
@@ -21310,100 +21361,17 @@
           <a:p>
             <a:r>
               <a:rPr lang="en-US" dirty="0"/>
-              <a:t>Table - Guest</a:t>
-            </a:r>
-          </a:p>
-        </p:txBody>
-      </p:sp>
-      <p:sp>
-        <p:nvSpPr>
-          <p:cNvPr id="4" name="Inhaltsplatzhalter 3">
-            <a:extLst>
-              <a:ext uri="{FF2B5EF4-FFF2-40B4-BE49-F238E27FC236}">
-                <a16:creationId xmlns:a16="http://schemas.microsoft.com/office/drawing/2014/main" id="{63CB7BB2-78D9-EB3E-A05F-0C2B2483F6F2}"/>
-              </a:ext>
-            </a:extLst>
-          </p:cNvPr>
-          <p:cNvSpPr>
-            <a:spLocks noGrp="1"/>
-          </p:cNvSpPr>
-          <p:nvPr>
-            <p:ph sz="half" idx="2"/>
-          </p:nvPr>
-        </p:nvSpPr>
-        <p:spPr>
-          <a:xfrm>
-            <a:off x="4952794" y="1260083"/>
-            <a:ext cx="3314179" cy="1177712"/>
-          </a:xfrm>
-        </p:spPr>
-        <p:txBody>
-          <a:bodyPr>
-            <a:normAutofit fontScale="55000" lnSpcReduction="20000"/>
-          </a:bodyPr>
-          <a:lstStyle/>
-          <a:p>
-            <a:r>
-              <a:rPr lang="en-US" dirty="0"/>
-              <a:t>The ‘user_id’ attribute refers to the base class</a:t>
-            </a:r>
-          </a:p>
-          <a:p>
-            <a:r>
-              <a:rPr lang="en-US" dirty="0"/>
-              <a:t>‘profile_image_id’ references the id of an image that can be loaded to display the users profile image</a:t>
-            </a:r>
-          </a:p>
-          <a:p>
-            <a:r>
-              <a:rPr lang="en-US" dirty="0"/>
-              <a:t>The test case is meant to test the relationship between the ‘Guest’ table/class and its super class ‘User’.  As well as testing other relevant relationships.</a:t>
+              <a:t>Table - Host</a:t>
             </a:r>
           </a:p>
         </p:txBody>
       </p:sp>
       <p:pic>
         <p:nvPicPr>
-          <p:cNvPr id="5" name="Grafik 4">
-            <a:extLst>
-              <a:ext uri="{FF2B5EF4-FFF2-40B4-BE49-F238E27FC236}">
-                <a16:creationId xmlns:a16="http://schemas.microsoft.com/office/drawing/2014/main" id="{044E302F-2B3E-280D-7A62-D44C801E8272}"/>
-              </a:ext>
-            </a:extLst>
-          </p:cNvPr>
-          <p:cNvPicPr>
-            <a:picLocks noChangeAspect="1"/>
-          </p:cNvPicPr>
-          <p:nvPr/>
-        </p:nvPicPr>
-        <p:blipFill>
-          <a:blip r:embed="rId3">
-            <a:extLst>
-              <a:ext uri="{28A0092B-C50C-407E-A947-70E740481C1C}">
-                <a14:useLocalDpi xmlns:a14="http://schemas.microsoft.com/office/drawing/2010/main" val="0"/>
-              </a:ext>
-            </a:extLst>
-          </a:blip>
-          <a:stretch>
-            <a:fillRect/>
-          </a:stretch>
-        </p:blipFill>
-        <p:spPr>
-          <a:xfrm>
-            <a:off x="11633200" y="6299200"/>
-            <a:ext cx="457200" cy="457200"/>
-          </a:xfrm>
-          <a:prstGeom prst="rect">
-            <a:avLst/>
-          </a:prstGeom>
-        </p:spPr>
-      </p:pic>
-      <p:pic>
-        <p:nvPicPr>
-          <p:cNvPr id="8" name="Inhaltsplatzhalter 7" descr="Ein Bild, das Text, Screenshot, Software enthält.&#10;&#10;Automatisch generierte Beschreibung">
-            <a:extLst>
-              <a:ext uri="{FF2B5EF4-FFF2-40B4-BE49-F238E27FC236}">
-                <a16:creationId xmlns:a16="http://schemas.microsoft.com/office/drawing/2014/main" id="{5D6E7314-E2B7-4FCD-E294-2CF2C4E7C7E9}"/>
+          <p:cNvPr id="17" name="Inhaltsplatzhalter 16" descr="Ein Bild, das Text, Screenshot, Software enthält.&#10;&#10;Automatisch generierte Beschreibung">
+            <a:extLst>
+              <a:ext uri="{FF2B5EF4-FFF2-40B4-BE49-F238E27FC236}">
+                <a16:creationId xmlns:a16="http://schemas.microsoft.com/office/drawing/2014/main" id="{2ECA2B6B-F279-FBD8-1096-079951C0EFCB}"/>
               </a:ext>
             </a:extLst>
           </p:cNvPr>
@@ -21415,7 +21383,7 @@
           </p:nvPr>
         </p:nvPicPr>
         <p:blipFill>
-          <a:blip r:embed="rId4">
+          <a:blip r:embed="rId2">
             <a:extLst>
               <a:ext uri="{28A0092B-C50C-407E-A947-70E740481C1C}">
                 <a14:useLocalDpi xmlns:a14="http://schemas.microsoft.com/office/drawing/2010/main" val="0"/>
@@ -21428,17 +21396,71 @@
         </p:blipFill>
         <p:spPr>
           <a:xfrm>
-            <a:off x="8308751" y="2195865"/>
-            <a:ext cx="3791193" cy="3540573"/>
+            <a:off x="8014636" y="1959088"/>
+            <a:ext cx="4075764" cy="3307659"/>
           </a:xfrm>
         </p:spPr>
       </p:pic>
+      <p:sp>
+        <p:nvSpPr>
+          <p:cNvPr id="4" name="Inhaltsplatzhalter 3">
+            <a:extLst>
+              <a:ext uri="{FF2B5EF4-FFF2-40B4-BE49-F238E27FC236}">
+                <a16:creationId xmlns:a16="http://schemas.microsoft.com/office/drawing/2014/main" id="{C26E891E-9E25-DD3C-9EF6-0C1E15B080A9}"/>
+              </a:ext>
+            </a:extLst>
+          </p:cNvPr>
+          <p:cNvSpPr>
+            <a:spLocks noGrp="1"/>
+          </p:cNvSpPr>
+          <p:nvPr>
+            <p:ph sz="half" idx="2"/>
+          </p:nvPr>
+        </p:nvSpPr>
+        <p:spPr>
+          <a:xfrm>
+            <a:off x="148152" y="1314479"/>
+            <a:ext cx="7729727" cy="1141787"/>
+          </a:xfrm>
+        </p:spPr>
+        <p:txBody>
+          <a:bodyPr>
+            <a:normAutofit fontScale="62500" lnSpcReduction="20000"/>
+          </a:bodyPr>
+          <a:lstStyle/>
+          <a:p>
+            <a:r>
+              <a:rPr lang="en-US" dirty="0"/>
+              <a:t>The ‘user_id’ attribute refers back to the base class.</a:t>
+            </a:r>
+          </a:p>
+          <a:p>
+            <a:r>
+              <a:rPr lang="en-US" dirty="0"/>
+              <a:t>‘profile_image_id’ references the id of an image that can be loaded to display the users profile image.</a:t>
+            </a:r>
+          </a:p>
+          <a:p>
+            <a:pPr lvl="1"/>
+            <a:r>
+              <a:rPr lang="en-US" dirty="0"/>
+              <a:t>The reasoning for having this attribute in both subclasses is that it is only required, or ‘NOT NULL’ for Hosts.</a:t>
+            </a:r>
+          </a:p>
+          <a:p>
+            <a:r>
+              <a:rPr lang="en-US" dirty="0"/>
+              <a:t>The test case is very similar to that of the previous guest class, adjusting where relevant relationships change compared to the previous slide. This should ensure that all the data for single user that is stored in multiple tables is properly connected.</a:t>
+            </a:r>
+          </a:p>
+        </p:txBody>
+      </p:sp>
       <p:pic>
         <p:nvPicPr>
-          <p:cNvPr id="20" name="Grafik 19">
-            <a:extLst>
-              <a:ext uri="{FF2B5EF4-FFF2-40B4-BE49-F238E27FC236}">
-                <a16:creationId xmlns:a16="http://schemas.microsoft.com/office/drawing/2014/main" id="{E09C1193-5A40-86DC-AE8D-BB1FD6F871D0}"/>
+          <p:cNvPr id="3" name="Grafik 2">
+            <a:extLst>
+              <a:ext uri="{FF2B5EF4-FFF2-40B4-BE49-F238E27FC236}">
+                <a16:creationId xmlns:a16="http://schemas.microsoft.com/office/drawing/2014/main" id="{FBDC77C1-6632-4157-ECB7-6666DF80C482}"/>
               </a:ext>
             </a:extLst>
           </p:cNvPr>
@@ -21448,7 +21470,7 @@
           <p:nvPr/>
         </p:nvPicPr>
         <p:blipFill>
-          <a:blip r:embed="rId5">
+          <a:blip r:embed="rId3">
             <a:extLst>
               <a:ext uri="{28A0092B-C50C-407E-A947-70E740481C1C}">
                 <a14:useLocalDpi xmlns:a14="http://schemas.microsoft.com/office/drawing/2010/main" val="0"/>
@@ -21461,8 +21483,8 @@
         </p:blipFill>
         <p:spPr>
           <a:xfrm>
-            <a:off x="4606662" y="5877263"/>
-            <a:ext cx="7493282" cy="879137"/>
+            <a:off x="11633200" y="6299200"/>
+            <a:ext cx="457200" cy="457200"/>
           </a:xfrm>
           <a:prstGeom prst="rect">
             <a:avLst/>
@@ -21471,10 +21493,10 @@
       </p:pic>
       <p:pic>
         <p:nvPicPr>
-          <p:cNvPr id="6" name="Grafik 5" descr="Ein Bild, das Text, Screenshot, Schrift enthält.&#10;&#10;Automatisch generierte Beschreibung">
-            <a:extLst>
-              <a:ext uri="{FF2B5EF4-FFF2-40B4-BE49-F238E27FC236}">
-                <a16:creationId xmlns:a16="http://schemas.microsoft.com/office/drawing/2014/main" id="{4CC96E74-5FFB-680D-10D4-CDA273FF645C}"/>
+          <p:cNvPr id="8" name="Grafik 7" descr="Ein Bild, das Text, Schrift, Screenshot, Zahl enthält.&#10;&#10;Automatisch generierte Beschreibung">
+            <a:extLst>
+              <a:ext uri="{FF2B5EF4-FFF2-40B4-BE49-F238E27FC236}">
+                <a16:creationId xmlns:a16="http://schemas.microsoft.com/office/drawing/2014/main" id="{A6489EBC-AA0C-FAC4-5EA0-B39C91F128D1}"/>
               </a:ext>
             </a:extLst>
           </p:cNvPr>
@@ -21484,7 +21506,7 @@
           <p:nvPr/>
         </p:nvPicPr>
         <p:blipFill>
-          <a:blip r:embed="rId6">
+          <a:blip r:embed="rId4">
             <a:extLst>
               <a:ext uri="{28A0092B-C50C-407E-A947-70E740481C1C}">
                 <a14:useLocalDpi xmlns:a14="http://schemas.microsoft.com/office/drawing/2010/main" val="0"/>
@@ -21497,8 +21519,8 @@
         </p:blipFill>
         <p:spPr>
           <a:xfrm>
-            <a:off x="4957881" y="2418347"/>
-            <a:ext cx="3329127" cy="1083161"/>
+            <a:off x="142219" y="287061"/>
+            <a:ext cx="1688910" cy="669740"/>
           </a:xfrm>
           <a:prstGeom prst="rect">
             <a:avLst/>
@@ -21507,10 +21529,10 @@
       </p:pic>
       <p:pic>
         <p:nvPicPr>
-          <p:cNvPr id="9" name="Grafik 8" descr="Ein Bild, das Text, Screenshot, Schrift enthält.&#10;&#10;Automatisch generierte Beschreibung">
-            <a:extLst>
-              <a:ext uri="{FF2B5EF4-FFF2-40B4-BE49-F238E27FC236}">
-                <a16:creationId xmlns:a16="http://schemas.microsoft.com/office/drawing/2014/main" id="{626D7E71-C096-7C98-1D69-7C87A6B4C638}"/>
+          <p:cNvPr id="11" name="Grafik 10" descr="Ein Bild, das Text, Screenshot, Schrift, Quittung enthält.&#10;&#10;Automatisch generierte Beschreibung">
+            <a:extLst>
+              <a:ext uri="{FF2B5EF4-FFF2-40B4-BE49-F238E27FC236}">
+                <a16:creationId xmlns:a16="http://schemas.microsoft.com/office/drawing/2014/main" id="{0B4EC0D8-C434-31BB-4C92-6029B8E48E2B}"/>
               </a:ext>
             </a:extLst>
           </p:cNvPr>
@@ -21520,7 +21542,7 @@
           <p:nvPr/>
         </p:nvPicPr>
         <p:blipFill>
-          <a:blip r:embed="rId7">
+          <a:blip r:embed="rId5">
             <a:extLst>
               <a:ext uri="{28A0092B-C50C-407E-A947-70E740481C1C}">
                 <a14:useLocalDpi xmlns:a14="http://schemas.microsoft.com/office/drawing/2010/main" val="0"/>
@@ -21533,8 +21555,8 @@
         </p:blipFill>
         <p:spPr>
           <a:xfrm>
-            <a:off x="4952794" y="3513073"/>
-            <a:ext cx="3334215" cy="2210108"/>
+            <a:off x="10425364" y="2596749"/>
+            <a:ext cx="1568784" cy="1560164"/>
           </a:xfrm>
           <a:prstGeom prst="rect">
             <a:avLst/>
@@ -21543,10 +21565,10 @@
       </p:pic>
       <p:pic>
         <p:nvPicPr>
-          <p:cNvPr id="11" name="Grafik 10" descr="Ein Bild, das Text, Screenshot, Quittung, Schrift enthält.&#10;&#10;Automatisch generierte Beschreibung">
-            <a:extLst>
-              <a:ext uri="{FF2B5EF4-FFF2-40B4-BE49-F238E27FC236}">
-                <a16:creationId xmlns:a16="http://schemas.microsoft.com/office/drawing/2014/main" id="{B82D5D80-1347-6E5A-68C5-45AA9D28A627}"/>
+          <p:cNvPr id="19" name="Grafik 18" descr="Ein Bild, das Screenshot, Text, Schrift enthält.&#10;&#10;Automatisch generierte Beschreibung">
+            <a:extLst>
+              <a:ext uri="{FF2B5EF4-FFF2-40B4-BE49-F238E27FC236}">
+                <a16:creationId xmlns:a16="http://schemas.microsoft.com/office/drawing/2014/main" id="{BB1E3549-BDF0-C76D-2A67-5C514C95223B}"/>
               </a:ext>
             </a:extLst>
           </p:cNvPr>
@@ -21556,7 +21578,7 @@
           <p:nvPr/>
         </p:nvPicPr>
         <p:blipFill>
-          <a:blip r:embed="rId8">
+          <a:blip r:embed="rId6">
             <a:extLst>
               <a:ext uri="{28A0092B-C50C-407E-A947-70E740481C1C}">
                 <a14:useLocalDpi xmlns:a14="http://schemas.microsoft.com/office/drawing/2010/main" val="0"/>
@@ -21569,56 +21591,20 @@
         </p:blipFill>
         <p:spPr>
           <a:xfrm>
-            <a:off x="10516292" y="2721742"/>
-            <a:ext cx="1491491" cy="1483296"/>
+            <a:off x="6274468" y="5552747"/>
+            <a:ext cx="5815931" cy="1188720"/>
           </a:xfrm>
           <a:prstGeom prst="rect">
             <a:avLst/>
           </a:prstGeom>
         </p:spPr>
       </p:pic>
-      <p:pic>
-        <p:nvPicPr>
-          <p:cNvPr id="19" name="Grafik 18" descr="Ein Bild, das Text, Screenshot enthält.&#10;&#10;Automatisch generierte Beschreibung">
-            <a:extLst>
-              <a:ext uri="{FF2B5EF4-FFF2-40B4-BE49-F238E27FC236}">
-                <a16:creationId xmlns:a16="http://schemas.microsoft.com/office/drawing/2014/main" id="{DC086237-90F3-BD53-C336-72CCECB5AB85}"/>
-              </a:ext>
-            </a:extLst>
-          </p:cNvPr>
-          <p:cNvPicPr>
-            <a:picLocks noChangeAspect="1"/>
-          </p:cNvPicPr>
-          <p:nvPr/>
-        </p:nvPicPr>
-        <p:blipFill>
-          <a:blip r:embed="rId9">
-            <a:extLst>
-              <a:ext uri="{28A0092B-C50C-407E-A947-70E740481C1C}">
-                <a14:useLocalDpi xmlns:a14="http://schemas.microsoft.com/office/drawing/2010/main" val="0"/>
-              </a:ext>
-            </a:extLst>
-          </a:blip>
-          <a:stretch>
-            <a:fillRect/>
-          </a:stretch>
-        </p:blipFill>
-        <p:spPr>
-          <a:xfrm>
-            <a:off x="101600" y="2205927"/>
-            <a:ext cx="4137109" cy="4536015"/>
-          </a:xfrm>
-          <a:prstGeom prst="rect">
-            <a:avLst/>
-          </a:prstGeom>
-        </p:spPr>
-      </p:pic>
-      <p:sp>
-        <p:nvSpPr>
-          <p:cNvPr id="10" name="Rechteck 9">
-            <a:extLst>
-              <a:ext uri="{FF2B5EF4-FFF2-40B4-BE49-F238E27FC236}">
-                <a16:creationId xmlns:a16="http://schemas.microsoft.com/office/drawing/2014/main" id="{3B422318-77B0-169E-8D15-C0E1119BE3BA}"/>
+      <p:sp>
+        <p:nvSpPr>
+          <p:cNvPr id="5" name="Rechteck 4">
+            <a:extLst>
+              <a:ext uri="{FF2B5EF4-FFF2-40B4-BE49-F238E27FC236}">
+                <a16:creationId xmlns:a16="http://schemas.microsoft.com/office/drawing/2014/main" id="{35A76114-A565-715C-C329-A2F14761439F}"/>
               </a:ext>
             </a:extLst>
           </p:cNvPr>
@@ -21627,7 +21613,7 @@
         </p:nvSpPr>
         <p:spPr>
           <a:xfrm>
-            <a:off x="250772" y="1893921"/>
+            <a:off x="890852" y="424092"/>
             <a:ext cx="1019969" cy="363954"/>
           </a:xfrm>
           <a:prstGeom prst="rect">
@@ -21673,10 +21659,10 @@
       </p:sp>
       <p:sp>
         <p:nvSpPr>
-          <p:cNvPr id="12" name="Textfeld 11">
-            <a:extLst>
-              <a:ext uri="{FF2B5EF4-FFF2-40B4-BE49-F238E27FC236}">
-                <a16:creationId xmlns:a16="http://schemas.microsoft.com/office/drawing/2014/main" id="{AA04B23A-EDEF-942C-08C7-4A693B1AB8C8}"/>
+          <p:cNvPr id="6" name="Textfeld 5">
+            <a:extLst>
+              <a:ext uri="{FF2B5EF4-FFF2-40B4-BE49-F238E27FC236}">
+                <a16:creationId xmlns:a16="http://schemas.microsoft.com/office/drawing/2014/main" id="{EDE464FD-125D-41A5-2BA8-948699EFFECB}"/>
               </a:ext>
             </a:extLst>
           </p:cNvPr>
@@ -21685,7 +21671,7 @@
         </p:nvSpPr>
         <p:spPr>
           <a:xfrm>
-            <a:off x="250772" y="1919320"/>
+            <a:off x="890852" y="449491"/>
             <a:ext cx="1019969" cy="338554"/>
           </a:xfrm>
           <a:prstGeom prst="rect">
@@ -21702,17 +21688,17 @@
             <a:pPr algn="ctr"/>
             <a:r>
               <a:rPr lang="en-US" sz="1600" dirty="0"/>
-              <a:t>INSERT</a:t>
-            </a:r>
-          </a:p>
-        </p:txBody>
-      </p:sp>
-      <p:sp>
-        <p:nvSpPr>
-          <p:cNvPr id="13" name="Rechteck 12">
-            <a:extLst>
-              <a:ext uri="{FF2B5EF4-FFF2-40B4-BE49-F238E27FC236}">
-                <a16:creationId xmlns:a16="http://schemas.microsoft.com/office/drawing/2014/main" id="{96545716-6114-4021-3851-CA4260798146}"/>
+              <a:t>COUNT</a:t>
+            </a:r>
+          </a:p>
+        </p:txBody>
+      </p:sp>
+      <p:sp>
+        <p:nvSpPr>
+          <p:cNvPr id="9" name="Rechteck 8">
+            <a:extLst>
+              <a:ext uri="{FF2B5EF4-FFF2-40B4-BE49-F238E27FC236}">
+                <a16:creationId xmlns:a16="http://schemas.microsoft.com/office/drawing/2014/main" id="{BD634888-14F9-04DA-7DAA-F7556C275C19}"/>
               </a:ext>
             </a:extLst>
           </p:cNvPr>
@@ -21721,7 +21707,7 @@
         </p:nvSpPr>
         <p:spPr>
           <a:xfrm>
-            <a:off x="10713725" y="1882026"/>
+            <a:off x="10612125" y="1692963"/>
             <a:ext cx="1019969" cy="363954"/>
           </a:xfrm>
           <a:prstGeom prst="rect">
@@ -21767,10 +21753,10 @@
       </p:sp>
       <p:sp>
         <p:nvSpPr>
-          <p:cNvPr id="14" name="Textfeld 13">
-            <a:extLst>
-              <a:ext uri="{FF2B5EF4-FFF2-40B4-BE49-F238E27FC236}">
-                <a16:creationId xmlns:a16="http://schemas.microsoft.com/office/drawing/2014/main" id="{9DEB88FC-16F3-0A3A-D1CC-63597A8D00A4}"/>
+          <p:cNvPr id="10" name="Textfeld 9">
+            <a:extLst>
+              <a:ext uri="{FF2B5EF4-FFF2-40B4-BE49-F238E27FC236}">
+                <a16:creationId xmlns:a16="http://schemas.microsoft.com/office/drawing/2014/main" id="{B96BED40-485F-7052-3067-05F899320727}"/>
               </a:ext>
             </a:extLst>
           </p:cNvPr>
@@ -21779,7 +21765,7 @@
         </p:nvSpPr>
         <p:spPr>
           <a:xfrm>
-            <a:off x="10713725" y="1907425"/>
+            <a:off x="10612125" y="1718362"/>
             <a:ext cx="1019969" cy="338554"/>
           </a:xfrm>
           <a:prstGeom prst="rect">
@@ -21801,12 +21787,120 @@
           </a:p>
         </p:txBody>
       </p:sp>
-      <p:sp>
-        <p:nvSpPr>
-          <p:cNvPr id="15" name="Rechteck 14">
-            <a:extLst>
-              <a:ext uri="{FF2B5EF4-FFF2-40B4-BE49-F238E27FC236}">
-                <a16:creationId xmlns:a16="http://schemas.microsoft.com/office/drawing/2014/main" id="{69EC975C-DD90-27FB-53C6-DF2043AC239D}"/>
+      <p:pic>
+        <p:nvPicPr>
+          <p:cNvPr id="13" name="Grafik 12" descr="Ein Bild, das Text, Screenshot, Software enthält.&#10;&#10;Automatisch generierte Beschreibung">
+            <a:extLst>
+              <a:ext uri="{FF2B5EF4-FFF2-40B4-BE49-F238E27FC236}">
+                <a16:creationId xmlns:a16="http://schemas.microsoft.com/office/drawing/2014/main" id="{50B3CF52-817E-B2C6-9FC4-E73003DB0FC8}"/>
+              </a:ext>
+            </a:extLst>
+          </p:cNvPr>
+          <p:cNvPicPr>
+            <a:picLocks noChangeAspect="1"/>
+          </p:cNvPicPr>
+          <p:nvPr/>
+        </p:nvPicPr>
+        <p:blipFill>
+          <a:blip r:embed="rId7">
+            <a:extLst>
+              <a:ext uri="{28A0092B-C50C-407E-A947-70E740481C1C}">
+                <a14:useLocalDpi xmlns:a14="http://schemas.microsoft.com/office/drawing/2010/main" val="0"/>
+              </a:ext>
+            </a:extLst>
+          </a:blip>
+          <a:stretch>
+            <a:fillRect/>
+          </a:stretch>
+        </p:blipFill>
+        <p:spPr>
+          <a:xfrm>
+            <a:off x="142219" y="2660702"/>
+            <a:ext cx="4923890" cy="4080765"/>
+          </a:xfrm>
+          <a:prstGeom prst="rect">
+            <a:avLst/>
+          </a:prstGeom>
+        </p:spPr>
+      </p:pic>
+      <p:pic>
+        <p:nvPicPr>
+          <p:cNvPr id="15" name="Grafik 14" descr="Ein Bild, das Text, Screenshot, Schrift enthält.&#10;&#10;Automatisch generierte Beschreibung">
+            <a:extLst>
+              <a:ext uri="{FF2B5EF4-FFF2-40B4-BE49-F238E27FC236}">
+                <a16:creationId xmlns:a16="http://schemas.microsoft.com/office/drawing/2014/main" id="{FF86FAC9-3395-E902-67FD-AEFB4F66DCBC}"/>
+              </a:ext>
+            </a:extLst>
+          </p:cNvPr>
+          <p:cNvPicPr>
+            <a:picLocks noChangeAspect="1"/>
+          </p:cNvPicPr>
+          <p:nvPr/>
+        </p:nvPicPr>
+        <p:blipFill>
+          <a:blip r:embed="rId8">
+            <a:extLst>
+              <a:ext uri="{28A0092B-C50C-407E-A947-70E740481C1C}">
+                <a14:useLocalDpi xmlns:a14="http://schemas.microsoft.com/office/drawing/2010/main" val="0"/>
+              </a:ext>
+            </a:extLst>
+          </a:blip>
+          <a:stretch>
+            <a:fillRect/>
+          </a:stretch>
+        </p:blipFill>
+        <p:spPr>
+          <a:xfrm>
+            <a:off x="5457318" y="3012145"/>
+            <a:ext cx="2420561" cy="781760"/>
+          </a:xfrm>
+          <a:prstGeom prst="rect">
+            <a:avLst/>
+          </a:prstGeom>
+        </p:spPr>
+      </p:pic>
+      <p:pic>
+        <p:nvPicPr>
+          <p:cNvPr id="18" name="Grafik 17" descr="Ein Bild, das Text, Screenshot, Schrift enthält.&#10;&#10;Automatisch generierte Beschreibung">
+            <a:extLst>
+              <a:ext uri="{FF2B5EF4-FFF2-40B4-BE49-F238E27FC236}">
+                <a16:creationId xmlns:a16="http://schemas.microsoft.com/office/drawing/2014/main" id="{D684C672-672F-015B-A9E6-C6895CD6BB83}"/>
+              </a:ext>
+            </a:extLst>
+          </p:cNvPr>
+          <p:cNvPicPr>
+            <a:picLocks noChangeAspect="1"/>
+          </p:cNvPicPr>
+          <p:nvPr/>
+        </p:nvPicPr>
+        <p:blipFill>
+          <a:blip r:embed="rId9">
+            <a:extLst>
+              <a:ext uri="{28A0092B-C50C-407E-A947-70E740481C1C}">
+                <a14:useLocalDpi xmlns:a14="http://schemas.microsoft.com/office/drawing/2010/main" val="0"/>
+              </a:ext>
+            </a:extLst>
+          </a:blip>
+          <a:stretch>
+            <a:fillRect/>
+          </a:stretch>
+        </p:blipFill>
+        <p:spPr>
+          <a:xfrm>
+            <a:off x="5457319" y="3801371"/>
+            <a:ext cx="2420560" cy="1639507"/>
+          </a:xfrm>
+          <a:prstGeom prst="rect">
+            <a:avLst/>
+          </a:prstGeom>
+        </p:spPr>
+      </p:pic>
+      <p:sp>
+        <p:nvSpPr>
+          <p:cNvPr id="20" name="Rechteck 19">
+            <a:extLst>
+              <a:ext uri="{FF2B5EF4-FFF2-40B4-BE49-F238E27FC236}">
+                <a16:creationId xmlns:a16="http://schemas.microsoft.com/office/drawing/2014/main" id="{E1C10370-0B1D-2E02-1AE5-2AEF148FCBFD}"/>
               </a:ext>
             </a:extLst>
           </p:cNvPr>
@@ -21815,7 +21909,7 @@
         </p:nvSpPr>
         <p:spPr>
           <a:xfrm>
-            <a:off x="4445353" y="2551329"/>
+            <a:off x="4824023" y="3138806"/>
             <a:ext cx="1019969" cy="363954"/>
           </a:xfrm>
           <a:prstGeom prst="rect">
@@ -21861,10 +21955,10 @@
       </p:sp>
       <p:sp>
         <p:nvSpPr>
-          <p:cNvPr id="16" name="Textfeld 15">
-            <a:extLst>
-              <a:ext uri="{FF2B5EF4-FFF2-40B4-BE49-F238E27FC236}">
-                <a16:creationId xmlns:a16="http://schemas.microsoft.com/office/drawing/2014/main" id="{850ADBC9-325C-ABF3-E766-8A0A75A7FAA9}"/>
+          <p:cNvPr id="21" name="Textfeld 20">
+            <a:extLst>
+              <a:ext uri="{FF2B5EF4-FFF2-40B4-BE49-F238E27FC236}">
+                <a16:creationId xmlns:a16="http://schemas.microsoft.com/office/drawing/2014/main" id="{6B7DB4C4-8CF7-F2FC-56E3-10BBF82894B5}"/>
               </a:ext>
             </a:extLst>
           </p:cNvPr>
@@ -21873,7 +21967,7 @@
         </p:nvSpPr>
         <p:spPr>
           <a:xfrm>
-            <a:off x="4445353" y="2576728"/>
+            <a:off x="4824023" y="3164205"/>
             <a:ext cx="1019969" cy="338554"/>
           </a:xfrm>
           <a:prstGeom prst="rect">
@@ -21895,48 +21989,12 @@
           </a:p>
         </p:txBody>
       </p:sp>
-      <p:pic>
-        <p:nvPicPr>
-          <p:cNvPr id="7" name="Grafik 6" descr="Ein Bild, das Text, Schrift, Screenshot, Zahl enthält.&#10;&#10;Automatisch generierte Beschreibung">
-            <a:extLst>
-              <a:ext uri="{FF2B5EF4-FFF2-40B4-BE49-F238E27FC236}">
-                <a16:creationId xmlns:a16="http://schemas.microsoft.com/office/drawing/2014/main" id="{D8F4DB85-4381-BE92-BB08-7A049A4A5299}"/>
-              </a:ext>
-            </a:extLst>
-          </p:cNvPr>
-          <p:cNvPicPr>
-            <a:picLocks noChangeAspect="1"/>
-          </p:cNvPicPr>
-          <p:nvPr/>
-        </p:nvPicPr>
-        <p:blipFill>
-          <a:blip r:embed="rId10">
-            <a:extLst>
-              <a:ext uri="{28A0092B-C50C-407E-A947-70E740481C1C}">
-                <a14:useLocalDpi xmlns:a14="http://schemas.microsoft.com/office/drawing/2010/main" val="0"/>
-              </a:ext>
-            </a:extLst>
-          </a:blip>
-          <a:stretch>
-            <a:fillRect/>
-          </a:stretch>
-        </p:blipFill>
-        <p:spPr>
-          <a:xfrm>
-            <a:off x="101600" y="408738"/>
-            <a:ext cx="1623567" cy="591006"/>
-          </a:xfrm>
-          <a:prstGeom prst="rect">
-            <a:avLst/>
-          </a:prstGeom>
-        </p:spPr>
-      </p:pic>
-      <p:sp>
-        <p:nvSpPr>
-          <p:cNvPr id="17" name="Rechteck 16">
-            <a:extLst>
-              <a:ext uri="{FF2B5EF4-FFF2-40B4-BE49-F238E27FC236}">
-                <a16:creationId xmlns:a16="http://schemas.microsoft.com/office/drawing/2014/main" id="{308F9BDB-C616-273B-270D-56EAC229EC5A}"/>
+      <p:sp>
+        <p:nvSpPr>
+          <p:cNvPr id="22" name="Rechteck 21">
+            <a:extLst>
+              <a:ext uri="{FF2B5EF4-FFF2-40B4-BE49-F238E27FC236}">
+                <a16:creationId xmlns:a16="http://schemas.microsoft.com/office/drawing/2014/main" id="{9CF6AE01-8B66-C757-FC7A-E672D09722E6}"/>
               </a:ext>
             </a:extLst>
           </p:cNvPr>
@@ -21945,7 +22003,7 @@
         </p:nvSpPr>
         <p:spPr>
           <a:xfrm>
-            <a:off x="890852" y="528402"/>
+            <a:off x="2545915" y="2532219"/>
             <a:ext cx="1019969" cy="363954"/>
           </a:xfrm>
           <a:prstGeom prst="rect">
@@ -21991,10 +22049,10 @@
       </p:sp>
       <p:sp>
         <p:nvSpPr>
-          <p:cNvPr id="18" name="Textfeld 17">
-            <a:extLst>
-              <a:ext uri="{FF2B5EF4-FFF2-40B4-BE49-F238E27FC236}">
-                <a16:creationId xmlns:a16="http://schemas.microsoft.com/office/drawing/2014/main" id="{44770639-B35F-0C20-14C3-60208E3AE71E}"/>
+          <p:cNvPr id="23" name="Textfeld 22">
+            <a:extLst>
+              <a:ext uri="{FF2B5EF4-FFF2-40B4-BE49-F238E27FC236}">
+                <a16:creationId xmlns:a16="http://schemas.microsoft.com/office/drawing/2014/main" id="{0100B5AA-C406-CC9F-8634-2639348D442F}"/>
               </a:ext>
             </a:extLst>
           </p:cNvPr>
@@ -22003,7 +22061,7 @@
         </p:nvSpPr>
         <p:spPr>
           <a:xfrm>
-            <a:off x="890852" y="553801"/>
+            <a:off x="2545915" y="2557618"/>
             <a:ext cx="1019969" cy="338554"/>
           </a:xfrm>
           <a:prstGeom prst="rect">
@@ -22020,7 +22078,7 @@
             <a:pPr algn="ctr"/>
             <a:r>
               <a:rPr lang="en-US" sz="1600" dirty="0"/>
-              <a:t>COUNT</a:t>
+              <a:t>INSERT</a:t>
             </a:r>
           </a:p>
         </p:txBody>
@@ -22028,7 +22086,7 @@
     </p:spTree>
     <p:extLst>
       <p:ext uri="{BB962C8B-B14F-4D97-AF65-F5344CB8AC3E}">
-        <p14:creationId xmlns:p14="http://schemas.microsoft.com/office/powerpoint/2010/main" val="3123339512"/>
+        <p14:creationId xmlns:p14="http://schemas.microsoft.com/office/powerpoint/2010/main" val="4095095417"/>
       </p:ext>
     </p:extLst>
   </p:cSld>
